--- a/Presentations/Open Repositories 2015/ORCommunities.pptx
+++ b/Presentations/Open Repositories 2015/ORCommunities.pptx
@@ -5,9 +5,9 @@
     <p:sldMasterId id="2147483648" r:id="rId1"/>
   </p:sldMasterIdLst>
   <p:sldIdLst>
-    <p:sldId id="256" r:id="rId2"/>
-    <p:sldId id="257" r:id="rId3"/>
-    <p:sldId id="258" r:id="rId4"/>
+    <p:sldId id="257" r:id="rId2"/>
+    <p:sldId id="258" r:id="rId3"/>
+    <p:sldId id="259" r:id="rId4"/>
   </p:sldIdLst>
   <p:sldSz cx="9144000" cy="6858000" type="screen4x3"/>
   <p:notesSz cx="6858000" cy="9144000"/>
@@ -3083,134 +3083,6 @@
 <file path=ppt/slides/slide1.xml><?xml version="1.0" encoding="utf-8"?>
 <p:sld xmlns:a="http://schemas.openxmlformats.org/drawingml/2006/main" xmlns:r="http://schemas.openxmlformats.org/officeDocument/2006/relationships" xmlns:p="http://schemas.openxmlformats.org/presentationml/2006/main">
   <p:cSld>
-    <p:bg>
-      <p:bgPr>
-        <a:solidFill>
-          <a:schemeClr val="bg1">
-            <a:lumMod val="85000"/>
-          </a:schemeClr>
-        </a:solidFill>
-        <a:effectLst/>
-      </p:bgPr>
-    </p:bg>
-    <p:spTree>
-      <p:nvGrpSpPr>
-        <p:cNvPr id="1" name=""/>
-        <p:cNvGrpSpPr/>
-        <p:nvPr/>
-      </p:nvGrpSpPr>
-      <p:grpSpPr>
-        <a:xfrm>
-          <a:off x="0" y="0"/>
-          <a:ext cx="0" cy="0"/>
-          <a:chOff x="0" y="0"/>
-          <a:chExt cx="0" cy="0"/>
-        </a:xfrm>
-      </p:grpSpPr>
-      <p:sp>
-        <p:nvSpPr>
-          <p:cNvPr id="6" name="TextBox 5"/>
-          <p:cNvSpPr txBox="1"/>
-          <p:nvPr/>
-        </p:nvSpPr>
-        <p:spPr>
-          <a:xfrm>
-            <a:off x="183607" y="214193"/>
-            <a:ext cx="8767223" cy="954107"/>
-          </a:xfrm>
-          <a:prstGeom prst="rect">
-            <a:avLst/>
-          </a:prstGeom>
-          <a:solidFill>
-            <a:schemeClr val="bg1"/>
-          </a:solidFill>
-        </p:spPr>
-        <p:txBody>
-          <a:bodyPr wrap="square" rtlCol="0">
-            <a:spAutoFit/>
-          </a:bodyPr>
-          <a:lstStyle/>
-          <a:p>
-            <a:pPr algn="ctr"/>
-            <a:r>
-              <a:rPr lang="en-US" sz="2800" dirty="0" smtClean="0"/>
-              <a:t>Leveraging Communities to Highlight Scholarly Repository Content</a:t>
-            </a:r>
-            <a:endParaRPr lang="en-US" sz="2800" dirty="0"/>
-          </a:p>
-        </p:txBody>
-      </p:sp>
-      <p:sp>
-        <p:nvSpPr>
-          <p:cNvPr id="8" name="Rectangle 7"/>
-          <p:cNvSpPr/>
-          <p:nvPr/>
-        </p:nvSpPr>
-        <p:spPr>
-          <a:xfrm>
-            <a:off x="183607" y="214193"/>
-            <a:ext cx="8767223" cy="6471688"/>
-          </a:xfrm>
-          <a:prstGeom prst="rect">
-            <a:avLst/>
-          </a:prstGeom>
-          <a:noFill/>
-          <a:ln w="76200" cmpd="sng">
-            <a:solidFill>
-              <a:schemeClr val="tx1">
-                <a:lumMod val="65000"/>
-                <a:lumOff val="35000"/>
-              </a:schemeClr>
-            </a:solidFill>
-          </a:ln>
-          <a:effectLst/>
-        </p:spPr>
-        <p:style>
-          <a:lnRef idx="1">
-            <a:schemeClr val="accent1"/>
-          </a:lnRef>
-          <a:fillRef idx="3">
-            <a:schemeClr val="accent1"/>
-          </a:fillRef>
-          <a:effectRef idx="2">
-            <a:schemeClr val="accent1"/>
-          </a:effectRef>
-          <a:fontRef idx="minor">
-            <a:schemeClr val="lt1"/>
-          </a:fontRef>
-        </p:style>
-        <p:txBody>
-          <a:bodyPr rtlCol="0" anchor="ctr"/>
-          <a:lstStyle/>
-          <a:p>
-            <a:pPr algn="ctr"/>
-            <a:endParaRPr lang="en-US"/>
-          </a:p>
-        </p:txBody>
-      </p:sp>
-    </p:spTree>
-    <p:extLst>
-      <p:ext uri="{BB962C8B-B14F-4D97-AF65-F5344CB8AC3E}">
-        <p14:creationId xmlns:p14="http://schemas.microsoft.com/office/powerpoint/2010/main" val="1053860539"/>
-      </p:ext>
-    </p:extLst>
-  </p:cSld>
-  <p:clrMapOvr>
-    <a:masterClrMapping/>
-  </p:clrMapOvr>
-  <p:timing>
-    <p:tnLst>
-      <p:par>
-        <p:cTn xmlns:p14="http://schemas.microsoft.com/office/powerpoint/2010/main" id="1" dur="indefinite" restart="never" nodeType="tmRoot"/>
-      </p:par>
-    </p:tnLst>
-  </p:timing>
-</p:sld>
-</file>
-
-<file path=ppt/slides/slide2.xml><?xml version="1.0" encoding="utf-8"?>
-<p:sld xmlns:a="http://schemas.openxmlformats.org/drawingml/2006/main" xmlns:r="http://schemas.openxmlformats.org/officeDocument/2006/relationships" xmlns:p="http://schemas.openxmlformats.org/presentationml/2006/main">
-  <p:cSld>
     <p:spTree>
       <p:nvGrpSpPr>
         <p:cNvPr id="1" name=""/>
@@ -3292,7 +3164,7 @@
         </p:blipFill>
         <p:spPr>
           <a:xfrm>
-            <a:off x="3794774" y="91863"/>
+            <a:off x="3854887" y="91863"/>
             <a:ext cx="5044425" cy="829922"/>
           </a:xfrm>
           <a:prstGeom prst="rect">
@@ -3516,7 +3388,7 @@
         </p:blipFill>
         <p:spPr>
           <a:xfrm>
-            <a:off x="373496" y="166745"/>
+            <a:off x="304800" y="166745"/>
             <a:ext cx="3476696" cy="755040"/>
           </a:xfrm>
           <a:prstGeom prst="rect">
@@ -3550,18 +3422,34 @@
           <a:p>
             <a:pPr algn="ctr"/>
             <a:r>
-              <a:rPr lang="en-US" sz="2400" dirty="0" smtClean="0"/>
+              <a:rPr lang="en-US" sz="2400" dirty="0" smtClean="0">
+                <a:solidFill>
+                  <a:srgbClr val="1C2939"/>
+                </a:solidFill>
+              </a:rPr>
               <a:t>Leveraging Communities to Highlight </a:t>
             </a:r>
             <a:r>
-              <a:rPr lang="en-US" sz="2400" dirty="0" smtClean="0"/>
+              <a:rPr lang="en-US" sz="2400" dirty="0" smtClean="0">
+                <a:solidFill>
+                  <a:srgbClr val="1C2939"/>
+                </a:solidFill>
+              </a:rPr>
               <a:t>Scholarly </a:t>
             </a:r>
             <a:r>
-              <a:rPr lang="en-US" sz="2400" dirty="0" smtClean="0"/>
+              <a:rPr lang="en-US" sz="2400" dirty="0" smtClean="0">
+                <a:solidFill>
+                  <a:srgbClr val="1C2939"/>
+                </a:solidFill>
+              </a:rPr>
               <a:t>Content</a:t>
             </a:r>
-            <a:endParaRPr lang="en-US" sz="2400" dirty="0"/>
+            <a:endParaRPr lang="en-US" sz="2400" dirty="0">
+              <a:solidFill>
+                <a:srgbClr val="1C2939"/>
+              </a:solidFill>
+            </a:endParaRPr>
           </a:p>
         </p:txBody>
       </p:sp>
@@ -3608,8 +3496,8 @@
         </p:nvSpPr>
         <p:spPr>
           <a:xfrm>
-            <a:off x="799561" y="1756151"/>
-            <a:ext cx="7431215" cy="307777"/>
+            <a:off x="799561" y="1602262"/>
+            <a:ext cx="7431215" cy="646331"/>
           </a:xfrm>
           <a:prstGeom prst="rect">
             <a:avLst/>
@@ -3623,34 +3511,103 @@
           <a:lstStyle/>
           <a:p>
             <a:r>
-              <a:rPr lang="en-US" sz="1400" dirty="0" smtClean="0"/>
+              <a:rPr lang="en-US" sz="1200" dirty="0" smtClean="0">
+                <a:solidFill>
+                  <a:srgbClr val="1C2939"/>
+                </a:solidFill>
+              </a:rPr>
               <a:t>Text text text text </a:t>
             </a:r>
             <a:r>
-              <a:rPr lang="en-US" sz="1400" dirty="0"/>
+              <a:rPr lang="en-US" sz="1200" dirty="0">
+                <a:solidFill>
+                  <a:srgbClr val="1C2939"/>
+                </a:solidFill>
+              </a:rPr>
               <a:t>Text text text </a:t>
             </a:r>
             <a:r>
-              <a:rPr lang="en-US" sz="1400" dirty="0" smtClean="0"/>
+              <a:rPr lang="en-US" sz="1200" dirty="0" smtClean="0">
+                <a:solidFill>
+                  <a:srgbClr val="1C2939"/>
+                </a:solidFill>
+              </a:rPr>
               <a:t>text </a:t>
             </a:r>
             <a:r>
-              <a:rPr lang="en-US" sz="1400" dirty="0"/>
+              <a:rPr lang="en-US" sz="1200" dirty="0">
+                <a:solidFill>
+                  <a:srgbClr val="1C2939"/>
+                </a:solidFill>
+              </a:rPr>
               <a:t>Text text text </a:t>
             </a:r>
             <a:r>
-              <a:rPr lang="en-US" sz="1400" dirty="0" smtClean="0"/>
+              <a:rPr lang="en-US" sz="1200" dirty="0" smtClean="0">
+                <a:solidFill>
+                  <a:srgbClr val="1C2939"/>
+                </a:solidFill>
+              </a:rPr>
               <a:t>text </a:t>
             </a:r>
             <a:r>
-              <a:rPr lang="en-US" sz="1400" dirty="0"/>
+              <a:rPr lang="en-US" sz="1200" dirty="0">
+                <a:solidFill>
+                  <a:srgbClr val="1C2939"/>
+                </a:solidFill>
+              </a:rPr>
               <a:t>Text text text text Text text text text </a:t>
             </a:r>
             <a:r>
-              <a:rPr lang="en-US" sz="1400" dirty="0" smtClean="0"/>
-              <a:t>Text</a:t>
-            </a:r>
-            <a:endParaRPr lang="en-US" sz="1400" dirty="0"/>
+              <a:rPr lang="en-US" sz="1200" dirty="0" smtClean="0">
+                <a:solidFill>
+                  <a:srgbClr val="1C2939"/>
+                </a:solidFill>
+              </a:rPr>
+              <a:t>Text </a:t>
+            </a:r>
+            <a:r>
+              <a:rPr lang="en-US" sz="1200" dirty="0">
+                <a:solidFill>
+                  <a:srgbClr val="1C2939"/>
+                </a:solidFill>
+              </a:rPr>
+              <a:t>Text text text text Text text text text Text text text text Text text text text Text text text text </a:t>
+            </a:r>
+            <a:r>
+              <a:rPr lang="en-US" sz="1200" dirty="0" smtClean="0">
+                <a:solidFill>
+                  <a:srgbClr val="1C2939"/>
+                </a:solidFill>
+              </a:rPr>
+              <a:t>Text </a:t>
+            </a:r>
+            <a:r>
+              <a:rPr lang="en-US" sz="1200" dirty="0">
+                <a:solidFill>
+                  <a:srgbClr val="1C2939"/>
+                </a:solidFill>
+              </a:rPr>
+              <a:t> text text text Text Text text text text </a:t>
+            </a:r>
+          </a:p>
+          <a:p>
+            <a:r>
+              <a:rPr lang="en-US" sz="1200" dirty="0" smtClean="0">
+                <a:solidFill>
+                  <a:srgbClr val="1C2939"/>
+                </a:solidFill>
+              </a:rPr>
+              <a:t>Text text text text Text text text text Text text text text Text text text text Text text text text Text </a:t>
+            </a:r>
+            <a:r>
+              <a:rPr lang="en-US" sz="1200" dirty="0">
+                <a:solidFill>
+                  <a:srgbClr val="1C2939"/>
+                </a:solidFill>
+              </a:rPr>
+              <a:t> Text text text text </a:t>
+            </a:r>
           </a:p>
         </p:txBody>
       </p:sp>
@@ -3676,7 +3633,7 @@
         </p:blipFill>
         <p:spPr>
           <a:xfrm>
-            <a:off x="799561" y="2320626"/>
+            <a:off x="486008" y="2063927"/>
             <a:ext cx="2937739" cy="1683601"/>
           </a:xfrm>
           <a:prstGeom prst="rect">
@@ -3684,10 +3641,695 @@
           </a:prstGeom>
         </p:spPr>
       </p:pic>
+      <p:cxnSp>
+        <p:nvCxnSpPr>
+          <p:cNvPr id="21" name="Straight Connector 20"/>
+          <p:cNvCxnSpPr/>
+          <p:nvPr/>
+        </p:nvCxnSpPr>
+        <p:spPr>
+          <a:xfrm>
+            <a:off x="101600" y="1602262"/>
+            <a:ext cx="8860423" cy="0"/>
+          </a:xfrm>
+          <a:prstGeom prst="line">
+            <a:avLst/>
+          </a:prstGeom>
+          <a:ln w="76200" cmpd="sng">
+            <a:solidFill>
+              <a:srgbClr val="E8EEED"/>
+            </a:solidFill>
+          </a:ln>
+          <a:effectLst/>
+        </p:spPr>
+        <p:style>
+          <a:lnRef idx="2">
+            <a:schemeClr val="accent1"/>
+          </a:lnRef>
+          <a:fillRef idx="0">
+            <a:schemeClr val="accent1"/>
+          </a:fillRef>
+          <a:effectRef idx="1">
+            <a:schemeClr val="accent1"/>
+          </a:effectRef>
+          <a:fontRef idx="minor">
+            <a:schemeClr val="tx1"/>
+          </a:fontRef>
+        </p:style>
+      </p:cxnSp>
     </p:spTree>
     <p:extLst>
       <p:ext uri="{BB962C8B-B14F-4D97-AF65-F5344CB8AC3E}">
         <p14:creationId xmlns:p14="http://schemas.microsoft.com/office/powerpoint/2010/main" val="1116421809"/>
+      </p:ext>
+    </p:extLst>
+  </p:cSld>
+  <p:clrMapOvr>
+    <a:masterClrMapping/>
+  </p:clrMapOvr>
+  <p:timing>
+    <p:tnLst>
+      <p:par>
+        <p:cTn xmlns:p14="http://schemas.microsoft.com/office/powerpoint/2010/main" id="1" dur="indefinite" restart="never" nodeType="tmRoot"/>
+      </p:par>
+    </p:tnLst>
+  </p:timing>
+</p:sld>
+</file>
+
+<file path=ppt/slides/slide2.xml><?xml version="1.0" encoding="utf-8"?>
+<p:sld xmlns:a="http://schemas.openxmlformats.org/drawingml/2006/main" xmlns:r="http://schemas.openxmlformats.org/officeDocument/2006/relationships" xmlns:p="http://schemas.openxmlformats.org/presentationml/2006/main">
+  <p:cSld>
+    <p:spTree>
+      <p:nvGrpSpPr>
+        <p:cNvPr id="1" name=""/>
+        <p:cNvGrpSpPr/>
+        <p:nvPr/>
+      </p:nvGrpSpPr>
+      <p:grpSpPr>
+        <a:xfrm>
+          <a:off x="0" y="0"/>
+          <a:ext cx="0" cy="0"/>
+          <a:chOff x="0" y="0"/>
+          <a:chExt cx="0" cy="0"/>
+        </a:xfrm>
+      </p:grpSpPr>
+      <p:sp>
+        <p:nvSpPr>
+          <p:cNvPr id="2" name="Rectangle 1"/>
+          <p:cNvSpPr/>
+          <p:nvPr/>
+        </p:nvSpPr>
+        <p:spPr>
+          <a:xfrm>
+            <a:off x="0" y="0"/>
+            <a:ext cx="9144000" cy="1417833"/>
+          </a:xfrm>
+          <a:prstGeom prst="rect">
+            <a:avLst/>
+          </a:prstGeom>
+          <a:solidFill>
+            <a:srgbClr val="E8EDEE"/>
+          </a:solidFill>
+          <a:ln>
+            <a:noFill/>
+          </a:ln>
+          <a:effectLst/>
+        </p:spPr>
+        <p:style>
+          <a:lnRef idx="1">
+            <a:schemeClr val="accent1"/>
+          </a:lnRef>
+          <a:fillRef idx="3">
+            <a:schemeClr val="accent1"/>
+          </a:fillRef>
+          <a:effectRef idx="2">
+            <a:schemeClr val="accent1"/>
+          </a:effectRef>
+          <a:fontRef idx="minor">
+            <a:schemeClr val="lt1"/>
+          </a:fontRef>
+        </p:style>
+        <p:txBody>
+          <a:bodyPr rtlCol="0" anchor="ctr"/>
+          <a:lstStyle/>
+          <a:p>
+            <a:pPr algn="ctr"/>
+            <a:endParaRPr lang="en-US"/>
+          </a:p>
+        </p:txBody>
+      </p:sp>
+      <p:pic>
+        <p:nvPicPr>
+          <p:cNvPr id="8" name="Picture 7" descr="DRS front page hero.png"/>
+          <p:cNvPicPr>
+            <a:picLocks noChangeAspect="1"/>
+          </p:cNvPicPr>
+          <p:nvPr/>
+        </p:nvPicPr>
+        <p:blipFill>
+          <a:blip r:embed="rId2">
+            <a:extLst>
+              <a:ext uri="{28A0092B-C50C-407E-A947-70E740481C1C}">
+                <a14:useLocalDpi xmlns:a14="http://schemas.microsoft.com/office/drawing/2010/main" val="0"/>
+              </a:ext>
+            </a:extLst>
+          </a:blip>
+          <a:stretch>
+            <a:fillRect/>
+          </a:stretch>
+        </p:blipFill>
+        <p:spPr>
+          <a:xfrm>
+            <a:off x="315262" y="696291"/>
+            <a:ext cx="3158276" cy="519608"/>
+          </a:xfrm>
+          <a:prstGeom prst="rect">
+            <a:avLst/>
+          </a:prstGeom>
+        </p:spPr>
+      </p:pic>
+      <p:sp>
+        <p:nvSpPr>
+          <p:cNvPr id="10" name="Rectangle 9"/>
+          <p:cNvSpPr/>
+          <p:nvPr/>
+        </p:nvSpPr>
+        <p:spPr>
+          <a:xfrm>
+            <a:off x="0" y="3"/>
+            <a:ext cx="304800" cy="6857997"/>
+          </a:xfrm>
+          <a:prstGeom prst="rect">
+            <a:avLst/>
+          </a:prstGeom>
+          <a:solidFill>
+            <a:srgbClr val="E8EDEE"/>
+          </a:solidFill>
+          <a:ln>
+            <a:noFill/>
+          </a:ln>
+          <a:effectLst/>
+        </p:spPr>
+        <p:style>
+          <a:lnRef idx="1">
+            <a:schemeClr val="accent1"/>
+          </a:lnRef>
+          <a:fillRef idx="3">
+            <a:schemeClr val="accent1"/>
+          </a:fillRef>
+          <a:effectRef idx="2">
+            <a:schemeClr val="accent1"/>
+          </a:effectRef>
+          <a:fontRef idx="minor">
+            <a:schemeClr val="lt1"/>
+          </a:fontRef>
+        </p:style>
+        <p:txBody>
+          <a:bodyPr rtlCol="0" anchor="ctr"/>
+          <a:lstStyle/>
+          <a:p>
+            <a:pPr algn="ctr"/>
+            <a:endParaRPr lang="en-US"/>
+          </a:p>
+        </p:txBody>
+      </p:sp>
+      <p:sp>
+        <p:nvSpPr>
+          <p:cNvPr id="13" name="Rectangle 12"/>
+          <p:cNvSpPr/>
+          <p:nvPr/>
+        </p:nvSpPr>
+        <p:spPr>
+          <a:xfrm>
+            <a:off x="8839200" y="3"/>
+            <a:ext cx="304800" cy="6857997"/>
+          </a:xfrm>
+          <a:prstGeom prst="rect">
+            <a:avLst/>
+          </a:prstGeom>
+          <a:solidFill>
+            <a:srgbClr val="E8EDEE"/>
+          </a:solidFill>
+          <a:ln>
+            <a:noFill/>
+          </a:ln>
+          <a:effectLst/>
+        </p:spPr>
+        <p:style>
+          <a:lnRef idx="1">
+            <a:schemeClr val="accent1"/>
+          </a:lnRef>
+          <a:fillRef idx="3">
+            <a:schemeClr val="accent1"/>
+          </a:fillRef>
+          <a:effectRef idx="2">
+            <a:schemeClr val="accent1"/>
+          </a:effectRef>
+          <a:fontRef idx="minor">
+            <a:schemeClr val="lt1"/>
+          </a:fontRef>
+        </p:style>
+        <p:txBody>
+          <a:bodyPr rtlCol="0" anchor="ctr"/>
+          <a:lstStyle/>
+          <a:p>
+            <a:pPr algn="ctr"/>
+            <a:endParaRPr lang="en-US"/>
+          </a:p>
+        </p:txBody>
+      </p:sp>
+      <p:sp>
+        <p:nvSpPr>
+          <p:cNvPr id="14" name="Rectangle 13"/>
+          <p:cNvSpPr/>
+          <p:nvPr/>
+        </p:nvSpPr>
+        <p:spPr>
+          <a:xfrm rot="5400000">
+            <a:off x="4228583" y="2124561"/>
+            <a:ext cx="504856" cy="8962023"/>
+          </a:xfrm>
+          <a:prstGeom prst="rect">
+            <a:avLst/>
+          </a:prstGeom>
+          <a:solidFill>
+            <a:srgbClr val="E8EDEE"/>
+          </a:solidFill>
+          <a:ln>
+            <a:noFill/>
+          </a:ln>
+          <a:effectLst/>
+        </p:spPr>
+        <p:style>
+          <a:lnRef idx="1">
+            <a:schemeClr val="accent1"/>
+          </a:lnRef>
+          <a:fillRef idx="3">
+            <a:schemeClr val="accent1"/>
+          </a:fillRef>
+          <a:effectRef idx="2">
+            <a:schemeClr val="accent1"/>
+          </a:effectRef>
+          <a:fontRef idx="minor">
+            <a:schemeClr val="lt1"/>
+          </a:fontRef>
+        </p:style>
+        <p:txBody>
+          <a:bodyPr rtlCol="0" anchor="ctr"/>
+          <a:lstStyle/>
+          <a:p>
+            <a:pPr algn="ctr"/>
+            <a:endParaRPr lang="en-US"/>
+          </a:p>
+        </p:txBody>
+      </p:sp>
+      <p:sp>
+        <p:nvSpPr>
+          <p:cNvPr id="18" name="TextBox 17"/>
+          <p:cNvSpPr txBox="1"/>
+          <p:nvPr/>
+        </p:nvSpPr>
+        <p:spPr>
+          <a:xfrm>
+            <a:off x="1573752" y="6353145"/>
+            <a:ext cx="5901492" cy="400110"/>
+          </a:xfrm>
+          <a:prstGeom prst="rect">
+            <a:avLst/>
+          </a:prstGeom>
+          <a:noFill/>
+        </p:spPr>
+        <p:txBody>
+          <a:bodyPr wrap="square" rtlCol="0">
+            <a:spAutoFit/>
+          </a:bodyPr>
+          <a:lstStyle/>
+          <a:p>
+            <a:pPr algn="ctr"/>
+            <a:r>
+              <a:rPr lang="en-US" sz="2000" dirty="0">
+                <a:solidFill>
+                  <a:schemeClr val="accent1">
+                    <a:lumMod val="75000"/>
+                  </a:schemeClr>
+                </a:solidFill>
+                <a:latin typeface="Calibri (Body)"/>
+                <a:cs typeface="Calibri (Body)"/>
+              </a:rPr>
+              <a:t>https://</a:t>
+            </a:r>
+            <a:r>
+              <a:rPr lang="en-US" sz="2000" dirty="0" err="1" smtClean="0">
+                <a:solidFill>
+                  <a:schemeClr val="accent1">
+                    <a:lumMod val="75000"/>
+                  </a:schemeClr>
+                </a:solidFill>
+                <a:latin typeface="Calibri (Body)"/>
+                <a:cs typeface="Calibri (Body)"/>
+              </a:rPr>
+              <a:t>repository.library.northeastern.edu</a:t>
+            </a:r>
+            <a:endParaRPr lang="en-US" sz="2000" dirty="0">
+              <a:solidFill>
+                <a:schemeClr val="accent1">
+                  <a:lumMod val="75000"/>
+                </a:schemeClr>
+              </a:solidFill>
+              <a:latin typeface="Calibri (Body)"/>
+              <a:cs typeface="Calibri (Body)"/>
+            </a:endParaRPr>
+          </a:p>
+        </p:txBody>
+      </p:sp>
+      <p:pic>
+        <p:nvPicPr>
+          <p:cNvPr id="5" name="Picture 4" descr="2014-10-30_1045.png"/>
+          <p:cNvPicPr>
+            <a:picLocks noChangeAspect="1"/>
+          </p:cNvPicPr>
+          <p:nvPr/>
+        </p:nvPicPr>
+        <p:blipFill>
+          <a:blip r:embed="rId3">
+            <a:extLst>
+              <a:ext uri="{28A0092B-C50C-407E-A947-70E740481C1C}">
+                <a14:useLocalDpi xmlns:a14="http://schemas.microsoft.com/office/drawing/2010/main" val="0"/>
+              </a:ext>
+            </a:extLst>
+          </a:blip>
+          <a:stretch>
+            <a:fillRect/>
+          </a:stretch>
+        </p:blipFill>
+        <p:spPr>
+          <a:xfrm>
+            <a:off x="315261" y="186787"/>
+            <a:ext cx="2388865" cy="518794"/>
+          </a:xfrm>
+          <a:prstGeom prst="rect">
+            <a:avLst/>
+          </a:prstGeom>
+        </p:spPr>
+      </p:pic>
+      <p:sp>
+        <p:nvSpPr>
+          <p:cNvPr id="16" name="TextBox 15"/>
+          <p:cNvSpPr txBox="1"/>
+          <p:nvPr/>
+        </p:nvSpPr>
+        <p:spPr>
+          <a:xfrm>
+            <a:off x="2704126" y="188922"/>
+            <a:ext cx="6135072" cy="830997"/>
+          </a:xfrm>
+          <a:prstGeom prst="rect">
+            <a:avLst/>
+          </a:prstGeom>
+          <a:solidFill>
+            <a:schemeClr val="bg1"/>
+          </a:solidFill>
+        </p:spPr>
+        <p:txBody>
+          <a:bodyPr wrap="square" rtlCol="0" anchor="ctr">
+            <a:spAutoFit/>
+          </a:bodyPr>
+          <a:lstStyle/>
+          <a:p>
+            <a:pPr algn="ctr"/>
+            <a:r>
+              <a:rPr lang="en-US" sz="2400" dirty="0" smtClean="0">
+                <a:solidFill>
+                  <a:srgbClr val="1C2939"/>
+                </a:solidFill>
+              </a:rPr>
+              <a:t>Using Communities to Highlight </a:t>
+            </a:r>
+            <a:r>
+              <a:rPr lang="en-US" sz="2400" dirty="0" smtClean="0">
+                <a:solidFill>
+                  <a:srgbClr val="1C2939"/>
+                </a:solidFill>
+              </a:rPr>
+              <a:t>Scholarly </a:t>
+            </a:r>
+            <a:r>
+              <a:rPr lang="en-US" sz="2400" dirty="0" smtClean="0">
+                <a:solidFill>
+                  <a:srgbClr val="1C2939"/>
+                </a:solidFill>
+              </a:rPr>
+              <a:t>Content</a:t>
+            </a:r>
+            <a:endParaRPr lang="en-US" sz="2400" dirty="0">
+              <a:solidFill>
+                <a:srgbClr val="1C2939"/>
+              </a:solidFill>
+            </a:endParaRPr>
+          </a:p>
+        </p:txBody>
+      </p:sp>
+      <p:pic>
+        <p:nvPicPr>
+          <p:cNvPr id="11" name="Picture 10" descr="SmartCollections3.jpg"/>
+          <p:cNvPicPr>
+            <a:picLocks noChangeAspect="1"/>
+          </p:cNvPicPr>
+          <p:nvPr/>
+        </p:nvPicPr>
+        <p:blipFill>
+          <a:blip r:embed="rId4">
+            <a:extLst>
+              <a:ext uri="{28A0092B-C50C-407E-A947-70E740481C1C}">
+                <a14:useLocalDpi xmlns:a14="http://schemas.microsoft.com/office/drawing/2010/main" val="0"/>
+              </a:ext>
+            </a:extLst>
+          </a:blip>
+          <a:stretch>
+            <a:fillRect/>
+          </a:stretch>
+        </p:blipFill>
+        <p:spPr>
+          <a:xfrm>
+            <a:off x="7275755" y="1706386"/>
+            <a:ext cx="1563444" cy="2658693"/>
+          </a:xfrm>
+          <a:prstGeom prst="rect">
+            <a:avLst/>
+          </a:prstGeom>
+          <a:ln>
+            <a:solidFill>
+              <a:srgbClr val="FF0000"/>
+            </a:solidFill>
+          </a:ln>
+        </p:spPr>
+      </p:pic>
+      <p:sp>
+        <p:nvSpPr>
+          <p:cNvPr id="12" name="TextBox 11"/>
+          <p:cNvSpPr txBox="1"/>
+          <p:nvPr/>
+        </p:nvSpPr>
+        <p:spPr>
+          <a:xfrm>
+            <a:off x="799561" y="1602262"/>
+            <a:ext cx="7431215" cy="646331"/>
+          </a:xfrm>
+          <a:prstGeom prst="rect">
+            <a:avLst/>
+          </a:prstGeom>
+          <a:noFill/>
+        </p:spPr>
+        <p:txBody>
+          <a:bodyPr wrap="square" rtlCol="0">
+            <a:spAutoFit/>
+          </a:bodyPr>
+          <a:lstStyle/>
+          <a:p>
+            <a:r>
+              <a:rPr lang="en-US" sz="1200" dirty="0" smtClean="0">
+                <a:solidFill>
+                  <a:srgbClr val="1C2939"/>
+                </a:solidFill>
+              </a:rPr>
+              <a:t>Text text text text </a:t>
+            </a:r>
+            <a:r>
+              <a:rPr lang="en-US" sz="1200" dirty="0">
+                <a:solidFill>
+                  <a:srgbClr val="1C2939"/>
+                </a:solidFill>
+              </a:rPr>
+              <a:t>Text text text </a:t>
+            </a:r>
+            <a:r>
+              <a:rPr lang="en-US" sz="1200" dirty="0" smtClean="0">
+                <a:solidFill>
+                  <a:srgbClr val="1C2939"/>
+                </a:solidFill>
+              </a:rPr>
+              <a:t>text </a:t>
+            </a:r>
+            <a:r>
+              <a:rPr lang="en-US" sz="1200" dirty="0">
+                <a:solidFill>
+                  <a:srgbClr val="1C2939"/>
+                </a:solidFill>
+              </a:rPr>
+              <a:t>Text text text </a:t>
+            </a:r>
+            <a:r>
+              <a:rPr lang="en-US" sz="1200" dirty="0" smtClean="0">
+                <a:solidFill>
+                  <a:srgbClr val="1C2939"/>
+                </a:solidFill>
+              </a:rPr>
+              <a:t>text </a:t>
+            </a:r>
+            <a:r>
+              <a:rPr lang="en-US" sz="1200" dirty="0">
+                <a:solidFill>
+                  <a:srgbClr val="1C2939"/>
+                </a:solidFill>
+              </a:rPr>
+              <a:t>Text text text text Text text text text </a:t>
+            </a:r>
+            <a:r>
+              <a:rPr lang="en-US" sz="1200" dirty="0" smtClean="0">
+                <a:solidFill>
+                  <a:srgbClr val="1C2939"/>
+                </a:solidFill>
+              </a:rPr>
+              <a:t>Text </a:t>
+            </a:r>
+            <a:r>
+              <a:rPr lang="en-US" sz="1200" dirty="0">
+                <a:solidFill>
+                  <a:srgbClr val="1C2939"/>
+                </a:solidFill>
+              </a:rPr>
+              <a:t>Text text text text Text text text text Text text text text Text text text text Text text text text </a:t>
+            </a:r>
+            <a:r>
+              <a:rPr lang="en-US" sz="1200" dirty="0" smtClean="0">
+                <a:solidFill>
+                  <a:srgbClr val="1C2939"/>
+                </a:solidFill>
+              </a:rPr>
+              <a:t>Text </a:t>
+            </a:r>
+            <a:r>
+              <a:rPr lang="en-US" sz="1200" dirty="0">
+                <a:solidFill>
+                  <a:srgbClr val="1C2939"/>
+                </a:solidFill>
+              </a:rPr>
+              <a:t> text text text Text Text text text text </a:t>
+            </a:r>
+          </a:p>
+          <a:p>
+            <a:r>
+              <a:rPr lang="en-US" sz="1200" dirty="0" smtClean="0">
+                <a:solidFill>
+                  <a:srgbClr val="1C2939"/>
+                </a:solidFill>
+              </a:rPr>
+              <a:t>Text text text text Text text text text Text text text text Text text text text Text text text text Text </a:t>
+            </a:r>
+            <a:r>
+              <a:rPr lang="en-US" sz="1200" dirty="0">
+                <a:solidFill>
+                  <a:srgbClr val="1C2939"/>
+                </a:solidFill>
+              </a:rPr>
+              <a:t> Text text text text </a:t>
+            </a:r>
+          </a:p>
+        </p:txBody>
+      </p:sp>
+      <p:pic>
+        <p:nvPicPr>
+          <p:cNvPr id="19" name="Picture 18" descr="2014-10-30_1012.png"/>
+          <p:cNvPicPr>
+            <a:picLocks noChangeAspect="1"/>
+          </p:cNvPicPr>
+          <p:nvPr/>
+        </p:nvPicPr>
+        <p:blipFill>
+          <a:blip r:embed="rId5">
+            <a:extLst>
+              <a:ext uri="{28A0092B-C50C-407E-A947-70E740481C1C}">
+                <a14:useLocalDpi xmlns:a14="http://schemas.microsoft.com/office/drawing/2010/main" val="0"/>
+              </a:ext>
+            </a:extLst>
+          </a:blip>
+          <a:stretch>
+            <a:fillRect/>
+          </a:stretch>
+        </p:blipFill>
+        <p:spPr>
+          <a:xfrm>
+            <a:off x="2704127" y="2766410"/>
+            <a:ext cx="3519907" cy="2017238"/>
+          </a:xfrm>
+          <a:prstGeom prst="rect">
+            <a:avLst/>
+          </a:prstGeom>
+        </p:spPr>
+      </p:pic>
+      <p:sp>
+        <p:nvSpPr>
+          <p:cNvPr id="3" name="TextBox 2"/>
+          <p:cNvSpPr txBox="1"/>
+          <p:nvPr/>
+        </p:nvSpPr>
+        <p:spPr>
+          <a:xfrm>
+            <a:off x="5050993" y="2248593"/>
+            <a:ext cx="2346082" cy="646331"/>
+          </a:xfrm>
+          <a:prstGeom prst="rect">
+            <a:avLst/>
+          </a:prstGeom>
+          <a:solidFill>
+            <a:srgbClr val="FFFFFF"/>
+          </a:solidFill>
+        </p:spPr>
+        <p:txBody>
+          <a:bodyPr wrap="square" rtlCol="0">
+            <a:spAutoFit/>
+          </a:bodyPr>
+          <a:lstStyle/>
+          <a:p>
+            <a:r>
+              <a:rPr lang="en-US" sz="1200" b="1" dirty="0" smtClean="0">
+                <a:solidFill>
+                  <a:srgbClr val="818181"/>
+                </a:solidFill>
+              </a:rPr>
+              <a:t>Sarah Sweeney</a:t>
+            </a:r>
+          </a:p>
+          <a:p>
+            <a:r>
+              <a:rPr lang="en-US" sz="1200" b="1" dirty="0" smtClean="0">
+                <a:solidFill>
+                  <a:srgbClr val="818181"/>
+                </a:solidFill>
+              </a:rPr>
+              <a:t>Digital Repository Manager</a:t>
+            </a:r>
+          </a:p>
+          <a:p>
+            <a:r>
+              <a:rPr lang="en-US" sz="1200" b="1" dirty="0" err="1">
+                <a:solidFill>
+                  <a:srgbClr val="818181"/>
+                </a:solidFill>
+              </a:rPr>
+              <a:t>s</a:t>
+            </a:r>
+            <a:r>
+              <a:rPr lang="en-US" sz="1200" b="1" dirty="0" err="1" smtClean="0">
+                <a:solidFill>
+                  <a:srgbClr val="818181"/>
+                </a:solidFill>
+              </a:rPr>
+              <a:t>j.sweeney@neu.edu</a:t>
+            </a:r>
+            <a:endParaRPr lang="en-US" sz="1200" b="1" dirty="0">
+              <a:solidFill>
+                <a:srgbClr val="818181"/>
+              </a:solidFill>
+            </a:endParaRPr>
+          </a:p>
+        </p:txBody>
+      </p:sp>
+    </p:spTree>
+    <p:extLst>
+      <p:ext uri="{BB962C8B-B14F-4D97-AF65-F5344CB8AC3E}">
+        <p14:creationId xmlns:p14="http://schemas.microsoft.com/office/powerpoint/2010/main" val="2625297081"/>
       </p:ext>
     </p:extLst>
   </p:cSld>
@@ -3723,14 +4365,14 @@
       </p:grpSpPr>
       <p:sp>
         <p:nvSpPr>
-          <p:cNvPr id="2" name="Rectangle 1"/>
+          <p:cNvPr id="14" name="Rectangle 13"/>
           <p:cNvSpPr/>
           <p:nvPr/>
         </p:nvSpPr>
         <p:spPr>
-          <a:xfrm>
-            <a:off x="0" y="0"/>
-            <a:ext cx="9144000" cy="993412"/>
+          <a:xfrm rot="5400000">
+            <a:off x="1142999" y="-1143000"/>
+            <a:ext cx="6858000" cy="9144000"/>
           </a:xfrm>
           <a:prstGeom prst="rect">
             <a:avLst/>
@@ -3762,56 +4404,29 @@
           <a:lstStyle/>
           <a:p>
             <a:pPr algn="ctr"/>
-            <a:endParaRPr lang="en-US"/>
-          </a:p>
-        </p:txBody>
-      </p:sp>
-      <p:pic>
-        <p:nvPicPr>
-          <p:cNvPr id="8" name="Picture 7" descr="DRS front page hero.png"/>
-          <p:cNvPicPr>
-            <a:picLocks noChangeAspect="1"/>
-          </p:cNvPicPr>
+            <a:endParaRPr lang="en-US">
+              <a:latin typeface="Helvetica"/>
+              <a:cs typeface="Helvetica"/>
+            </a:endParaRPr>
+          </a:p>
+        </p:txBody>
+      </p:sp>
+      <p:sp>
+        <p:nvSpPr>
+          <p:cNvPr id="33" name="Rectangle 32"/>
+          <p:cNvSpPr/>
           <p:nvPr/>
-        </p:nvPicPr>
-        <p:blipFill>
-          <a:blip r:embed="rId2">
-            <a:extLst>
-              <a:ext uri="{28A0092B-C50C-407E-A947-70E740481C1C}">
-                <a14:useLocalDpi xmlns:a14="http://schemas.microsoft.com/office/drawing/2010/main" val="0"/>
-              </a:ext>
-            </a:extLst>
-          </a:blip>
-          <a:stretch>
-            <a:fillRect/>
-          </a:stretch>
-        </p:blipFill>
+        </p:nvSpPr>
         <p:spPr>
           <a:xfrm>
-            <a:off x="1552935" y="3"/>
-            <a:ext cx="6038130" cy="993409"/>
-          </a:xfrm>
-          <a:prstGeom prst="rect">
-            <a:avLst/>
-          </a:prstGeom>
-        </p:spPr>
-      </p:pic>
-      <p:sp>
-        <p:nvSpPr>
-          <p:cNvPr id="10" name="Rectangle 9"/>
-          <p:cNvSpPr/>
-          <p:nvPr/>
-        </p:nvSpPr>
-        <p:spPr>
-          <a:xfrm>
-            <a:off x="0" y="3"/>
-            <a:ext cx="304800" cy="6857997"/>
+            <a:off x="208947" y="142755"/>
+            <a:ext cx="8710934" cy="754053"/>
           </a:xfrm>
           <a:prstGeom prst="rect">
             <a:avLst/>
           </a:prstGeom>
           <a:solidFill>
-            <a:srgbClr val="E8EDEE"/>
+            <a:schemeClr val="bg1"/>
           </a:solidFill>
           <a:ln>
             <a:noFill/>
@@ -3843,269 +4458,1865 @@
       </p:sp>
       <p:sp>
         <p:nvSpPr>
-          <p:cNvPr id="13" name="Rectangle 12"/>
-          <p:cNvSpPr/>
+          <p:cNvPr id="23" name="TextBox 22"/>
+          <p:cNvSpPr txBox="1"/>
           <p:nvPr/>
         </p:nvSpPr>
         <p:spPr>
           <a:xfrm>
-            <a:off x="8839200" y="3"/>
-            <a:ext cx="304800" cy="6857997"/>
+            <a:off x="208948" y="142755"/>
+            <a:ext cx="8710933" cy="461665"/>
           </a:xfrm>
           <a:prstGeom prst="rect">
             <a:avLst/>
           </a:prstGeom>
           <a:solidFill>
-            <a:srgbClr val="E8EDEE"/>
+            <a:schemeClr val="bg1"/>
           </a:solidFill>
-          <a:ln>
-            <a:noFill/>
-          </a:ln>
-          <a:effectLst/>
         </p:spPr>
-        <p:style>
-          <a:lnRef idx="1">
-            <a:schemeClr val="accent1"/>
-          </a:lnRef>
-          <a:fillRef idx="3">
-            <a:schemeClr val="accent1"/>
-          </a:fillRef>
-          <a:effectRef idx="2">
-            <a:schemeClr val="accent1"/>
-          </a:effectRef>
-          <a:fontRef idx="minor">
-            <a:schemeClr val="lt1"/>
-          </a:fontRef>
-        </p:style>
-        <p:txBody>
-          <a:bodyPr rtlCol="0" anchor="ctr"/>
+        <p:txBody>
+          <a:bodyPr wrap="square" rtlCol="0" anchor="ctr">
+            <a:spAutoFit/>
+          </a:bodyPr>
           <a:lstStyle/>
           <a:p>
-            <a:pPr algn="ctr"/>
-            <a:endParaRPr lang="en-US"/>
-          </a:p>
-        </p:txBody>
-      </p:sp>
-      <p:sp>
-        <p:nvSpPr>
-          <p:cNvPr id="14" name="Rectangle 13"/>
-          <p:cNvSpPr/>
+            <a:r>
+              <a:rPr lang="en-US" sz="2400" dirty="0" smtClean="0">
+                <a:solidFill>
+                  <a:srgbClr val="1C2939"/>
+                </a:solidFill>
+                <a:latin typeface="Helvetica"/>
+                <a:cs typeface="Helvetica"/>
+              </a:rPr>
+              <a:t>Using Communities to Highlight </a:t>
+            </a:r>
+            <a:r>
+              <a:rPr lang="en-US" sz="2400" dirty="0" smtClean="0">
+                <a:solidFill>
+                  <a:srgbClr val="1C2939"/>
+                </a:solidFill>
+                <a:latin typeface="Helvetica"/>
+                <a:cs typeface="Helvetica"/>
+              </a:rPr>
+              <a:t>Scholarly </a:t>
+            </a:r>
+            <a:r>
+              <a:rPr lang="en-US" sz="2400" dirty="0" smtClean="0">
+                <a:solidFill>
+                  <a:srgbClr val="1C2939"/>
+                </a:solidFill>
+                <a:latin typeface="Helvetica"/>
+                <a:cs typeface="Helvetica"/>
+              </a:rPr>
+              <a:t>Content</a:t>
+            </a:r>
+          </a:p>
+        </p:txBody>
+      </p:sp>
+      <p:sp>
+        <p:nvSpPr>
+          <p:cNvPr id="15" name="TextBox 14"/>
+          <p:cNvSpPr txBox="1"/>
           <p:nvPr/>
         </p:nvSpPr>
         <p:spPr>
-          <a:xfrm rot="5400000">
-            <a:off x="4328611" y="2224589"/>
-            <a:ext cx="304800" cy="8962023"/>
+          <a:xfrm>
+            <a:off x="208948" y="1130315"/>
+            <a:ext cx="2644588" cy="1117229"/>
           </a:xfrm>
           <a:prstGeom prst="rect">
             <a:avLst/>
           </a:prstGeom>
-          <a:solidFill>
-            <a:srgbClr val="E8EDEE"/>
-          </a:solidFill>
-          <a:ln>
-            <a:noFill/>
+          <a:noFill/>
+          <a:ln w="28575" cmpd="sng">
+            <a:solidFill>
+              <a:schemeClr val="tx1"/>
+            </a:solidFill>
           </a:ln>
-          <a:effectLst/>
         </p:spPr>
-        <p:style>
-          <a:lnRef idx="1">
-            <a:schemeClr val="accent1"/>
-          </a:lnRef>
-          <a:fillRef idx="3">
-            <a:schemeClr val="accent1"/>
-          </a:fillRef>
-          <a:effectRef idx="2">
-            <a:schemeClr val="accent1"/>
-          </a:effectRef>
-          <a:fontRef idx="minor">
-            <a:schemeClr val="lt1"/>
-          </a:fontRef>
-        </p:style>
-        <p:txBody>
-          <a:bodyPr rtlCol="0" anchor="ctr"/>
+        <p:txBody>
+          <a:bodyPr wrap="square" rtlCol="0">
+            <a:spAutoFit/>
+          </a:bodyPr>
           <a:lstStyle/>
           <a:p>
-            <a:pPr algn="ctr"/>
-            <a:endParaRPr lang="en-US"/>
-          </a:p>
-        </p:txBody>
-      </p:sp>
-      <p:sp>
-        <p:nvSpPr>
-          <p:cNvPr id="15" name="Title 10"/>
-          <p:cNvSpPr txBox="1">
-            <a:spLocks/>
-          </p:cNvSpPr>
+            <a:pPr>
+              <a:lnSpc>
+                <a:spcPct val="90000"/>
+              </a:lnSpc>
+            </a:pPr>
+            <a:r>
+              <a:rPr lang="en-US" sz="1400" b="1" dirty="0" smtClean="0">
+                <a:latin typeface="Helvetica"/>
+                <a:cs typeface="Helvetica"/>
+              </a:rPr>
+              <a:t>Introduction</a:t>
+            </a:r>
+          </a:p>
+          <a:p>
+            <a:pPr>
+              <a:lnSpc>
+                <a:spcPct val="110000"/>
+              </a:lnSpc>
+            </a:pPr>
+            <a:r>
+              <a:rPr lang="en-US" sz="1200" dirty="0" err="1" smtClean="0">
+                <a:latin typeface="Helvetica"/>
+                <a:cs typeface="Helvetica"/>
+              </a:rPr>
+              <a:t>Lorem</a:t>
+            </a:r>
+            <a:r>
+              <a:rPr lang="en-US" sz="1200" dirty="0" smtClean="0">
+                <a:latin typeface="Helvetica"/>
+                <a:cs typeface="Helvetica"/>
+              </a:rPr>
+              <a:t> </a:t>
+            </a:r>
+            <a:r>
+              <a:rPr lang="en-US" sz="1200" dirty="0" err="1">
+                <a:latin typeface="Helvetica"/>
+                <a:cs typeface="Helvetica"/>
+              </a:rPr>
+              <a:t>ipsum</a:t>
+            </a:r>
+            <a:r>
+              <a:rPr lang="en-US" sz="1200" dirty="0">
+                <a:latin typeface="Helvetica"/>
+                <a:cs typeface="Helvetica"/>
+              </a:rPr>
+              <a:t> dolor sit </a:t>
+            </a:r>
+            <a:r>
+              <a:rPr lang="en-US" sz="1200" dirty="0" err="1">
+                <a:latin typeface="Helvetica"/>
+                <a:cs typeface="Helvetica"/>
+              </a:rPr>
+              <a:t>amet</a:t>
+            </a:r>
+            <a:r>
+              <a:rPr lang="en-US" sz="1200" dirty="0">
+                <a:latin typeface="Helvetica"/>
+                <a:cs typeface="Helvetica"/>
+              </a:rPr>
+              <a:t>, </a:t>
+            </a:r>
+            <a:r>
+              <a:rPr lang="en-US" sz="1200" dirty="0" err="1">
+                <a:latin typeface="Helvetica"/>
+                <a:cs typeface="Helvetica"/>
+              </a:rPr>
+              <a:t>consectetur</a:t>
+            </a:r>
+            <a:r>
+              <a:rPr lang="en-US" sz="1200" dirty="0">
+                <a:latin typeface="Helvetica"/>
+                <a:cs typeface="Helvetica"/>
+              </a:rPr>
+              <a:t> </a:t>
+            </a:r>
+            <a:r>
+              <a:rPr lang="en-US" sz="1200" dirty="0" err="1">
+                <a:latin typeface="Helvetica"/>
+                <a:cs typeface="Helvetica"/>
+              </a:rPr>
+              <a:t>adipiscing</a:t>
+            </a:r>
+            <a:r>
+              <a:rPr lang="en-US" sz="1200" dirty="0">
+                <a:latin typeface="Helvetica"/>
+                <a:cs typeface="Helvetica"/>
+              </a:rPr>
+              <a:t> </a:t>
+            </a:r>
+            <a:r>
+              <a:rPr lang="en-US" sz="1200" dirty="0" err="1">
+                <a:latin typeface="Helvetica"/>
+                <a:cs typeface="Helvetica"/>
+              </a:rPr>
+              <a:t>elit</a:t>
+            </a:r>
+            <a:r>
+              <a:rPr lang="en-US" sz="1200" dirty="0">
+                <a:latin typeface="Helvetica"/>
+                <a:cs typeface="Helvetica"/>
+              </a:rPr>
+              <a:t>, </a:t>
+            </a:r>
+            <a:r>
+              <a:rPr lang="en-US" sz="1200" dirty="0" err="1">
+                <a:latin typeface="Helvetica"/>
+                <a:cs typeface="Helvetica"/>
+              </a:rPr>
+              <a:t>sed</a:t>
+            </a:r>
+            <a:r>
+              <a:rPr lang="en-US" sz="1200" dirty="0">
+                <a:latin typeface="Helvetica"/>
+                <a:cs typeface="Helvetica"/>
+              </a:rPr>
+              <a:t> do </a:t>
+            </a:r>
+            <a:r>
+              <a:rPr lang="en-US" sz="1200" dirty="0" err="1">
+                <a:latin typeface="Helvetica"/>
+                <a:cs typeface="Helvetica"/>
+              </a:rPr>
+              <a:t>eiusmod</a:t>
+            </a:r>
+            <a:r>
+              <a:rPr lang="en-US" sz="1200" dirty="0">
+                <a:latin typeface="Helvetica"/>
+                <a:cs typeface="Helvetica"/>
+              </a:rPr>
+              <a:t> </a:t>
+            </a:r>
+            <a:r>
+              <a:rPr lang="en-US" sz="1200" dirty="0" err="1">
+                <a:latin typeface="Helvetica"/>
+                <a:cs typeface="Helvetica"/>
+              </a:rPr>
+              <a:t>tempor</a:t>
+            </a:r>
+            <a:r>
+              <a:rPr lang="en-US" sz="1200" dirty="0">
+                <a:latin typeface="Helvetica"/>
+                <a:cs typeface="Helvetica"/>
+              </a:rPr>
+              <a:t> </a:t>
+            </a:r>
+            <a:r>
+              <a:rPr lang="en-US" sz="1200" dirty="0" err="1">
+                <a:latin typeface="Helvetica"/>
+                <a:cs typeface="Helvetica"/>
+              </a:rPr>
+              <a:t>incididunt</a:t>
+            </a:r>
+            <a:r>
+              <a:rPr lang="en-US" sz="1200" dirty="0">
+                <a:latin typeface="Helvetica"/>
+                <a:cs typeface="Helvetica"/>
+              </a:rPr>
+              <a:t> </a:t>
+            </a:r>
+            <a:r>
+              <a:rPr lang="en-US" sz="1200" dirty="0" err="1">
+                <a:latin typeface="Helvetica"/>
+                <a:cs typeface="Helvetica"/>
+              </a:rPr>
+              <a:t>ut</a:t>
+            </a:r>
+            <a:r>
+              <a:rPr lang="en-US" sz="1200" dirty="0">
+                <a:latin typeface="Helvetica"/>
+                <a:cs typeface="Helvetica"/>
+              </a:rPr>
+              <a:t> </a:t>
+            </a:r>
+            <a:r>
+              <a:rPr lang="en-US" sz="1200" dirty="0" err="1">
+                <a:latin typeface="Helvetica"/>
+                <a:cs typeface="Helvetica"/>
+              </a:rPr>
+              <a:t>labore</a:t>
+            </a:r>
+            <a:r>
+              <a:rPr lang="en-US" sz="1200" dirty="0">
+                <a:latin typeface="Helvetica"/>
+                <a:cs typeface="Helvetica"/>
+              </a:rPr>
+              <a:t> et </a:t>
+            </a:r>
+            <a:r>
+              <a:rPr lang="en-US" sz="1200" dirty="0" err="1">
+                <a:latin typeface="Helvetica"/>
+                <a:cs typeface="Helvetica"/>
+              </a:rPr>
+              <a:t>dolore</a:t>
+            </a:r>
+            <a:r>
+              <a:rPr lang="en-US" sz="1200" dirty="0">
+                <a:latin typeface="Helvetica"/>
+                <a:cs typeface="Helvetica"/>
+              </a:rPr>
+              <a:t> magna </a:t>
+            </a:r>
+            <a:r>
+              <a:rPr lang="en-US" sz="1200" dirty="0" err="1">
+                <a:latin typeface="Helvetica"/>
+                <a:cs typeface="Helvetica"/>
+              </a:rPr>
+              <a:t>aliqua</a:t>
+            </a:r>
+            <a:r>
+              <a:rPr lang="en-US" sz="1200" dirty="0">
+                <a:latin typeface="Helvetica"/>
+                <a:cs typeface="Helvetica"/>
+              </a:rPr>
+              <a:t>. </a:t>
+            </a:r>
+          </a:p>
+        </p:txBody>
+      </p:sp>
+      <p:sp>
+        <p:nvSpPr>
+          <p:cNvPr id="24" name="TextBox 23"/>
+          <p:cNvSpPr txBox="1"/>
           <p:nvPr/>
         </p:nvSpPr>
         <p:spPr>
           <a:xfrm>
-            <a:off x="457200" y="1217584"/>
-            <a:ext cx="8229600" cy="1143000"/>
+            <a:off x="3055334" y="1130315"/>
+            <a:ext cx="2913529" cy="2111347"/>
           </a:xfrm>
           <a:prstGeom prst="rect">
             <a:avLst/>
           </a:prstGeom>
+          <a:noFill/>
+          <a:ln w="28575" cmpd="sng">
+            <a:solidFill>
+              <a:schemeClr val="tx1"/>
+            </a:solidFill>
+          </a:ln>
         </p:spPr>
         <p:txBody>
-          <a:bodyPr vert="horz" lIns="91440" tIns="45720" rIns="91440" bIns="45720" rtlCol="0" anchor="ctr">
-            <a:normAutofit/>
+          <a:bodyPr wrap="square" rtlCol="0">
+            <a:spAutoFit/>
           </a:bodyPr>
-          <a:lstStyle>
-            <a:lvl1pPr algn="ctr" defTabSz="457200" rtl="0" eaLnBrk="1" latinLnBrk="0" hangingPunct="1">
-              <a:spcBef>
-                <a:spcPct val="0"/>
-              </a:spcBef>
-              <a:buNone/>
-              <a:defRPr sz="4400" kern="1200">
-                <a:solidFill>
-                  <a:schemeClr val="tx1"/>
-                </a:solidFill>
-                <a:latin typeface="+mj-lt"/>
-                <a:ea typeface="+mj-ea"/>
-                <a:cs typeface="+mj-cs"/>
-              </a:defRPr>
-            </a:lvl1pPr>
-          </a:lstStyle>
-          <a:p>
-            <a:r>
-              <a:rPr lang="en-US" dirty="0" smtClean="0">
-                <a:solidFill>
-                  <a:srgbClr val="202F3E"/>
-                </a:solidFill>
-              </a:rPr>
-              <a:t>Fall/Winter Review</a:t>
-            </a:r>
-            <a:endParaRPr lang="en-US" dirty="0">
-              <a:solidFill>
-                <a:srgbClr val="202F3E"/>
-              </a:solidFill>
+          <a:lstStyle/>
+          <a:p>
+            <a:pPr>
+              <a:lnSpc>
+                <a:spcPct val="90000"/>
+              </a:lnSpc>
+            </a:pPr>
+            <a:r>
+              <a:rPr lang="en-US" sz="1400" b="1" dirty="0" smtClean="0">
+                <a:latin typeface="Helvetica"/>
+                <a:cs typeface="Helvetica"/>
+              </a:rPr>
+              <a:t>Section Three</a:t>
+            </a:r>
+          </a:p>
+          <a:p>
+            <a:pPr>
+              <a:lnSpc>
+                <a:spcPct val="110000"/>
+              </a:lnSpc>
+            </a:pPr>
+            <a:r>
+              <a:rPr lang="en-US" sz="1200" dirty="0" err="1" smtClean="0">
+                <a:latin typeface="Helvetica"/>
+                <a:cs typeface="Helvetica"/>
+              </a:rPr>
+              <a:t>Lorem</a:t>
+            </a:r>
+            <a:r>
+              <a:rPr lang="en-US" sz="1200" dirty="0" smtClean="0">
+                <a:latin typeface="Helvetica"/>
+                <a:cs typeface="Helvetica"/>
+              </a:rPr>
+              <a:t> </a:t>
+            </a:r>
+            <a:r>
+              <a:rPr lang="en-US" sz="1200" dirty="0" err="1">
+                <a:latin typeface="Helvetica"/>
+                <a:cs typeface="Helvetica"/>
+              </a:rPr>
+              <a:t>ipsum</a:t>
+            </a:r>
+            <a:r>
+              <a:rPr lang="en-US" sz="1200" dirty="0">
+                <a:latin typeface="Helvetica"/>
+                <a:cs typeface="Helvetica"/>
+              </a:rPr>
+              <a:t> dolor sit </a:t>
+            </a:r>
+            <a:r>
+              <a:rPr lang="en-US" sz="1200" dirty="0" err="1">
+                <a:latin typeface="Helvetica"/>
+                <a:cs typeface="Helvetica"/>
+              </a:rPr>
+              <a:t>amet</a:t>
+            </a:r>
+            <a:r>
+              <a:rPr lang="en-US" sz="1200" dirty="0">
+                <a:latin typeface="Helvetica"/>
+                <a:cs typeface="Helvetica"/>
+              </a:rPr>
+              <a:t>, </a:t>
+            </a:r>
+            <a:r>
+              <a:rPr lang="en-US" sz="1200" dirty="0" err="1">
+                <a:latin typeface="Helvetica"/>
+                <a:cs typeface="Helvetica"/>
+              </a:rPr>
+              <a:t>consectetur</a:t>
+            </a:r>
+            <a:r>
+              <a:rPr lang="en-US" sz="1200" dirty="0">
+                <a:latin typeface="Helvetica"/>
+                <a:cs typeface="Helvetica"/>
+              </a:rPr>
+              <a:t> </a:t>
+            </a:r>
+            <a:r>
+              <a:rPr lang="en-US" sz="1200" dirty="0" err="1">
+                <a:latin typeface="Helvetica"/>
+                <a:cs typeface="Helvetica"/>
+              </a:rPr>
+              <a:t>adipiscing</a:t>
+            </a:r>
+            <a:r>
+              <a:rPr lang="en-US" sz="1200" dirty="0">
+                <a:latin typeface="Helvetica"/>
+                <a:cs typeface="Helvetica"/>
+              </a:rPr>
+              <a:t> </a:t>
+            </a:r>
+            <a:r>
+              <a:rPr lang="en-US" sz="1200" dirty="0" err="1">
+                <a:latin typeface="Helvetica"/>
+                <a:cs typeface="Helvetica"/>
+              </a:rPr>
+              <a:t>elit</a:t>
+            </a:r>
+            <a:r>
+              <a:rPr lang="en-US" sz="1200" dirty="0">
+                <a:latin typeface="Helvetica"/>
+                <a:cs typeface="Helvetica"/>
+              </a:rPr>
+              <a:t>, </a:t>
+            </a:r>
+            <a:r>
+              <a:rPr lang="en-US" sz="1200" dirty="0" err="1">
+                <a:latin typeface="Helvetica"/>
+                <a:cs typeface="Helvetica"/>
+              </a:rPr>
+              <a:t>sed</a:t>
+            </a:r>
+            <a:r>
+              <a:rPr lang="en-US" sz="1200" dirty="0">
+                <a:latin typeface="Helvetica"/>
+                <a:cs typeface="Helvetica"/>
+              </a:rPr>
+              <a:t> do </a:t>
+            </a:r>
+            <a:r>
+              <a:rPr lang="en-US" sz="1200" dirty="0" err="1">
+                <a:latin typeface="Helvetica"/>
+                <a:cs typeface="Helvetica"/>
+              </a:rPr>
+              <a:t>eiusmod</a:t>
+            </a:r>
+            <a:r>
+              <a:rPr lang="en-US" sz="1200" dirty="0">
+                <a:latin typeface="Helvetica"/>
+                <a:cs typeface="Helvetica"/>
+              </a:rPr>
+              <a:t> </a:t>
+            </a:r>
+            <a:r>
+              <a:rPr lang="en-US" sz="1200" dirty="0" err="1">
+                <a:latin typeface="Helvetica"/>
+                <a:cs typeface="Helvetica"/>
+              </a:rPr>
+              <a:t>tempor</a:t>
+            </a:r>
+            <a:r>
+              <a:rPr lang="en-US" sz="1200" dirty="0">
+                <a:latin typeface="Helvetica"/>
+                <a:cs typeface="Helvetica"/>
+              </a:rPr>
+              <a:t> </a:t>
+            </a:r>
+            <a:r>
+              <a:rPr lang="en-US" sz="1200" dirty="0" err="1">
+                <a:latin typeface="Helvetica"/>
+                <a:cs typeface="Helvetica"/>
+              </a:rPr>
+              <a:t>incididunt</a:t>
+            </a:r>
+            <a:r>
+              <a:rPr lang="en-US" sz="1200" dirty="0">
+                <a:latin typeface="Helvetica"/>
+                <a:cs typeface="Helvetica"/>
+              </a:rPr>
+              <a:t> </a:t>
+            </a:r>
+            <a:r>
+              <a:rPr lang="en-US" sz="1200" dirty="0" err="1">
+                <a:latin typeface="Helvetica"/>
+                <a:cs typeface="Helvetica"/>
+              </a:rPr>
+              <a:t>ut</a:t>
+            </a:r>
+            <a:r>
+              <a:rPr lang="en-US" sz="1200" dirty="0">
+                <a:latin typeface="Helvetica"/>
+                <a:cs typeface="Helvetica"/>
+              </a:rPr>
+              <a:t> </a:t>
+            </a:r>
+            <a:r>
+              <a:rPr lang="en-US" sz="1200" dirty="0" err="1">
+                <a:latin typeface="Helvetica"/>
+                <a:cs typeface="Helvetica"/>
+              </a:rPr>
+              <a:t>labore</a:t>
+            </a:r>
+            <a:r>
+              <a:rPr lang="en-US" sz="1200" dirty="0">
+                <a:latin typeface="Helvetica"/>
+                <a:cs typeface="Helvetica"/>
+              </a:rPr>
+              <a:t> et </a:t>
+            </a:r>
+            <a:r>
+              <a:rPr lang="en-US" sz="1200" dirty="0" err="1">
+                <a:latin typeface="Helvetica"/>
+                <a:cs typeface="Helvetica"/>
+              </a:rPr>
+              <a:t>dolore</a:t>
+            </a:r>
+            <a:r>
+              <a:rPr lang="en-US" sz="1200" dirty="0">
+                <a:latin typeface="Helvetica"/>
+                <a:cs typeface="Helvetica"/>
+              </a:rPr>
+              <a:t> magna </a:t>
+            </a:r>
+            <a:r>
+              <a:rPr lang="en-US" sz="1200" dirty="0" err="1">
+                <a:latin typeface="Helvetica"/>
+                <a:cs typeface="Helvetica"/>
+              </a:rPr>
+              <a:t>aliqua</a:t>
+            </a:r>
+            <a:r>
+              <a:rPr lang="en-US" sz="1200" dirty="0">
+                <a:latin typeface="Helvetica"/>
+                <a:cs typeface="Helvetica"/>
+              </a:rPr>
+              <a:t>. </a:t>
+            </a:r>
+            <a:r>
+              <a:rPr lang="en-US" sz="1200" dirty="0" err="1">
+                <a:latin typeface="Helvetica"/>
+                <a:cs typeface="Helvetica"/>
+              </a:rPr>
+              <a:t>Ut</a:t>
+            </a:r>
+            <a:r>
+              <a:rPr lang="en-US" sz="1200" dirty="0">
+                <a:latin typeface="Helvetica"/>
+                <a:cs typeface="Helvetica"/>
+              </a:rPr>
+              <a:t> </a:t>
+            </a:r>
+            <a:r>
+              <a:rPr lang="en-US" sz="1200" dirty="0" err="1">
+                <a:latin typeface="Helvetica"/>
+                <a:cs typeface="Helvetica"/>
+              </a:rPr>
+              <a:t>enim</a:t>
+            </a:r>
+            <a:r>
+              <a:rPr lang="en-US" sz="1200" dirty="0">
+                <a:latin typeface="Helvetica"/>
+                <a:cs typeface="Helvetica"/>
+              </a:rPr>
+              <a:t> ad minim </a:t>
+            </a:r>
+            <a:r>
+              <a:rPr lang="en-US" sz="1200" dirty="0" err="1">
+                <a:latin typeface="Helvetica"/>
+                <a:cs typeface="Helvetica"/>
+              </a:rPr>
+              <a:t>veniam</a:t>
+            </a:r>
+            <a:r>
+              <a:rPr lang="en-US" sz="1200" dirty="0">
+                <a:latin typeface="Helvetica"/>
+                <a:cs typeface="Helvetica"/>
+              </a:rPr>
+              <a:t>, </a:t>
+            </a:r>
+            <a:r>
+              <a:rPr lang="en-US" sz="1200" dirty="0" err="1">
+                <a:latin typeface="Helvetica"/>
+                <a:cs typeface="Helvetica"/>
+              </a:rPr>
+              <a:t>quis</a:t>
+            </a:r>
+            <a:r>
+              <a:rPr lang="en-US" sz="1200" dirty="0">
+                <a:latin typeface="Helvetica"/>
+                <a:cs typeface="Helvetica"/>
+              </a:rPr>
+              <a:t> </a:t>
+            </a:r>
+            <a:r>
+              <a:rPr lang="en-US" sz="1200" dirty="0" err="1">
+                <a:latin typeface="Helvetica"/>
+                <a:cs typeface="Helvetica"/>
+              </a:rPr>
+              <a:t>nostrud</a:t>
+            </a:r>
+            <a:r>
+              <a:rPr lang="en-US" sz="1200" dirty="0">
+                <a:latin typeface="Helvetica"/>
+                <a:cs typeface="Helvetica"/>
+              </a:rPr>
+              <a:t> exercitation </a:t>
+            </a:r>
+            <a:r>
+              <a:rPr lang="en-US" sz="1200" dirty="0" err="1">
+                <a:latin typeface="Helvetica"/>
+                <a:cs typeface="Helvetica"/>
+              </a:rPr>
+              <a:t>ullamco</a:t>
+            </a:r>
+            <a:r>
+              <a:rPr lang="en-US" sz="1200" dirty="0">
+                <a:latin typeface="Helvetica"/>
+                <a:cs typeface="Helvetica"/>
+              </a:rPr>
+              <a:t> </a:t>
+            </a:r>
+            <a:r>
+              <a:rPr lang="en-US" sz="1200" dirty="0" err="1">
+                <a:latin typeface="Helvetica"/>
+                <a:cs typeface="Helvetica"/>
+              </a:rPr>
+              <a:t>laboris</a:t>
+            </a:r>
+            <a:r>
+              <a:rPr lang="en-US" sz="1200" dirty="0">
+                <a:latin typeface="Helvetica"/>
+                <a:cs typeface="Helvetica"/>
+              </a:rPr>
+              <a:t> nisi </a:t>
+            </a:r>
+            <a:r>
+              <a:rPr lang="en-US" sz="1200" dirty="0" err="1">
+                <a:latin typeface="Helvetica"/>
+                <a:cs typeface="Helvetica"/>
+              </a:rPr>
+              <a:t>ut</a:t>
+            </a:r>
+            <a:r>
+              <a:rPr lang="en-US" sz="1200" dirty="0">
+                <a:latin typeface="Helvetica"/>
+                <a:cs typeface="Helvetica"/>
+              </a:rPr>
+              <a:t> </a:t>
+            </a:r>
+            <a:r>
+              <a:rPr lang="en-US" sz="1200" dirty="0" err="1">
+                <a:latin typeface="Helvetica"/>
+                <a:cs typeface="Helvetica"/>
+              </a:rPr>
+              <a:t>aliquip</a:t>
+            </a:r>
+            <a:r>
+              <a:rPr lang="en-US" sz="1200" dirty="0">
+                <a:latin typeface="Helvetica"/>
+                <a:cs typeface="Helvetica"/>
+              </a:rPr>
+              <a:t> ex </a:t>
+            </a:r>
+            <a:r>
+              <a:rPr lang="en-US" sz="1200" dirty="0" err="1">
+                <a:latin typeface="Helvetica"/>
+                <a:cs typeface="Helvetica"/>
+              </a:rPr>
+              <a:t>ea</a:t>
+            </a:r>
+            <a:r>
+              <a:rPr lang="en-US" sz="1200" dirty="0">
+                <a:latin typeface="Helvetica"/>
+                <a:cs typeface="Helvetica"/>
+              </a:rPr>
+              <a:t> </a:t>
+            </a:r>
+            <a:r>
+              <a:rPr lang="en-US" sz="1200" dirty="0" err="1">
+                <a:latin typeface="Helvetica"/>
+                <a:cs typeface="Helvetica"/>
+              </a:rPr>
+              <a:t>commodo</a:t>
+            </a:r>
+            <a:r>
+              <a:rPr lang="en-US" sz="1200" dirty="0">
+                <a:latin typeface="Helvetica"/>
+                <a:cs typeface="Helvetica"/>
+              </a:rPr>
+              <a:t> </a:t>
+            </a:r>
+            <a:r>
+              <a:rPr lang="en-US" sz="1200" dirty="0" err="1">
+                <a:latin typeface="Helvetica"/>
+                <a:cs typeface="Helvetica"/>
+              </a:rPr>
+              <a:t>consequat</a:t>
+            </a:r>
+            <a:r>
+              <a:rPr lang="en-US" sz="1200" dirty="0">
+                <a:latin typeface="Helvetica"/>
+                <a:cs typeface="Helvetica"/>
+              </a:rPr>
+              <a:t>. </a:t>
+            </a:r>
+            <a:r>
+              <a:rPr lang="en-US" sz="1200" dirty="0" err="1">
+                <a:latin typeface="Helvetica"/>
+                <a:cs typeface="Helvetica"/>
+              </a:rPr>
+              <a:t>Duis</a:t>
+            </a:r>
+            <a:r>
+              <a:rPr lang="en-US" sz="1200" dirty="0">
+                <a:latin typeface="Helvetica"/>
+                <a:cs typeface="Helvetica"/>
+              </a:rPr>
+              <a:t> </a:t>
+            </a:r>
+            <a:r>
+              <a:rPr lang="en-US" sz="1200" dirty="0" err="1">
+                <a:latin typeface="Helvetica"/>
+                <a:cs typeface="Helvetica"/>
+              </a:rPr>
+              <a:t>aute</a:t>
+            </a:r>
+            <a:r>
+              <a:rPr lang="en-US" sz="1200" dirty="0">
+                <a:latin typeface="Helvetica"/>
+                <a:cs typeface="Helvetica"/>
+              </a:rPr>
+              <a:t> </a:t>
+            </a:r>
+            <a:r>
+              <a:rPr lang="en-US" sz="1200" dirty="0" err="1">
+                <a:latin typeface="Helvetica"/>
+                <a:cs typeface="Helvetica"/>
+              </a:rPr>
+              <a:t>irure</a:t>
+            </a:r>
+            <a:r>
+              <a:rPr lang="en-US" sz="1200" dirty="0">
+                <a:latin typeface="Helvetica"/>
+                <a:cs typeface="Helvetica"/>
+              </a:rPr>
+              <a:t> dolor in </a:t>
+            </a:r>
+            <a:r>
+              <a:rPr lang="en-US" sz="1200" dirty="0" err="1">
+                <a:latin typeface="Helvetica"/>
+                <a:cs typeface="Helvetica"/>
+              </a:rPr>
+              <a:t>reprehenderit</a:t>
+            </a:r>
+            <a:r>
+              <a:rPr lang="en-US" sz="1200" dirty="0">
+                <a:latin typeface="Helvetica"/>
+                <a:cs typeface="Helvetica"/>
+              </a:rPr>
+              <a:t> in </a:t>
+            </a:r>
+            <a:r>
+              <a:rPr lang="en-US" sz="1200" dirty="0" err="1">
+                <a:latin typeface="Helvetica"/>
+                <a:cs typeface="Helvetica"/>
+              </a:rPr>
+              <a:t>voluptate</a:t>
+            </a:r>
+            <a:r>
+              <a:rPr lang="en-US" sz="1200" dirty="0">
+                <a:latin typeface="Helvetica"/>
+                <a:cs typeface="Helvetica"/>
+              </a:rPr>
+              <a:t> </a:t>
+            </a:r>
+            <a:r>
+              <a:rPr lang="en-US" sz="1200" dirty="0" err="1">
+                <a:latin typeface="Helvetica"/>
+                <a:cs typeface="Helvetica"/>
+              </a:rPr>
+              <a:t>velit</a:t>
+            </a:r>
+            <a:r>
+              <a:rPr lang="en-US" sz="1200" dirty="0">
+                <a:latin typeface="Helvetica"/>
+                <a:cs typeface="Helvetica"/>
+              </a:rPr>
+              <a:t> </a:t>
+            </a:r>
+            <a:r>
+              <a:rPr lang="en-US" sz="1200" dirty="0" err="1">
+                <a:latin typeface="Helvetica"/>
+                <a:cs typeface="Helvetica"/>
+              </a:rPr>
+              <a:t>esse</a:t>
+            </a:r>
+            <a:r>
+              <a:rPr lang="en-US" sz="1200" dirty="0">
+                <a:latin typeface="Helvetica"/>
+                <a:cs typeface="Helvetica"/>
+              </a:rPr>
+              <a:t> </a:t>
+            </a:r>
+            <a:r>
+              <a:rPr lang="en-US" sz="1200" dirty="0" err="1">
+                <a:latin typeface="Helvetica"/>
+                <a:cs typeface="Helvetica"/>
+              </a:rPr>
+              <a:t>cillum</a:t>
+            </a:r>
+            <a:r>
+              <a:rPr lang="en-US" sz="1200" dirty="0">
+                <a:latin typeface="Helvetica"/>
+                <a:cs typeface="Helvetica"/>
+              </a:rPr>
+              <a:t> </a:t>
+            </a:r>
+            <a:r>
+              <a:rPr lang="en-US" sz="1200" dirty="0" err="1">
+                <a:latin typeface="Helvetica"/>
+                <a:cs typeface="Helvetica"/>
+              </a:rPr>
+              <a:t>dolore</a:t>
+            </a:r>
+            <a:r>
+              <a:rPr lang="en-US" sz="1200" dirty="0">
+                <a:latin typeface="Helvetica"/>
+                <a:cs typeface="Helvetica"/>
+              </a:rPr>
+              <a:t> </a:t>
+            </a:r>
+            <a:r>
+              <a:rPr lang="en-US" sz="1200" dirty="0" err="1">
+                <a:latin typeface="Helvetica"/>
+                <a:cs typeface="Helvetica"/>
+              </a:rPr>
+              <a:t>eu</a:t>
+            </a:r>
+            <a:r>
+              <a:rPr lang="en-US" sz="1200" dirty="0">
+                <a:latin typeface="Helvetica"/>
+                <a:cs typeface="Helvetica"/>
+              </a:rPr>
+              <a:t> </a:t>
+            </a:r>
+            <a:r>
+              <a:rPr lang="en-US" sz="1200" dirty="0" err="1">
+                <a:latin typeface="Helvetica"/>
+                <a:cs typeface="Helvetica"/>
+              </a:rPr>
+              <a:t>fugiat</a:t>
+            </a:r>
+            <a:r>
+              <a:rPr lang="en-US" sz="1200" dirty="0">
+                <a:latin typeface="Helvetica"/>
+                <a:cs typeface="Helvetica"/>
+              </a:rPr>
+              <a:t> </a:t>
+            </a:r>
+            <a:r>
+              <a:rPr lang="en-US" sz="1200" dirty="0" err="1">
+                <a:latin typeface="Helvetica"/>
+                <a:cs typeface="Helvetica"/>
+              </a:rPr>
+              <a:t>nulla</a:t>
+            </a:r>
+            <a:r>
+              <a:rPr lang="en-US" sz="1200" dirty="0">
+                <a:latin typeface="Helvetica"/>
+                <a:cs typeface="Helvetica"/>
+              </a:rPr>
+              <a:t> </a:t>
+            </a:r>
+            <a:r>
+              <a:rPr lang="en-US" sz="1200" dirty="0" err="1">
+                <a:latin typeface="Helvetica"/>
+                <a:cs typeface="Helvetica"/>
+              </a:rPr>
+              <a:t>pariatur</a:t>
+            </a:r>
+            <a:r>
+              <a:rPr lang="en-US" sz="1200" dirty="0" smtClean="0">
+                <a:latin typeface="Helvetica"/>
+                <a:cs typeface="Helvetica"/>
+              </a:rPr>
+              <a:t>.</a:t>
+            </a:r>
+            <a:endParaRPr lang="en-US" sz="1200" dirty="0">
+              <a:latin typeface="Helvetica"/>
+              <a:cs typeface="Helvetica"/>
             </a:endParaRPr>
           </a:p>
         </p:txBody>
       </p:sp>
       <p:sp>
         <p:nvSpPr>
-          <p:cNvPr id="17" name="Content Placeholder 11"/>
-          <p:cNvSpPr>
-            <a:spLocks noGrp="1"/>
-          </p:cNvSpPr>
-          <p:nvPr>
-            <p:ph idx="1"/>
-          </p:nvPr>
+          <p:cNvPr id="25" name="TextBox 24"/>
+          <p:cNvSpPr txBox="1"/>
+          <p:nvPr/>
         </p:nvSpPr>
         <p:spPr>
           <a:xfrm>
-            <a:off x="457200" y="2360584"/>
-            <a:ext cx="8229600" cy="2488847"/>
+            <a:off x="6275292" y="3569985"/>
+            <a:ext cx="2644588" cy="1695849"/>
           </a:xfrm>
+          <a:prstGeom prst="rect">
+            <a:avLst/>
+          </a:prstGeom>
+          <a:noFill/>
+          <a:ln w="28575" cmpd="sng">
+            <a:solidFill>
+              <a:schemeClr val="tx1"/>
+            </a:solidFill>
+          </a:ln>
         </p:spPr>
         <p:txBody>
-          <a:bodyPr>
-            <a:normAutofit fontScale="92500" lnSpcReduction="20000"/>
+          <a:bodyPr wrap="square" rtlCol="0">
+            <a:spAutoFit/>
           </a:bodyPr>
           <a:lstStyle/>
           <a:p>
             <a:pPr>
-              <a:buClr>
-                <a:srgbClr val="202F3E"/>
-              </a:buClr>
+              <a:lnSpc>
+                <a:spcPct val="90000"/>
+              </a:lnSpc>
             </a:pPr>
             <a:r>
-              <a:rPr lang="en-US" smtClean="0">
-                <a:solidFill>
-                  <a:srgbClr val="202F3E"/>
-                </a:solidFill>
-              </a:rPr>
-              <a:t>Soft Launch</a:t>
-            </a:r>
+              <a:rPr lang="en-US" sz="1200" b="1" dirty="0">
+                <a:latin typeface="Helvetica"/>
+                <a:cs typeface="Helvetica"/>
+              </a:rPr>
+              <a:t>Section </a:t>
+            </a:r>
+            <a:r>
+              <a:rPr lang="en-US" sz="1200" b="1" dirty="0" smtClean="0">
+                <a:latin typeface="Helvetica"/>
+                <a:cs typeface="Helvetica"/>
+              </a:rPr>
+              <a:t>Four</a:t>
+            </a:r>
+            <a:endParaRPr lang="en-US" sz="1200" dirty="0" smtClean="0">
+              <a:latin typeface="Helvetica"/>
+              <a:cs typeface="Helvetica"/>
+            </a:endParaRPr>
           </a:p>
           <a:p>
             <a:pPr>
-              <a:buClr>
-                <a:srgbClr val="202F3E"/>
-              </a:buClr>
+              <a:lnSpc>
+                <a:spcPct val="110000"/>
+              </a:lnSpc>
             </a:pPr>
             <a:r>
-              <a:rPr lang="en-US" dirty="0" smtClean="0">
-                <a:solidFill>
-                  <a:srgbClr val="202F3E"/>
-                </a:solidFill>
-              </a:rPr>
-              <a:t>DRS Training</a:t>
-            </a:r>
-          </a:p>
-          <a:p>
-            <a:pPr>
-              <a:buClr>
-                <a:srgbClr val="202F3E"/>
-              </a:buClr>
-            </a:pPr>
-            <a:r>
-              <a:rPr lang="en-US" dirty="0" smtClean="0">
-                <a:solidFill>
-                  <a:srgbClr val="202F3E"/>
-                </a:solidFill>
-              </a:rPr>
-              <a:t>Usability Testing</a:t>
-            </a:r>
-          </a:p>
-          <a:p>
-            <a:pPr>
-              <a:buClr>
-                <a:srgbClr val="202F3E"/>
-              </a:buClr>
-            </a:pPr>
-            <a:r>
-              <a:rPr lang="en-US" dirty="0" smtClean="0">
-                <a:solidFill>
-                  <a:srgbClr val="202F3E"/>
-                </a:solidFill>
-              </a:rPr>
-              <a:t>Handout Materials</a:t>
-            </a:r>
-          </a:p>
-          <a:p>
-            <a:pPr>
-              <a:buClr>
-                <a:srgbClr val="202F3E"/>
-              </a:buClr>
-            </a:pPr>
-            <a:r>
-              <a:rPr lang="en-US" i="1" dirty="0" smtClean="0">
-                <a:solidFill>
-                  <a:srgbClr val="202F3E"/>
-                </a:solidFill>
-              </a:rPr>
-              <a:t>URL Change</a:t>
-            </a:r>
-            <a:r>
-              <a:rPr lang="en-US" dirty="0" smtClean="0">
-                <a:solidFill>
-                  <a:srgbClr val="202F3E"/>
-                </a:solidFill>
-              </a:rPr>
-              <a:t>:</a:t>
-            </a:r>
-            <a:endParaRPr lang="en-US" dirty="0">
-              <a:solidFill>
-                <a:srgbClr val="202F3E"/>
-              </a:solidFill>
+              <a:rPr lang="en-US" sz="1200" dirty="0" err="1" smtClean="0">
+                <a:latin typeface="Helvetica"/>
+                <a:cs typeface="Helvetica"/>
+              </a:rPr>
+              <a:t>Lorem</a:t>
+            </a:r>
+            <a:r>
+              <a:rPr lang="en-US" sz="1200" dirty="0" smtClean="0">
+                <a:latin typeface="Helvetica"/>
+                <a:cs typeface="Helvetica"/>
+              </a:rPr>
+              <a:t> </a:t>
+            </a:r>
+            <a:r>
+              <a:rPr lang="en-US" sz="1200" dirty="0" err="1">
+                <a:latin typeface="Helvetica"/>
+                <a:cs typeface="Helvetica"/>
+              </a:rPr>
+              <a:t>ipsum</a:t>
+            </a:r>
+            <a:r>
+              <a:rPr lang="en-US" sz="1200" dirty="0">
+                <a:latin typeface="Helvetica"/>
+                <a:cs typeface="Helvetica"/>
+              </a:rPr>
+              <a:t> dolor sit </a:t>
+            </a:r>
+            <a:r>
+              <a:rPr lang="en-US" sz="1200" dirty="0" err="1">
+                <a:latin typeface="Helvetica"/>
+                <a:cs typeface="Helvetica"/>
+              </a:rPr>
+              <a:t>amet</a:t>
+            </a:r>
+            <a:r>
+              <a:rPr lang="en-US" sz="1200" dirty="0">
+                <a:latin typeface="Helvetica"/>
+                <a:cs typeface="Helvetica"/>
+              </a:rPr>
+              <a:t>, </a:t>
+            </a:r>
+            <a:r>
+              <a:rPr lang="en-US" sz="1200" dirty="0" err="1">
+                <a:latin typeface="Helvetica"/>
+                <a:cs typeface="Helvetica"/>
+              </a:rPr>
+              <a:t>consectetur</a:t>
+            </a:r>
+            <a:r>
+              <a:rPr lang="en-US" sz="1200" dirty="0">
+                <a:latin typeface="Helvetica"/>
+                <a:cs typeface="Helvetica"/>
+              </a:rPr>
+              <a:t> </a:t>
+            </a:r>
+            <a:r>
+              <a:rPr lang="en-US" sz="1200" dirty="0" err="1">
+                <a:latin typeface="Helvetica"/>
+                <a:cs typeface="Helvetica"/>
+              </a:rPr>
+              <a:t>adipiscing</a:t>
+            </a:r>
+            <a:r>
+              <a:rPr lang="en-US" sz="1200" dirty="0">
+                <a:latin typeface="Helvetica"/>
+                <a:cs typeface="Helvetica"/>
+              </a:rPr>
+              <a:t> </a:t>
+            </a:r>
+            <a:r>
+              <a:rPr lang="en-US" sz="1200" dirty="0" err="1">
+                <a:latin typeface="Helvetica"/>
+                <a:cs typeface="Helvetica"/>
+              </a:rPr>
+              <a:t>elit</a:t>
+            </a:r>
+            <a:r>
+              <a:rPr lang="en-US" sz="1200" dirty="0">
+                <a:latin typeface="Helvetica"/>
+                <a:cs typeface="Helvetica"/>
+              </a:rPr>
+              <a:t>, </a:t>
+            </a:r>
+            <a:r>
+              <a:rPr lang="en-US" sz="1200" dirty="0" err="1">
+                <a:latin typeface="Helvetica"/>
+                <a:cs typeface="Helvetica"/>
+              </a:rPr>
+              <a:t>sed</a:t>
+            </a:r>
+            <a:r>
+              <a:rPr lang="en-US" sz="1200" dirty="0">
+                <a:latin typeface="Helvetica"/>
+                <a:cs typeface="Helvetica"/>
+              </a:rPr>
+              <a:t> do </a:t>
+            </a:r>
+            <a:r>
+              <a:rPr lang="en-US" sz="1200" dirty="0" err="1">
+                <a:latin typeface="Helvetica"/>
+                <a:cs typeface="Helvetica"/>
+              </a:rPr>
+              <a:t>eiusmod</a:t>
+            </a:r>
+            <a:r>
+              <a:rPr lang="en-US" sz="1200" dirty="0">
+                <a:latin typeface="Helvetica"/>
+                <a:cs typeface="Helvetica"/>
+              </a:rPr>
+              <a:t> </a:t>
+            </a:r>
+            <a:r>
+              <a:rPr lang="en-US" sz="1200" dirty="0" err="1">
+                <a:latin typeface="Helvetica"/>
+                <a:cs typeface="Helvetica"/>
+              </a:rPr>
+              <a:t>tempor</a:t>
+            </a:r>
+            <a:r>
+              <a:rPr lang="en-US" sz="1200" dirty="0">
+                <a:latin typeface="Helvetica"/>
+                <a:cs typeface="Helvetica"/>
+              </a:rPr>
+              <a:t> </a:t>
+            </a:r>
+            <a:r>
+              <a:rPr lang="en-US" sz="1200" dirty="0" err="1">
+                <a:latin typeface="Helvetica"/>
+                <a:cs typeface="Helvetica"/>
+              </a:rPr>
+              <a:t>incididunt</a:t>
+            </a:r>
+            <a:r>
+              <a:rPr lang="en-US" sz="1200" dirty="0">
+                <a:latin typeface="Helvetica"/>
+                <a:cs typeface="Helvetica"/>
+              </a:rPr>
+              <a:t> </a:t>
+            </a:r>
+            <a:r>
+              <a:rPr lang="en-US" sz="1200" dirty="0" err="1">
+                <a:latin typeface="Helvetica"/>
+                <a:cs typeface="Helvetica"/>
+              </a:rPr>
+              <a:t>ut</a:t>
+            </a:r>
+            <a:r>
+              <a:rPr lang="en-US" sz="1200" dirty="0">
+                <a:latin typeface="Helvetica"/>
+                <a:cs typeface="Helvetica"/>
+              </a:rPr>
+              <a:t> </a:t>
+            </a:r>
+            <a:r>
+              <a:rPr lang="en-US" sz="1200" dirty="0" err="1">
+                <a:latin typeface="Helvetica"/>
+                <a:cs typeface="Helvetica"/>
+              </a:rPr>
+              <a:t>labore</a:t>
+            </a:r>
+            <a:r>
+              <a:rPr lang="en-US" sz="1200" dirty="0">
+                <a:latin typeface="Helvetica"/>
+                <a:cs typeface="Helvetica"/>
+              </a:rPr>
+              <a:t> et </a:t>
+            </a:r>
+            <a:r>
+              <a:rPr lang="en-US" sz="1200" dirty="0" err="1">
+                <a:latin typeface="Helvetica"/>
+                <a:cs typeface="Helvetica"/>
+              </a:rPr>
+              <a:t>dolore</a:t>
+            </a:r>
+            <a:r>
+              <a:rPr lang="en-US" sz="1200" dirty="0">
+                <a:latin typeface="Helvetica"/>
+                <a:cs typeface="Helvetica"/>
+              </a:rPr>
+              <a:t> magna </a:t>
+            </a:r>
+            <a:r>
+              <a:rPr lang="en-US" sz="1200" dirty="0" err="1">
+                <a:latin typeface="Helvetica"/>
+                <a:cs typeface="Helvetica"/>
+              </a:rPr>
+              <a:t>aliqua</a:t>
+            </a:r>
+            <a:r>
+              <a:rPr lang="en-US" sz="1200" dirty="0">
+                <a:latin typeface="Helvetica"/>
+                <a:cs typeface="Helvetica"/>
+              </a:rPr>
+              <a:t>. </a:t>
+            </a:r>
+            <a:r>
+              <a:rPr lang="en-US" sz="1200" dirty="0" err="1">
+                <a:latin typeface="Helvetica"/>
+                <a:cs typeface="Helvetica"/>
+              </a:rPr>
+              <a:t>Ut</a:t>
+            </a:r>
+            <a:r>
+              <a:rPr lang="en-US" sz="1200" dirty="0">
+                <a:latin typeface="Helvetica"/>
+                <a:cs typeface="Helvetica"/>
+              </a:rPr>
+              <a:t> </a:t>
+            </a:r>
+            <a:r>
+              <a:rPr lang="en-US" sz="1200" dirty="0" err="1">
+                <a:latin typeface="Helvetica"/>
+                <a:cs typeface="Helvetica"/>
+              </a:rPr>
+              <a:t>enim</a:t>
+            </a:r>
+            <a:r>
+              <a:rPr lang="en-US" sz="1200" dirty="0">
+                <a:latin typeface="Helvetica"/>
+                <a:cs typeface="Helvetica"/>
+              </a:rPr>
+              <a:t> ad minim </a:t>
+            </a:r>
+            <a:r>
+              <a:rPr lang="en-US" sz="1200" dirty="0" err="1">
+                <a:latin typeface="Helvetica"/>
+                <a:cs typeface="Helvetica"/>
+              </a:rPr>
+              <a:t>veniam</a:t>
+            </a:r>
+            <a:r>
+              <a:rPr lang="en-US" sz="1200" dirty="0">
+                <a:latin typeface="Helvetica"/>
+                <a:cs typeface="Helvetica"/>
+              </a:rPr>
+              <a:t>, </a:t>
+            </a:r>
+            <a:r>
+              <a:rPr lang="en-US" sz="1200" dirty="0" err="1">
+                <a:latin typeface="Helvetica"/>
+                <a:cs typeface="Helvetica"/>
+              </a:rPr>
+              <a:t>quis</a:t>
+            </a:r>
+            <a:r>
+              <a:rPr lang="en-US" sz="1200" dirty="0">
+                <a:latin typeface="Helvetica"/>
+                <a:cs typeface="Helvetica"/>
+              </a:rPr>
+              <a:t> </a:t>
+            </a:r>
+            <a:r>
+              <a:rPr lang="en-US" sz="1200" dirty="0" err="1">
+                <a:latin typeface="Helvetica"/>
+                <a:cs typeface="Helvetica"/>
+              </a:rPr>
+              <a:t>nostrud</a:t>
+            </a:r>
+            <a:r>
+              <a:rPr lang="en-US" sz="1200" dirty="0">
+                <a:latin typeface="Helvetica"/>
+                <a:cs typeface="Helvetica"/>
+              </a:rPr>
+              <a:t> exercitation </a:t>
+            </a:r>
+            <a:r>
+              <a:rPr lang="en-US" sz="1200" dirty="0" err="1">
+                <a:latin typeface="Helvetica"/>
+                <a:cs typeface="Helvetica"/>
+              </a:rPr>
+              <a:t>ullamco</a:t>
+            </a:r>
+            <a:r>
+              <a:rPr lang="en-US" sz="1200" dirty="0">
+                <a:latin typeface="Helvetica"/>
+                <a:cs typeface="Helvetica"/>
+              </a:rPr>
+              <a:t> </a:t>
+            </a:r>
+            <a:r>
+              <a:rPr lang="en-US" sz="1200" dirty="0" err="1">
+                <a:latin typeface="Helvetica"/>
+                <a:cs typeface="Helvetica"/>
+              </a:rPr>
+              <a:t>laboris</a:t>
+            </a:r>
+            <a:r>
+              <a:rPr lang="en-US" sz="1200" dirty="0">
+                <a:latin typeface="Helvetica"/>
+                <a:cs typeface="Helvetica"/>
+              </a:rPr>
+              <a:t> nisi </a:t>
+            </a:r>
+            <a:r>
+              <a:rPr lang="en-US" sz="1200" dirty="0" err="1">
+                <a:latin typeface="Helvetica"/>
+                <a:cs typeface="Helvetica"/>
+              </a:rPr>
+              <a:t>ut</a:t>
+            </a:r>
+            <a:r>
+              <a:rPr lang="en-US" sz="1200" dirty="0">
+                <a:latin typeface="Helvetica"/>
+                <a:cs typeface="Helvetica"/>
+              </a:rPr>
+              <a:t> </a:t>
+            </a:r>
+            <a:r>
+              <a:rPr lang="en-US" sz="1200" dirty="0" err="1">
+                <a:latin typeface="Helvetica"/>
+                <a:cs typeface="Helvetica"/>
+              </a:rPr>
+              <a:t>aliquip</a:t>
+            </a:r>
+            <a:r>
+              <a:rPr lang="en-US" sz="1200" dirty="0">
+                <a:latin typeface="Helvetica"/>
+                <a:cs typeface="Helvetica"/>
+              </a:rPr>
+              <a:t> ex </a:t>
+            </a:r>
+            <a:r>
+              <a:rPr lang="en-US" sz="1200" dirty="0" err="1">
+                <a:latin typeface="Helvetica"/>
+                <a:cs typeface="Helvetica"/>
+              </a:rPr>
+              <a:t>ea</a:t>
+            </a:r>
+            <a:r>
+              <a:rPr lang="en-US" sz="1200" dirty="0">
+                <a:latin typeface="Helvetica"/>
+                <a:cs typeface="Helvetica"/>
+              </a:rPr>
+              <a:t> </a:t>
+            </a:r>
+            <a:r>
+              <a:rPr lang="en-US" sz="1200" dirty="0" err="1">
+                <a:latin typeface="Helvetica"/>
+                <a:cs typeface="Helvetica"/>
+              </a:rPr>
+              <a:t>commodo</a:t>
+            </a:r>
+            <a:r>
+              <a:rPr lang="en-US" sz="1200" dirty="0">
+                <a:latin typeface="Helvetica"/>
+                <a:cs typeface="Helvetica"/>
+              </a:rPr>
+              <a:t> </a:t>
+            </a:r>
+            <a:r>
+              <a:rPr lang="en-US" sz="1200" dirty="0" err="1">
+                <a:latin typeface="Helvetica"/>
+                <a:cs typeface="Helvetica"/>
+              </a:rPr>
+              <a:t>consequat</a:t>
+            </a:r>
+            <a:r>
+              <a:rPr lang="en-US" sz="1200" dirty="0" smtClean="0">
+                <a:latin typeface="Helvetica"/>
+                <a:cs typeface="Helvetica"/>
+              </a:rPr>
+              <a:t>.</a:t>
+            </a:r>
+            <a:endParaRPr lang="en-US" sz="1200" dirty="0">
+              <a:latin typeface="Helvetica"/>
+              <a:cs typeface="Helvetica"/>
             </a:endParaRPr>
           </a:p>
         </p:txBody>
       </p:sp>
-      <p:sp>
-        <p:nvSpPr>
-          <p:cNvPr id="18" name="TextBox 17"/>
+      <p:pic>
+        <p:nvPicPr>
+          <p:cNvPr id="26" name="Picture 25" descr="screencapture-repository-library-northeastern-edu-1430517316805.png"/>
+          <p:cNvPicPr>
+            <a:picLocks noChangeAspect="1"/>
+          </p:cNvPicPr>
+          <p:nvPr/>
+        </p:nvPicPr>
+        <p:blipFill>
+          <a:blip r:embed="rId2">
+            <a:extLst>
+              <a:ext uri="{28A0092B-C50C-407E-A947-70E740481C1C}">
+                <a14:useLocalDpi xmlns:a14="http://schemas.microsoft.com/office/drawing/2010/main" val="0"/>
+              </a:ext>
+            </a:extLst>
+          </a:blip>
+          <a:stretch>
+            <a:fillRect/>
+          </a:stretch>
+        </p:blipFill>
+        <p:spPr>
+          <a:xfrm>
+            <a:off x="6275293" y="1130315"/>
+            <a:ext cx="2644587" cy="1992345"/>
+          </a:xfrm>
+          <a:prstGeom prst="rect">
+            <a:avLst/>
+          </a:prstGeom>
+          <a:ln w="28575" cmpd="sng">
+            <a:solidFill>
+              <a:srgbClr val="000000"/>
+            </a:solidFill>
+          </a:ln>
+        </p:spPr>
+      </p:pic>
+      <p:sp>
+        <p:nvSpPr>
+          <p:cNvPr id="28" name="TextBox 27"/>
           <p:cNvSpPr txBox="1"/>
           <p:nvPr/>
         </p:nvSpPr>
         <p:spPr>
           <a:xfrm>
-            <a:off x="321312" y="5052387"/>
-            <a:ext cx="8503193" cy="646331"/>
+            <a:off x="208947" y="4890363"/>
+            <a:ext cx="2644588" cy="1705082"/>
+          </a:xfrm>
+          <a:prstGeom prst="rect">
+            <a:avLst/>
+          </a:prstGeom>
+          <a:noFill/>
+          <a:ln w="28575" cmpd="sng">
+            <a:solidFill>
+              <a:schemeClr val="tx1"/>
+            </a:solidFill>
+          </a:ln>
+        </p:spPr>
+        <p:txBody>
+          <a:bodyPr wrap="square" rtlCol="0">
+            <a:spAutoFit/>
+          </a:bodyPr>
+          <a:lstStyle/>
+          <a:p>
+            <a:pPr>
+              <a:lnSpc>
+                <a:spcPct val="90000"/>
+              </a:lnSpc>
+            </a:pPr>
+            <a:r>
+              <a:rPr lang="en-US" sz="1400" b="1" dirty="0" smtClean="0">
+                <a:latin typeface="Helvetica"/>
+                <a:cs typeface="Helvetica"/>
+              </a:rPr>
+              <a:t>Section Two</a:t>
+            </a:r>
+          </a:p>
+          <a:p>
+            <a:pPr>
+              <a:lnSpc>
+                <a:spcPct val="110000"/>
+              </a:lnSpc>
+            </a:pPr>
+            <a:r>
+              <a:rPr lang="en-US" sz="1200" dirty="0" err="1" smtClean="0">
+                <a:latin typeface="Helvetica"/>
+                <a:cs typeface="Helvetica"/>
+              </a:rPr>
+              <a:t>Lorem</a:t>
+            </a:r>
+            <a:r>
+              <a:rPr lang="en-US" sz="1200" dirty="0" smtClean="0">
+                <a:latin typeface="Helvetica"/>
+                <a:cs typeface="Helvetica"/>
+              </a:rPr>
+              <a:t> </a:t>
+            </a:r>
+            <a:r>
+              <a:rPr lang="en-US" sz="1200" dirty="0" err="1">
+                <a:latin typeface="Helvetica"/>
+                <a:cs typeface="Helvetica"/>
+              </a:rPr>
+              <a:t>ipsum</a:t>
+            </a:r>
+            <a:r>
+              <a:rPr lang="en-US" sz="1200" dirty="0">
+                <a:latin typeface="Helvetica"/>
+                <a:cs typeface="Helvetica"/>
+              </a:rPr>
+              <a:t> dolor sit </a:t>
+            </a:r>
+            <a:r>
+              <a:rPr lang="en-US" sz="1200" dirty="0" err="1">
+                <a:latin typeface="Helvetica"/>
+                <a:cs typeface="Helvetica"/>
+              </a:rPr>
+              <a:t>amet</a:t>
+            </a:r>
+            <a:r>
+              <a:rPr lang="en-US" sz="1200" dirty="0">
+                <a:latin typeface="Helvetica"/>
+                <a:cs typeface="Helvetica"/>
+              </a:rPr>
+              <a:t>, </a:t>
+            </a:r>
+            <a:r>
+              <a:rPr lang="en-US" sz="1200" dirty="0" err="1">
+                <a:latin typeface="Helvetica"/>
+                <a:cs typeface="Helvetica"/>
+              </a:rPr>
+              <a:t>consectetur</a:t>
+            </a:r>
+            <a:r>
+              <a:rPr lang="en-US" sz="1200" dirty="0">
+                <a:latin typeface="Helvetica"/>
+                <a:cs typeface="Helvetica"/>
+              </a:rPr>
+              <a:t> </a:t>
+            </a:r>
+            <a:r>
+              <a:rPr lang="en-US" sz="1200" dirty="0" err="1">
+                <a:latin typeface="Helvetica"/>
+                <a:cs typeface="Helvetica"/>
+              </a:rPr>
+              <a:t>adipiscing</a:t>
+            </a:r>
+            <a:r>
+              <a:rPr lang="en-US" sz="1200" dirty="0">
+                <a:latin typeface="Helvetica"/>
+                <a:cs typeface="Helvetica"/>
+              </a:rPr>
+              <a:t> </a:t>
+            </a:r>
+            <a:r>
+              <a:rPr lang="en-US" sz="1200" dirty="0" err="1">
+                <a:latin typeface="Helvetica"/>
+                <a:cs typeface="Helvetica"/>
+              </a:rPr>
+              <a:t>elit</a:t>
+            </a:r>
+            <a:r>
+              <a:rPr lang="en-US" sz="1200" dirty="0">
+                <a:latin typeface="Helvetica"/>
+                <a:cs typeface="Helvetica"/>
+              </a:rPr>
+              <a:t>, </a:t>
+            </a:r>
+            <a:r>
+              <a:rPr lang="en-US" sz="1200" dirty="0" err="1">
+                <a:latin typeface="Helvetica"/>
+                <a:cs typeface="Helvetica"/>
+              </a:rPr>
+              <a:t>sed</a:t>
+            </a:r>
+            <a:r>
+              <a:rPr lang="en-US" sz="1200" dirty="0">
+                <a:latin typeface="Helvetica"/>
+                <a:cs typeface="Helvetica"/>
+              </a:rPr>
+              <a:t> do </a:t>
+            </a:r>
+            <a:r>
+              <a:rPr lang="en-US" sz="1200" dirty="0" err="1">
+                <a:latin typeface="Helvetica"/>
+                <a:cs typeface="Helvetica"/>
+              </a:rPr>
+              <a:t>eiusmod</a:t>
+            </a:r>
+            <a:r>
+              <a:rPr lang="en-US" sz="1200" dirty="0">
+                <a:latin typeface="Helvetica"/>
+                <a:cs typeface="Helvetica"/>
+              </a:rPr>
+              <a:t> </a:t>
+            </a:r>
+            <a:r>
+              <a:rPr lang="en-US" sz="1200" dirty="0" err="1">
+                <a:latin typeface="Helvetica"/>
+                <a:cs typeface="Helvetica"/>
+              </a:rPr>
+              <a:t>tempor</a:t>
+            </a:r>
+            <a:r>
+              <a:rPr lang="en-US" sz="1200" dirty="0">
+                <a:latin typeface="Helvetica"/>
+                <a:cs typeface="Helvetica"/>
+              </a:rPr>
+              <a:t> </a:t>
+            </a:r>
+            <a:r>
+              <a:rPr lang="en-US" sz="1200" dirty="0" err="1">
+                <a:latin typeface="Helvetica"/>
+                <a:cs typeface="Helvetica"/>
+              </a:rPr>
+              <a:t>incididunt</a:t>
+            </a:r>
+            <a:r>
+              <a:rPr lang="en-US" sz="1200" dirty="0">
+                <a:latin typeface="Helvetica"/>
+                <a:cs typeface="Helvetica"/>
+              </a:rPr>
+              <a:t> </a:t>
+            </a:r>
+            <a:r>
+              <a:rPr lang="en-US" sz="1200" dirty="0" err="1">
+                <a:latin typeface="Helvetica"/>
+                <a:cs typeface="Helvetica"/>
+              </a:rPr>
+              <a:t>ut</a:t>
+            </a:r>
+            <a:r>
+              <a:rPr lang="en-US" sz="1200" dirty="0">
+                <a:latin typeface="Helvetica"/>
+                <a:cs typeface="Helvetica"/>
+              </a:rPr>
+              <a:t> </a:t>
+            </a:r>
+            <a:r>
+              <a:rPr lang="en-US" sz="1200" dirty="0" err="1">
+                <a:latin typeface="Helvetica"/>
+                <a:cs typeface="Helvetica"/>
+              </a:rPr>
+              <a:t>labore</a:t>
+            </a:r>
+            <a:r>
+              <a:rPr lang="en-US" sz="1200" dirty="0">
+                <a:latin typeface="Helvetica"/>
+                <a:cs typeface="Helvetica"/>
+              </a:rPr>
+              <a:t> et </a:t>
+            </a:r>
+            <a:r>
+              <a:rPr lang="en-US" sz="1200" dirty="0" err="1">
+                <a:latin typeface="Helvetica"/>
+                <a:cs typeface="Helvetica"/>
+              </a:rPr>
+              <a:t>dolore</a:t>
+            </a:r>
+            <a:r>
+              <a:rPr lang="en-US" sz="1200" dirty="0">
+                <a:latin typeface="Helvetica"/>
+                <a:cs typeface="Helvetica"/>
+              </a:rPr>
+              <a:t> magna </a:t>
+            </a:r>
+            <a:r>
+              <a:rPr lang="en-US" sz="1200" dirty="0" err="1">
+                <a:latin typeface="Helvetica"/>
+                <a:cs typeface="Helvetica"/>
+              </a:rPr>
+              <a:t>aliqua</a:t>
+            </a:r>
+            <a:r>
+              <a:rPr lang="en-US" sz="1200" dirty="0">
+                <a:latin typeface="Helvetica"/>
+                <a:cs typeface="Helvetica"/>
+              </a:rPr>
+              <a:t>. </a:t>
+            </a:r>
+            <a:r>
+              <a:rPr lang="en-US" sz="1200" dirty="0" err="1">
+                <a:latin typeface="Helvetica"/>
+                <a:cs typeface="Helvetica"/>
+              </a:rPr>
+              <a:t>Ut</a:t>
+            </a:r>
+            <a:r>
+              <a:rPr lang="en-US" sz="1200" dirty="0">
+                <a:latin typeface="Helvetica"/>
+                <a:cs typeface="Helvetica"/>
+              </a:rPr>
+              <a:t> </a:t>
+            </a:r>
+            <a:r>
+              <a:rPr lang="en-US" sz="1200" dirty="0" err="1">
+                <a:latin typeface="Helvetica"/>
+                <a:cs typeface="Helvetica"/>
+              </a:rPr>
+              <a:t>enim</a:t>
+            </a:r>
+            <a:r>
+              <a:rPr lang="en-US" sz="1200" dirty="0">
+                <a:latin typeface="Helvetica"/>
+                <a:cs typeface="Helvetica"/>
+              </a:rPr>
+              <a:t> ad minim </a:t>
+            </a:r>
+            <a:r>
+              <a:rPr lang="en-US" sz="1200" dirty="0" err="1">
+                <a:latin typeface="Helvetica"/>
+                <a:cs typeface="Helvetica"/>
+              </a:rPr>
+              <a:t>veniam</a:t>
+            </a:r>
+            <a:r>
+              <a:rPr lang="en-US" sz="1200" dirty="0">
+                <a:latin typeface="Helvetica"/>
+                <a:cs typeface="Helvetica"/>
+              </a:rPr>
+              <a:t>, </a:t>
+            </a:r>
+            <a:r>
+              <a:rPr lang="en-US" sz="1200" dirty="0" err="1">
+                <a:latin typeface="Helvetica"/>
+                <a:cs typeface="Helvetica"/>
+              </a:rPr>
+              <a:t>quis</a:t>
+            </a:r>
+            <a:r>
+              <a:rPr lang="en-US" sz="1200" dirty="0">
+                <a:latin typeface="Helvetica"/>
+                <a:cs typeface="Helvetica"/>
+              </a:rPr>
+              <a:t> </a:t>
+            </a:r>
+            <a:r>
+              <a:rPr lang="en-US" sz="1200" dirty="0" err="1">
+                <a:latin typeface="Helvetica"/>
+                <a:cs typeface="Helvetica"/>
+              </a:rPr>
+              <a:t>nostrud</a:t>
+            </a:r>
+            <a:r>
+              <a:rPr lang="en-US" sz="1200" dirty="0">
+                <a:latin typeface="Helvetica"/>
+                <a:cs typeface="Helvetica"/>
+              </a:rPr>
+              <a:t> exercitation </a:t>
+            </a:r>
+            <a:r>
+              <a:rPr lang="en-US" sz="1200" dirty="0" err="1">
+                <a:latin typeface="Helvetica"/>
+                <a:cs typeface="Helvetica"/>
+              </a:rPr>
+              <a:t>ullamco</a:t>
+            </a:r>
+            <a:r>
+              <a:rPr lang="en-US" sz="1200" dirty="0">
+                <a:latin typeface="Helvetica"/>
+                <a:cs typeface="Helvetica"/>
+              </a:rPr>
+              <a:t> </a:t>
+            </a:r>
+            <a:r>
+              <a:rPr lang="en-US" sz="1200" dirty="0" err="1">
+                <a:latin typeface="Helvetica"/>
+                <a:cs typeface="Helvetica"/>
+              </a:rPr>
+              <a:t>laboris</a:t>
+            </a:r>
+            <a:r>
+              <a:rPr lang="en-US" sz="1200" dirty="0">
+                <a:latin typeface="Helvetica"/>
+                <a:cs typeface="Helvetica"/>
+              </a:rPr>
+              <a:t> nisi </a:t>
+            </a:r>
+            <a:r>
+              <a:rPr lang="en-US" sz="1200" dirty="0" err="1">
+                <a:latin typeface="Helvetica"/>
+                <a:cs typeface="Helvetica"/>
+              </a:rPr>
+              <a:t>ut</a:t>
+            </a:r>
+            <a:r>
+              <a:rPr lang="en-US" sz="1200" dirty="0">
+                <a:latin typeface="Helvetica"/>
+                <a:cs typeface="Helvetica"/>
+              </a:rPr>
+              <a:t> </a:t>
+            </a:r>
+            <a:r>
+              <a:rPr lang="en-US" sz="1200" dirty="0" err="1">
+                <a:latin typeface="Helvetica"/>
+                <a:cs typeface="Helvetica"/>
+              </a:rPr>
+              <a:t>aliquip</a:t>
+            </a:r>
+            <a:r>
+              <a:rPr lang="en-US" sz="1200" dirty="0">
+                <a:latin typeface="Helvetica"/>
+                <a:cs typeface="Helvetica"/>
+              </a:rPr>
+              <a:t> ex </a:t>
+            </a:r>
+            <a:r>
+              <a:rPr lang="en-US" sz="1200" dirty="0" err="1">
+                <a:latin typeface="Helvetica"/>
+                <a:cs typeface="Helvetica"/>
+              </a:rPr>
+              <a:t>ea</a:t>
+            </a:r>
+            <a:r>
+              <a:rPr lang="en-US" sz="1200" dirty="0">
+                <a:latin typeface="Helvetica"/>
+                <a:cs typeface="Helvetica"/>
+              </a:rPr>
+              <a:t> </a:t>
+            </a:r>
+            <a:r>
+              <a:rPr lang="en-US" sz="1200" dirty="0" err="1">
+                <a:latin typeface="Helvetica"/>
+                <a:cs typeface="Helvetica"/>
+              </a:rPr>
+              <a:t>commodo</a:t>
+            </a:r>
+            <a:r>
+              <a:rPr lang="en-US" sz="1200" dirty="0">
+                <a:latin typeface="Helvetica"/>
+                <a:cs typeface="Helvetica"/>
+              </a:rPr>
+              <a:t> </a:t>
+            </a:r>
+            <a:r>
+              <a:rPr lang="en-US" sz="1200" dirty="0" err="1">
+                <a:latin typeface="Helvetica"/>
+                <a:cs typeface="Helvetica"/>
+              </a:rPr>
+              <a:t>consequat</a:t>
+            </a:r>
+            <a:r>
+              <a:rPr lang="en-US" sz="1200" dirty="0">
+                <a:latin typeface="Helvetica"/>
+                <a:cs typeface="Helvetica"/>
+              </a:rPr>
+              <a:t>. </a:t>
+            </a:r>
+            <a:endParaRPr lang="en-US" sz="1200" dirty="0" smtClean="0">
+              <a:latin typeface="Helvetica"/>
+              <a:cs typeface="Helvetica"/>
+            </a:endParaRPr>
+          </a:p>
+        </p:txBody>
+      </p:sp>
+      <p:pic>
+        <p:nvPicPr>
+          <p:cNvPr id="29" name="Picture 28" descr="screencapture-repository-library-northeastern-edu-1430517316805.png"/>
+          <p:cNvPicPr>
+            <a:picLocks noChangeAspect="1"/>
+          </p:cNvPicPr>
+          <p:nvPr/>
+        </p:nvPicPr>
+        <p:blipFill>
+          <a:blip r:embed="rId2">
+            <a:extLst>
+              <a:ext uri="{28A0092B-C50C-407E-A947-70E740481C1C}">
+                <a14:useLocalDpi xmlns:a14="http://schemas.microsoft.com/office/drawing/2010/main" val="0"/>
+              </a:ext>
+            </a:extLst>
+          </a:blip>
+          <a:stretch>
+            <a:fillRect/>
+          </a:stretch>
+        </p:blipFill>
+        <p:spPr>
+          <a:xfrm>
+            <a:off x="208948" y="2667039"/>
+            <a:ext cx="2644587" cy="1992345"/>
+          </a:xfrm>
+          <a:prstGeom prst="rect">
+            <a:avLst/>
+          </a:prstGeom>
+          <a:ln w="28575" cmpd="sng">
+            <a:solidFill>
+              <a:srgbClr val="000000"/>
+            </a:solidFill>
+          </a:ln>
+        </p:spPr>
+      </p:pic>
+      <p:pic>
+        <p:nvPicPr>
+          <p:cNvPr id="30" name="Picture 29" descr="screencapture-repository-library-northeastern-edu-1430517316805.png"/>
+          <p:cNvPicPr>
+            <a:picLocks noChangeAspect="1"/>
+          </p:cNvPicPr>
+          <p:nvPr/>
+        </p:nvPicPr>
+        <p:blipFill>
+          <a:blip r:embed="rId2">
+            <a:extLst>
+              <a:ext uri="{28A0092B-C50C-407E-A947-70E740481C1C}">
+                <a14:useLocalDpi xmlns:a14="http://schemas.microsoft.com/office/drawing/2010/main" val="0"/>
+              </a:ext>
+            </a:extLst>
+          </a:blip>
+          <a:stretch>
+            <a:fillRect/>
+          </a:stretch>
+        </p:blipFill>
+        <p:spPr>
+          <a:xfrm>
+            <a:off x="3055334" y="3561905"/>
+            <a:ext cx="2913529" cy="2194957"/>
+          </a:xfrm>
+          <a:prstGeom prst="rect">
+            <a:avLst/>
+          </a:prstGeom>
+          <a:ln w="28575" cmpd="sng">
+            <a:solidFill>
+              <a:srgbClr val="000000"/>
+            </a:solidFill>
+          </a:ln>
+        </p:spPr>
+      </p:pic>
+      <p:sp>
+        <p:nvSpPr>
+          <p:cNvPr id="31" name="TextBox 30"/>
+          <p:cNvSpPr txBox="1"/>
+          <p:nvPr/>
+        </p:nvSpPr>
+        <p:spPr>
+          <a:xfrm>
+            <a:off x="5968863" y="312032"/>
+            <a:ext cx="2951018" cy="584776"/>
           </a:xfrm>
           <a:prstGeom prst="rect">
             <a:avLst/>
@@ -4113,6 +6324,92 @@
           <a:noFill/>
         </p:spPr>
         <p:txBody>
+          <a:bodyPr wrap="square" rtlCol="0" anchor="ctr">
+            <a:spAutoFit/>
+          </a:bodyPr>
+          <a:lstStyle/>
+          <a:p>
+            <a:pPr algn="r"/>
+            <a:r>
+              <a:rPr lang="en-US" sz="1600" dirty="0" smtClean="0">
+                <a:solidFill>
+                  <a:srgbClr val="1C2939"/>
+                </a:solidFill>
+                <a:latin typeface="Garamond"/>
+                <a:cs typeface="Garamond"/>
+              </a:rPr>
+              <a:t>Sarah Sweeney</a:t>
+            </a:r>
+          </a:p>
+          <a:p>
+            <a:pPr algn="r"/>
+            <a:r>
+              <a:rPr lang="en-US" sz="1600" dirty="0" smtClean="0">
+                <a:solidFill>
+                  <a:srgbClr val="1C2939"/>
+                </a:solidFill>
+                <a:latin typeface="Garamond"/>
+                <a:cs typeface="Garamond"/>
+              </a:rPr>
+              <a:t>Northeastern University Libraries</a:t>
+            </a:r>
+            <a:endParaRPr lang="en-US" sz="1600" dirty="0">
+              <a:solidFill>
+                <a:srgbClr val="1C2939"/>
+              </a:solidFill>
+              <a:latin typeface="Garamond"/>
+              <a:cs typeface="Garamond"/>
+            </a:endParaRPr>
+          </a:p>
+        </p:txBody>
+      </p:sp>
+      <p:pic>
+        <p:nvPicPr>
+          <p:cNvPr id="34" name="Picture 33" descr="2015-05-02_2004.png"/>
+          <p:cNvPicPr>
+            <a:picLocks noChangeAspect="1"/>
+          </p:cNvPicPr>
+          <p:nvPr/>
+        </p:nvPicPr>
+        <p:blipFill>
+          <a:blip r:embed="rId3">
+            <a:extLst>
+              <a:ext uri="{28A0092B-C50C-407E-A947-70E740481C1C}">
+                <a14:useLocalDpi xmlns:a14="http://schemas.microsoft.com/office/drawing/2010/main" val="0"/>
+              </a:ext>
+            </a:extLst>
+          </a:blip>
+          <a:stretch>
+            <a:fillRect/>
+          </a:stretch>
+        </p:blipFill>
+        <p:spPr>
+          <a:xfrm>
+            <a:off x="5050118" y="5957657"/>
+            <a:ext cx="3869763" cy="637787"/>
+          </a:xfrm>
+          <a:prstGeom prst="rect">
+            <a:avLst/>
+          </a:prstGeom>
+        </p:spPr>
+      </p:pic>
+      <p:sp>
+        <p:nvSpPr>
+          <p:cNvPr id="35" name="TextBox 34"/>
+          <p:cNvSpPr txBox="1"/>
+          <p:nvPr/>
+        </p:nvSpPr>
+        <p:spPr>
+          <a:xfrm>
+            <a:off x="5199529" y="6507033"/>
+            <a:ext cx="3829596" cy="307777"/>
+          </a:xfrm>
+          <a:prstGeom prst="rect">
+            <a:avLst/>
+          </a:prstGeom>
+          <a:noFill/>
+        </p:spPr>
+        <p:txBody>
           <a:bodyPr wrap="square" rtlCol="0">
             <a:spAutoFit/>
           </a:bodyPr>
@@ -4120,7 +6417,7 @@
           <a:p>
             <a:pPr algn="ctr"/>
             <a:r>
-              <a:rPr lang="en-US" sz="3600" dirty="0">
+              <a:rPr lang="en-US" sz="1400" dirty="0">
                 <a:solidFill>
                   <a:schemeClr val="accent1">
                     <a:lumMod val="75000"/>
@@ -4132,7 +6429,7 @@
               <a:t>https://</a:t>
             </a:r>
             <a:r>
-              <a:rPr lang="en-US" sz="3600" dirty="0" err="1" smtClean="0">
+              <a:rPr lang="en-US" sz="1400" dirty="0" err="1" smtClean="0">
                 <a:solidFill>
                   <a:schemeClr val="accent1">
                     <a:lumMod val="75000"/>
@@ -4143,7 +6440,7 @@
               </a:rPr>
               <a:t>repository.library.northeastern.edu</a:t>
             </a:r>
-            <a:endParaRPr lang="en-US" sz="3600" dirty="0">
+            <a:endParaRPr lang="en-US" sz="1400" dirty="0">
               <a:solidFill>
                 <a:schemeClr val="accent1">
                   <a:lumMod val="75000"/>
@@ -4158,7 +6455,7 @@
     </p:spTree>
     <p:extLst>
       <p:ext uri="{BB962C8B-B14F-4D97-AF65-F5344CB8AC3E}">
-        <p14:creationId xmlns:p14="http://schemas.microsoft.com/office/powerpoint/2010/main" val="763028979"/>
+        <p14:creationId xmlns:p14="http://schemas.microsoft.com/office/powerpoint/2010/main" val="1649770617"/>
       </p:ext>
     </p:extLst>
   </p:cSld>

--- a/Presentations/Open Repositories 2015/ORCommunities.pptx
+++ b/Presentations/Open Repositories 2015/ORCommunities.pptx
@@ -4,10 +4,13 @@
   <p:sldMasterIdLst>
     <p:sldMasterId id="2147483648" r:id="rId1"/>
   </p:sldMasterIdLst>
+  <p:notesMasterIdLst>
+    <p:notesMasterId r:id="rId5"/>
+  </p:notesMasterIdLst>
   <p:sldIdLst>
-    <p:sldId id="257" r:id="rId2"/>
+    <p:sldId id="259" r:id="rId2"/>
     <p:sldId id="258" r:id="rId3"/>
-    <p:sldId id="259" r:id="rId4"/>
+    <p:sldId id="257" r:id="rId4"/>
   </p:sldIdLst>
   <p:sldSz cx="9144000" cy="6858000" type="screen4x3"/>
   <p:notesSz cx="6858000" cy="9144000"/>
@@ -15,7 +18,7 @@
     <a:defPPr>
       <a:defRPr lang="en-US"/>
     </a:defPPr>
-    <a:lvl1pPr marL="0" algn="l" defTabSz="457200" rtl="0" eaLnBrk="1" latinLnBrk="0" hangingPunct="1">
+    <a:lvl1pPr marL="0" algn="l" defTabSz="457093" rtl="0" eaLnBrk="1" latinLnBrk="0" hangingPunct="1">
       <a:defRPr sz="1800" kern="1200">
         <a:solidFill>
           <a:schemeClr val="tx1"/>
@@ -25,7 +28,7 @@
         <a:cs typeface="+mn-cs"/>
       </a:defRPr>
     </a:lvl1pPr>
-    <a:lvl2pPr marL="457200" algn="l" defTabSz="457200" rtl="0" eaLnBrk="1" latinLnBrk="0" hangingPunct="1">
+    <a:lvl2pPr marL="457093" algn="l" defTabSz="457093" rtl="0" eaLnBrk="1" latinLnBrk="0" hangingPunct="1">
       <a:defRPr sz="1800" kern="1200">
         <a:solidFill>
           <a:schemeClr val="tx1"/>
@@ -35,7 +38,7 @@
         <a:cs typeface="+mn-cs"/>
       </a:defRPr>
     </a:lvl2pPr>
-    <a:lvl3pPr marL="914400" algn="l" defTabSz="457200" rtl="0" eaLnBrk="1" latinLnBrk="0" hangingPunct="1">
+    <a:lvl3pPr marL="914185" algn="l" defTabSz="457093" rtl="0" eaLnBrk="1" latinLnBrk="0" hangingPunct="1">
       <a:defRPr sz="1800" kern="1200">
         <a:solidFill>
           <a:schemeClr val="tx1"/>
@@ -45,7 +48,7 @@
         <a:cs typeface="+mn-cs"/>
       </a:defRPr>
     </a:lvl3pPr>
-    <a:lvl4pPr marL="1371600" algn="l" defTabSz="457200" rtl="0" eaLnBrk="1" latinLnBrk="0" hangingPunct="1">
+    <a:lvl4pPr marL="1371278" algn="l" defTabSz="457093" rtl="0" eaLnBrk="1" latinLnBrk="0" hangingPunct="1">
       <a:defRPr sz="1800" kern="1200">
         <a:solidFill>
           <a:schemeClr val="tx1"/>
@@ -55,7 +58,7 @@
         <a:cs typeface="+mn-cs"/>
       </a:defRPr>
     </a:lvl4pPr>
-    <a:lvl5pPr marL="1828800" algn="l" defTabSz="457200" rtl="0" eaLnBrk="1" latinLnBrk="0" hangingPunct="1">
+    <a:lvl5pPr marL="1828370" algn="l" defTabSz="457093" rtl="0" eaLnBrk="1" latinLnBrk="0" hangingPunct="1">
       <a:defRPr sz="1800" kern="1200">
         <a:solidFill>
           <a:schemeClr val="tx1"/>
@@ -65,7 +68,7 @@
         <a:cs typeface="+mn-cs"/>
       </a:defRPr>
     </a:lvl5pPr>
-    <a:lvl6pPr marL="2286000" algn="l" defTabSz="457200" rtl="0" eaLnBrk="1" latinLnBrk="0" hangingPunct="1">
+    <a:lvl6pPr marL="2285463" algn="l" defTabSz="457093" rtl="0" eaLnBrk="1" latinLnBrk="0" hangingPunct="1">
       <a:defRPr sz="1800" kern="1200">
         <a:solidFill>
           <a:schemeClr val="tx1"/>
@@ -75,7 +78,7 @@
         <a:cs typeface="+mn-cs"/>
       </a:defRPr>
     </a:lvl6pPr>
-    <a:lvl7pPr marL="2743200" algn="l" defTabSz="457200" rtl="0" eaLnBrk="1" latinLnBrk="0" hangingPunct="1">
+    <a:lvl7pPr marL="2742556" algn="l" defTabSz="457093" rtl="0" eaLnBrk="1" latinLnBrk="0" hangingPunct="1">
       <a:defRPr sz="1800" kern="1200">
         <a:solidFill>
           <a:schemeClr val="tx1"/>
@@ -85,7 +88,7 @@
         <a:cs typeface="+mn-cs"/>
       </a:defRPr>
     </a:lvl7pPr>
-    <a:lvl8pPr marL="3200400" algn="l" defTabSz="457200" rtl="0" eaLnBrk="1" latinLnBrk="0" hangingPunct="1">
+    <a:lvl8pPr marL="3199649" algn="l" defTabSz="457093" rtl="0" eaLnBrk="1" latinLnBrk="0" hangingPunct="1">
       <a:defRPr sz="1800" kern="1200">
         <a:solidFill>
           <a:schemeClr val="tx1"/>
@@ -95,7 +98,7 @@
         <a:cs typeface="+mn-cs"/>
       </a:defRPr>
     </a:lvl8pPr>
-    <a:lvl9pPr marL="3657600" algn="l" defTabSz="457200" rtl="0" eaLnBrk="1" latinLnBrk="0" hangingPunct="1">
+    <a:lvl9pPr marL="3656741" algn="l" defTabSz="457093" rtl="0" eaLnBrk="1" latinLnBrk="0" hangingPunct="1">
       <a:defRPr sz="1800" kern="1200">
         <a:solidFill>
           <a:schemeClr val="tx1"/>
@@ -107,6 +110,356 @@
     </a:lvl9pPr>
   </p:defaultTextStyle>
 </p:presentation>
+</file>
+
+<file path=ppt/notesMasters/notesMaster1.xml><?xml version="1.0" encoding="utf-8"?>
+<p:notesMaster xmlns:a="http://schemas.openxmlformats.org/drawingml/2006/main" xmlns:r="http://schemas.openxmlformats.org/officeDocument/2006/relationships" xmlns:p="http://schemas.openxmlformats.org/presentationml/2006/main">
+  <p:cSld>
+    <p:bg>
+      <p:bgRef idx="1001">
+        <a:schemeClr val="bg1"/>
+      </p:bgRef>
+    </p:bg>
+    <p:spTree>
+      <p:nvGrpSpPr>
+        <p:cNvPr id="1" name=""/>
+        <p:cNvGrpSpPr/>
+        <p:nvPr/>
+      </p:nvGrpSpPr>
+      <p:grpSpPr>
+        <a:xfrm>
+          <a:off x="0" y="0"/>
+          <a:ext cx="0" cy="0"/>
+          <a:chOff x="0" y="0"/>
+          <a:chExt cx="0" cy="0"/>
+        </a:xfrm>
+      </p:grpSpPr>
+      <p:sp>
+        <p:nvSpPr>
+          <p:cNvPr id="2" name="Header Placeholder 1"/>
+          <p:cNvSpPr>
+            <a:spLocks noGrp="1"/>
+          </p:cNvSpPr>
+          <p:nvPr>
+            <p:ph type="hdr" sz="quarter"/>
+          </p:nvPr>
+        </p:nvSpPr>
+        <p:spPr>
+          <a:xfrm>
+            <a:off x="0" y="0"/>
+            <a:ext cx="2971800" cy="457200"/>
+          </a:xfrm>
+          <a:prstGeom prst="rect">
+            <a:avLst/>
+          </a:prstGeom>
+        </p:spPr>
+        <p:txBody>
+          <a:bodyPr vert="horz" lIns="91440" tIns="45720" rIns="91440" bIns="45720" rtlCol="0"/>
+          <a:lstStyle>
+            <a:lvl1pPr algn="l">
+              <a:defRPr sz="1200"/>
+            </a:lvl1pPr>
+          </a:lstStyle>
+          <a:p>
+            <a:endParaRPr lang="en-US"/>
+          </a:p>
+        </p:txBody>
+      </p:sp>
+      <p:sp>
+        <p:nvSpPr>
+          <p:cNvPr id="3" name="Date Placeholder 2"/>
+          <p:cNvSpPr>
+            <a:spLocks noGrp="1"/>
+          </p:cNvSpPr>
+          <p:nvPr>
+            <p:ph type="dt" idx="1"/>
+          </p:nvPr>
+        </p:nvSpPr>
+        <p:spPr>
+          <a:xfrm>
+            <a:off x="3884613" y="0"/>
+            <a:ext cx="2971800" cy="457200"/>
+          </a:xfrm>
+          <a:prstGeom prst="rect">
+            <a:avLst/>
+          </a:prstGeom>
+        </p:spPr>
+        <p:txBody>
+          <a:bodyPr vert="horz" lIns="91440" tIns="45720" rIns="91440" bIns="45720" rtlCol="0"/>
+          <a:lstStyle>
+            <a:lvl1pPr algn="r">
+              <a:defRPr sz="1200"/>
+            </a:lvl1pPr>
+          </a:lstStyle>
+          <a:p>
+            <a:fld id="{70685992-2584-0D40-9F4F-6E4B59BEC887}" type="datetimeFigureOut">
+              <a:rPr lang="en-US" smtClean="0"/>
+              <a:t>5/5/15</a:t>
+            </a:fld>
+            <a:endParaRPr lang="en-US"/>
+          </a:p>
+        </p:txBody>
+      </p:sp>
+      <p:sp>
+        <p:nvSpPr>
+          <p:cNvPr id="4" name="Slide Image Placeholder 3"/>
+          <p:cNvSpPr>
+            <a:spLocks noGrp="1" noRot="1" noChangeAspect="1"/>
+          </p:cNvSpPr>
+          <p:nvPr>
+            <p:ph type="sldImg" idx="2"/>
+          </p:nvPr>
+        </p:nvSpPr>
+        <p:spPr>
+          <a:xfrm>
+            <a:off x="1143000" y="685800"/>
+            <a:ext cx="4572000" cy="3429000"/>
+          </a:xfrm>
+          <a:prstGeom prst="rect">
+            <a:avLst/>
+          </a:prstGeom>
+          <a:noFill/>
+          <a:ln w="12700">
+            <a:solidFill>
+              <a:prstClr val="black"/>
+            </a:solidFill>
+          </a:ln>
+        </p:spPr>
+        <p:txBody>
+          <a:bodyPr vert="horz" lIns="91440" tIns="45720" rIns="91440" bIns="45720" rtlCol="0" anchor="ctr"/>
+          <a:lstStyle/>
+          <a:p>
+            <a:endParaRPr lang="en-US"/>
+          </a:p>
+        </p:txBody>
+      </p:sp>
+      <p:sp>
+        <p:nvSpPr>
+          <p:cNvPr id="5" name="Notes Placeholder 4"/>
+          <p:cNvSpPr>
+            <a:spLocks noGrp="1"/>
+          </p:cNvSpPr>
+          <p:nvPr>
+            <p:ph type="body" sz="quarter" idx="3"/>
+          </p:nvPr>
+        </p:nvSpPr>
+        <p:spPr>
+          <a:xfrm>
+            <a:off x="685800" y="4343400"/>
+            <a:ext cx="5486400" cy="4114800"/>
+          </a:xfrm>
+          <a:prstGeom prst="rect">
+            <a:avLst/>
+          </a:prstGeom>
+        </p:spPr>
+        <p:txBody>
+          <a:bodyPr vert="horz" lIns="91440" tIns="45720" rIns="91440" bIns="45720" rtlCol="0"/>
+          <a:lstStyle/>
+          <a:p>
+            <a:pPr lvl="0"/>
+            <a:r>
+              <a:rPr lang="en-US" smtClean="0"/>
+              <a:t>Click to edit Master text styles</a:t>
+            </a:r>
+          </a:p>
+          <a:p>
+            <a:pPr lvl="1"/>
+            <a:r>
+              <a:rPr lang="en-US" smtClean="0"/>
+              <a:t>Second level</a:t>
+            </a:r>
+          </a:p>
+          <a:p>
+            <a:pPr lvl="2"/>
+            <a:r>
+              <a:rPr lang="en-US" smtClean="0"/>
+              <a:t>Third level</a:t>
+            </a:r>
+          </a:p>
+          <a:p>
+            <a:pPr lvl="3"/>
+            <a:r>
+              <a:rPr lang="en-US" smtClean="0"/>
+              <a:t>Fourth level</a:t>
+            </a:r>
+          </a:p>
+          <a:p>
+            <a:pPr lvl="4"/>
+            <a:r>
+              <a:rPr lang="en-US" smtClean="0"/>
+              <a:t>Fifth level</a:t>
+            </a:r>
+            <a:endParaRPr lang="en-US"/>
+          </a:p>
+        </p:txBody>
+      </p:sp>
+      <p:sp>
+        <p:nvSpPr>
+          <p:cNvPr id="6" name="Footer Placeholder 5"/>
+          <p:cNvSpPr>
+            <a:spLocks noGrp="1"/>
+          </p:cNvSpPr>
+          <p:nvPr>
+            <p:ph type="ftr" sz="quarter" idx="4"/>
+          </p:nvPr>
+        </p:nvSpPr>
+        <p:spPr>
+          <a:xfrm>
+            <a:off x="0" y="8685213"/>
+            <a:ext cx="2971800" cy="457200"/>
+          </a:xfrm>
+          <a:prstGeom prst="rect">
+            <a:avLst/>
+          </a:prstGeom>
+        </p:spPr>
+        <p:txBody>
+          <a:bodyPr vert="horz" lIns="91440" tIns="45720" rIns="91440" bIns="45720" rtlCol="0" anchor="b"/>
+          <a:lstStyle>
+            <a:lvl1pPr algn="l">
+              <a:defRPr sz="1200"/>
+            </a:lvl1pPr>
+          </a:lstStyle>
+          <a:p>
+            <a:endParaRPr lang="en-US"/>
+          </a:p>
+        </p:txBody>
+      </p:sp>
+      <p:sp>
+        <p:nvSpPr>
+          <p:cNvPr id="7" name="Slide Number Placeholder 6"/>
+          <p:cNvSpPr>
+            <a:spLocks noGrp="1"/>
+          </p:cNvSpPr>
+          <p:nvPr>
+            <p:ph type="sldNum" sz="quarter" idx="5"/>
+          </p:nvPr>
+        </p:nvSpPr>
+        <p:spPr>
+          <a:xfrm>
+            <a:off x="3884613" y="8685213"/>
+            <a:ext cx="2971800" cy="457200"/>
+          </a:xfrm>
+          <a:prstGeom prst="rect">
+            <a:avLst/>
+          </a:prstGeom>
+        </p:spPr>
+        <p:txBody>
+          <a:bodyPr vert="horz" lIns="91440" tIns="45720" rIns="91440" bIns="45720" rtlCol="0" anchor="b"/>
+          <a:lstStyle>
+            <a:lvl1pPr algn="r">
+              <a:defRPr sz="1200"/>
+            </a:lvl1pPr>
+          </a:lstStyle>
+          <a:p>
+            <a:fld id="{09433A41-3688-D149-9DB2-964966365024}" type="slidenum">
+              <a:rPr lang="en-US" smtClean="0"/>
+              <a:t>‹#›</a:t>
+            </a:fld>
+            <a:endParaRPr lang="en-US"/>
+          </a:p>
+        </p:txBody>
+      </p:sp>
+    </p:spTree>
+    <p:extLst>
+      <p:ext uri="{BB962C8B-B14F-4D97-AF65-F5344CB8AC3E}">
+        <p14:creationId xmlns:p14="http://schemas.microsoft.com/office/powerpoint/2010/main" val="482514367"/>
+      </p:ext>
+    </p:extLst>
+  </p:cSld>
+  <p:clrMap bg1="lt1" tx1="dk1" bg2="lt2" tx2="dk2" accent1="accent1" accent2="accent2" accent3="accent3" accent4="accent4" accent5="accent5" accent6="accent6" hlink="hlink" folHlink="folHlink"/>
+  <p:notesStyle>
+    <a:lvl1pPr marL="0" algn="l" defTabSz="457093" rtl="0" eaLnBrk="1" latinLnBrk="0" hangingPunct="1">
+      <a:defRPr sz="1200" kern="1200">
+        <a:solidFill>
+          <a:schemeClr val="tx1"/>
+        </a:solidFill>
+        <a:latin typeface="+mn-lt"/>
+        <a:ea typeface="+mn-ea"/>
+        <a:cs typeface="+mn-cs"/>
+      </a:defRPr>
+    </a:lvl1pPr>
+    <a:lvl2pPr marL="457093" algn="l" defTabSz="457093" rtl="0" eaLnBrk="1" latinLnBrk="0" hangingPunct="1">
+      <a:defRPr sz="1200" kern="1200">
+        <a:solidFill>
+          <a:schemeClr val="tx1"/>
+        </a:solidFill>
+        <a:latin typeface="+mn-lt"/>
+        <a:ea typeface="+mn-ea"/>
+        <a:cs typeface="+mn-cs"/>
+      </a:defRPr>
+    </a:lvl2pPr>
+    <a:lvl3pPr marL="914185" algn="l" defTabSz="457093" rtl="0" eaLnBrk="1" latinLnBrk="0" hangingPunct="1">
+      <a:defRPr sz="1200" kern="1200">
+        <a:solidFill>
+          <a:schemeClr val="tx1"/>
+        </a:solidFill>
+        <a:latin typeface="+mn-lt"/>
+        <a:ea typeface="+mn-ea"/>
+        <a:cs typeface="+mn-cs"/>
+      </a:defRPr>
+    </a:lvl3pPr>
+    <a:lvl4pPr marL="1371278" algn="l" defTabSz="457093" rtl="0" eaLnBrk="1" latinLnBrk="0" hangingPunct="1">
+      <a:defRPr sz="1200" kern="1200">
+        <a:solidFill>
+          <a:schemeClr val="tx1"/>
+        </a:solidFill>
+        <a:latin typeface="+mn-lt"/>
+        <a:ea typeface="+mn-ea"/>
+        <a:cs typeface="+mn-cs"/>
+      </a:defRPr>
+    </a:lvl4pPr>
+    <a:lvl5pPr marL="1828370" algn="l" defTabSz="457093" rtl="0" eaLnBrk="1" latinLnBrk="0" hangingPunct="1">
+      <a:defRPr sz="1200" kern="1200">
+        <a:solidFill>
+          <a:schemeClr val="tx1"/>
+        </a:solidFill>
+        <a:latin typeface="+mn-lt"/>
+        <a:ea typeface="+mn-ea"/>
+        <a:cs typeface="+mn-cs"/>
+      </a:defRPr>
+    </a:lvl5pPr>
+    <a:lvl6pPr marL="2285463" algn="l" defTabSz="457093" rtl="0" eaLnBrk="1" latinLnBrk="0" hangingPunct="1">
+      <a:defRPr sz="1200" kern="1200">
+        <a:solidFill>
+          <a:schemeClr val="tx1"/>
+        </a:solidFill>
+        <a:latin typeface="+mn-lt"/>
+        <a:ea typeface="+mn-ea"/>
+        <a:cs typeface="+mn-cs"/>
+      </a:defRPr>
+    </a:lvl6pPr>
+    <a:lvl7pPr marL="2742556" algn="l" defTabSz="457093" rtl="0" eaLnBrk="1" latinLnBrk="0" hangingPunct="1">
+      <a:defRPr sz="1200" kern="1200">
+        <a:solidFill>
+          <a:schemeClr val="tx1"/>
+        </a:solidFill>
+        <a:latin typeface="+mn-lt"/>
+        <a:ea typeface="+mn-ea"/>
+        <a:cs typeface="+mn-cs"/>
+      </a:defRPr>
+    </a:lvl7pPr>
+    <a:lvl8pPr marL="3199649" algn="l" defTabSz="457093" rtl="0" eaLnBrk="1" latinLnBrk="0" hangingPunct="1">
+      <a:defRPr sz="1200" kern="1200">
+        <a:solidFill>
+          <a:schemeClr val="tx1"/>
+        </a:solidFill>
+        <a:latin typeface="+mn-lt"/>
+        <a:ea typeface="+mn-ea"/>
+        <a:cs typeface="+mn-cs"/>
+      </a:defRPr>
+    </a:lvl8pPr>
+    <a:lvl9pPr marL="3656741" algn="l" defTabSz="457093" rtl="0" eaLnBrk="1" latinLnBrk="0" hangingPunct="1">
+      <a:defRPr sz="1200" kern="1200">
+        <a:solidFill>
+          <a:schemeClr val="tx1"/>
+        </a:solidFill>
+        <a:latin typeface="+mn-lt"/>
+        <a:ea typeface="+mn-ea"/>
+        <a:cs typeface="+mn-cs"/>
+      </a:defRPr>
+    </a:lvl9pPr>
+  </p:notesStyle>
+</p:notesMaster>
 </file>
 
 <file path=ppt/slideLayouts/slideLayout1.xml><?xml version="1.0" encoding="utf-8"?>
@@ -138,7 +491,7 @@
         </p:nvSpPr>
         <p:spPr>
           <a:xfrm>
-            <a:off x="685800" y="2130425"/>
+            <a:off x="685800" y="2130426"/>
             <a:ext cx="7772400" cy="1470025"/>
           </a:xfrm>
         </p:spPr>
@@ -183,7 +536,7 @@
                 </a:solidFill>
               </a:defRPr>
             </a:lvl1pPr>
-            <a:lvl2pPr marL="457200" indent="0" algn="ctr">
+            <a:lvl2pPr marL="457093" indent="0" algn="ctr">
               <a:buNone/>
               <a:defRPr>
                 <a:solidFill>
@@ -193,7 +546,7 @@
                 </a:solidFill>
               </a:defRPr>
             </a:lvl2pPr>
-            <a:lvl3pPr marL="914400" indent="0" algn="ctr">
+            <a:lvl3pPr marL="914185" indent="0" algn="ctr">
               <a:buNone/>
               <a:defRPr>
                 <a:solidFill>
@@ -203,7 +556,7 @@
                 </a:solidFill>
               </a:defRPr>
             </a:lvl3pPr>
-            <a:lvl4pPr marL="1371600" indent="0" algn="ctr">
+            <a:lvl4pPr marL="1371278" indent="0" algn="ctr">
               <a:buNone/>
               <a:defRPr>
                 <a:solidFill>
@@ -213,7 +566,7 @@
                 </a:solidFill>
               </a:defRPr>
             </a:lvl4pPr>
-            <a:lvl5pPr marL="1828800" indent="0" algn="ctr">
+            <a:lvl5pPr marL="1828370" indent="0" algn="ctr">
               <a:buNone/>
               <a:defRPr>
                 <a:solidFill>
@@ -223,7 +576,7 @@
                 </a:solidFill>
               </a:defRPr>
             </a:lvl5pPr>
-            <a:lvl6pPr marL="2286000" indent="0" algn="ctr">
+            <a:lvl6pPr marL="2285463" indent="0" algn="ctr">
               <a:buNone/>
               <a:defRPr>
                 <a:solidFill>
@@ -233,7 +586,7 @@
                 </a:solidFill>
               </a:defRPr>
             </a:lvl6pPr>
-            <a:lvl7pPr marL="2743200" indent="0" algn="ctr">
+            <a:lvl7pPr marL="2742556" indent="0" algn="ctr">
               <a:buNone/>
               <a:defRPr>
                 <a:solidFill>
@@ -243,7 +596,7 @@
                 </a:solidFill>
               </a:defRPr>
             </a:lvl7pPr>
-            <a:lvl8pPr marL="3200400" indent="0" algn="ctr">
+            <a:lvl8pPr marL="3199649" indent="0" algn="ctr">
               <a:buNone/>
               <a:defRPr>
                 <a:solidFill>
@@ -253,7 +606,7 @@
                 </a:solidFill>
               </a:defRPr>
             </a:lvl8pPr>
-            <a:lvl9pPr marL="3657600" indent="0" algn="ctr">
+            <a:lvl9pPr marL="3656741" indent="0" algn="ctr">
               <a:buNone/>
               <a:defRPr>
                 <a:solidFill>
@@ -290,7 +643,7 @@
           <a:p>
             <a:fld id="{D968744C-CFB2-7D43-BF8E-20D9B6CB77D5}" type="datetimeFigureOut">
               <a:rPr lang="en-US" smtClean="0"/>
-              <a:t>4/30/15</a:t>
+              <a:t>5/5/15</a:t>
             </a:fld>
             <a:endParaRPr lang="en-US"/>
           </a:p>
@@ -460,7 +813,7 @@
           <a:p>
             <a:fld id="{D968744C-CFB2-7D43-BF8E-20D9B6CB77D5}" type="datetimeFigureOut">
               <a:rPr lang="en-US" smtClean="0"/>
-              <a:t>4/30/15</a:t>
+              <a:t>5/5/15</a:t>
             </a:fld>
             <a:endParaRPr lang="en-US"/>
           </a:p>
@@ -550,7 +903,7 @@
         </p:nvSpPr>
         <p:spPr>
           <a:xfrm>
-            <a:off x="6629400" y="274638"/>
+            <a:off x="6629400" y="274639"/>
             <a:ext cx="2057400" cy="5851525"/>
           </a:xfrm>
         </p:spPr>
@@ -578,7 +931,7 @@
         </p:nvSpPr>
         <p:spPr>
           <a:xfrm>
-            <a:off x="457200" y="274638"/>
+            <a:off x="457200" y="274639"/>
             <a:ext cx="6019800" cy="5851525"/>
           </a:xfrm>
         </p:spPr>
@@ -640,7 +993,7 @@
           <a:p>
             <a:fld id="{D968744C-CFB2-7D43-BF8E-20D9B6CB77D5}" type="datetimeFigureOut">
               <a:rPr lang="en-US" smtClean="0"/>
-              <a:t>4/30/15</a:t>
+              <a:t>5/5/15</a:t>
             </a:fld>
             <a:endParaRPr lang="en-US"/>
           </a:p>
@@ -810,7 +1163,7 @@
           <a:p>
             <a:fld id="{D968744C-CFB2-7D43-BF8E-20D9B6CB77D5}" type="datetimeFigureOut">
               <a:rPr lang="en-US" smtClean="0"/>
-              <a:t>4/30/15</a:t>
+              <a:t>5/5/15</a:t>
             </a:fld>
             <a:endParaRPr lang="en-US"/>
           </a:p>
@@ -932,7 +1285,7 @@
         </p:nvSpPr>
         <p:spPr>
           <a:xfrm>
-            <a:off x="722313" y="2906713"/>
+            <a:off x="722313" y="2906714"/>
             <a:ext cx="7772400" cy="1500187"/>
           </a:xfrm>
         </p:spPr>
@@ -949,7 +1302,7 @@
                 </a:solidFill>
               </a:defRPr>
             </a:lvl1pPr>
-            <a:lvl2pPr marL="457200" indent="0">
+            <a:lvl2pPr marL="457093" indent="0">
               <a:buNone/>
               <a:defRPr sz="1800">
                 <a:solidFill>
@@ -959,7 +1312,7 @@
                 </a:solidFill>
               </a:defRPr>
             </a:lvl2pPr>
-            <a:lvl3pPr marL="914400" indent="0">
+            <a:lvl3pPr marL="914185" indent="0">
               <a:buNone/>
               <a:defRPr sz="1600">
                 <a:solidFill>
@@ -969,7 +1322,7 @@
                 </a:solidFill>
               </a:defRPr>
             </a:lvl3pPr>
-            <a:lvl4pPr marL="1371600" indent="0">
+            <a:lvl4pPr marL="1371278" indent="0">
               <a:buNone/>
               <a:defRPr sz="1400">
                 <a:solidFill>
@@ -979,7 +1332,7 @@
                 </a:solidFill>
               </a:defRPr>
             </a:lvl4pPr>
-            <a:lvl5pPr marL="1828800" indent="0">
+            <a:lvl5pPr marL="1828370" indent="0">
               <a:buNone/>
               <a:defRPr sz="1400">
                 <a:solidFill>
@@ -989,7 +1342,7 @@
                 </a:solidFill>
               </a:defRPr>
             </a:lvl5pPr>
-            <a:lvl6pPr marL="2286000" indent="0">
+            <a:lvl6pPr marL="2285463" indent="0">
               <a:buNone/>
               <a:defRPr sz="1400">
                 <a:solidFill>
@@ -999,7 +1352,7 @@
                 </a:solidFill>
               </a:defRPr>
             </a:lvl6pPr>
-            <a:lvl7pPr marL="2743200" indent="0">
+            <a:lvl7pPr marL="2742556" indent="0">
               <a:buNone/>
               <a:defRPr sz="1400">
                 <a:solidFill>
@@ -1009,7 +1362,7 @@
                 </a:solidFill>
               </a:defRPr>
             </a:lvl7pPr>
-            <a:lvl8pPr marL="3200400" indent="0">
+            <a:lvl8pPr marL="3199649" indent="0">
               <a:buNone/>
               <a:defRPr sz="1400">
                 <a:solidFill>
@@ -1019,7 +1372,7 @@
                 </a:solidFill>
               </a:defRPr>
             </a:lvl8pPr>
-            <a:lvl9pPr marL="3657600" indent="0">
+            <a:lvl9pPr marL="3656741" indent="0">
               <a:buNone/>
               <a:defRPr sz="1400">
                 <a:solidFill>
@@ -1056,7 +1409,7 @@
           <a:p>
             <a:fld id="{D968744C-CFB2-7D43-BF8E-20D9B6CB77D5}" type="datetimeFigureOut">
               <a:rPr lang="en-US" smtClean="0"/>
-              <a:t>4/30/15</a:t>
+              <a:t>5/5/15</a:t>
             </a:fld>
             <a:endParaRPr lang="en-US"/>
           </a:p>
@@ -1169,7 +1522,7 @@
         </p:nvSpPr>
         <p:spPr>
           <a:xfrm>
-            <a:off x="457200" y="1600200"/>
+            <a:off x="457200" y="1600201"/>
             <a:ext cx="4038600" cy="4525963"/>
           </a:xfrm>
         </p:spPr>
@@ -1254,7 +1607,7 @@
         </p:nvSpPr>
         <p:spPr>
           <a:xfrm>
-            <a:off x="4648200" y="1600200"/>
+            <a:off x="4648200" y="1600201"/>
             <a:ext cx="4038600" cy="4525963"/>
           </a:xfrm>
         </p:spPr>
@@ -1344,7 +1697,7 @@
           <a:p>
             <a:fld id="{D968744C-CFB2-7D43-BF8E-20D9B6CB77D5}" type="datetimeFigureOut">
               <a:rPr lang="en-US" smtClean="0"/>
-              <a:t>4/30/15</a:t>
+              <a:t>5/5/15</a:t>
             </a:fld>
             <a:endParaRPr lang="en-US"/>
           </a:p>
@@ -1472,35 +1825,35 @@
               <a:buNone/>
               <a:defRPr sz="2400" b="1"/>
             </a:lvl1pPr>
-            <a:lvl2pPr marL="457200" indent="0">
+            <a:lvl2pPr marL="457093" indent="0">
               <a:buNone/>
               <a:defRPr sz="2000" b="1"/>
             </a:lvl2pPr>
-            <a:lvl3pPr marL="914400" indent="0">
+            <a:lvl3pPr marL="914185" indent="0">
               <a:buNone/>
               <a:defRPr sz="1800" b="1"/>
             </a:lvl3pPr>
-            <a:lvl4pPr marL="1371600" indent="0">
+            <a:lvl4pPr marL="1371278" indent="0">
               <a:buNone/>
               <a:defRPr sz="1600" b="1"/>
             </a:lvl4pPr>
-            <a:lvl5pPr marL="1828800" indent="0">
+            <a:lvl5pPr marL="1828370" indent="0">
               <a:buNone/>
               <a:defRPr sz="1600" b="1"/>
             </a:lvl5pPr>
-            <a:lvl6pPr marL="2286000" indent="0">
+            <a:lvl6pPr marL="2285463" indent="0">
               <a:buNone/>
               <a:defRPr sz="1600" b="1"/>
             </a:lvl6pPr>
-            <a:lvl7pPr marL="2743200" indent="0">
+            <a:lvl7pPr marL="2742556" indent="0">
               <a:buNone/>
               <a:defRPr sz="1600" b="1"/>
             </a:lvl7pPr>
-            <a:lvl8pPr marL="3200400" indent="0">
+            <a:lvl8pPr marL="3199649" indent="0">
               <a:buNone/>
               <a:defRPr sz="1600" b="1"/>
             </a:lvl8pPr>
-            <a:lvl9pPr marL="3657600" indent="0">
+            <a:lvl9pPr marL="3656741" indent="0">
               <a:buNone/>
               <a:defRPr sz="1600" b="1"/>
             </a:lvl9pPr>
@@ -1611,7 +1964,7 @@
         </p:nvSpPr>
         <p:spPr>
           <a:xfrm>
-            <a:off x="4645025" y="1535113"/>
+            <a:off x="4645026" y="1535113"/>
             <a:ext cx="4041775" cy="639762"/>
           </a:xfrm>
         </p:spPr>
@@ -1622,35 +1975,35 @@
               <a:buNone/>
               <a:defRPr sz="2400" b="1"/>
             </a:lvl1pPr>
-            <a:lvl2pPr marL="457200" indent="0">
+            <a:lvl2pPr marL="457093" indent="0">
               <a:buNone/>
               <a:defRPr sz="2000" b="1"/>
             </a:lvl2pPr>
-            <a:lvl3pPr marL="914400" indent="0">
+            <a:lvl3pPr marL="914185" indent="0">
               <a:buNone/>
               <a:defRPr sz="1800" b="1"/>
             </a:lvl3pPr>
-            <a:lvl4pPr marL="1371600" indent="0">
+            <a:lvl4pPr marL="1371278" indent="0">
               <a:buNone/>
               <a:defRPr sz="1600" b="1"/>
             </a:lvl4pPr>
-            <a:lvl5pPr marL="1828800" indent="0">
+            <a:lvl5pPr marL="1828370" indent="0">
               <a:buNone/>
               <a:defRPr sz="1600" b="1"/>
             </a:lvl5pPr>
-            <a:lvl6pPr marL="2286000" indent="0">
+            <a:lvl6pPr marL="2285463" indent="0">
               <a:buNone/>
               <a:defRPr sz="1600" b="1"/>
             </a:lvl6pPr>
-            <a:lvl7pPr marL="2743200" indent="0">
+            <a:lvl7pPr marL="2742556" indent="0">
               <a:buNone/>
               <a:defRPr sz="1600" b="1"/>
             </a:lvl7pPr>
-            <a:lvl8pPr marL="3200400" indent="0">
+            <a:lvl8pPr marL="3199649" indent="0">
               <a:buNone/>
               <a:defRPr sz="1600" b="1"/>
             </a:lvl8pPr>
-            <a:lvl9pPr marL="3657600" indent="0">
+            <a:lvl9pPr marL="3656741" indent="0">
               <a:buNone/>
               <a:defRPr sz="1600" b="1"/>
             </a:lvl9pPr>
@@ -1676,7 +2029,7 @@
         </p:nvSpPr>
         <p:spPr>
           <a:xfrm>
-            <a:off x="4645025" y="2174875"/>
+            <a:off x="4645026" y="2174875"/>
             <a:ext cx="4041775" cy="3951288"/>
           </a:xfrm>
         </p:spPr>
@@ -1766,7 +2119,7 @@
           <a:p>
             <a:fld id="{D968744C-CFB2-7D43-BF8E-20D9B6CB77D5}" type="datetimeFigureOut">
               <a:rPr lang="en-US" smtClean="0"/>
-              <a:t>4/30/15</a:t>
+              <a:t>5/5/15</a:t>
             </a:fld>
             <a:endParaRPr lang="en-US"/>
           </a:p>
@@ -1884,7 +2237,7 @@
           <a:p>
             <a:fld id="{D968744C-CFB2-7D43-BF8E-20D9B6CB77D5}" type="datetimeFigureOut">
               <a:rPr lang="en-US" smtClean="0"/>
-              <a:t>4/30/15</a:t>
+              <a:t>5/5/15</a:t>
             </a:fld>
             <a:endParaRPr lang="en-US"/>
           </a:p>
@@ -1979,7 +2332,7 @@
           <a:p>
             <a:fld id="{D968744C-CFB2-7D43-BF8E-20D9B6CB77D5}" type="datetimeFigureOut">
               <a:rPr lang="en-US" smtClean="0"/>
-              <a:t>4/30/15</a:t>
+              <a:t>5/5/15</a:t>
             </a:fld>
             <a:endParaRPr lang="en-US"/>
           </a:p>
@@ -2069,7 +2422,7 @@
         </p:nvSpPr>
         <p:spPr>
           <a:xfrm>
-            <a:off x="457200" y="273050"/>
+            <a:off x="457201" y="273050"/>
             <a:ext cx="3008313" cy="1162050"/>
           </a:xfrm>
         </p:spPr>
@@ -2101,7 +2454,7 @@
         </p:nvSpPr>
         <p:spPr>
           <a:xfrm>
-            <a:off x="3575050" y="273050"/>
+            <a:off x="3575050" y="273051"/>
             <a:ext cx="5111750" cy="5853113"/>
           </a:xfrm>
         </p:spPr>
@@ -2186,7 +2539,7 @@
         </p:nvSpPr>
         <p:spPr>
           <a:xfrm>
-            <a:off x="457200" y="1435100"/>
+            <a:off x="457201" y="1435101"/>
             <a:ext cx="3008313" cy="4691063"/>
           </a:xfrm>
         </p:spPr>
@@ -2197,35 +2550,35 @@
               <a:buNone/>
               <a:defRPr sz="1400"/>
             </a:lvl1pPr>
-            <a:lvl2pPr marL="457200" indent="0">
+            <a:lvl2pPr marL="457093" indent="0">
               <a:buNone/>
               <a:defRPr sz="1200"/>
             </a:lvl2pPr>
-            <a:lvl3pPr marL="914400" indent="0">
+            <a:lvl3pPr marL="914185" indent="0">
               <a:buNone/>
               <a:defRPr sz="1000"/>
             </a:lvl3pPr>
-            <a:lvl4pPr marL="1371600" indent="0">
+            <a:lvl4pPr marL="1371278" indent="0">
               <a:buNone/>
               <a:defRPr sz="900"/>
             </a:lvl4pPr>
-            <a:lvl5pPr marL="1828800" indent="0">
+            <a:lvl5pPr marL="1828370" indent="0">
               <a:buNone/>
               <a:defRPr sz="900"/>
             </a:lvl5pPr>
-            <a:lvl6pPr marL="2286000" indent="0">
+            <a:lvl6pPr marL="2285463" indent="0">
               <a:buNone/>
               <a:defRPr sz="900"/>
             </a:lvl6pPr>
-            <a:lvl7pPr marL="2743200" indent="0">
+            <a:lvl7pPr marL="2742556" indent="0">
               <a:buNone/>
               <a:defRPr sz="900"/>
             </a:lvl7pPr>
-            <a:lvl8pPr marL="3200400" indent="0">
+            <a:lvl8pPr marL="3199649" indent="0">
               <a:buNone/>
               <a:defRPr sz="900"/>
             </a:lvl8pPr>
-            <a:lvl9pPr marL="3657600" indent="0">
+            <a:lvl9pPr marL="3656741" indent="0">
               <a:buNone/>
               <a:defRPr sz="900"/>
             </a:lvl9pPr>
@@ -2256,7 +2609,7 @@
           <a:p>
             <a:fld id="{D968744C-CFB2-7D43-BF8E-20D9B6CB77D5}" type="datetimeFigureOut">
               <a:rPr lang="en-US" smtClean="0"/>
-              <a:t>4/30/15</a:t>
+              <a:t>5/5/15</a:t>
             </a:fld>
             <a:endParaRPr lang="en-US"/>
           </a:p>
@@ -2389,35 +2742,35 @@
               <a:buNone/>
               <a:defRPr sz="3200"/>
             </a:lvl1pPr>
-            <a:lvl2pPr marL="457200" indent="0">
+            <a:lvl2pPr marL="457093" indent="0">
               <a:buNone/>
               <a:defRPr sz="2800"/>
             </a:lvl2pPr>
-            <a:lvl3pPr marL="914400" indent="0">
+            <a:lvl3pPr marL="914185" indent="0">
               <a:buNone/>
               <a:defRPr sz="2400"/>
             </a:lvl3pPr>
-            <a:lvl4pPr marL="1371600" indent="0">
+            <a:lvl4pPr marL="1371278" indent="0">
               <a:buNone/>
               <a:defRPr sz="2000"/>
             </a:lvl4pPr>
-            <a:lvl5pPr marL="1828800" indent="0">
+            <a:lvl5pPr marL="1828370" indent="0">
               <a:buNone/>
               <a:defRPr sz="2000"/>
             </a:lvl5pPr>
-            <a:lvl6pPr marL="2286000" indent="0">
+            <a:lvl6pPr marL="2285463" indent="0">
               <a:buNone/>
               <a:defRPr sz="2000"/>
             </a:lvl6pPr>
-            <a:lvl7pPr marL="2743200" indent="0">
+            <a:lvl7pPr marL="2742556" indent="0">
               <a:buNone/>
               <a:defRPr sz="2000"/>
             </a:lvl7pPr>
-            <a:lvl8pPr marL="3200400" indent="0">
+            <a:lvl8pPr marL="3199649" indent="0">
               <a:buNone/>
               <a:defRPr sz="2000"/>
             </a:lvl8pPr>
-            <a:lvl9pPr marL="3657600" indent="0">
+            <a:lvl9pPr marL="3656741" indent="0">
               <a:buNone/>
               <a:defRPr sz="2000"/>
             </a:lvl9pPr>
@@ -2450,35 +2803,35 @@
               <a:buNone/>
               <a:defRPr sz="1400"/>
             </a:lvl1pPr>
-            <a:lvl2pPr marL="457200" indent="0">
+            <a:lvl2pPr marL="457093" indent="0">
               <a:buNone/>
               <a:defRPr sz="1200"/>
             </a:lvl2pPr>
-            <a:lvl3pPr marL="914400" indent="0">
+            <a:lvl3pPr marL="914185" indent="0">
               <a:buNone/>
               <a:defRPr sz="1000"/>
             </a:lvl3pPr>
-            <a:lvl4pPr marL="1371600" indent="0">
+            <a:lvl4pPr marL="1371278" indent="0">
               <a:buNone/>
               <a:defRPr sz="900"/>
             </a:lvl4pPr>
-            <a:lvl5pPr marL="1828800" indent="0">
+            <a:lvl5pPr marL="1828370" indent="0">
               <a:buNone/>
               <a:defRPr sz="900"/>
             </a:lvl5pPr>
-            <a:lvl6pPr marL="2286000" indent="0">
+            <a:lvl6pPr marL="2285463" indent="0">
               <a:buNone/>
               <a:defRPr sz="900"/>
             </a:lvl6pPr>
-            <a:lvl7pPr marL="2743200" indent="0">
+            <a:lvl7pPr marL="2742556" indent="0">
               <a:buNone/>
               <a:defRPr sz="900"/>
             </a:lvl7pPr>
-            <a:lvl8pPr marL="3200400" indent="0">
+            <a:lvl8pPr marL="3199649" indent="0">
               <a:buNone/>
               <a:defRPr sz="900"/>
             </a:lvl8pPr>
-            <a:lvl9pPr marL="3657600" indent="0">
+            <a:lvl9pPr marL="3656741" indent="0">
               <a:buNone/>
               <a:defRPr sz="900"/>
             </a:lvl9pPr>
@@ -2509,7 +2862,7 @@
           <a:p>
             <a:fld id="{D968744C-CFB2-7D43-BF8E-20D9B6CB77D5}" type="datetimeFigureOut">
               <a:rPr lang="en-US" smtClean="0"/>
-              <a:t>4/30/15</a:t>
+              <a:t>5/5/15</a:t>
             </a:fld>
             <a:endParaRPr lang="en-US"/>
           </a:p>
@@ -2612,7 +2965,7 @@
           </a:prstGeom>
         </p:spPr>
         <p:txBody>
-          <a:bodyPr vert="horz" lIns="91440" tIns="45720" rIns="91440" bIns="45720" rtlCol="0" anchor="ctr">
+          <a:bodyPr vert="horz" lIns="91419" tIns="45709" rIns="91419" bIns="45709" rtlCol="0" anchor="ctr">
             <a:normAutofit/>
           </a:bodyPr>
           <a:lstStyle/>
@@ -2637,7 +2990,7 @@
         </p:nvSpPr>
         <p:spPr>
           <a:xfrm>
-            <a:off x="457200" y="1600200"/>
+            <a:off x="457200" y="1600201"/>
             <a:ext cx="8229600" cy="4525963"/>
           </a:xfrm>
           <a:prstGeom prst="rect">
@@ -2645,7 +2998,7 @@
           </a:prstGeom>
         </p:spPr>
         <p:txBody>
-          <a:bodyPr vert="horz" lIns="91440" tIns="45720" rIns="91440" bIns="45720" rtlCol="0">
+          <a:bodyPr vert="horz" lIns="91419" tIns="45709" rIns="91419" bIns="45709" rtlCol="0">
             <a:normAutofit/>
           </a:bodyPr>
           <a:lstStyle/>
@@ -2699,7 +3052,7 @@
         </p:nvSpPr>
         <p:spPr>
           <a:xfrm>
-            <a:off x="457200" y="6356350"/>
+            <a:off x="457200" y="6356351"/>
             <a:ext cx="2133600" cy="365125"/>
           </a:xfrm>
           <a:prstGeom prst="rect">
@@ -2707,7 +3060,7 @@
           </a:prstGeom>
         </p:spPr>
         <p:txBody>
-          <a:bodyPr vert="horz" lIns="91440" tIns="45720" rIns="91440" bIns="45720" rtlCol="0" anchor="ctr"/>
+          <a:bodyPr vert="horz" lIns="91419" tIns="45709" rIns="91419" bIns="45709" rtlCol="0" anchor="ctr"/>
           <a:lstStyle>
             <a:lvl1pPr algn="l">
               <a:defRPr sz="1200">
@@ -2722,7 +3075,7 @@
           <a:p>
             <a:fld id="{D968744C-CFB2-7D43-BF8E-20D9B6CB77D5}" type="datetimeFigureOut">
               <a:rPr lang="en-US" smtClean="0"/>
-              <a:t>4/30/15</a:t>
+              <a:t>5/5/15</a:t>
             </a:fld>
             <a:endParaRPr lang="en-US"/>
           </a:p>
@@ -2740,7 +3093,7 @@
         </p:nvSpPr>
         <p:spPr>
           <a:xfrm>
-            <a:off x="3124200" y="6356350"/>
+            <a:off x="3124200" y="6356351"/>
             <a:ext cx="2895600" cy="365125"/>
           </a:xfrm>
           <a:prstGeom prst="rect">
@@ -2748,7 +3101,7 @@
           </a:prstGeom>
         </p:spPr>
         <p:txBody>
-          <a:bodyPr vert="horz" lIns="91440" tIns="45720" rIns="91440" bIns="45720" rtlCol="0" anchor="ctr"/>
+          <a:bodyPr vert="horz" lIns="91419" tIns="45709" rIns="91419" bIns="45709" rtlCol="0" anchor="ctr"/>
           <a:lstStyle>
             <a:lvl1pPr algn="ctr">
               <a:defRPr sz="1200">
@@ -2777,7 +3130,7 @@
         </p:nvSpPr>
         <p:spPr>
           <a:xfrm>
-            <a:off x="6553200" y="6356350"/>
+            <a:off x="6553200" y="6356351"/>
             <a:ext cx="2133600" cy="365125"/>
           </a:xfrm>
           <a:prstGeom prst="rect">
@@ -2785,7 +3138,7 @@
           </a:prstGeom>
         </p:spPr>
         <p:txBody>
-          <a:bodyPr vert="horz" lIns="91440" tIns="45720" rIns="91440" bIns="45720" rtlCol="0" anchor="ctr"/>
+          <a:bodyPr vert="horz" lIns="91419" tIns="45709" rIns="91419" bIns="45709" rtlCol="0" anchor="ctr"/>
           <a:lstStyle>
             <a:lvl1pPr algn="r">
               <a:defRPr sz="1200">
@@ -2829,7 +3182,7 @@
   </p:sldLayoutIdLst>
   <p:txStyles>
     <p:titleStyle>
-      <a:lvl1pPr algn="ctr" defTabSz="457200" rtl="0" eaLnBrk="1" latinLnBrk="0" hangingPunct="1">
+      <a:lvl1pPr algn="ctr" defTabSz="457093" rtl="0" eaLnBrk="1" latinLnBrk="0" hangingPunct="1">
         <a:spcBef>
           <a:spcPct val="0"/>
         </a:spcBef>
@@ -2845,7 +3198,7 @@
       </a:lvl1pPr>
     </p:titleStyle>
     <p:bodyStyle>
-      <a:lvl1pPr marL="342900" indent="-342900" algn="l" defTabSz="457200" rtl="0" eaLnBrk="1" latinLnBrk="0" hangingPunct="1">
+      <a:lvl1pPr marL="342819" indent="-342819" algn="l" defTabSz="457093" rtl="0" eaLnBrk="1" latinLnBrk="0" hangingPunct="1">
         <a:spcBef>
           <a:spcPct val="20000"/>
         </a:spcBef>
@@ -2860,7 +3213,7 @@
           <a:cs typeface="+mn-cs"/>
         </a:defRPr>
       </a:lvl1pPr>
-      <a:lvl2pPr marL="742950" indent="-285750" algn="l" defTabSz="457200" rtl="0" eaLnBrk="1" latinLnBrk="0" hangingPunct="1">
+      <a:lvl2pPr marL="742776" indent="-285683" algn="l" defTabSz="457093" rtl="0" eaLnBrk="1" latinLnBrk="0" hangingPunct="1">
         <a:spcBef>
           <a:spcPct val="20000"/>
         </a:spcBef>
@@ -2875,7 +3228,7 @@
           <a:cs typeface="+mn-cs"/>
         </a:defRPr>
       </a:lvl2pPr>
-      <a:lvl3pPr marL="1143000" indent="-228600" algn="l" defTabSz="457200" rtl="0" eaLnBrk="1" latinLnBrk="0" hangingPunct="1">
+      <a:lvl3pPr marL="1142732" indent="-228546" algn="l" defTabSz="457093" rtl="0" eaLnBrk="1" latinLnBrk="0" hangingPunct="1">
         <a:spcBef>
           <a:spcPct val="20000"/>
         </a:spcBef>
@@ -2890,7 +3243,7 @@
           <a:cs typeface="+mn-cs"/>
         </a:defRPr>
       </a:lvl3pPr>
-      <a:lvl4pPr marL="1600200" indent="-228600" algn="l" defTabSz="457200" rtl="0" eaLnBrk="1" latinLnBrk="0" hangingPunct="1">
+      <a:lvl4pPr marL="1599824" indent="-228546" algn="l" defTabSz="457093" rtl="0" eaLnBrk="1" latinLnBrk="0" hangingPunct="1">
         <a:spcBef>
           <a:spcPct val="20000"/>
         </a:spcBef>
@@ -2905,7 +3258,7 @@
           <a:cs typeface="+mn-cs"/>
         </a:defRPr>
       </a:lvl4pPr>
-      <a:lvl5pPr marL="2057400" indent="-228600" algn="l" defTabSz="457200" rtl="0" eaLnBrk="1" latinLnBrk="0" hangingPunct="1">
+      <a:lvl5pPr marL="2056917" indent="-228546" algn="l" defTabSz="457093" rtl="0" eaLnBrk="1" latinLnBrk="0" hangingPunct="1">
         <a:spcBef>
           <a:spcPct val="20000"/>
         </a:spcBef>
@@ -2920,7 +3273,7 @@
           <a:cs typeface="+mn-cs"/>
         </a:defRPr>
       </a:lvl5pPr>
-      <a:lvl6pPr marL="2514600" indent="-228600" algn="l" defTabSz="457200" rtl="0" eaLnBrk="1" latinLnBrk="0" hangingPunct="1">
+      <a:lvl6pPr marL="2514009" indent="-228546" algn="l" defTabSz="457093" rtl="0" eaLnBrk="1" latinLnBrk="0" hangingPunct="1">
         <a:spcBef>
           <a:spcPct val="20000"/>
         </a:spcBef>
@@ -2935,7 +3288,7 @@
           <a:cs typeface="+mn-cs"/>
         </a:defRPr>
       </a:lvl6pPr>
-      <a:lvl7pPr marL="2971800" indent="-228600" algn="l" defTabSz="457200" rtl="0" eaLnBrk="1" latinLnBrk="0" hangingPunct="1">
+      <a:lvl7pPr marL="2971102" indent="-228546" algn="l" defTabSz="457093" rtl="0" eaLnBrk="1" latinLnBrk="0" hangingPunct="1">
         <a:spcBef>
           <a:spcPct val="20000"/>
         </a:spcBef>
@@ -2950,7 +3303,7 @@
           <a:cs typeface="+mn-cs"/>
         </a:defRPr>
       </a:lvl7pPr>
-      <a:lvl8pPr marL="3429000" indent="-228600" algn="l" defTabSz="457200" rtl="0" eaLnBrk="1" latinLnBrk="0" hangingPunct="1">
+      <a:lvl8pPr marL="3428195" indent="-228546" algn="l" defTabSz="457093" rtl="0" eaLnBrk="1" latinLnBrk="0" hangingPunct="1">
         <a:spcBef>
           <a:spcPct val="20000"/>
         </a:spcBef>
@@ -2965,7 +3318,7 @@
           <a:cs typeface="+mn-cs"/>
         </a:defRPr>
       </a:lvl8pPr>
-      <a:lvl9pPr marL="3886200" indent="-228600" algn="l" defTabSz="457200" rtl="0" eaLnBrk="1" latinLnBrk="0" hangingPunct="1">
+      <a:lvl9pPr marL="3885288" indent="-228546" algn="l" defTabSz="457093" rtl="0" eaLnBrk="1" latinLnBrk="0" hangingPunct="1">
         <a:spcBef>
           <a:spcPct val="20000"/>
         </a:spcBef>
@@ -2985,7 +3338,7 @@
       <a:defPPr>
         <a:defRPr lang="en-US"/>
       </a:defPPr>
-      <a:lvl1pPr marL="0" algn="l" defTabSz="457200" rtl="0" eaLnBrk="1" latinLnBrk="0" hangingPunct="1">
+      <a:lvl1pPr marL="0" algn="l" defTabSz="457093" rtl="0" eaLnBrk="1" latinLnBrk="0" hangingPunct="1">
         <a:defRPr sz="1800" kern="1200">
           <a:solidFill>
             <a:schemeClr val="tx1"/>
@@ -2995,7 +3348,7 @@
           <a:cs typeface="+mn-cs"/>
         </a:defRPr>
       </a:lvl1pPr>
-      <a:lvl2pPr marL="457200" algn="l" defTabSz="457200" rtl="0" eaLnBrk="1" latinLnBrk="0" hangingPunct="1">
+      <a:lvl2pPr marL="457093" algn="l" defTabSz="457093" rtl="0" eaLnBrk="1" latinLnBrk="0" hangingPunct="1">
         <a:defRPr sz="1800" kern="1200">
           <a:solidFill>
             <a:schemeClr val="tx1"/>
@@ -3005,7 +3358,7 @@
           <a:cs typeface="+mn-cs"/>
         </a:defRPr>
       </a:lvl2pPr>
-      <a:lvl3pPr marL="914400" algn="l" defTabSz="457200" rtl="0" eaLnBrk="1" latinLnBrk="0" hangingPunct="1">
+      <a:lvl3pPr marL="914185" algn="l" defTabSz="457093" rtl="0" eaLnBrk="1" latinLnBrk="0" hangingPunct="1">
         <a:defRPr sz="1800" kern="1200">
           <a:solidFill>
             <a:schemeClr val="tx1"/>
@@ -3015,7 +3368,7 @@
           <a:cs typeface="+mn-cs"/>
         </a:defRPr>
       </a:lvl3pPr>
-      <a:lvl4pPr marL="1371600" algn="l" defTabSz="457200" rtl="0" eaLnBrk="1" latinLnBrk="0" hangingPunct="1">
+      <a:lvl4pPr marL="1371278" algn="l" defTabSz="457093" rtl="0" eaLnBrk="1" latinLnBrk="0" hangingPunct="1">
         <a:defRPr sz="1800" kern="1200">
           <a:solidFill>
             <a:schemeClr val="tx1"/>
@@ -3025,7 +3378,7 @@
           <a:cs typeface="+mn-cs"/>
         </a:defRPr>
       </a:lvl4pPr>
-      <a:lvl5pPr marL="1828800" algn="l" defTabSz="457200" rtl="0" eaLnBrk="1" latinLnBrk="0" hangingPunct="1">
+      <a:lvl5pPr marL="1828370" algn="l" defTabSz="457093" rtl="0" eaLnBrk="1" latinLnBrk="0" hangingPunct="1">
         <a:defRPr sz="1800" kern="1200">
           <a:solidFill>
             <a:schemeClr val="tx1"/>
@@ -3035,7 +3388,7 @@
           <a:cs typeface="+mn-cs"/>
         </a:defRPr>
       </a:lvl5pPr>
-      <a:lvl6pPr marL="2286000" algn="l" defTabSz="457200" rtl="0" eaLnBrk="1" latinLnBrk="0" hangingPunct="1">
+      <a:lvl6pPr marL="2285463" algn="l" defTabSz="457093" rtl="0" eaLnBrk="1" latinLnBrk="0" hangingPunct="1">
         <a:defRPr sz="1800" kern="1200">
           <a:solidFill>
             <a:schemeClr val="tx1"/>
@@ -3045,7 +3398,7 @@
           <a:cs typeface="+mn-cs"/>
         </a:defRPr>
       </a:lvl6pPr>
-      <a:lvl7pPr marL="2743200" algn="l" defTabSz="457200" rtl="0" eaLnBrk="1" latinLnBrk="0" hangingPunct="1">
+      <a:lvl7pPr marL="2742556" algn="l" defTabSz="457093" rtl="0" eaLnBrk="1" latinLnBrk="0" hangingPunct="1">
         <a:defRPr sz="1800" kern="1200">
           <a:solidFill>
             <a:schemeClr val="tx1"/>
@@ -3055,7 +3408,7 @@
           <a:cs typeface="+mn-cs"/>
         </a:defRPr>
       </a:lvl7pPr>
-      <a:lvl8pPr marL="3200400" algn="l" defTabSz="457200" rtl="0" eaLnBrk="1" latinLnBrk="0" hangingPunct="1">
+      <a:lvl8pPr marL="3199649" algn="l" defTabSz="457093" rtl="0" eaLnBrk="1" latinLnBrk="0" hangingPunct="1">
         <a:defRPr sz="1800" kern="1200">
           <a:solidFill>
             <a:schemeClr val="tx1"/>
@@ -3065,7 +3418,7 @@
           <a:cs typeface="+mn-cs"/>
         </a:defRPr>
       </a:lvl8pPr>
-      <a:lvl9pPr marL="3657600" algn="l" defTabSz="457200" rtl="0" eaLnBrk="1" latinLnBrk="0" hangingPunct="1">
+      <a:lvl9pPr marL="3656741" algn="l" defTabSz="457093" rtl="0" eaLnBrk="1" latinLnBrk="0" hangingPunct="1">
         <a:defRPr sz="1800" kern="1200">
           <a:solidFill>
             <a:schemeClr val="tx1"/>
@@ -3099,6 +3452,2746 @@
       </p:grpSpPr>
       <p:sp>
         <p:nvSpPr>
+          <p:cNvPr id="14" name="Rectangle 13"/>
+          <p:cNvSpPr/>
+          <p:nvPr/>
+        </p:nvSpPr>
+        <p:spPr>
+          <a:xfrm rot="5400000">
+            <a:off x="1142999" y="-1143000"/>
+            <a:ext cx="6858000" cy="9144000"/>
+          </a:xfrm>
+          <a:prstGeom prst="rect">
+            <a:avLst/>
+          </a:prstGeom>
+          <a:solidFill>
+            <a:srgbClr val="E8EDEE"/>
+          </a:solidFill>
+          <a:ln>
+            <a:noFill/>
+          </a:ln>
+          <a:effectLst/>
+        </p:spPr>
+        <p:style>
+          <a:lnRef idx="1">
+            <a:schemeClr val="accent1"/>
+          </a:lnRef>
+          <a:fillRef idx="3">
+            <a:schemeClr val="accent1"/>
+          </a:fillRef>
+          <a:effectRef idx="2">
+            <a:schemeClr val="accent1"/>
+          </a:effectRef>
+          <a:fontRef idx="minor">
+            <a:schemeClr val="lt1"/>
+          </a:fontRef>
+        </p:style>
+        <p:txBody>
+          <a:bodyPr lIns="91419" tIns="45709" rIns="91419" bIns="45709" rtlCol="0" anchor="ctr"/>
+          <a:lstStyle/>
+          <a:p>
+            <a:pPr algn="ctr"/>
+            <a:endParaRPr lang="en-US">
+              <a:latin typeface="Helvetica"/>
+              <a:cs typeface="Helvetica"/>
+            </a:endParaRPr>
+          </a:p>
+        </p:txBody>
+      </p:sp>
+      <p:sp>
+        <p:nvSpPr>
+          <p:cNvPr id="33" name="Rectangle 32"/>
+          <p:cNvSpPr/>
+          <p:nvPr/>
+        </p:nvSpPr>
+        <p:spPr>
+          <a:xfrm>
+            <a:off x="208947" y="142756"/>
+            <a:ext cx="8710934" cy="754053"/>
+          </a:xfrm>
+          <a:prstGeom prst="rect">
+            <a:avLst/>
+          </a:prstGeom>
+          <a:solidFill>
+            <a:schemeClr val="bg1"/>
+          </a:solidFill>
+          <a:ln>
+            <a:noFill/>
+          </a:ln>
+          <a:effectLst/>
+        </p:spPr>
+        <p:style>
+          <a:lnRef idx="1">
+            <a:schemeClr val="accent1"/>
+          </a:lnRef>
+          <a:fillRef idx="3">
+            <a:schemeClr val="accent1"/>
+          </a:fillRef>
+          <a:effectRef idx="2">
+            <a:schemeClr val="accent1"/>
+          </a:effectRef>
+          <a:fontRef idx="minor">
+            <a:schemeClr val="lt1"/>
+          </a:fontRef>
+        </p:style>
+        <p:txBody>
+          <a:bodyPr lIns="91419" tIns="45709" rIns="91419" bIns="45709" rtlCol="0" anchor="ctr"/>
+          <a:lstStyle/>
+          <a:p>
+            <a:pPr algn="ctr"/>
+            <a:endParaRPr lang="en-US"/>
+          </a:p>
+        </p:txBody>
+      </p:sp>
+      <p:sp>
+        <p:nvSpPr>
+          <p:cNvPr id="23" name="TextBox 22"/>
+          <p:cNvSpPr txBox="1"/>
+          <p:nvPr/>
+        </p:nvSpPr>
+        <p:spPr>
+          <a:xfrm>
+            <a:off x="208949" y="142767"/>
+            <a:ext cx="8710933" cy="461643"/>
+          </a:xfrm>
+          <a:prstGeom prst="rect">
+            <a:avLst/>
+          </a:prstGeom>
+          <a:solidFill>
+            <a:schemeClr val="bg1"/>
+          </a:solidFill>
+        </p:spPr>
+        <p:txBody>
+          <a:bodyPr wrap="square" lIns="91419" tIns="45709" rIns="91419" bIns="45709" rtlCol="0" anchor="ctr">
+            <a:spAutoFit/>
+          </a:bodyPr>
+          <a:lstStyle/>
+          <a:p>
+            <a:r>
+              <a:rPr lang="en-US" sz="2400" dirty="0">
+                <a:solidFill>
+                  <a:srgbClr val="1C2939"/>
+                </a:solidFill>
+                <a:latin typeface="Helvetica"/>
+                <a:cs typeface="Helvetica"/>
+              </a:rPr>
+              <a:t>Using Communities to Highlight Scholarly Content</a:t>
+            </a:r>
+          </a:p>
+        </p:txBody>
+      </p:sp>
+      <p:sp>
+        <p:nvSpPr>
+          <p:cNvPr id="15" name="TextBox 14"/>
+          <p:cNvSpPr txBox="1"/>
+          <p:nvPr/>
+        </p:nvSpPr>
+        <p:spPr>
+          <a:xfrm>
+            <a:off x="208948" y="1130316"/>
+            <a:ext cx="2644588" cy="1117229"/>
+          </a:xfrm>
+          <a:prstGeom prst="rect">
+            <a:avLst/>
+          </a:prstGeom>
+          <a:noFill/>
+          <a:ln w="28575" cmpd="sng">
+            <a:solidFill>
+              <a:schemeClr val="tx1"/>
+            </a:solidFill>
+          </a:ln>
+        </p:spPr>
+        <p:txBody>
+          <a:bodyPr wrap="square" lIns="91419" tIns="45709" rIns="91419" bIns="45709" rtlCol="0">
+            <a:spAutoFit/>
+          </a:bodyPr>
+          <a:lstStyle/>
+          <a:p>
+            <a:pPr>
+              <a:lnSpc>
+                <a:spcPct val="90000"/>
+              </a:lnSpc>
+            </a:pPr>
+            <a:r>
+              <a:rPr lang="en-US" sz="1400" b="1" dirty="0">
+                <a:latin typeface="Helvetica"/>
+                <a:cs typeface="Helvetica"/>
+              </a:rPr>
+              <a:t>Introduction</a:t>
+            </a:r>
+          </a:p>
+          <a:p>
+            <a:pPr>
+              <a:lnSpc>
+                <a:spcPct val="110000"/>
+              </a:lnSpc>
+            </a:pPr>
+            <a:r>
+              <a:rPr lang="en-US" sz="1200" dirty="0" err="1">
+                <a:latin typeface="Helvetica"/>
+                <a:cs typeface="Helvetica"/>
+              </a:rPr>
+              <a:t>Lorem</a:t>
+            </a:r>
+            <a:r>
+              <a:rPr lang="en-US" sz="1200" dirty="0">
+                <a:latin typeface="Helvetica"/>
+                <a:cs typeface="Helvetica"/>
+              </a:rPr>
+              <a:t> </a:t>
+            </a:r>
+            <a:r>
+              <a:rPr lang="en-US" sz="1200" dirty="0" err="1">
+                <a:latin typeface="Helvetica"/>
+                <a:cs typeface="Helvetica"/>
+              </a:rPr>
+              <a:t>ipsum</a:t>
+            </a:r>
+            <a:r>
+              <a:rPr lang="en-US" sz="1200" dirty="0">
+                <a:latin typeface="Helvetica"/>
+                <a:cs typeface="Helvetica"/>
+              </a:rPr>
+              <a:t> dolor sit </a:t>
+            </a:r>
+            <a:r>
+              <a:rPr lang="en-US" sz="1200" dirty="0" err="1">
+                <a:latin typeface="Helvetica"/>
+                <a:cs typeface="Helvetica"/>
+              </a:rPr>
+              <a:t>amet</a:t>
+            </a:r>
+            <a:r>
+              <a:rPr lang="en-US" sz="1200" dirty="0">
+                <a:latin typeface="Helvetica"/>
+                <a:cs typeface="Helvetica"/>
+              </a:rPr>
+              <a:t>, </a:t>
+            </a:r>
+            <a:r>
+              <a:rPr lang="en-US" sz="1200" dirty="0" err="1">
+                <a:latin typeface="Helvetica"/>
+                <a:cs typeface="Helvetica"/>
+              </a:rPr>
+              <a:t>consectetur</a:t>
+            </a:r>
+            <a:r>
+              <a:rPr lang="en-US" sz="1200" dirty="0">
+                <a:latin typeface="Helvetica"/>
+                <a:cs typeface="Helvetica"/>
+              </a:rPr>
+              <a:t> </a:t>
+            </a:r>
+            <a:r>
+              <a:rPr lang="en-US" sz="1200" dirty="0" err="1">
+                <a:latin typeface="Helvetica"/>
+                <a:cs typeface="Helvetica"/>
+              </a:rPr>
+              <a:t>adipiscing</a:t>
+            </a:r>
+            <a:r>
+              <a:rPr lang="en-US" sz="1200" dirty="0">
+                <a:latin typeface="Helvetica"/>
+                <a:cs typeface="Helvetica"/>
+              </a:rPr>
+              <a:t> </a:t>
+            </a:r>
+            <a:r>
+              <a:rPr lang="en-US" sz="1200" dirty="0" err="1">
+                <a:latin typeface="Helvetica"/>
+                <a:cs typeface="Helvetica"/>
+              </a:rPr>
+              <a:t>elit</a:t>
+            </a:r>
+            <a:r>
+              <a:rPr lang="en-US" sz="1200" dirty="0">
+                <a:latin typeface="Helvetica"/>
+                <a:cs typeface="Helvetica"/>
+              </a:rPr>
+              <a:t>, </a:t>
+            </a:r>
+            <a:r>
+              <a:rPr lang="en-US" sz="1200" dirty="0" err="1">
+                <a:latin typeface="Helvetica"/>
+                <a:cs typeface="Helvetica"/>
+              </a:rPr>
+              <a:t>sed</a:t>
+            </a:r>
+            <a:r>
+              <a:rPr lang="en-US" sz="1200" dirty="0">
+                <a:latin typeface="Helvetica"/>
+                <a:cs typeface="Helvetica"/>
+              </a:rPr>
+              <a:t> do </a:t>
+            </a:r>
+            <a:r>
+              <a:rPr lang="en-US" sz="1200" dirty="0" err="1">
+                <a:latin typeface="Helvetica"/>
+                <a:cs typeface="Helvetica"/>
+              </a:rPr>
+              <a:t>eiusmod</a:t>
+            </a:r>
+            <a:r>
+              <a:rPr lang="en-US" sz="1200" dirty="0">
+                <a:latin typeface="Helvetica"/>
+                <a:cs typeface="Helvetica"/>
+              </a:rPr>
+              <a:t> </a:t>
+            </a:r>
+            <a:r>
+              <a:rPr lang="en-US" sz="1200" dirty="0" err="1">
+                <a:latin typeface="Helvetica"/>
+                <a:cs typeface="Helvetica"/>
+              </a:rPr>
+              <a:t>tempor</a:t>
+            </a:r>
+            <a:r>
+              <a:rPr lang="en-US" sz="1200" dirty="0">
+                <a:latin typeface="Helvetica"/>
+                <a:cs typeface="Helvetica"/>
+              </a:rPr>
+              <a:t> </a:t>
+            </a:r>
+            <a:r>
+              <a:rPr lang="en-US" sz="1200" dirty="0" err="1">
+                <a:latin typeface="Helvetica"/>
+                <a:cs typeface="Helvetica"/>
+              </a:rPr>
+              <a:t>incididunt</a:t>
+            </a:r>
+            <a:r>
+              <a:rPr lang="en-US" sz="1200" dirty="0">
+                <a:latin typeface="Helvetica"/>
+                <a:cs typeface="Helvetica"/>
+              </a:rPr>
+              <a:t> </a:t>
+            </a:r>
+            <a:r>
+              <a:rPr lang="en-US" sz="1200" dirty="0" err="1">
+                <a:latin typeface="Helvetica"/>
+                <a:cs typeface="Helvetica"/>
+              </a:rPr>
+              <a:t>ut</a:t>
+            </a:r>
+            <a:r>
+              <a:rPr lang="en-US" sz="1200" dirty="0">
+                <a:latin typeface="Helvetica"/>
+                <a:cs typeface="Helvetica"/>
+              </a:rPr>
+              <a:t> </a:t>
+            </a:r>
+            <a:r>
+              <a:rPr lang="en-US" sz="1200" dirty="0" err="1">
+                <a:latin typeface="Helvetica"/>
+                <a:cs typeface="Helvetica"/>
+              </a:rPr>
+              <a:t>labore</a:t>
+            </a:r>
+            <a:r>
+              <a:rPr lang="en-US" sz="1200" dirty="0">
+                <a:latin typeface="Helvetica"/>
+                <a:cs typeface="Helvetica"/>
+              </a:rPr>
+              <a:t> et </a:t>
+            </a:r>
+            <a:r>
+              <a:rPr lang="en-US" sz="1200" dirty="0" err="1">
+                <a:latin typeface="Helvetica"/>
+                <a:cs typeface="Helvetica"/>
+              </a:rPr>
+              <a:t>dolore</a:t>
+            </a:r>
+            <a:r>
+              <a:rPr lang="en-US" sz="1200" dirty="0">
+                <a:latin typeface="Helvetica"/>
+                <a:cs typeface="Helvetica"/>
+              </a:rPr>
+              <a:t> magna </a:t>
+            </a:r>
+            <a:r>
+              <a:rPr lang="en-US" sz="1200" dirty="0" err="1">
+                <a:latin typeface="Helvetica"/>
+                <a:cs typeface="Helvetica"/>
+              </a:rPr>
+              <a:t>aliqua</a:t>
+            </a:r>
+            <a:r>
+              <a:rPr lang="en-US" sz="1200" dirty="0">
+                <a:latin typeface="Helvetica"/>
+                <a:cs typeface="Helvetica"/>
+              </a:rPr>
+              <a:t>. </a:t>
+            </a:r>
+          </a:p>
+        </p:txBody>
+      </p:sp>
+      <p:sp>
+        <p:nvSpPr>
+          <p:cNvPr id="24" name="TextBox 23"/>
+          <p:cNvSpPr txBox="1"/>
+          <p:nvPr/>
+        </p:nvSpPr>
+        <p:spPr>
+          <a:xfrm>
+            <a:off x="3055335" y="1130316"/>
+            <a:ext cx="2913529" cy="2162933"/>
+          </a:xfrm>
+          <a:prstGeom prst="rect">
+            <a:avLst/>
+          </a:prstGeom>
+          <a:noFill/>
+          <a:ln w="28575" cmpd="sng">
+            <a:solidFill>
+              <a:schemeClr val="tx1"/>
+            </a:solidFill>
+          </a:ln>
+        </p:spPr>
+        <p:txBody>
+          <a:bodyPr wrap="square" lIns="91419" tIns="45709" rIns="91419" bIns="45709" rtlCol="0">
+            <a:spAutoFit/>
+          </a:bodyPr>
+          <a:lstStyle/>
+          <a:p>
+            <a:pPr>
+              <a:lnSpc>
+                <a:spcPct val="90000"/>
+              </a:lnSpc>
+            </a:pPr>
+            <a:r>
+              <a:rPr lang="en-US" sz="1400" b="1" dirty="0">
+                <a:latin typeface="Helvetica"/>
+                <a:cs typeface="Helvetica"/>
+              </a:rPr>
+              <a:t>Section Three</a:t>
+            </a:r>
+          </a:p>
+          <a:p>
+            <a:pPr>
+              <a:lnSpc>
+                <a:spcPct val="110000"/>
+              </a:lnSpc>
+            </a:pPr>
+            <a:r>
+              <a:rPr lang="en-US" sz="1200" dirty="0" err="1">
+                <a:latin typeface="Helvetica"/>
+                <a:cs typeface="Helvetica"/>
+              </a:rPr>
+              <a:t>Lorem</a:t>
+            </a:r>
+            <a:r>
+              <a:rPr lang="en-US" sz="1200" dirty="0">
+                <a:latin typeface="Helvetica"/>
+                <a:cs typeface="Helvetica"/>
+              </a:rPr>
+              <a:t> </a:t>
+            </a:r>
+            <a:r>
+              <a:rPr lang="en-US" sz="1200" dirty="0" err="1">
+                <a:latin typeface="Helvetica"/>
+                <a:cs typeface="Helvetica"/>
+              </a:rPr>
+              <a:t>ipsum</a:t>
+            </a:r>
+            <a:r>
+              <a:rPr lang="en-US" sz="1200" dirty="0">
+                <a:latin typeface="Helvetica"/>
+                <a:cs typeface="Helvetica"/>
+              </a:rPr>
+              <a:t> dolor sit </a:t>
+            </a:r>
+            <a:r>
+              <a:rPr lang="en-US" sz="1200" dirty="0" err="1">
+                <a:latin typeface="Helvetica"/>
+                <a:cs typeface="Helvetica"/>
+              </a:rPr>
+              <a:t>amet</a:t>
+            </a:r>
+            <a:r>
+              <a:rPr lang="en-US" sz="1200" dirty="0">
+                <a:latin typeface="Helvetica"/>
+                <a:cs typeface="Helvetica"/>
+              </a:rPr>
+              <a:t>, </a:t>
+            </a:r>
+            <a:r>
+              <a:rPr lang="en-US" sz="1200" dirty="0" err="1">
+                <a:latin typeface="Helvetica"/>
+                <a:cs typeface="Helvetica"/>
+              </a:rPr>
+              <a:t>consectetur</a:t>
+            </a:r>
+            <a:r>
+              <a:rPr lang="en-US" sz="1200" dirty="0">
+                <a:latin typeface="Helvetica"/>
+                <a:cs typeface="Helvetica"/>
+              </a:rPr>
+              <a:t> </a:t>
+            </a:r>
+            <a:r>
+              <a:rPr lang="en-US" sz="1200" dirty="0" err="1">
+                <a:latin typeface="Helvetica"/>
+                <a:cs typeface="Helvetica"/>
+              </a:rPr>
+              <a:t>adipiscing</a:t>
+            </a:r>
+            <a:r>
+              <a:rPr lang="en-US" sz="1200" dirty="0">
+                <a:latin typeface="Helvetica"/>
+                <a:cs typeface="Helvetica"/>
+              </a:rPr>
+              <a:t> </a:t>
+            </a:r>
+            <a:r>
+              <a:rPr lang="en-US" sz="1200" dirty="0" err="1">
+                <a:latin typeface="Helvetica"/>
+                <a:cs typeface="Helvetica"/>
+              </a:rPr>
+              <a:t>elit</a:t>
+            </a:r>
+            <a:r>
+              <a:rPr lang="en-US" sz="1200" dirty="0">
+                <a:latin typeface="Helvetica"/>
+                <a:cs typeface="Helvetica"/>
+              </a:rPr>
+              <a:t>, </a:t>
+            </a:r>
+            <a:r>
+              <a:rPr lang="en-US" sz="1200" dirty="0" err="1">
+                <a:latin typeface="Helvetica"/>
+                <a:cs typeface="Helvetica"/>
+              </a:rPr>
+              <a:t>sed</a:t>
+            </a:r>
+            <a:r>
+              <a:rPr lang="en-US" sz="1200" dirty="0">
+                <a:latin typeface="Helvetica"/>
+                <a:cs typeface="Helvetica"/>
+              </a:rPr>
+              <a:t> do </a:t>
+            </a:r>
+            <a:r>
+              <a:rPr lang="en-US" sz="1200" dirty="0" err="1">
+                <a:latin typeface="Helvetica"/>
+                <a:cs typeface="Helvetica"/>
+              </a:rPr>
+              <a:t>eiusmod</a:t>
+            </a:r>
+            <a:r>
+              <a:rPr lang="en-US" sz="1200" dirty="0">
+                <a:latin typeface="Helvetica"/>
+                <a:cs typeface="Helvetica"/>
+              </a:rPr>
+              <a:t> </a:t>
+            </a:r>
+            <a:r>
+              <a:rPr lang="en-US" sz="1200" dirty="0" err="1">
+                <a:latin typeface="Helvetica"/>
+                <a:cs typeface="Helvetica"/>
+              </a:rPr>
+              <a:t>tempor</a:t>
+            </a:r>
+            <a:r>
+              <a:rPr lang="en-US" sz="1200" dirty="0">
+                <a:latin typeface="Helvetica"/>
+                <a:cs typeface="Helvetica"/>
+              </a:rPr>
+              <a:t> </a:t>
+            </a:r>
+            <a:r>
+              <a:rPr lang="en-US" sz="1200" dirty="0" err="1">
+                <a:latin typeface="Helvetica"/>
+                <a:cs typeface="Helvetica"/>
+              </a:rPr>
+              <a:t>incididunt</a:t>
+            </a:r>
+            <a:r>
+              <a:rPr lang="en-US" sz="1200" dirty="0">
+                <a:latin typeface="Helvetica"/>
+                <a:cs typeface="Helvetica"/>
+              </a:rPr>
+              <a:t> </a:t>
+            </a:r>
+            <a:r>
+              <a:rPr lang="en-US" sz="1200" dirty="0" err="1">
+                <a:latin typeface="Helvetica"/>
+                <a:cs typeface="Helvetica"/>
+              </a:rPr>
+              <a:t>ut</a:t>
+            </a:r>
+            <a:r>
+              <a:rPr lang="en-US" sz="1200" dirty="0">
+                <a:latin typeface="Helvetica"/>
+                <a:cs typeface="Helvetica"/>
+              </a:rPr>
+              <a:t> </a:t>
+            </a:r>
+            <a:r>
+              <a:rPr lang="en-US" sz="1200" dirty="0" err="1">
+                <a:latin typeface="Helvetica"/>
+                <a:cs typeface="Helvetica"/>
+              </a:rPr>
+              <a:t>labore</a:t>
+            </a:r>
+            <a:r>
+              <a:rPr lang="en-US" sz="1200" dirty="0">
+                <a:latin typeface="Helvetica"/>
+                <a:cs typeface="Helvetica"/>
+              </a:rPr>
+              <a:t> et </a:t>
+            </a:r>
+            <a:r>
+              <a:rPr lang="en-US" sz="1200" dirty="0" err="1">
+                <a:latin typeface="Helvetica"/>
+                <a:cs typeface="Helvetica"/>
+              </a:rPr>
+              <a:t>dolore</a:t>
+            </a:r>
+            <a:r>
+              <a:rPr lang="en-US" sz="1200" dirty="0">
+                <a:latin typeface="Helvetica"/>
+                <a:cs typeface="Helvetica"/>
+              </a:rPr>
+              <a:t> magna </a:t>
+            </a:r>
+            <a:r>
+              <a:rPr lang="en-US" sz="1200" dirty="0" err="1">
+                <a:latin typeface="Helvetica"/>
+                <a:cs typeface="Helvetica"/>
+              </a:rPr>
+              <a:t>aliqua</a:t>
+            </a:r>
+            <a:r>
+              <a:rPr lang="en-US" sz="1200" dirty="0">
+                <a:latin typeface="Helvetica"/>
+                <a:cs typeface="Helvetica"/>
+              </a:rPr>
+              <a:t>. </a:t>
+            </a:r>
+            <a:r>
+              <a:rPr lang="en-US" sz="1200" dirty="0" err="1">
+                <a:latin typeface="Helvetica"/>
+                <a:cs typeface="Helvetica"/>
+              </a:rPr>
+              <a:t>Ut</a:t>
+            </a:r>
+            <a:r>
+              <a:rPr lang="en-US" sz="1200" dirty="0">
+                <a:latin typeface="Helvetica"/>
+                <a:cs typeface="Helvetica"/>
+              </a:rPr>
+              <a:t> </a:t>
+            </a:r>
+            <a:r>
+              <a:rPr lang="en-US" sz="1200" dirty="0" err="1">
+                <a:latin typeface="Helvetica"/>
+                <a:cs typeface="Helvetica"/>
+              </a:rPr>
+              <a:t>enim</a:t>
+            </a:r>
+            <a:r>
+              <a:rPr lang="en-US" sz="1200" dirty="0">
+                <a:latin typeface="Helvetica"/>
+                <a:cs typeface="Helvetica"/>
+              </a:rPr>
+              <a:t> ad minim </a:t>
+            </a:r>
+            <a:r>
+              <a:rPr lang="en-US" sz="1200" dirty="0" err="1">
+                <a:latin typeface="Helvetica"/>
+                <a:cs typeface="Helvetica"/>
+              </a:rPr>
+              <a:t>veniam</a:t>
+            </a:r>
+            <a:r>
+              <a:rPr lang="en-US" sz="1200" dirty="0">
+                <a:latin typeface="Helvetica"/>
+                <a:cs typeface="Helvetica"/>
+              </a:rPr>
+              <a:t>, </a:t>
+            </a:r>
+            <a:r>
+              <a:rPr lang="en-US" sz="1200" dirty="0" err="1">
+                <a:latin typeface="Helvetica"/>
+                <a:cs typeface="Helvetica"/>
+              </a:rPr>
+              <a:t>quis</a:t>
+            </a:r>
+            <a:r>
+              <a:rPr lang="en-US" sz="1200" dirty="0">
+                <a:latin typeface="Helvetica"/>
+                <a:cs typeface="Helvetica"/>
+              </a:rPr>
+              <a:t> </a:t>
+            </a:r>
+            <a:r>
+              <a:rPr lang="en-US" sz="1200" dirty="0" err="1">
+                <a:latin typeface="Helvetica"/>
+                <a:cs typeface="Helvetica"/>
+              </a:rPr>
+              <a:t>nostrud</a:t>
+            </a:r>
+            <a:r>
+              <a:rPr lang="en-US" sz="1200" dirty="0">
+                <a:latin typeface="Helvetica"/>
+                <a:cs typeface="Helvetica"/>
+              </a:rPr>
+              <a:t> exercitation </a:t>
+            </a:r>
+            <a:r>
+              <a:rPr lang="en-US" sz="1200" dirty="0" err="1">
+                <a:latin typeface="Helvetica"/>
+                <a:cs typeface="Helvetica"/>
+              </a:rPr>
+              <a:t>ullamco</a:t>
+            </a:r>
+            <a:r>
+              <a:rPr lang="en-US" sz="1200" dirty="0">
+                <a:latin typeface="Helvetica"/>
+                <a:cs typeface="Helvetica"/>
+              </a:rPr>
+              <a:t> </a:t>
+            </a:r>
+            <a:r>
+              <a:rPr lang="en-US" sz="1200" dirty="0" err="1">
+                <a:latin typeface="Helvetica"/>
+                <a:cs typeface="Helvetica"/>
+              </a:rPr>
+              <a:t>laboris</a:t>
+            </a:r>
+            <a:r>
+              <a:rPr lang="en-US" sz="1200" dirty="0">
+                <a:latin typeface="Helvetica"/>
+                <a:cs typeface="Helvetica"/>
+              </a:rPr>
+              <a:t> nisi </a:t>
+            </a:r>
+            <a:r>
+              <a:rPr lang="en-US" sz="1200" dirty="0" err="1">
+                <a:latin typeface="Helvetica"/>
+                <a:cs typeface="Helvetica"/>
+              </a:rPr>
+              <a:t>ut</a:t>
+            </a:r>
+            <a:r>
+              <a:rPr lang="en-US" sz="1200" dirty="0">
+                <a:latin typeface="Helvetica"/>
+                <a:cs typeface="Helvetica"/>
+              </a:rPr>
+              <a:t> </a:t>
+            </a:r>
+            <a:r>
+              <a:rPr lang="en-US" sz="1200" dirty="0" err="1">
+                <a:latin typeface="Helvetica"/>
+                <a:cs typeface="Helvetica"/>
+              </a:rPr>
+              <a:t>aliquip</a:t>
+            </a:r>
+            <a:r>
+              <a:rPr lang="en-US" sz="1200" dirty="0">
+                <a:latin typeface="Helvetica"/>
+                <a:cs typeface="Helvetica"/>
+              </a:rPr>
+              <a:t> ex </a:t>
+            </a:r>
+            <a:r>
+              <a:rPr lang="en-US" sz="1200" dirty="0" err="1">
+                <a:latin typeface="Helvetica"/>
+                <a:cs typeface="Helvetica"/>
+              </a:rPr>
+              <a:t>ea</a:t>
+            </a:r>
+            <a:r>
+              <a:rPr lang="en-US" sz="1200" dirty="0">
+                <a:latin typeface="Helvetica"/>
+                <a:cs typeface="Helvetica"/>
+              </a:rPr>
+              <a:t> </a:t>
+            </a:r>
+            <a:r>
+              <a:rPr lang="en-US" sz="1200" dirty="0" err="1">
+                <a:latin typeface="Helvetica"/>
+                <a:cs typeface="Helvetica"/>
+              </a:rPr>
+              <a:t>commodo</a:t>
+            </a:r>
+            <a:r>
+              <a:rPr lang="en-US" sz="1200" dirty="0">
+                <a:latin typeface="Helvetica"/>
+                <a:cs typeface="Helvetica"/>
+              </a:rPr>
+              <a:t> </a:t>
+            </a:r>
+            <a:r>
+              <a:rPr lang="en-US" sz="1200" dirty="0" err="1">
+                <a:latin typeface="Helvetica"/>
+                <a:cs typeface="Helvetica"/>
+              </a:rPr>
+              <a:t>consequat</a:t>
+            </a:r>
+            <a:r>
+              <a:rPr lang="en-US" sz="1200" dirty="0">
+                <a:latin typeface="Helvetica"/>
+                <a:cs typeface="Helvetica"/>
+              </a:rPr>
+              <a:t>. </a:t>
+            </a:r>
+            <a:r>
+              <a:rPr lang="en-US" sz="1200" dirty="0" err="1">
+                <a:latin typeface="Helvetica"/>
+                <a:cs typeface="Helvetica"/>
+              </a:rPr>
+              <a:t>Duis</a:t>
+            </a:r>
+            <a:r>
+              <a:rPr lang="en-US" sz="1200" dirty="0">
+                <a:latin typeface="Helvetica"/>
+                <a:cs typeface="Helvetica"/>
+              </a:rPr>
+              <a:t> </a:t>
+            </a:r>
+            <a:r>
+              <a:rPr lang="en-US" sz="1200" dirty="0" err="1">
+                <a:latin typeface="Helvetica"/>
+                <a:cs typeface="Helvetica"/>
+              </a:rPr>
+              <a:t>aute</a:t>
+            </a:r>
+            <a:r>
+              <a:rPr lang="en-US" sz="1200" dirty="0">
+                <a:latin typeface="Helvetica"/>
+                <a:cs typeface="Helvetica"/>
+              </a:rPr>
+              <a:t> </a:t>
+            </a:r>
+            <a:r>
+              <a:rPr lang="en-US" sz="1200" dirty="0" err="1">
+                <a:latin typeface="Helvetica"/>
+                <a:cs typeface="Helvetica"/>
+              </a:rPr>
+              <a:t>irure</a:t>
+            </a:r>
+            <a:r>
+              <a:rPr lang="en-US" sz="1200" dirty="0">
+                <a:latin typeface="Helvetica"/>
+                <a:cs typeface="Helvetica"/>
+              </a:rPr>
+              <a:t> dolor in </a:t>
+            </a:r>
+            <a:r>
+              <a:rPr lang="en-US" sz="1200" dirty="0" err="1">
+                <a:latin typeface="Helvetica"/>
+                <a:cs typeface="Helvetica"/>
+              </a:rPr>
+              <a:t>reprehenderit</a:t>
+            </a:r>
+            <a:r>
+              <a:rPr lang="en-US" sz="1200" dirty="0">
+                <a:latin typeface="Helvetica"/>
+                <a:cs typeface="Helvetica"/>
+              </a:rPr>
+              <a:t> in </a:t>
+            </a:r>
+            <a:r>
+              <a:rPr lang="en-US" sz="1200" dirty="0" err="1">
+                <a:latin typeface="Helvetica"/>
+                <a:cs typeface="Helvetica"/>
+              </a:rPr>
+              <a:t>voluptate</a:t>
+            </a:r>
+            <a:r>
+              <a:rPr lang="en-US" sz="1200" dirty="0">
+                <a:latin typeface="Helvetica"/>
+                <a:cs typeface="Helvetica"/>
+              </a:rPr>
+              <a:t> </a:t>
+            </a:r>
+            <a:r>
+              <a:rPr lang="en-US" sz="1200" dirty="0" err="1">
+                <a:latin typeface="Helvetica"/>
+                <a:cs typeface="Helvetica"/>
+              </a:rPr>
+              <a:t>velit</a:t>
+            </a:r>
+            <a:r>
+              <a:rPr lang="en-US" sz="1200" dirty="0">
+                <a:latin typeface="Helvetica"/>
+                <a:cs typeface="Helvetica"/>
+              </a:rPr>
+              <a:t> </a:t>
+            </a:r>
+            <a:r>
+              <a:rPr lang="en-US" sz="1200" dirty="0" err="1">
+                <a:latin typeface="Helvetica"/>
+                <a:cs typeface="Helvetica"/>
+              </a:rPr>
+              <a:t>esse</a:t>
+            </a:r>
+            <a:r>
+              <a:rPr lang="en-US" sz="1200" dirty="0">
+                <a:latin typeface="Helvetica"/>
+                <a:cs typeface="Helvetica"/>
+              </a:rPr>
+              <a:t> </a:t>
+            </a:r>
+            <a:r>
+              <a:rPr lang="en-US" sz="1200" dirty="0" err="1">
+                <a:latin typeface="Helvetica"/>
+                <a:cs typeface="Helvetica"/>
+              </a:rPr>
+              <a:t>cillum</a:t>
+            </a:r>
+            <a:r>
+              <a:rPr lang="en-US" sz="1200" dirty="0">
+                <a:latin typeface="Helvetica"/>
+                <a:cs typeface="Helvetica"/>
+              </a:rPr>
+              <a:t> </a:t>
+            </a:r>
+            <a:r>
+              <a:rPr lang="en-US" sz="1200" dirty="0" err="1">
+                <a:latin typeface="Helvetica"/>
+                <a:cs typeface="Helvetica"/>
+              </a:rPr>
+              <a:t>dolore</a:t>
+            </a:r>
+            <a:r>
+              <a:rPr lang="en-US" sz="1200" dirty="0">
+                <a:latin typeface="Helvetica"/>
+                <a:cs typeface="Helvetica"/>
+              </a:rPr>
+              <a:t> </a:t>
+            </a:r>
+            <a:r>
+              <a:rPr lang="en-US" sz="1200" dirty="0" err="1">
+                <a:latin typeface="Helvetica"/>
+                <a:cs typeface="Helvetica"/>
+              </a:rPr>
+              <a:t>eu</a:t>
+            </a:r>
+            <a:r>
+              <a:rPr lang="en-US" sz="1200" dirty="0">
+                <a:latin typeface="Helvetica"/>
+                <a:cs typeface="Helvetica"/>
+              </a:rPr>
+              <a:t> </a:t>
+            </a:r>
+            <a:r>
+              <a:rPr lang="en-US" sz="1200" dirty="0" err="1">
+                <a:latin typeface="Helvetica"/>
+                <a:cs typeface="Helvetica"/>
+              </a:rPr>
+              <a:t>fugiat</a:t>
+            </a:r>
+            <a:r>
+              <a:rPr lang="en-US" sz="1200" dirty="0">
+                <a:latin typeface="Helvetica"/>
+                <a:cs typeface="Helvetica"/>
+              </a:rPr>
+              <a:t> </a:t>
+            </a:r>
+            <a:r>
+              <a:rPr lang="en-US" sz="1200" dirty="0" err="1">
+                <a:latin typeface="Helvetica"/>
+                <a:cs typeface="Helvetica"/>
+              </a:rPr>
+              <a:t>nulla</a:t>
+            </a:r>
+            <a:r>
+              <a:rPr lang="en-US" sz="1200" dirty="0">
+                <a:latin typeface="Helvetica"/>
+                <a:cs typeface="Helvetica"/>
+              </a:rPr>
+              <a:t> </a:t>
+            </a:r>
+            <a:r>
+              <a:rPr lang="en-US" sz="1200" dirty="0" err="1">
+                <a:latin typeface="Helvetica"/>
+                <a:cs typeface="Helvetica"/>
+              </a:rPr>
+              <a:t>pariatur</a:t>
+            </a:r>
+            <a:r>
+              <a:rPr lang="en-US" sz="1200" dirty="0">
+                <a:latin typeface="Helvetica"/>
+                <a:cs typeface="Helvetica"/>
+              </a:rPr>
+              <a:t>.</a:t>
+            </a:r>
+            <a:endParaRPr lang="en-US" sz="1200" dirty="0">
+              <a:latin typeface="Helvetica"/>
+              <a:cs typeface="Helvetica"/>
+            </a:endParaRPr>
+          </a:p>
+        </p:txBody>
+      </p:sp>
+      <p:sp>
+        <p:nvSpPr>
+          <p:cNvPr id="25" name="TextBox 24"/>
+          <p:cNvSpPr txBox="1"/>
+          <p:nvPr/>
+        </p:nvSpPr>
+        <p:spPr>
+          <a:xfrm>
+            <a:off x="6275292" y="4042438"/>
+            <a:ext cx="2644588" cy="1677360"/>
+          </a:xfrm>
+          <a:prstGeom prst="rect">
+            <a:avLst/>
+          </a:prstGeom>
+          <a:noFill/>
+          <a:ln w="28575" cmpd="sng">
+            <a:solidFill>
+              <a:schemeClr val="tx1"/>
+            </a:solidFill>
+          </a:ln>
+        </p:spPr>
+        <p:txBody>
+          <a:bodyPr wrap="square" lIns="91419" tIns="45709" rIns="91419" bIns="45709" rtlCol="0">
+            <a:spAutoFit/>
+          </a:bodyPr>
+          <a:lstStyle/>
+          <a:p>
+            <a:pPr>
+              <a:lnSpc>
+                <a:spcPct val="90000"/>
+              </a:lnSpc>
+            </a:pPr>
+            <a:r>
+              <a:rPr lang="en-US" sz="1200" b="1" dirty="0">
+                <a:latin typeface="Helvetica"/>
+                <a:cs typeface="Helvetica"/>
+              </a:rPr>
+              <a:t>About Cerberus</a:t>
+            </a:r>
+            <a:endParaRPr lang="en-US" sz="1200" dirty="0">
+              <a:latin typeface="Helvetica"/>
+              <a:cs typeface="Helvetica"/>
+            </a:endParaRPr>
+          </a:p>
+          <a:p>
+            <a:pPr>
+              <a:lnSpc>
+                <a:spcPct val="110000"/>
+              </a:lnSpc>
+            </a:pPr>
+            <a:r>
+              <a:rPr lang="en-US" sz="1200" dirty="0" err="1">
+                <a:latin typeface="Helvetica"/>
+                <a:cs typeface="Helvetica"/>
+              </a:rPr>
+              <a:t>Lorem</a:t>
+            </a:r>
+            <a:r>
+              <a:rPr lang="en-US" sz="1200" dirty="0">
+                <a:latin typeface="Helvetica"/>
+                <a:cs typeface="Helvetica"/>
+              </a:rPr>
+              <a:t> </a:t>
+            </a:r>
+            <a:r>
+              <a:rPr lang="en-US" sz="1200" dirty="0" err="1">
+                <a:latin typeface="Helvetica"/>
+                <a:cs typeface="Helvetica"/>
+              </a:rPr>
+              <a:t>ipsum</a:t>
+            </a:r>
+            <a:r>
+              <a:rPr lang="en-US" sz="1200" dirty="0">
+                <a:latin typeface="Helvetica"/>
+                <a:cs typeface="Helvetica"/>
+              </a:rPr>
+              <a:t> dolor sit </a:t>
+            </a:r>
+            <a:r>
+              <a:rPr lang="en-US" sz="1200" dirty="0" err="1">
+                <a:latin typeface="Helvetica"/>
+                <a:cs typeface="Helvetica"/>
+              </a:rPr>
+              <a:t>amet</a:t>
+            </a:r>
+            <a:r>
+              <a:rPr lang="en-US" sz="1200" dirty="0">
+                <a:latin typeface="Helvetica"/>
+                <a:cs typeface="Helvetica"/>
+              </a:rPr>
+              <a:t>, </a:t>
+            </a:r>
+            <a:r>
+              <a:rPr lang="en-US" sz="1200" dirty="0" err="1">
+                <a:latin typeface="Helvetica"/>
+                <a:cs typeface="Helvetica"/>
+              </a:rPr>
+              <a:t>consectetur</a:t>
+            </a:r>
+            <a:r>
+              <a:rPr lang="en-US" sz="1200" dirty="0">
+                <a:latin typeface="Helvetica"/>
+                <a:cs typeface="Helvetica"/>
+              </a:rPr>
+              <a:t> </a:t>
+            </a:r>
+            <a:r>
+              <a:rPr lang="en-US" sz="1200" dirty="0" err="1">
+                <a:latin typeface="Helvetica"/>
+                <a:cs typeface="Helvetica"/>
+              </a:rPr>
+              <a:t>adipiscing</a:t>
+            </a:r>
+            <a:r>
+              <a:rPr lang="en-US" sz="1200" dirty="0">
+                <a:latin typeface="Helvetica"/>
+                <a:cs typeface="Helvetica"/>
+              </a:rPr>
+              <a:t> </a:t>
+            </a:r>
+            <a:r>
+              <a:rPr lang="en-US" sz="1200" dirty="0" err="1">
+                <a:latin typeface="Helvetica"/>
+                <a:cs typeface="Helvetica"/>
+              </a:rPr>
+              <a:t>elit</a:t>
+            </a:r>
+            <a:r>
+              <a:rPr lang="en-US" sz="1200" dirty="0">
+                <a:latin typeface="Helvetica"/>
+                <a:cs typeface="Helvetica"/>
+              </a:rPr>
+              <a:t>, </a:t>
+            </a:r>
+            <a:r>
+              <a:rPr lang="en-US" sz="1200" dirty="0" err="1">
+                <a:latin typeface="Helvetica"/>
+                <a:cs typeface="Helvetica"/>
+              </a:rPr>
+              <a:t>sed</a:t>
+            </a:r>
+            <a:r>
+              <a:rPr lang="en-US" sz="1200" dirty="0">
+                <a:latin typeface="Helvetica"/>
+                <a:cs typeface="Helvetica"/>
+              </a:rPr>
+              <a:t> do </a:t>
+            </a:r>
+            <a:r>
+              <a:rPr lang="en-US" sz="1200" dirty="0" err="1">
+                <a:latin typeface="Helvetica"/>
+                <a:cs typeface="Helvetica"/>
+              </a:rPr>
+              <a:t>eiusmod</a:t>
+            </a:r>
+            <a:r>
+              <a:rPr lang="en-US" sz="1200" dirty="0">
+                <a:latin typeface="Helvetica"/>
+                <a:cs typeface="Helvetica"/>
+              </a:rPr>
+              <a:t> </a:t>
+            </a:r>
+            <a:r>
+              <a:rPr lang="en-US" sz="1200" dirty="0" err="1">
+                <a:latin typeface="Helvetica"/>
+                <a:cs typeface="Helvetica"/>
+              </a:rPr>
+              <a:t>tempor</a:t>
+            </a:r>
+            <a:r>
+              <a:rPr lang="en-US" sz="1200" dirty="0">
+                <a:latin typeface="Helvetica"/>
+                <a:cs typeface="Helvetica"/>
+              </a:rPr>
+              <a:t> </a:t>
+            </a:r>
+            <a:r>
+              <a:rPr lang="en-US" sz="1200" dirty="0" err="1">
+                <a:latin typeface="Helvetica"/>
+                <a:cs typeface="Helvetica"/>
+              </a:rPr>
+              <a:t>incididunt</a:t>
+            </a:r>
+            <a:r>
+              <a:rPr lang="en-US" sz="1200" dirty="0">
+                <a:latin typeface="Helvetica"/>
+                <a:cs typeface="Helvetica"/>
+              </a:rPr>
+              <a:t> </a:t>
+            </a:r>
+            <a:r>
+              <a:rPr lang="en-US" sz="1200" dirty="0" err="1">
+                <a:latin typeface="Helvetica"/>
+                <a:cs typeface="Helvetica"/>
+              </a:rPr>
+              <a:t>ut</a:t>
+            </a:r>
+            <a:r>
+              <a:rPr lang="en-US" sz="1200" dirty="0">
+                <a:latin typeface="Helvetica"/>
+                <a:cs typeface="Helvetica"/>
+              </a:rPr>
+              <a:t> </a:t>
+            </a:r>
+            <a:r>
+              <a:rPr lang="en-US" sz="1200" dirty="0" err="1">
+                <a:latin typeface="Helvetica"/>
+                <a:cs typeface="Helvetica"/>
+              </a:rPr>
+              <a:t>labore</a:t>
+            </a:r>
+            <a:r>
+              <a:rPr lang="en-US" sz="1200" dirty="0">
+                <a:latin typeface="Helvetica"/>
+                <a:cs typeface="Helvetica"/>
+              </a:rPr>
+              <a:t> et </a:t>
+            </a:r>
+            <a:r>
+              <a:rPr lang="en-US" sz="1200" dirty="0" err="1">
+                <a:latin typeface="Helvetica"/>
+                <a:cs typeface="Helvetica"/>
+              </a:rPr>
+              <a:t>dolore</a:t>
+            </a:r>
+            <a:r>
+              <a:rPr lang="en-US" sz="1200" dirty="0">
+                <a:latin typeface="Helvetica"/>
+                <a:cs typeface="Helvetica"/>
+              </a:rPr>
+              <a:t> magna </a:t>
+            </a:r>
+            <a:r>
+              <a:rPr lang="en-US" sz="1200" dirty="0" err="1">
+                <a:latin typeface="Helvetica"/>
+                <a:cs typeface="Helvetica"/>
+              </a:rPr>
+              <a:t>aliqua</a:t>
+            </a:r>
+            <a:r>
+              <a:rPr lang="en-US" sz="1200" dirty="0">
+                <a:latin typeface="Helvetica"/>
+                <a:cs typeface="Helvetica"/>
+              </a:rPr>
+              <a:t>. </a:t>
+            </a:r>
+            <a:r>
+              <a:rPr lang="en-US" sz="1200" dirty="0" err="1">
+                <a:latin typeface="Helvetica"/>
+                <a:cs typeface="Helvetica"/>
+              </a:rPr>
+              <a:t>Ut</a:t>
+            </a:r>
+            <a:r>
+              <a:rPr lang="en-US" sz="1200" dirty="0">
+                <a:latin typeface="Helvetica"/>
+                <a:cs typeface="Helvetica"/>
+              </a:rPr>
+              <a:t> </a:t>
+            </a:r>
+            <a:r>
+              <a:rPr lang="en-US" sz="1200" dirty="0" err="1">
+                <a:latin typeface="Helvetica"/>
+                <a:cs typeface="Helvetica"/>
+              </a:rPr>
+              <a:t>enim</a:t>
+            </a:r>
+            <a:r>
+              <a:rPr lang="en-US" sz="1200" dirty="0">
+                <a:latin typeface="Helvetica"/>
+                <a:cs typeface="Helvetica"/>
+              </a:rPr>
+              <a:t> ad minim </a:t>
+            </a:r>
+            <a:r>
+              <a:rPr lang="en-US" sz="1200" dirty="0" err="1">
+                <a:latin typeface="Helvetica"/>
+                <a:cs typeface="Helvetica"/>
+              </a:rPr>
+              <a:t>veniam</a:t>
+            </a:r>
+            <a:r>
+              <a:rPr lang="en-US" sz="1200" dirty="0">
+                <a:latin typeface="Helvetica"/>
+                <a:cs typeface="Helvetica"/>
+              </a:rPr>
+              <a:t>, </a:t>
+            </a:r>
+            <a:r>
+              <a:rPr lang="en-US" sz="1200" dirty="0" err="1">
+                <a:latin typeface="Helvetica"/>
+                <a:cs typeface="Helvetica"/>
+              </a:rPr>
+              <a:t>quis</a:t>
+            </a:r>
+            <a:r>
+              <a:rPr lang="en-US" sz="1200" dirty="0">
+                <a:latin typeface="Helvetica"/>
+                <a:cs typeface="Helvetica"/>
+              </a:rPr>
+              <a:t> </a:t>
+            </a:r>
+            <a:r>
+              <a:rPr lang="en-US" sz="1200" dirty="0" err="1">
+                <a:latin typeface="Helvetica"/>
+                <a:cs typeface="Helvetica"/>
+              </a:rPr>
+              <a:t>nostrud</a:t>
+            </a:r>
+            <a:r>
+              <a:rPr lang="en-US" sz="1200" dirty="0">
+                <a:latin typeface="Helvetica"/>
+                <a:cs typeface="Helvetica"/>
+              </a:rPr>
+              <a:t> exercitation </a:t>
+            </a:r>
+            <a:r>
+              <a:rPr lang="en-US" sz="1200" dirty="0" err="1">
+                <a:latin typeface="Helvetica"/>
+                <a:cs typeface="Helvetica"/>
+              </a:rPr>
+              <a:t>ullamco</a:t>
+            </a:r>
+            <a:r>
+              <a:rPr lang="en-US" sz="1200" dirty="0">
+                <a:latin typeface="Helvetica"/>
+                <a:cs typeface="Helvetica"/>
+              </a:rPr>
+              <a:t> </a:t>
+            </a:r>
+            <a:r>
+              <a:rPr lang="en-US" sz="1200" dirty="0" err="1">
+                <a:latin typeface="Helvetica"/>
+                <a:cs typeface="Helvetica"/>
+              </a:rPr>
+              <a:t>laboris</a:t>
+            </a:r>
+            <a:r>
+              <a:rPr lang="en-US" sz="1200" dirty="0">
+                <a:latin typeface="Helvetica"/>
+                <a:cs typeface="Helvetica"/>
+              </a:rPr>
+              <a:t> nisi </a:t>
+            </a:r>
+            <a:r>
+              <a:rPr lang="en-US" sz="1200" dirty="0" err="1">
+                <a:latin typeface="Helvetica"/>
+                <a:cs typeface="Helvetica"/>
+              </a:rPr>
+              <a:t>ut</a:t>
+            </a:r>
+            <a:r>
+              <a:rPr lang="en-US" sz="1200" dirty="0">
+                <a:latin typeface="Helvetica"/>
+                <a:cs typeface="Helvetica"/>
+              </a:rPr>
+              <a:t> </a:t>
+            </a:r>
+            <a:r>
+              <a:rPr lang="en-US" sz="1200" dirty="0" err="1">
+                <a:latin typeface="Helvetica"/>
+                <a:cs typeface="Helvetica"/>
+              </a:rPr>
+              <a:t>aliquip</a:t>
+            </a:r>
+            <a:r>
+              <a:rPr lang="en-US" sz="1200" dirty="0">
+                <a:latin typeface="Helvetica"/>
+                <a:cs typeface="Helvetica"/>
+              </a:rPr>
+              <a:t> ex </a:t>
+            </a:r>
+            <a:r>
+              <a:rPr lang="en-US" sz="1200" dirty="0" err="1">
+                <a:latin typeface="Helvetica"/>
+                <a:cs typeface="Helvetica"/>
+              </a:rPr>
+              <a:t>ea</a:t>
+            </a:r>
+            <a:r>
+              <a:rPr lang="en-US" sz="1200" dirty="0">
+                <a:latin typeface="Helvetica"/>
+                <a:cs typeface="Helvetica"/>
+              </a:rPr>
+              <a:t> </a:t>
+            </a:r>
+            <a:r>
+              <a:rPr lang="en-US" sz="1200" dirty="0" err="1">
+                <a:latin typeface="Helvetica"/>
+                <a:cs typeface="Helvetica"/>
+              </a:rPr>
+              <a:t>commodo</a:t>
+            </a:r>
+            <a:r>
+              <a:rPr lang="en-US" sz="1200" dirty="0">
+                <a:latin typeface="Helvetica"/>
+                <a:cs typeface="Helvetica"/>
+              </a:rPr>
+              <a:t> </a:t>
+            </a:r>
+            <a:r>
+              <a:rPr lang="en-US" sz="1200" dirty="0" err="1">
+                <a:latin typeface="Helvetica"/>
+                <a:cs typeface="Helvetica"/>
+              </a:rPr>
+              <a:t>consequat</a:t>
+            </a:r>
+            <a:r>
+              <a:rPr lang="en-US" sz="1200" dirty="0">
+                <a:latin typeface="Helvetica"/>
+                <a:cs typeface="Helvetica"/>
+              </a:rPr>
+              <a:t>.</a:t>
+            </a:r>
+            <a:endParaRPr lang="en-US" sz="1200" dirty="0">
+              <a:latin typeface="Helvetica"/>
+              <a:cs typeface="Helvetica"/>
+            </a:endParaRPr>
+          </a:p>
+        </p:txBody>
+      </p:sp>
+      <p:pic>
+        <p:nvPicPr>
+          <p:cNvPr id="26" name="Picture 25" descr="screencapture-repository-library-northeastern-edu-1430517316805.png"/>
+          <p:cNvPicPr>
+            <a:picLocks noChangeAspect="1"/>
+          </p:cNvPicPr>
+          <p:nvPr/>
+        </p:nvPicPr>
+        <p:blipFill>
+          <a:blip r:embed="rId2">
+            <a:extLst>
+              <a:ext uri="{28A0092B-C50C-407E-A947-70E740481C1C}">
+                <a14:useLocalDpi xmlns:a14="http://schemas.microsoft.com/office/drawing/2010/main" val="0"/>
+              </a:ext>
+            </a:extLst>
+          </a:blip>
+          <a:stretch>
+            <a:fillRect/>
+          </a:stretch>
+        </p:blipFill>
+        <p:spPr>
+          <a:xfrm>
+            <a:off x="6275294" y="1130315"/>
+            <a:ext cx="2644587" cy="1992345"/>
+          </a:xfrm>
+          <a:prstGeom prst="rect">
+            <a:avLst/>
+          </a:prstGeom>
+          <a:ln w="28575" cmpd="sng">
+            <a:solidFill>
+              <a:srgbClr val="000000"/>
+            </a:solidFill>
+          </a:ln>
+        </p:spPr>
+      </p:pic>
+      <p:sp>
+        <p:nvSpPr>
+          <p:cNvPr id="28" name="TextBox 27"/>
+          <p:cNvSpPr txBox="1"/>
+          <p:nvPr/>
+        </p:nvSpPr>
+        <p:spPr>
+          <a:xfrm>
+            <a:off x="208947" y="4890363"/>
+            <a:ext cx="2644588" cy="1705060"/>
+          </a:xfrm>
+          <a:prstGeom prst="rect">
+            <a:avLst/>
+          </a:prstGeom>
+          <a:noFill/>
+          <a:ln w="28575" cmpd="sng">
+            <a:solidFill>
+              <a:schemeClr val="tx1"/>
+            </a:solidFill>
+          </a:ln>
+        </p:spPr>
+        <p:txBody>
+          <a:bodyPr wrap="square" lIns="91419" tIns="45709" rIns="91419" bIns="45709" rtlCol="0">
+            <a:spAutoFit/>
+          </a:bodyPr>
+          <a:lstStyle/>
+          <a:p>
+            <a:pPr>
+              <a:lnSpc>
+                <a:spcPct val="90000"/>
+              </a:lnSpc>
+            </a:pPr>
+            <a:r>
+              <a:rPr lang="en-US" sz="1400" b="1" dirty="0">
+                <a:latin typeface="Helvetica"/>
+                <a:cs typeface="Helvetica"/>
+              </a:rPr>
+              <a:t>Section Two</a:t>
+            </a:r>
+          </a:p>
+          <a:p>
+            <a:pPr>
+              <a:lnSpc>
+                <a:spcPct val="110000"/>
+              </a:lnSpc>
+            </a:pPr>
+            <a:r>
+              <a:rPr lang="en-US" sz="1200" dirty="0" err="1">
+                <a:latin typeface="Helvetica"/>
+                <a:cs typeface="Helvetica"/>
+              </a:rPr>
+              <a:t>Lorem</a:t>
+            </a:r>
+            <a:r>
+              <a:rPr lang="en-US" sz="1200" dirty="0">
+                <a:latin typeface="Helvetica"/>
+                <a:cs typeface="Helvetica"/>
+              </a:rPr>
+              <a:t> </a:t>
+            </a:r>
+            <a:r>
+              <a:rPr lang="en-US" sz="1200" dirty="0" err="1">
+                <a:latin typeface="Helvetica"/>
+                <a:cs typeface="Helvetica"/>
+              </a:rPr>
+              <a:t>ipsum</a:t>
+            </a:r>
+            <a:r>
+              <a:rPr lang="en-US" sz="1200" dirty="0">
+                <a:latin typeface="Helvetica"/>
+                <a:cs typeface="Helvetica"/>
+              </a:rPr>
+              <a:t> dolor sit </a:t>
+            </a:r>
+            <a:r>
+              <a:rPr lang="en-US" sz="1200" dirty="0" err="1">
+                <a:latin typeface="Helvetica"/>
+                <a:cs typeface="Helvetica"/>
+              </a:rPr>
+              <a:t>amet</a:t>
+            </a:r>
+            <a:r>
+              <a:rPr lang="en-US" sz="1200" dirty="0">
+                <a:latin typeface="Helvetica"/>
+                <a:cs typeface="Helvetica"/>
+              </a:rPr>
+              <a:t>, </a:t>
+            </a:r>
+            <a:r>
+              <a:rPr lang="en-US" sz="1200" dirty="0" err="1">
+                <a:latin typeface="Helvetica"/>
+                <a:cs typeface="Helvetica"/>
+              </a:rPr>
+              <a:t>consectetur</a:t>
+            </a:r>
+            <a:r>
+              <a:rPr lang="en-US" sz="1200" dirty="0">
+                <a:latin typeface="Helvetica"/>
+                <a:cs typeface="Helvetica"/>
+              </a:rPr>
+              <a:t> </a:t>
+            </a:r>
+            <a:r>
+              <a:rPr lang="en-US" sz="1200" dirty="0" err="1">
+                <a:latin typeface="Helvetica"/>
+                <a:cs typeface="Helvetica"/>
+              </a:rPr>
+              <a:t>adipiscing</a:t>
+            </a:r>
+            <a:r>
+              <a:rPr lang="en-US" sz="1200" dirty="0">
+                <a:latin typeface="Helvetica"/>
+                <a:cs typeface="Helvetica"/>
+              </a:rPr>
+              <a:t> </a:t>
+            </a:r>
+            <a:r>
+              <a:rPr lang="en-US" sz="1200" dirty="0" err="1">
+                <a:latin typeface="Helvetica"/>
+                <a:cs typeface="Helvetica"/>
+              </a:rPr>
+              <a:t>elit</a:t>
+            </a:r>
+            <a:r>
+              <a:rPr lang="en-US" sz="1200" dirty="0">
+                <a:latin typeface="Helvetica"/>
+                <a:cs typeface="Helvetica"/>
+              </a:rPr>
+              <a:t>, </a:t>
+            </a:r>
+            <a:r>
+              <a:rPr lang="en-US" sz="1200" dirty="0" err="1">
+                <a:latin typeface="Helvetica"/>
+                <a:cs typeface="Helvetica"/>
+              </a:rPr>
+              <a:t>sed</a:t>
+            </a:r>
+            <a:r>
+              <a:rPr lang="en-US" sz="1200" dirty="0">
+                <a:latin typeface="Helvetica"/>
+                <a:cs typeface="Helvetica"/>
+              </a:rPr>
+              <a:t> do </a:t>
+            </a:r>
+            <a:r>
+              <a:rPr lang="en-US" sz="1200" dirty="0" err="1">
+                <a:latin typeface="Helvetica"/>
+                <a:cs typeface="Helvetica"/>
+              </a:rPr>
+              <a:t>eiusmod</a:t>
+            </a:r>
+            <a:r>
+              <a:rPr lang="en-US" sz="1200" dirty="0">
+                <a:latin typeface="Helvetica"/>
+                <a:cs typeface="Helvetica"/>
+              </a:rPr>
+              <a:t> </a:t>
+            </a:r>
+            <a:r>
+              <a:rPr lang="en-US" sz="1200" dirty="0" err="1">
+                <a:latin typeface="Helvetica"/>
+                <a:cs typeface="Helvetica"/>
+              </a:rPr>
+              <a:t>tempor</a:t>
+            </a:r>
+            <a:r>
+              <a:rPr lang="en-US" sz="1200" dirty="0">
+                <a:latin typeface="Helvetica"/>
+                <a:cs typeface="Helvetica"/>
+              </a:rPr>
+              <a:t> </a:t>
+            </a:r>
+            <a:r>
+              <a:rPr lang="en-US" sz="1200" dirty="0" err="1">
+                <a:latin typeface="Helvetica"/>
+                <a:cs typeface="Helvetica"/>
+              </a:rPr>
+              <a:t>incididunt</a:t>
+            </a:r>
+            <a:r>
+              <a:rPr lang="en-US" sz="1200" dirty="0">
+                <a:latin typeface="Helvetica"/>
+                <a:cs typeface="Helvetica"/>
+              </a:rPr>
+              <a:t> </a:t>
+            </a:r>
+            <a:r>
+              <a:rPr lang="en-US" sz="1200" dirty="0" err="1">
+                <a:latin typeface="Helvetica"/>
+                <a:cs typeface="Helvetica"/>
+              </a:rPr>
+              <a:t>ut</a:t>
+            </a:r>
+            <a:r>
+              <a:rPr lang="en-US" sz="1200" dirty="0">
+                <a:latin typeface="Helvetica"/>
+                <a:cs typeface="Helvetica"/>
+              </a:rPr>
+              <a:t> </a:t>
+            </a:r>
+            <a:r>
+              <a:rPr lang="en-US" sz="1200" dirty="0" err="1">
+                <a:latin typeface="Helvetica"/>
+                <a:cs typeface="Helvetica"/>
+              </a:rPr>
+              <a:t>labore</a:t>
+            </a:r>
+            <a:r>
+              <a:rPr lang="en-US" sz="1200" dirty="0">
+                <a:latin typeface="Helvetica"/>
+                <a:cs typeface="Helvetica"/>
+              </a:rPr>
+              <a:t> et </a:t>
+            </a:r>
+            <a:r>
+              <a:rPr lang="en-US" sz="1200" dirty="0" err="1">
+                <a:latin typeface="Helvetica"/>
+                <a:cs typeface="Helvetica"/>
+              </a:rPr>
+              <a:t>dolore</a:t>
+            </a:r>
+            <a:r>
+              <a:rPr lang="en-US" sz="1200" dirty="0">
+                <a:latin typeface="Helvetica"/>
+                <a:cs typeface="Helvetica"/>
+              </a:rPr>
+              <a:t> magna </a:t>
+            </a:r>
+            <a:r>
+              <a:rPr lang="en-US" sz="1200" dirty="0" err="1">
+                <a:latin typeface="Helvetica"/>
+                <a:cs typeface="Helvetica"/>
+              </a:rPr>
+              <a:t>aliqua</a:t>
+            </a:r>
+            <a:r>
+              <a:rPr lang="en-US" sz="1200" dirty="0">
+                <a:latin typeface="Helvetica"/>
+                <a:cs typeface="Helvetica"/>
+              </a:rPr>
+              <a:t>. </a:t>
+            </a:r>
+            <a:r>
+              <a:rPr lang="en-US" sz="1200" dirty="0" err="1">
+                <a:latin typeface="Helvetica"/>
+                <a:cs typeface="Helvetica"/>
+              </a:rPr>
+              <a:t>Ut</a:t>
+            </a:r>
+            <a:r>
+              <a:rPr lang="en-US" sz="1200" dirty="0">
+                <a:latin typeface="Helvetica"/>
+                <a:cs typeface="Helvetica"/>
+              </a:rPr>
+              <a:t> </a:t>
+            </a:r>
+            <a:r>
+              <a:rPr lang="en-US" sz="1200" dirty="0" err="1">
+                <a:latin typeface="Helvetica"/>
+                <a:cs typeface="Helvetica"/>
+              </a:rPr>
+              <a:t>enim</a:t>
+            </a:r>
+            <a:r>
+              <a:rPr lang="en-US" sz="1200" dirty="0">
+                <a:latin typeface="Helvetica"/>
+                <a:cs typeface="Helvetica"/>
+              </a:rPr>
+              <a:t> ad minim </a:t>
+            </a:r>
+            <a:r>
+              <a:rPr lang="en-US" sz="1200" dirty="0" err="1">
+                <a:latin typeface="Helvetica"/>
+                <a:cs typeface="Helvetica"/>
+              </a:rPr>
+              <a:t>veniam</a:t>
+            </a:r>
+            <a:r>
+              <a:rPr lang="en-US" sz="1200" dirty="0">
+                <a:latin typeface="Helvetica"/>
+                <a:cs typeface="Helvetica"/>
+              </a:rPr>
+              <a:t>, </a:t>
+            </a:r>
+            <a:r>
+              <a:rPr lang="en-US" sz="1200" dirty="0" err="1">
+                <a:latin typeface="Helvetica"/>
+                <a:cs typeface="Helvetica"/>
+              </a:rPr>
+              <a:t>quis</a:t>
+            </a:r>
+            <a:r>
+              <a:rPr lang="en-US" sz="1200" dirty="0">
+                <a:latin typeface="Helvetica"/>
+                <a:cs typeface="Helvetica"/>
+              </a:rPr>
+              <a:t> </a:t>
+            </a:r>
+            <a:r>
+              <a:rPr lang="en-US" sz="1200" dirty="0" err="1">
+                <a:latin typeface="Helvetica"/>
+                <a:cs typeface="Helvetica"/>
+              </a:rPr>
+              <a:t>nostrud</a:t>
+            </a:r>
+            <a:r>
+              <a:rPr lang="en-US" sz="1200" dirty="0">
+                <a:latin typeface="Helvetica"/>
+                <a:cs typeface="Helvetica"/>
+              </a:rPr>
+              <a:t> exercitation </a:t>
+            </a:r>
+            <a:r>
+              <a:rPr lang="en-US" sz="1200" dirty="0" err="1">
+                <a:latin typeface="Helvetica"/>
+                <a:cs typeface="Helvetica"/>
+              </a:rPr>
+              <a:t>ullamco</a:t>
+            </a:r>
+            <a:r>
+              <a:rPr lang="en-US" sz="1200" dirty="0">
+                <a:latin typeface="Helvetica"/>
+                <a:cs typeface="Helvetica"/>
+              </a:rPr>
+              <a:t> </a:t>
+            </a:r>
+            <a:r>
+              <a:rPr lang="en-US" sz="1200" dirty="0" err="1">
+                <a:latin typeface="Helvetica"/>
+                <a:cs typeface="Helvetica"/>
+              </a:rPr>
+              <a:t>laboris</a:t>
+            </a:r>
+            <a:r>
+              <a:rPr lang="en-US" sz="1200" dirty="0">
+                <a:latin typeface="Helvetica"/>
+                <a:cs typeface="Helvetica"/>
+              </a:rPr>
+              <a:t> nisi </a:t>
+            </a:r>
+            <a:r>
+              <a:rPr lang="en-US" sz="1200" dirty="0" err="1">
+                <a:latin typeface="Helvetica"/>
+                <a:cs typeface="Helvetica"/>
+              </a:rPr>
+              <a:t>ut</a:t>
+            </a:r>
+            <a:r>
+              <a:rPr lang="en-US" sz="1200" dirty="0">
+                <a:latin typeface="Helvetica"/>
+                <a:cs typeface="Helvetica"/>
+              </a:rPr>
+              <a:t> </a:t>
+            </a:r>
+            <a:r>
+              <a:rPr lang="en-US" sz="1200" dirty="0" err="1">
+                <a:latin typeface="Helvetica"/>
+                <a:cs typeface="Helvetica"/>
+              </a:rPr>
+              <a:t>aliquip</a:t>
+            </a:r>
+            <a:r>
+              <a:rPr lang="en-US" sz="1200" dirty="0">
+                <a:latin typeface="Helvetica"/>
+                <a:cs typeface="Helvetica"/>
+              </a:rPr>
+              <a:t> ex </a:t>
+            </a:r>
+            <a:r>
+              <a:rPr lang="en-US" sz="1200" dirty="0" err="1">
+                <a:latin typeface="Helvetica"/>
+                <a:cs typeface="Helvetica"/>
+              </a:rPr>
+              <a:t>ea</a:t>
+            </a:r>
+            <a:r>
+              <a:rPr lang="en-US" sz="1200" dirty="0">
+                <a:latin typeface="Helvetica"/>
+                <a:cs typeface="Helvetica"/>
+              </a:rPr>
+              <a:t> </a:t>
+            </a:r>
+            <a:r>
+              <a:rPr lang="en-US" sz="1200" dirty="0" err="1">
+                <a:latin typeface="Helvetica"/>
+                <a:cs typeface="Helvetica"/>
+              </a:rPr>
+              <a:t>commodo</a:t>
+            </a:r>
+            <a:r>
+              <a:rPr lang="en-US" sz="1200" dirty="0">
+                <a:latin typeface="Helvetica"/>
+                <a:cs typeface="Helvetica"/>
+              </a:rPr>
+              <a:t> </a:t>
+            </a:r>
+            <a:r>
+              <a:rPr lang="en-US" sz="1200" dirty="0" err="1">
+                <a:latin typeface="Helvetica"/>
+                <a:cs typeface="Helvetica"/>
+              </a:rPr>
+              <a:t>consequat</a:t>
+            </a:r>
+            <a:r>
+              <a:rPr lang="en-US" sz="1200" dirty="0">
+                <a:latin typeface="Helvetica"/>
+                <a:cs typeface="Helvetica"/>
+              </a:rPr>
+              <a:t>. </a:t>
+            </a:r>
+            <a:endParaRPr lang="en-US" sz="1200" dirty="0">
+              <a:latin typeface="Helvetica"/>
+              <a:cs typeface="Helvetica"/>
+            </a:endParaRPr>
+          </a:p>
+        </p:txBody>
+      </p:sp>
+      <p:pic>
+        <p:nvPicPr>
+          <p:cNvPr id="29" name="Picture 28" descr="screencapture-repository-library-northeastern-edu-1430517316805.png"/>
+          <p:cNvPicPr>
+            <a:picLocks noChangeAspect="1"/>
+          </p:cNvPicPr>
+          <p:nvPr/>
+        </p:nvPicPr>
+        <p:blipFill>
+          <a:blip r:embed="rId2">
+            <a:extLst>
+              <a:ext uri="{28A0092B-C50C-407E-A947-70E740481C1C}">
+                <a14:useLocalDpi xmlns:a14="http://schemas.microsoft.com/office/drawing/2010/main" val="0"/>
+              </a:ext>
+            </a:extLst>
+          </a:blip>
+          <a:stretch>
+            <a:fillRect/>
+          </a:stretch>
+        </p:blipFill>
+        <p:spPr>
+          <a:xfrm>
+            <a:off x="208949" y="2667040"/>
+            <a:ext cx="2644587" cy="1992345"/>
+          </a:xfrm>
+          <a:prstGeom prst="rect">
+            <a:avLst/>
+          </a:prstGeom>
+          <a:ln w="28575" cmpd="sng">
+            <a:solidFill>
+              <a:srgbClr val="000000"/>
+            </a:solidFill>
+          </a:ln>
+        </p:spPr>
+      </p:pic>
+      <p:pic>
+        <p:nvPicPr>
+          <p:cNvPr id="30" name="Picture 29" descr="screencapture-repository-library-northeastern-edu-1430517316805.png"/>
+          <p:cNvPicPr>
+            <a:picLocks noChangeAspect="1"/>
+          </p:cNvPicPr>
+          <p:nvPr/>
+        </p:nvPicPr>
+        <p:blipFill>
+          <a:blip r:embed="rId2">
+            <a:extLst>
+              <a:ext uri="{28A0092B-C50C-407E-A947-70E740481C1C}">
+                <a14:useLocalDpi xmlns:a14="http://schemas.microsoft.com/office/drawing/2010/main" val="0"/>
+              </a:ext>
+            </a:extLst>
+          </a:blip>
+          <a:stretch>
+            <a:fillRect/>
+          </a:stretch>
+        </p:blipFill>
+        <p:spPr>
+          <a:xfrm>
+            <a:off x="3055335" y="3561906"/>
+            <a:ext cx="2913529" cy="2194957"/>
+          </a:xfrm>
+          <a:prstGeom prst="rect">
+            <a:avLst/>
+          </a:prstGeom>
+          <a:ln w="28575" cmpd="sng">
+            <a:solidFill>
+              <a:srgbClr val="000000"/>
+            </a:solidFill>
+          </a:ln>
+        </p:spPr>
+      </p:pic>
+      <p:sp>
+        <p:nvSpPr>
+          <p:cNvPr id="31" name="TextBox 30"/>
+          <p:cNvSpPr txBox="1"/>
+          <p:nvPr/>
+        </p:nvSpPr>
+        <p:spPr>
+          <a:xfrm>
+            <a:off x="5968863" y="312043"/>
+            <a:ext cx="2951018" cy="584753"/>
+          </a:xfrm>
+          <a:prstGeom prst="rect">
+            <a:avLst/>
+          </a:prstGeom>
+          <a:noFill/>
+        </p:spPr>
+        <p:txBody>
+          <a:bodyPr wrap="square" lIns="91419" tIns="45709" rIns="91419" bIns="45709" rtlCol="0" anchor="ctr">
+            <a:spAutoFit/>
+          </a:bodyPr>
+          <a:lstStyle/>
+          <a:p>
+            <a:pPr algn="r"/>
+            <a:r>
+              <a:rPr lang="en-US" sz="1600" dirty="0">
+                <a:solidFill>
+                  <a:srgbClr val="1C2939"/>
+                </a:solidFill>
+                <a:latin typeface="Garamond"/>
+                <a:cs typeface="Garamond"/>
+              </a:rPr>
+              <a:t>Sarah Sweeney</a:t>
+            </a:r>
+          </a:p>
+          <a:p>
+            <a:pPr algn="r"/>
+            <a:r>
+              <a:rPr lang="en-US" sz="1600" dirty="0">
+                <a:solidFill>
+                  <a:srgbClr val="1C2939"/>
+                </a:solidFill>
+                <a:latin typeface="Garamond"/>
+                <a:cs typeface="Garamond"/>
+              </a:rPr>
+              <a:t>Northeastern University Libraries</a:t>
+            </a:r>
+            <a:endParaRPr lang="en-US" sz="1600" dirty="0">
+              <a:solidFill>
+                <a:srgbClr val="1C2939"/>
+              </a:solidFill>
+              <a:latin typeface="Garamond"/>
+              <a:cs typeface="Garamond"/>
+            </a:endParaRPr>
+          </a:p>
+        </p:txBody>
+      </p:sp>
+      <p:pic>
+        <p:nvPicPr>
+          <p:cNvPr id="34" name="Picture 33" descr="2015-05-02_2004.png"/>
+          <p:cNvPicPr>
+            <a:picLocks noChangeAspect="1"/>
+          </p:cNvPicPr>
+          <p:nvPr/>
+        </p:nvPicPr>
+        <p:blipFill>
+          <a:blip r:embed="rId3">
+            <a:extLst>
+              <a:ext uri="{28A0092B-C50C-407E-A947-70E740481C1C}">
+                <a14:useLocalDpi xmlns:a14="http://schemas.microsoft.com/office/drawing/2010/main" val="0"/>
+              </a:ext>
+            </a:extLst>
+          </a:blip>
+          <a:stretch>
+            <a:fillRect/>
+          </a:stretch>
+        </p:blipFill>
+        <p:spPr>
+          <a:xfrm>
+            <a:off x="5050119" y="5957658"/>
+            <a:ext cx="3869763" cy="637787"/>
+          </a:xfrm>
+          <a:prstGeom prst="rect">
+            <a:avLst/>
+          </a:prstGeom>
+        </p:spPr>
+      </p:pic>
+      <p:sp>
+        <p:nvSpPr>
+          <p:cNvPr id="35" name="TextBox 34"/>
+          <p:cNvSpPr txBox="1"/>
+          <p:nvPr/>
+        </p:nvSpPr>
+        <p:spPr>
+          <a:xfrm>
+            <a:off x="5199529" y="6507033"/>
+            <a:ext cx="3829596" cy="307754"/>
+          </a:xfrm>
+          <a:prstGeom prst="rect">
+            <a:avLst/>
+          </a:prstGeom>
+          <a:noFill/>
+        </p:spPr>
+        <p:txBody>
+          <a:bodyPr wrap="square" lIns="91419" tIns="45709" rIns="91419" bIns="45709" rtlCol="0">
+            <a:spAutoFit/>
+          </a:bodyPr>
+          <a:lstStyle/>
+          <a:p>
+            <a:pPr algn="ctr"/>
+            <a:r>
+              <a:rPr lang="en-US" sz="1400" dirty="0">
+                <a:solidFill>
+                  <a:schemeClr val="accent1">
+                    <a:lumMod val="75000"/>
+                  </a:schemeClr>
+                </a:solidFill>
+                <a:latin typeface="Calibri (Body)"/>
+                <a:cs typeface="Calibri (Body)"/>
+              </a:rPr>
+              <a:t>https://</a:t>
+            </a:r>
+            <a:r>
+              <a:rPr lang="en-US" sz="1400" dirty="0" err="1">
+                <a:solidFill>
+                  <a:schemeClr val="accent1">
+                    <a:lumMod val="75000"/>
+                  </a:schemeClr>
+                </a:solidFill>
+                <a:latin typeface="Calibri (Body)"/>
+                <a:cs typeface="Calibri (Body)"/>
+              </a:rPr>
+              <a:t>repository.library.northeastern.edu</a:t>
+            </a:r>
+            <a:endParaRPr lang="en-US" sz="1400" dirty="0">
+              <a:solidFill>
+                <a:schemeClr val="accent1">
+                  <a:lumMod val="75000"/>
+                </a:schemeClr>
+              </a:solidFill>
+              <a:latin typeface="Calibri (Body)"/>
+              <a:cs typeface="Calibri (Body)"/>
+            </a:endParaRPr>
+          </a:p>
+        </p:txBody>
+      </p:sp>
+    </p:spTree>
+    <p:extLst>
+      <p:ext uri="{BB962C8B-B14F-4D97-AF65-F5344CB8AC3E}">
+        <p14:creationId xmlns:p14="http://schemas.microsoft.com/office/powerpoint/2010/main" val="1649770617"/>
+      </p:ext>
+    </p:extLst>
+  </p:cSld>
+  <p:clrMapOvr>
+    <a:masterClrMapping/>
+  </p:clrMapOvr>
+  <p:timing>
+    <p:tnLst>
+      <p:par>
+        <p:cTn xmlns:p14="http://schemas.microsoft.com/office/powerpoint/2010/main" id="1" dur="indefinite" restart="never" nodeType="tmRoot"/>
+      </p:par>
+    </p:tnLst>
+  </p:timing>
+</p:sld>
+</file>
+
+<file path=ppt/slides/slide2.xml><?xml version="1.0" encoding="utf-8"?>
+<p:sld xmlns:a="http://schemas.openxmlformats.org/drawingml/2006/main" xmlns:r="http://schemas.openxmlformats.org/officeDocument/2006/relationships" xmlns:p="http://schemas.openxmlformats.org/presentationml/2006/main" show="0">
+  <p:cSld>
+    <p:spTree>
+      <p:nvGrpSpPr>
+        <p:cNvPr id="1" name=""/>
+        <p:cNvGrpSpPr/>
+        <p:nvPr/>
+      </p:nvGrpSpPr>
+      <p:grpSpPr>
+        <a:xfrm>
+          <a:off x="0" y="0"/>
+          <a:ext cx="0" cy="0"/>
+          <a:chOff x="0" y="0"/>
+          <a:chExt cx="0" cy="0"/>
+        </a:xfrm>
+      </p:grpSpPr>
+      <p:sp>
+        <p:nvSpPr>
+          <p:cNvPr id="2" name="Rectangle 1"/>
+          <p:cNvSpPr/>
+          <p:nvPr/>
+        </p:nvSpPr>
+        <p:spPr>
+          <a:xfrm>
+            <a:off x="0" y="1"/>
+            <a:ext cx="9144000" cy="1417833"/>
+          </a:xfrm>
+          <a:prstGeom prst="rect">
+            <a:avLst/>
+          </a:prstGeom>
+          <a:solidFill>
+            <a:srgbClr val="E8EDEE"/>
+          </a:solidFill>
+          <a:ln>
+            <a:noFill/>
+          </a:ln>
+          <a:effectLst/>
+        </p:spPr>
+        <p:style>
+          <a:lnRef idx="1">
+            <a:schemeClr val="accent1"/>
+          </a:lnRef>
+          <a:fillRef idx="3">
+            <a:schemeClr val="accent1"/>
+          </a:fillRef>
+          <a:effectRef idx="2">
+            <a:schemeClr val="accent1"/>
+          </a:effectRef>
+          <a:fontRef idx="minor">
+            <a:schemeClr val="lt1"/>
+          </a:fontRef>
+        </p:style>
+        <p:txBody>
+          <a:bodyPr lIns="91419" tIns="45709" rIns="91419" bIns="45709" rtlCol="0" anchor="ctr"/>
+          <a:lstStyle/>
+          <a:p>
+            <a:pPr algn="ctr"/>
+            <a:endParaRPr lang="en-US"/>
+          </a:p>
+        </p:txBody>
+      </p:sp>
+      <p:pic>
+        <p:nvPicPr>
+          <p:cNvPr id="8" name="Picture 7" descr="DRS front page hero.png"/>
+          <p:cNvPicPr>
+            <a:picLocks noChangeAspect="1"/>
+          </p:cNvPicPr>
+          <p:nvPr/>
+        </p:nvPicPr>
+        <p:blipFill>
+          <a:blip r:embed="rId2">
+            <a:extLst>
+              <a:ext uri="{28A0092B-C50C-407E-A947-70E740481C1C}">
+                <a14:useLocalDpi xmlns:a14="http://schemas.microsoft.com/office/drawing/2010/main" val="0"/>
+              </a:ext>
+            </a:extLst>
+          </a:blip>
+          <a:stretch>
+            <a:fillRect/>
+          </a:stretch>
+        </p:blipFill>
+        <p:spPr>
+          <a:xfrm>
+            <a:off x="315262" y="696291"/>
+            <a:ext cx="3158276" cy="519608"/>
+          </a:xfrm>
+          <a:prstGeom prst="rect">
+            <a:avLst/>
+          </a:prstGeom>
+        </p:spPr>
+      </p:pic>
+      <p:sp>
+        <p:nvSpPr>
+          <p:cNvPr id="10" name="Rectangle 9"/>
+          <p:cNvSpPr/>
+          <p:nvPr/>
+        </p:nvSpPr>
+        <p:spPr>
+          <a:xfrm>
+            <a:off x="0" y="4"/>
+            <a:ext cx="304800" cy="6857997"/>
+          </a:xfrm>
+          <a:prstGeom prst="rect">
+            <a:avLst/>
+          </a:prstGeom>
+          <a:solidFill>
+            <a:srgbClr val="E8EDEE"/>
+          </a:solidFill>
+          <a:ln>
+            <a:noFill/>
+          </a:ln>
+          <a:effectLst/>
+        </p:spPr>
+        <p:style>
+          <a:lnRef idx="1">
+            <a:schemeClr val="accent1"/>
+          </a:lnRef>
+          <a:fillRef idx="3">
+            <a:schemeClr val="accent1"/>
+          </a:fillRef>
+          <a:effectRef idx="2">
+            <a:schemeClr val="accent1"/>
+          </a:effectRef>
+          <a:fontRef idx="minor">
+            <a:schemeClr val="lt1"/>
+          </a:fontRef>
+        </p:style>
+        <p:txBody>
+          <a:bodyPr lIns="91419" tIns="45709" rIns="91419" bIns="45709" rtlCol="0" anchor="ctr"/>
+          <a:lstStyle/>
+          <a:p>
+            <a:pPr algn="ctr"/>
+            <a:endParaRPr lang="en-US"/>
+          </a:p>
+        </p:txBody>
+      </p:sp>
+      <p:sp>
+        <p:nvSpPr>
+          <p:cNvPr id="13" name="Rectangle 12"/>
+          <p:cNvSpPr/>
+          <p:nvPr/>
+        </p:nvSpPr>
+        <p:spPr>
+          <a:xfrm>
+            <a:off x="8839200" y="4"/>
+            <a:ext cx="304800" cy="6857997"/>
+          </a:xfrm>
+          <a:prstGeom prst="rect">
+            <a:avLst/>
+          </a:prstGeom>
+          <a:solidFill>
+            <a:srgbClr val="E8EDEE"/>
+          </a:solidFill>
+          <a:ln>
+            <a:noFill/>
+          </a:ln>
+          <a:effectLst/>
+        </p:spPr>
+        <p:style>
+          <a:lnRef idx="1">
+            <a:schemeClr val="accent1"/>
+          </a:lnRef>
+          <a:fillRef idx="3">
+            <a:schemeClr val="accent1"/>
+          </a:fillRef>
+          <a:effectRef idx="2">
+            <a:schemeClr val="accent1"/>
+          </a:effectRef>
+          <a:fontRef idx="minor">
+            <a:schemeClr val="lt1"/>
+          </a:fontRef>
+        </p:style>
+        <p:txBody>
+          <a:bodyPr lIns="91419" tIns="45709" rIns="91419" bIns="45709" rtlCol="0" anchor="ctr"/>
+          <a:lstStyle/>
+          <a:p>
+            <a:pPr algn="ctr"/>
+            <a:endParaRPr lang="en-US"/>
+          </a:p>
+        </p:txBody>
+      </p:sp>
+      <p:sp>
+        <p:nvSpPr>
+          <p:cNvPr id="14" name="Rectangle 13"/>
+          <p:cNvSpPr/>
+          <p:nvPr/>
+        </p:nvSpPr>
+        <p:spPr>
+          <a:xfrm rot="5400000">
+            <a:off x="4228583" y="2124562"/>
+            <a:ext cx="504856" cy="8962023"/>
+          </a:xfrm>
+          <a:prstGeom prst="rect">
+            <a:avLst/>
+          </a:prstGeom>
+          <a:solidFill>
+            <a:srgbClr val="E8EDEE"/>
+          </a:solidFill>
+          <a:ln>
+            <a:noFill/>
+          </a:ln>
+          <a:effectLst/>
+        </p:spPr>
+        <p:style>
+          <a:lnRef idx="1">
+            <a:schemeClr val="accent1"/>
+          </a:lnRef>
+          <a:fillRef idx="3">
+            <a:schemeClr val="accent1"/>
+          </a:fillRef>
+          <a:effectRef idx="2">
+            <a:schemeClr val="accent1"/>
+          </a:effectRef>
+          <a:fontRef idx="minor">
+            <a:schemeClr val="lt1"/>
+          </a:fontRef>
+        </p:style>
+        <p:txBody>
+          <a:bodyPr lIns="91419" tIns="45709" rIns="91419" bIns="45709" rtlCol="0" anchor="ctr"/>
+          <a:lstStyle/>
+          <a:p>
+            <a:pPr algn="ctr"/>
+            <a:endParaRPr lang="en-US"/>
+          </a:p>
+        </p:txBody>
+      </p:sp>
+      <p:sp>
+        <p:nvSpPr>
+          <p:cNvPr id="18" name="TextBox 17"/>
+          <p:cNvSpPr txBox="1"/>
+          <p:nvPr/>
+        </p:nvSpPr>
+        <p:spPr>
+          <a:xfrm>
+            <a:off x="1573752" y="6353145"/>
+            <a:ext cx="5901492" cy="400087"/>
+          </a:xfrm>
+          <a:prstGeom prst="rect">
+            <a:avLst/>
+          </a:prstGeom>
+          <a:noFill/>
+        </p:spPr>
+        <p:txBody>
+          <a:bodyPr wrap="square" lIns="91419" tIns="45709" rIns="91419" bIns="45709" rtlCol="0">
+            <a:spAutoFit/>
+          </a:bodyPr>
+          <a:lstStyle/>
+          <a:p>
+            <a:pPr algn="ctr"/>
+            <a:r>
+              <a:rPr lang="en-US" sz="2000" dirty="0">
+                <a:solidFill>
+                  <a:schemeClr val="accent1">
+                    <a:lumMod val="75000"/>
+                  </a:schemeClr>
+                </a:solidFill>
+                <a:latin typeface="Calibri (Body)"/>
+                <a:cs typeface="Calibri (Body)"/>
+              </a:rPr>
+              <a:t>https://</a:t>
+            </a:r>
+            <a:r>
+              <a:rPr lang="en-US" sz="2000" dirty="0" err="1">
+                <a:solidFill>
+                  <a:schemeClr val="accent1">
+                    <a:lumMod val="75000"/>
+                  </a:schemeClr>
+                </a:solidFill>
+                <a:latin typeface="Calibri (Body)"/>
+                <a:cs typeface="Calibri (Body)"/>
+              </a:rPr>
+              <a:t>repository.library.northeastern.edu</a:t>
+            </a:r>
+            <a:endParaRPr lang="en-US" sz="2000" dirty="0">
+              <a:solidFill>
+                <a:schemeClr val="accent1">
+                  <a:lumMod val="75000"/>
+                </a:schemeClr>
+              </a:solidFill>
+              <a:latin typeface="Calibri (Body)"/>
+              <a:cs typeface="Calibri (Body)"/>
+            </a:endParaRPr>
+          </a:p>
+        </p:txBody>
+      </p:sp>
+      <p:pic>
+        <p:nvPicPr>
+          <p:cNvPr id="5" name="Picture 4" descr="2014-10-30_1045.png"/>
+          <p:cNvPicPr>
+            <a:picLocks noChangeAspect="1"/>
+          </p:cNvPicPr>
+          <p:nvPr/>
+        </p:nvPicPr>
+        <p:blipFill>
+          <a:blip r:embed="rId3">
+            <a:extLst>
+              <a:ext uri="{28A0092B-C50C-407E-A947-70E740481C1C}">
+                <a14:useLocalDpi xmlns:a14="http://schemas.microsoft.com/office/drawing/2010/main" val="0"/>
+              </a:ext>
+            </a:extLst>
+          </a:blip>
+          <a:stretch>
+            <a:fillRect/>
+          </a:stretch>
+        </p:blipFill>
+        <p:spPr>
+          <a:xfrm>
+            <a:off x="315261" y="186787"/>
+            <a:ext cx="2388865" cy="518794"/>
+          </a:xfrm>
+          <a:prstGeom prst="rect">
+            <a:avLst/>
+          </a:prstGeom>
+        </p:spPr>
+      </p:pic>
+      <p:sp>
+        <p:nvSpPr>
+          <p:cNvPr id="16" name="TextBox 15"/>
+          <p:cNvSpPr txBox="1"/>
+          <p:nvPr/>
+        </p:nvSpPr>
+        <p:spPr>
+          <a:xfrm>
+            <a:off x="2704126" y="188934"/>
+            <a:ext cx="6135072" cy="830975"/>
+          </a:xfrm>
+          <a:prstGeom prst="rect">
+            <a:avLst/>
+          </a:prstGeom>
+          <a:solidFill>
+            <a:schemeClr val="bg1"/>
+          </a:solidFill>
+        </p:spPr>
+        <p:txBody>
+          <a:bodyPr wrap="square" lIns="91419" tIns="45709" rIns="91419" bIns="45709" rtlCol="0" anchor="ctr">
+            <a:spAutoFit/>
+          </a:bodyPr>
+          <a:lstStyle/>
+          <a:p>
+            <a:pPr algn="ctr"/>
+            <a:r>
+              <a:rPr lang="en-US" sz="2400" dirty="0">
+                <a:solidFill>
+                  <a:srgbClr val="1C2939"/>
+                </a:solidFill>
+              </a:rPr>
+              <a:t>Using Communities to Highlight Scholarly Content</a:t>
+            </a:r>
+            <a:endParaRPr lang="en-US" sz="2400" dirty="0">
+              <a:solidFill>
+                <a:srgbClr val="1C2939"/>
+              </a:solidFill>
+            </a:endParaRPr>
+          </a:p>
+        </p:txBody>
+      </p:sp>
+      <p:pic>
+        <p:nvPicPr>
+          <p:cNvPr id="11" name="Picture 10" descr="SmartCollections3.jpg"/>
+          <p:cNvPicPr>
+            <a:picLocks noChangeAspect="1"/>
+          </p:cNvPicPr>
+          <p:nvPr/>
+        </p:nvPicPr>
+        <p:blipFill>
+          <a:blip r:embed="rId4">
+            <a:extLst>
+              <a:ext uri="{28A0092B-C50C-407E-A947-70E740481C1C}">
+                <a14:useLocalDpi xmlns:a14="http://schemas.microsoft.com/office/drawing/2010/main" val="0"/>
+              </a:ext>
+            </a:extLst>
+          </a:blip>
+          <a:stretch>
+            <a:fillRect/>
+          </a:stretch>
+        </p:blipFill>
+        <p:spPr>
+          <a:xfrm>
+            <a:off x="7275755" y="1706387"/>
+            <a:ext cx="1563444" cy="2658693"/>
+          </a:xfrm>
+          <a:prstGeom prst="rect">
+            <a:avLst/>
+          </a:prstGeom>
+          <a:ln>
+            <a:solidFill>
+              <a:srgbClr val="FF0000"/>
+            </a:solidFill>
+          </a:ln>
+        </p:spPr>
+      </p:pic>
+      <p:sp>
+        <p:nvSpPr>
+          <p:cNvPr id="12" name="TextBox 11"/>
+          <p:cNvSpPr txBox="1"/>
+          <p:nvPr/>
+        </p:nvSpPr>
+        <p:spPr>
+          <a:xfrm>
+            <a:off x="799562" y="1602263"/>
+            <a:ext cx="7431215" cy="646309"/>
+          </a:xfrm>
+          <a:prstGeom prst="rect">
+            <a:avLst/>
+          </a:prstGeom>
+          <a:noFill/>
+        </p:spPr>
+        <p:txBody>
+          <a:bodyPr wrap="square" lIns="91419" tIns="45709" rIns="91419" bIns="45709" rtlCol="0">
+            <a:spAutoFit/>
+          </a:bodyPr>
+          <a:lstStyle/>
+          <a:p>
+            <a:r>
+              <a:rPr lang="en-US" sz="1200" dirty="0">
+                <a:solidFill>
+                  <a:srgbClr val="1C2939"/>
+                </a:solidFill>
+              </a:rPr>
+              <a:t>Text text text text </a:t>
+            </a:r>
+            <a:r>
+              <a:rPr lang="en-US" sz="1200" dirty="0">
+                <a:solidFill>
+                  <a:srgbClr val="1C2939"/>
+                </a:solidFill>
+              </a:rPr>
+              <a:t>Text text text </a:t>
+            </a:r>
+            <a:r>
+              <a:rPr lang="en-US" sz="1200" dirty="0">
+                <a:solidFill>
+                  <a:srgbClr val="1C2939"/>
+                </a:solidFill>
+              </a:rPr>
+              <a:t>text </a:t>
+            </a:r>
+            <a:r>
+              <a:rPr lang="en-US" sz="1200" dirty="0">
+                <a:solidFill>
+                  <a:srgbClr val="1C2939"/>
+                </a:solidFill>
+              </a:rPr>
+              <a:t>Text text text </a:t>
+            </a:r>
+            <a:r>
+              <a:rPr lang="en-US" sz="1200" dirty="0">
+                <a:solidFill>
+                  <a:srgbClr val="1C2939"/>
+                </a:solidFill>
+              </a:rPr>
+              <a:t>text </a:t>
+            </a:r>
+            <a:r>
+              <a:rPr lang="en-US" sz="1200" dirty="0">
+                <a:solidFill>
+                  <a:srgbClr val="1C2939"/>
+                </a:solidFill>
+              </a:rPr>
+              <a:t>Text text text text Text text text text </a:t>
+            </a:r>
+            <a:r>
+              <a:rPr lang="en-US" sz="1200" dirty="0">
+                <a:solidFill>
+                  <a:srgbClr val="1C2939"/>
+                </a:solidFill>
+              </a:rPr>
+              <a:t>Text </a:t>
+            </a:r>
+            <a:r>
+              <a:rPr lang="en-US" sz="1200" dirty="0">
+                <a:solidFill>
+                  <a:srgbClr val="1C2939"/>
+                </a:solidFill>
+              </a:rPr>
+              <a:t>Text text text text Text text text text Text text text text Text text text text Text text text text </a:t>
+            </a:r>
+            <a:r>
+              <a:rPr lang="en-US" sz="1200" dirty="0">
+                <a:solidFill>
+                  <a:srgbClr val="1C2939"/>
+                </a:solidFill>
+              </a:rPr>
+              <a:t>Text </a:t>
+            </a:r>
+            <a:r>
+              <a:rPr lang="en-US" sz="1200" dirty="0">
+                <a:solidFill>
+                  <a:srgbClr val="1C2939"/>
+                </a:solidFill>
+              </a:rPr>
+              <a:t> text text text Text Text text text text </a:t>
+            </a:r>
+          </a:p>
+          <a:p>
+            <a:r>
+              <a:rPr lang="en-US" sz="1200" dirty="0">
+                <a:solidFill>
+                  <a:srgbClr val="1C2939"/>
+                </a:solidFill>
+              </a:rPr>
+              <a:t>Text text text text Text text text text Text text text text Text text text text Text text text text Text </a:t>
+            </a:r>
+            <a:r>
+              <a:rPr lang="en-US" sz="1200" dirty="0">
+                <a:solidFill>
+                  <a:srgbClr val="1C2939"/>
+                </a:solidFill>
+              </a:rPr>
+              <a:t> Text text text text </a:t>
+            </a:r>
+          </a:p>
+        </p:txBody>
+      </p:sp>
+      <p:pic>
+        <p:nvPicPr>
+          <p:cNvPr id="19" name="Picture 18" descr="2014-10-30_1012.png"/>
+          <p:cNvPicPr>
+            <a:picLocks noChangeAspect="1"/>
+          </p:cNvPicPr>
+          <p:nvPr/>
+        </p:nvPicPr>
+        <p:blipFill>
+          <a:blip r:embed="rId5">
+            <a:extLst>
+              <a:ext uri="{28A0092B-C50C-407E-A947-70E740481C1C}">
+                <a14:useLocalDpi xmlns:a14="http://schemas.microsoft.com/office/drawing/2010/main" val="0"/>
+              </a:ext>
+            </a:extLst>
+          </a:blip>
+          <a:stretch>
+            <a:fillRect/>
+          </a:stretch>
+        </p:blipFill>
+        <p:spPr>
+          <a:xfrm>
+            <a:off x="2704128" y="2766410"/>
+            <a:ext cx="3519907" cy="2017238"/>
+          </a:xfrm>
+          <a:prstGeom prst="rect">
+            <a:avLst/>
+          </a:prstGeom>
+        </p:spPr>
+      </p:pic>
+      <p:sp>
+        <p:nvSpPr>
+          <p:cNvPr id="3" name="TextBox 2"/>
+          <p:cNvSpPr txBox="1"/>
+          <p:nvPr/>
+        </p:nvSpPr>
+        <p:spPr>
+          <a:xfrm>
+            <a:off x="5050993" y="2248594"/>
+            <a:ext cx="2346082" cy="646309"/>
+          </a:xfrm>
+          <a:prstGeom prst="rect">
+            <a:avLst/>
+          </a:prstGeom>
+          <a:solidFill>
+            <a:srgbClr val="FFFFFF"/>
+          </a:solidFill>
+        </p:spPr>
+        <p:txBody>
+          <a:bodyPr wrap="square" lIns="91419" tIns="45709" rIns="91419" bIns="45709" rtlCol="0">
+            <a:spAutoFit/>
+          </a:bodyPr>
+          <a:lstStyle/>
+          <a:p>
+            <a:r>
+              <a:rPr lang="en-US" sz="1200" b="1" dirty="0">
+                <a:solidFill>
+                  <a:srgbClr val="818181"/>
+                </a:solidFill>
+              </a:rPr>
+              <a:t>Sarah Sweeney</a:t>
+            </a:r>
+          </a:p>
+          <a:p>
+            <a:r>
+              <a:rPr lang="en-US" sz="1200" b="1" dirty="0">
+                <a:solidFill>
+                  <a:srgbClr val="818181"/>
+                </a:solidFill>
+              </a:rPr>
+              <a:t>Digital Repository Manager</a:t>
+            </a:r>
+          </a:p>
+          <a:p>
+            <a:r>
+              <a:rPr lang="en-US" sz="1200" b="1" dirty="0" err="1">
+                <a:solidFill>
+                  <a:srgbClr val="818181"/>
+                </a:solidFill>
+              </a:rPr>
+              <a:t>s</a:t>
+            </a:r>
+            <a:r>
+              <a:rPr lang="en-US" sz="1200" b="1" dirty="0" err="1">
+                <a:solidFill>
+                  <a:srgbClr val="818181"/>
+                </a:solidFill>
+              </a:rPr>
+              <a:t>j.sweeney@neu.edu</a:t>
+            </a:r>
+            <a:endParaRPr lang="en-US" sz="1200" b="1" dirty="0">
+              <a:solidFill>
+                <a:srgbClr val="818181"/>
+              </a:solidFill>
+            </a:endParaRPr>
+          </a:p>
+        </p:txBody>
+      </p:sp>
+    </p:spTree>
+    <p:extLst>
+      <p:ext uri="{BB962C8B-B14F-4D97-AF65-F5344CB8AC3E}">
+        <p14:creationId xmlns:p14="http://schemas.microsoft.com/office/powerpoint/2010/main" val="2625297081"/>
+      </p:ext>
+    </p:extLst>
+  </p:cSld>
+  <p:clrMapOvr>
+    <a:masterClrMapping/>
+  </p:clrMapOvr>
+  <mc:AlternateContent xmlns:mc="http://schemas.openxmlformats.org/markup-compatibility/2006">
+    <mc:Choice xmlns:p14="http://schemas.microsoft.com/office/powerpoint/2010/main" Requires="p14">
+      <p:transition spd="slow" p14:dur="2000"/>
+    </mc:Choice>
+    <mc:Fallback>
+      <p:transition xmlns:p14="http://schemas.microsoft.com/office/powerpoint/2010/main" spd="slow"/>
+    </mc:Fallback>
+  </mc:AlternateContent>
+  <p:timing>
+    <p:tnLst>
+      <p:par>
+        <p:cTn xmlns:p14="http://schemas.microsoft.com/office/powerpoint/2010/main" id="1" dur="indefinite" restart="never" nodeType="tmRoot"/>
+      </p:par>
+    </p:tnLst>
+  </p:timing>
+</p:sld>
+</file>
+
+<file path=ppt/slides/slide3.xml><?xml version="1.0" encoding="utf-8"?>
+<p:sld xmlns:a="http://schemas.openxmlformats.org/drawingml/2006/main" xmlns:r="http://schemas.openxmlformats.org/officeDocument/2006/relationships" xmlns:p="http://schemas.openxmlformats.org/presentationml/2006/main" show="0">
+  <p:cSld>
+    <p:spTree>
+      <p:nvGrpSpPr>
+        <p:cNvPr id="1" name=""/>
+        <p:cNvGrpSpPr/>
+        <p:nvPr/>
+      </p:nvGrpSpPr>
+      <p:grpSpPr>
+        <a:xfrm>
+          <a:off x="0" y="0"/>
+          <a:ext cx="0" cy="0"/>
+          <a:chOff x="0" y="0"/>
+          <a:chExt cx="0" cy="0"/>
+        </a:xfrm>
+      </p:grpSpPr>
+      <p:sp>
+        <p:nvSpPr>
           <p:cNvPr id="2" name="Rectangle 1"/>
           <p:cNvSpPr/>
           <p:nvPr/>
@@ -3134,7 +6227,7 @@
           </a:fontRef>
         </p:style>
         <p:txBody>
-          <a:bodyPr rtlCol="0" anchor="ctr"/>
+          <a:bodyPr lIns="91419" tIns="45709" rIns="91419" bIns="45709" rtlCol="0" anchor="ctr"/>
           <a:lstStyle/>
           <a:p>
             <a:pPr algn="ctr"/>
@@ -3164,7 +6257,7 @@
         </p:blipFill>
         <p:spPr>
           <a:xfrm>
-            <a:off x="3854887" y="91863"/>
+            <a:off x="3854888" y="91863"/>
             <a:ext cx="5044425" cy="829922"/>
           </a:xfrm>
           <a:prstGeom prst="rect">
@@ -3180,7 +6273,7 @@
         </p:nvSpPr>
         <p:spPr>
           <a:xfrm>
-            <a:off x="0" y="3"/>
+            <a:off x="0" y="4"/>
             <a:ext cx="304800" cy="6857997"/>
           </a:xfrm>
           <a:prstGeom prst="rect">
@@ -3209,7 +6302,7 @@
           </a:fontRef>
         </p:style>
         <p:txBody>
-          <a:bodyPr rtlCol="0" anchor="ctr"/>
+          <a:bodyPr lIns="91419" tIns="45709" rIns="91419" bIns="45709" rtlCol="0" anchor="ctr"/>
           <a:lstStyle/>
           <a:p>
             <a:pPr algn="ctr"/>
@@ -3225,7 +6318,7 @@
         </p:nvSpPr>
         <p:spPr>
           <a:xfrm>
-            <a:off x="8839200" y="3"/>
+            <a:off x="8839200" y="4"/>
             <a:ext cx="304800" cy="6857997"/>
           </a:xfrm>
           <a:prstGeom prst="rect">
@@ -3254,7 +6347,7 @@
           </a:fontRef>
         </p:style>
         <p:txBody>
-          <a:bodyPr rtlCol="0" anchor="ctr"/>
+          <a:bodyPr lIns="91419" tIns="45709" rIns="91419" bIns="45709" rtlCol="0" anchor="ctr"/>
           <a:lstStyle/>
           <a:p>
             <a:pPr algn="ctr"/>
@@ -3270,7 +6363,7 @@
         </p:nvSpPr>
         <p:spPr>
           <a:xfrm rot="5400000">
-            <a:off x="4228583" y="2124561"/>
+            <a:off x="4228583" y="2124562"/>
             <a:ext cx="504856" cy="8962023"/>
           </a:xfrm>
           <a:prstGeom prst="rect">
@@ -3299,7 +6392,7 @@
           </a:fontRef>
         </p:style>
         <p:txBody>
-          <a:bodyPr rtlCol="0" anchor="ctr"/>
+          <a:bodyPr lIns="91419" tIns="45709" rIns="91419" bIns="45709" rtlCol="0" anchor="ctr"/>
           <a:lstStyle/>
           <a:p>
             <a:pPr algn="ctr"/>
@@ -3316,7 +6409,7 @@
         <p:spPr>
           <a:xfrm>
             <a:off x="1573752" y="6353145"/>
-            <a:ext cx="5901492" cy="400110"/>
+            <a:ext cx="5901492" cy="400087"/>
           </a:xfrm>
           <a:prstGeom prst="rect">
             <a:avLst/>
@@ -3324,7 +6417,7 @@
           <a:noFill/>
         </p:spPr>
         <p:txBody>
-          <a:bodyPr wrap="square" rtlCol="0">
+          <a:bodyPr wrap="square" lIns="91419" tIns="45709" rIns="91419" bIns="45709" rtlCol="0">
             <a:spAutoFit/>
           </a:bodyPr>
           <a:lstStyle/>
@@ -3343,7 +6436,7 @@
               <a:t>https://</a:t>
             </a:r>
             <a:r>
-              <a:rPr lang="en-US" sz="2000" dirty="0" err="1" smtClean="0">
+              <a:rPr lang="en-US" sz="2000" dirty="0" err="1">
                 <a:solidFill>
                   <a:schemeClr val="accent1">
                     <a:lumMod val="75000"/>
@@ -3404,8 +6497,8 @@
         </p:nvSpPr>
         <p:spPr>
           <a:xfrm>
-            <a:off x="304800" y="1083628"/>
-            <a:ext cx="8534399" cy="461665"/>
+            <a:off x="304801" y="1083629"/>
+            <a:ext cx="8534399" cy="461643"/>
           </a:xfrm>
           <a:prstGeom prst="rect">
             <a:avLst/>
@@ -3415,35 +6508,19 @@
           </a:solidFill>
         </p:spPr>
         <p:txBody>
-          <a:bodyPr wrap="square" rtlCol="0">
+          <a:bodyPr wrap="square" lIns="91419" tIns="45709" rIns="91419" bIns="45709" rtlCol="0">
             <a:spAutoFit/>
           </a:bodyPr>
           <a:lstStyle/>
           <a:p>
             <a:pPr algn="ctr"/>
             <a:r>
-              <a:rPr lang="en-US" sz="2400" dirty="0" smtClean="0">
+              <a:rPr lang="en-US" sz="2400" dirty="0">
                 <a:solidFill>
                   <a:srgbClr val="1C2939"/>
                 </a:solidFill>
               </a:rPr>
-              <a:t>Leveraging Communities to Highlight </a:t>
-            </a:r>
-            <a:r>
-              <a:rPr lang="en-US" sz="2400" dirty="0" smtClean="0">
-                <a:solidFill>
-                  <a:srgbClr val="1C2939"/>
-                </a:solidFill>
-              </a:rPr>
-              <a:t>Scholarly </a:t>
-            </a:r>
-            <a:r>
-              <a:rPr lang="en-US" sz="2400" dirty="0" smtClean="0">
-                <a:solidFill>
-                  <a:srgbClr val="1C2939"/>
-                </a:solidFill>
-              </a:rPr>
-              <a:t>Content</a:t>
+              <a:t>Leveraging Communities to Highlight Scholarly Content</a:t>
             </a:r>
             <a:endParaRPr lang="en-US" sz="2400" dirty="0">
               <a:solidFill>
@@ -3496,8 +6573,8 @@
         </p:nvSpPr>
         <p:spPr>
           <a:xfrm>
-            <a:off x="799561" y="1602262"/>
-            <a:ext cx="7431215" cy="646331"/>
+            <a:off x="799562" y="1602263"/>
+            <a:ext cx="7431215" cy="646309"/>
           </a:xfrm>
           <a:prstGeom prst="rect">
             <a:avLst/>
@@ -3505,13 +6582,13 @@
           <a:noFill/>
         </p:spPr>
         <p:txBody>
-          <a:bodyPr wrap="square" rtlCol="0">
+          <a:bodyPr wrap="square" lIns="91419" tIns="45709" rIns="91419" bIns="45709" rtlCol="0">
             <a:spAutoFit/>
           </a:bodyPr>
           <a:lstStyle/>
           <a:p>
             <a:r>
-              <a:rPr lang="en-US" sz="1200" dirty="0" smtClean="0">
+              <a:rPr lang="en-US" sz="1200" dirty="0">
                 <a:solidFill>
                   <a:srgbClr val="1C2939"/>
                 </a:solidFill>
@@ -3527,7 +6604,7 @@
               <a:t>Text text text </a:t>
             </a:r>
             <a:r>
-              <a:rPr lang="en-US" sz="1200" dirty="0" smtClean="0">
+              <a:rPr lang="en-US" sz="1200" dirty="0">
                 <a:solidFill>
                   <a:srgbClr val="1C2939"/>
                 </a:solidFill>
@@ -3543,7 +6620,7 @@
               <a:t>Text text text </a:t>
             </a:r>
             <a:r>
-              <a:rPr lang="en-US" sz="1200" dirty="0" smtClean="0">
+              <a:rPr lang="en-US" sz="1200" dirty="0">
                 <a:solidFill>
                   <a:srgbClr val="1C2939"/>
                 </a:solidFill>
@@ -3559,7 +6636,7 @@
               <a:t>Text text text text Text text text text </a:t>
             </a:r>
             <a:r>
-              <a:rPr lang="en-US" sz="1200" dirty="0" smtClean="0">
+              <a:rPr lang="en-US" sz="1200" dirty="0">
                 <a:solidFill>
                   <a:srgbClr val="1C2939"/>
                 </a:solidFill>
@@ -3575,7 +6652,7 @@
               <a:t>Text text text text Text text text text Text text text text Text text text text Text text text text </a:t>
             </a:r>
             <a:r>
-              <a:rPr lang="en-US" sz="1200" dirty="0" smtClean="0">
+              <a:rPr lang="en-US" sz="1200" dirty="0">
                 <a:solidFill>
                   <a:srgbClr val="1C2939"/>
                 </a:solidFill>
@@ -3593,7 +6670,7 @@
           </a:p>
           <a:p>
             <a:r>
-              <a:rPr lang="en-US" sz="1200" dirty="0" smtClean="0">
+              <a:rPr lang="en-US" sz="1200" dirty="0">
                 <a:solidFill>
                   <a:srgbClr val="1C2939"/>
                 </a:solidFill>
@@ -3633,7 +6710,7 @@
         </p:blipFill>
         <p:spPr>
           <a:xfrm>
-            <a:off x="486008" y="2063927"/>
+            <a:off x="486009" y="2063928"/>
             <a:ext cx="2937739" cy="1683601"/>
           </a:xfrm>
           <a:prstGeom prst="rect">
@@ -3649,7 +6726,7 @@
         </p:nvCxnSpPr>
         <p:spPr>
           <a:xfrm>
-            <a:off x="101600" y="1602262"/>
+            <a:off x="101601" y="1602262"/>
             <a:ext cx="8860423" cy="0"/>
           </a:xfrm>
           <a:prstGeom prst="line">
@@ -3687,2781 +6764,14 @@
   <p:clrMapOvr>
     <a:masterClrMapping/>
   </p:clrMapOvr>
-  <p:timing>
-    <p:tnLst>
-      <p:par>
-        <p:cTn xmlns:p14="http://schemas.microsoft.com/office/powerpoint/2010/main" id="1" dur="indefinite" restart="never" nodeType="tmRoot"/>
-      </p:par>
-    </p:tnLst>
-  </p:timing>
-</p:sld>
-</file>
-
-<file path=ppt/slides/slide2.xml><?xml version="1.0" encoding="utf-8"?>
-<p:sld xmlns:a="http://schemas.openxmlformats.org/drawingml/2006/main" xmlns:r="http://schemas.openxmlformats.org/officeDocument/2006/relationships" xmlns:p="http://schemas.openxmlformats.org/presentationml/2006/main">
-  <p:cSld>
-    <p:spTree>
-      <p:nvGrpSpPr>
-        <p:cNvPr id="1" name=""/>
-        <p:cNvGrpSpPr/>
-        <p:nvPr/>
-      </p:nvGrpSpPr>
-      <p:grpSpPr>
-        <a:xfrm>
-          <a:off x="0" y="0"/>
-          <a:ext cx="0" cy="0"/>
-          <a:chOff x="0" y="0"/>
-          <a:chExt cx="0" cy="0"/>
-        </a:xfrm>
-      </p:grpSpPr>
-      <p:sp>
-        <p:nvSpPr>
-          <p:cNvPr id="2" name="Rectangle 1"/>
-          <p:cNvSpPr/>
-          <p:nvPr/>
-        </p:nvSpPr>
-        <p:spPr>
-          <a:xfrm>
-            <a:off x="0" y="0"/>
-            <a:ext cx="9144000" cy="1417833"/>
-          </a:xfrm>
-          <a:prstGeom prst="rect">
-            <a:avLst/>
-          </a:prstGeom>
-          <a:solidFill>
-            <a:srgbClr val="E8EDEE"/>
-          </a:solidFill>
-          <a:ln>
-            <a:noFill/>
-          </a:ln>
-          <a:effectLst/>
-        </p:spPr>
-        <p:style>
-          <a:lnRef idx="1">
-            <a:schemeClr val="accent1"/>
-          </a:lnRef>
-          <a:fillRef idx="3">
-            <a:schemeClr val="accent1"/>
-          </a:fillRef>
-          <a:effectRef idx="2">
-            <a:schemeClr val="accent1"/>
-          </a:effectRef>
-          <a:fontRef idx="minor">
-            <a:schemeClr val="lt1"/>
-          </a:fontRef>
-        </p:style>
-        <p:txBody>
-          <a:bodyPr rtlCol="0" anchor="ctr"/>
-          <a:lstStyle/>
-          <a:p>
-            <a:pPr algn="ctr"/>
-            <a:endParaRPr lang="en-US"/>
-          </a:p>
-        </p:txBody>
-      </p:sp>
-      <p:pic>
-        <p:nvPicPr>
-          <p:cNvPr id="8" name="Picture 7" descr="DRS front page hero.png"/>
-          <p:cNvPicPr>
-            <a:picLocks noChangeAspect="1"/>
-          </p:cNvPicPr>
-          <p:nvPr/>
-        </p:nvPicPr>
-        <p:blipFill>
-          <a:blip r:embed="rId2">
-            <a:extLst>
-              <a:ext uri="{28A0092B-C50C-407E-A947-70E740481C1C}">
-                <a14:useLocalDpi xmlns:a14="http://schemas.microsoft.com/office/drawing/2010/main" val="0"/>
-              </a:ext>
-            </a:extLst>
-          </a:blip>
-          <a:stretch>
-            <a:fillRect/>
-          </a:stretch>
-        </p:blipFill>
-        <p:spPr>
-          <a:xfrm>
-            <a:off x="315262" y="696291"/>
-            <a:ext cx="3158276" cy="519608"/>
-          </a:xfrm>
-          <a:prstGeom prst="rect">
-            <a:avLst/>
-          </a:prstGeom>
-        </p:spPr>
-      </p:pic>
-      <p:sp>
-        <p:nvSpPr>
-          <p:cNvPr id="10" name="Rectangle 9"/>
-          <p:cNvSpPr/>
-          <p:nvPr/>
-        </p:nvSpPr>
-        <p:spPr>
-          <a:xfrm>
-            <a:off x="0" y="3"/>
-            <a:ext cx="304800" cy="6857997"/>
-          </a:xfrm>
-          <a:prstGeom prst="rect">
-            <a:avLst/>
-          </a:prstGeom>
-          <a:solidFill>
-            <a:srgbClr val="E8EDEE"/>
-          </a:solidFill>
-          <a:ln>
-            <a:noFill/>
-          </a:ln>
-          <a:effectLst/>
-        </p:spPr>
-        <p:style>
-          <a:lnRef idx="1">
-            <a:schemeClr val="accent1"/>
-          </a:lnRef>
-          <a:fillRef idx="3">
-            <a:schemeClr val="accent1"/>
-          </a:fillRef>
-          <a:effectRef idx="2">
-            <a:schemeClr val="accent1"/>
-          </a:effectRef>
-          <a:fontRef idx="minor">
-            <a:schemeClr val="lt1"/>
-          </a:fontRef>
-        </p:style>
-        <p:txBody>
-          <a:bodyPr rtlCol="0" anchor="ctr"/>
-          <a:lstStyle/>
-          <a:p>
-            <a:pPr algn="ctr"/>
-            <a:endParaRPr lang="en-US"/>
-          </a:p>
-        </p:txBody>
-      </p:sp>
-      <p:sp>
-        <p:nvSpPr>
-          <p:cNvPr id="13" name="Rectangle 12"/>
-          <p:cNvSpPr/>
-          <p:nvPr/>
-        </p:nvSpPr>
-        <p:spPr>
-          <a:xfrm>
-            <a:off x="8839200" y="3"/>
-            <a:ext cx="304800" cy="6857997"/>
-          </a:xfrm>
-          <a:prstGeom prst="rect">
-            <a:avLst/>
-          </a:prstGeom>
-          <a:solidFill>
-            <a:srgbClr val="E8EDEE"/>
-          </a:solidFill>
-          <a:ln>
-            <a:noFill/>
-          </a:ln>
-          <a:effectLst/>
-        </p:spPr>
-        <p:style>
-          <a:lnRef idx="1">
-            <a:schemeClr val="accent1"/>
-          </a:lnRef>
-          <a:fillRef idx="3">
-            <a:schemeClr val="accent1"/>
-          </a:fillRef>
-          <a:effectRef idx="2">
-            <a:schemeClr val="accent1"/>
-          </a:effectRef>
-          <a:fontRef idx="minor">
-            <a:schemeClr val="lt1"/>
-          </a:fontRef>
-        </p:style>
-        <p:txBody>
-          <a:bodyPr rtlCol="0" anchor="ctr"/>
-          <a:lstStyle/>
-          <a:p>
-            <a:pPr algn="ctr"/>
-            <a:endParaRPr lang="en-US"/>
-          </a:p>
-        </p:txBody>
-      </p:sp>
-      <p:sp>
-        <p:nvSpPr>
-          <p:cNvPr id="14" name="Rectangle 13"/>
-          <p:cNvSpPr/>
-          <p:nvPr/>
-        </p:nvSpPr>
-        <p:spPr>
-          <a:xfrm rot="5400000">
-            <a:off x="4228583" y="2124561"/>
-            <a:ext cx="504856" cy="8962023"/>
-          </a:xfrm>
-          <a:prstGeom prst="rect">
-            <a:avLst/>
-          </a:prstGeom>
-          <a:solidFill>
-            <a:srgbClr val="E8EDEE"/>
-          </a:solidFill>
-          <a:ln>
-            <a:noFill/>
-          </a:ln>
-          <a:effectLst/>
-        </p:spPr>
-        <p:style>
-          <a:lnRef idx="1">
-            <a:schemeClr val="accent1"/>
-          </a:lnRef>
-          <a:fillRef idx="3">
-            <a:schemeClr val="accent1"/>
-          </a:fillRef>
-          <a:effectRef idx="2">
-            <a:schemeClr val="accent1"/>
-          </a:effectRef>
-          <a:fontRef idx="minor">
-            <a:schemeClr val="lt1"/>
-          </a:fontRef>
-        </p:style>
-        <p:txBody>
-          <a:bodyPr rtlCol="0" anchor="ctr"/>
-          <a:lstStyle/>
-          <a:p>
-            <a:pPr algn="ctr"/>
-            <a:endParaRPr lang="en-US"/>
-          </a:p>
-        </p:txBody>
-      </p:sp>
-      <p:sp>
-        <p:nvSpPr>
-          <p:cNvPr id="18" name="TextBox 17"/>
-          <p:cNvSpPr txBox="1"/>
-          <p:nvPr/>
-        </p:nvSpPr>
-        <p:spPr>
-          <a:xfrm>
-            <a:off x="1573752" y="6353145"/>
-            <a:ext cx="5901492" cy="400110"/>
-          </a:xfrm>
-          <a:prstGeom prst="rect">
-            <a:avLst/>
-          </a:prstGeom>
-          <a:noFill/>
-        </p:spPr>
-        <p:txBody>
-          <a:bodyPr wrap="square" rtlCol="0">
-            <a:spAutoFit/>
-          </a:bodyPr>
-          <a:lstStyle/>
-          <a:p>
-            <a:pPr algn="ctr"/>
-            <a:r>
-              <a:rPr lang="en-US" sz="2000" dirty="0">
-                <a:solidFill>
-                  <a:schemeClr val="accent1">
-                    <a:lumMod val="75000"/>
-                  </a:schemeClr>
-                </a:solidFill>
-                <a:latin typeface="Calibri (Body)"/>
-                <a:cs typeface="Calibri (Body)"/>
-              </a:rPr>
-              <a:t>https://</a:t>
-            </a:r>
-            <a:r>
-              <a:rPr lang="en-US" sz="2000" dirty="0" err="1" smtClean="0">
-                <a:solidFill>
-                  <a:schemeClr val="accent1">
-                    <a:lumMod val="75000"/>
-                  </a:schemeClr>
-                </a:solidFill>
-                <a:latin typeface="Calibri (Body)"/>
-                <a:cs typeface="Calibri (Body)"/>
-              </a:rPr>
-              <a:t>repository.library.northeastern.edu</a:t>
-            </a:r>
-            <a:endParaRPr lang="en-US" sz="2000" dirty="0">
-              <a:solidFill>
-                <a:schemeClr val="accent1">
-                  <a:lumMod val="75000"/>
-                </a:schemeClr>
-              </a:solidFill>
-              <a:latin typeface="Calibri (Body)"/>
-              <a:cs typeface="Calibri (Body)"/>
-            </a:endParaRPr>
-          </a:p>
-        </p:txBody>
-      </p:sp>
-      <p:pic>
-        <p:nvPicPr>
-          <p:cNvPr id="5" name="Picture 4" descr="2014-10-30_1045.png"/>
-          <p:cNvPicPr>
-            <a:picLocks noChangeAspect="1"/>
-          </p:cNvPicPr>
-          <p:nvPr/>
-        </p:nvPicPr>
-        <p:blipFill>
-          <a:blip r:embed="rId3">
-            <a:extLst>
-              <a:ext uri="{28A0092B-C50C-407E-A947-70E740481C1C}">
-                <a14:useLocalDpi xmlns:a14="http://schemas.microsoft.com/office/drawing/2010/main" val="0"/>
-              </a:ext>
-            </a:extLst>
-          </a:blip>
-          <a:stretch>
-            <a:fillRect/>
-          </a:stretch>
-        </p:blipFill>
-        <p:spPr>
-          <a:xfrm>
-            <a:off x="315261" y="186787"/>
-            <a:ext cx="2388865" cy="518794"/>
-          </a:xfrm>
-          <a:prstGeom prst="rect">
-            <a:avLst/>
-          </a:prstGeom>
-        </p:spPr>
-      </p:pic>
-      <p:sp>
-        <p:nvSpPr>
-          <p:cNvPr id="16" name="TextBox 15"/>
-          <p:cNvSpPr txBox="1"/>
-          <p:nvPr/>
-        </p:nvSpPr>
-        <p:spPr>
-          <a:xfrm>
-            <a:off x="2704126" y="188922"/>
-            <a:ext cx="6135072" cy="830997"/>
-          </a:xfrm>
-          <a:prstGeom prst="rect">
-            <a:avLst/>
-          </a:prstGeom>
-          <a:solidFill>
-            <a:schemeClr val="bg1"/>
-          </a:solidFill>
-        </p:spPr>
-        <p:txBody>
-          <a:bodyPr wrap="square" rtlCol="0" anchor="ctr">
-            <a:spAutoFit/>
-          </a:bodyPr>
-          <a:lstStyle/>
-          <a:p>
-            <a:pPr algn="ctr"/>
-            <a:r>
-              <a:rPr lang="en-US" sz="2400" dirty="0" smtClean="0">
-                <a:solidFill>
-                  <a:srgbClr val="1C2939"/>
-                </a:solidFill>
-              </a:rPr>
-              <a:t>Using Communities to Highlight </a:t>
-            </a:r>
-            <a:r>
-              <a:rPr lang="en-US" sz="2400" dirty="0" smtClean="0">
-                <a:solidFill>
-                  <a:srgbClr val="1C2939"/>
-                </a:solidFill>
-              </a:rPr>
-              <a:t>Scholarly </a:t>
-            </a:r>
-            <a:r>
-              <a:rPr lang="en-US" sz="2400" dirty="0" smtClean="0">
-                <a:solidFill>
-                  <a:srgbClr val="1C2939"/>
-                </a:solidFill>
-              </a:rPr>
-              <a:t>Content</a:t>
-            </a:r>
-            <a:endParaRPr lang="en-US" sz="2400" dirty="0">
-              <a:solidFill>
-                <a:srgbClr val="1C2939"/>
-              </a:solidFill>
-            </a:endParaRPr>
-          </a:p>
-        </p:txBody>
-      </p:sp>
-      <p:pic>
-        <p:nvPicPr>
-          <p:cNvPr id="11" name="Picture 10" descr="SmartCollections3.jpg"/>
-          <p:cNvPicPr>
-            <a:picLocks noChangeAspect="1"/>
-          </p:cNvPicPr>
-          <p:nvPr/>
-        </p:nvPicPr>
-        <p:blipFill>
-          <a:blip r:embed="rId4">
-            <a:extLst>
-              <a:ext uri="{28A0092B-C50C-407E-A947-70E740481C1C}">
-                <a14:useLocalDpi xmlns:a14="http://schemas.microsoft.com/office/drawing/2010/main" val="0"/>
-              </a:ext>
-            </a:extLst>
-          </a:blip>
-          <a:stretch>
-            <a:fillRect/>
-          </a:stretch>
-        </p:blipFill>
-        <p:spPr>
-          <a:xfrm>
-            <a:off x="7275755" y="1706386"/>
-            <a:ext cx="1563444" cy="2658693"/>
-          </a:xfrm>
-          <a:prstGeom prst="rect">
-            <a:avLst/>
-          </a:prstGeom>
-          <a:ln>
-            <a:solidFill>
-              <a:srgbClr val="FF0000"/>
-            </a:solidFill>
-          </a:ln>
-        </p:spPr>
-      </p:pic>
-      <p:sp>
-        <p:nvSpPr>
-          <p:cNvPr id="12" name="TextBox 11"/>
-          <p:cNvSpPr txBox="1"/>
-          <p:nvPr/>
-        </p:nvSpPr>
-        <p:spPr>
-          <a:xfrm>
-            <a:off x="799561" y="1602262"/>
-            <a:ext cx="7431215" cy="646331"/>
-          </a:xfrm>
-          <a:prstGeom prst="rect">
-            <a:avLst/>
-          </a:prstGeom>
-          <a:noFill/>
-        </p:spPr>
-        <p:txBody>
-          <a:bodyPr wrap="square" rtlCol="0">
-            <a:spAutoFit/>
-          </a:bodyPr>
-          <a:lstStyle/>
-          <a:p>
-            <a:r>
-              <a:rPr lang="en-US" sz="1200" dirty="0" smtClean="0">
-                <a:solidFill>
-                  <a:srgbClr val="1C2939"/>
-                </a:solidFill>
-              </a:rPr>
-              <a:t>Text text text text </a:t>
-            </a:r>
-            <a:r>
-              <a:rPr lang="en-US" sz="1200" dirty="0">
-                <a:solidFill>
-                  <a:srgbClr val="1C2939"/>
-                </a:solidFill>
-              </a:rPr>
-              <a:t>Text text text </a:t>
-            </a:r>
-            <a:r>
-              <a:rPr lang="en-US" sz="1200" dirty="0" smtClean="0">
-                <a:solidFill>
-                  <a:srgbClr val="1C2939"/>
-                </a:solidFill>
-              </a:rPr>
-              <a:t>text </a:t>
-            </a:r>
-            <a:r>
-              <a:rPr lang="en-US" sz="1200" dirty="0">
-                <a:solidFill>
-                  <a:srgbClr val="1C2939"/>
-                </a:solidFill>
-              </a:rPr>
-              <a:t>Text text text </a:t>
-            </a:r>
-            <a:r>
-              <a:rPr lang="en-US" sz="1200" dirty="0" smtClean="0">
-                <a:solidFill>
-                  <a:srgbClr val="1C2939"/>
-                </a:solidFill>
-              </a:rPr>
-              <a:t>text </a:t>
-            </a:r>
-            <a:r>
-              <a:rPr lang="en-US" sz="1200" dirty="0">
-                <a:solidFill>
-                  <a:srgbClr val="1C2939"/>
-                </a:solidFill>
-              </a:rPr>
-              <a:t>Text text text text Text text text text </a:t>
-            </a:r>
-            <a:r>
-              <a:rPr lang="en-US" sz="1200" dirty="0" smtClean="0">
-                <a:solidFill>
-                  <a:srgbClr val="1C2939"/>
-                </a:solidFill>
-              </a:rPr>
-              <a:t>Text </a:t>
-            </a:r>
-            <a:r>
-              <a:rPr lang="en-US" sz="1200" dirty="0">
-                <a:solidFill>
-                  <a:srgbClr val="1C2939"/>
-                </a:solidFill>
-              </a:rPr>
-              <a:t>Text text text text Text text text text Text text text text Text text text text Text text text text </a:t>
-            </a:r>
-            <a:r>
-              <a:rPr lang="en-US" sz="1200" dirty="0" smtClean="0">
-                <a:solidFill>
-                  <a:srgbClr val="1C2939"/>
-                </a:solidFill>
-              </a:rPr>
-              <a:t>Text </a:t>
-            </a:r>
-            <a:r>
-              <a:rPr lang="en-US" sz="1200" dirty="0">
-                <a:solidFill>
-                  <a:srgbClr val="1C2939"/>
-                </a:solidFill>
-              </a:rPr>
-              <a:t> text text text Text Text text text text </a:t>
-            </a:r>
-          </a:p>
-          <a:p>
-            <a:r>
-              <a:rPr lang="en-US" sz="1200" dirty="0" smtClean="0">
-                <a:solidFill>
-                  <a:srgbClr val="1C2939"/>
-                </a:solidFill>
-              </a:rPr>
-              <a:t>Text text text text Text text text text Text text text text Text text text text Text text text text Text </a:t>
-            </a:r>
-            <a:r>
-              <a:rPr lang="en-US" sz="1200" dirty="0">
-                <a:solidFill>
-                  <a:srgbClr val="1C2939"/>
-                </a:solidFill>
-              </a:rPr>
-              <a:t> Text text text text </a:t>
-            </a:r>
-          </a:p>
-        </p:txBody>
-      </p:sp>
-      <p:pic>
-        <p:nvPicPr>
-          <p:cNvPr id="19" name="Picture 18" descr="2014-10-30_1012.png"/>
-          <p:cNvPicPr>
-            <a:picLocks noChangeAspect="1"/>
-          </p:cNvPicPr>
-          <p:nvPr/>
-        </p:nvPicPr>
-        <p:blipFill>
-          <a:blip r:embed="rId5">
-            <a:extLst>
-              <a:ext uri="{28A0092B-C50C-407E-A947-70E740481C1C}">
-                <a14:useLocalDpi xmlns:a14="http://schemas.microsoft.com/office/drawing/2010/main" val="0"/>
-              </a:ext>
-            </a:extLst>
-          </a:blip>
-          <a:stretch>
-            <a:fillRect/>
-          </a:stretch>
-        </p:blipFill>
-        <p:spPr>
-          <a:xfrm>
-            <a:off x="2704127" y="2766410"/>
-            <a:ext cx="3519907" cy="2017238"/>
-          </a:xfrm>
-          <a:prstGeom prst="rect">
-            <a:avLst/>
-          </a:prstGeom>
-        </p:spPr>
-      </p:pic>
-      <p:sp>
-        <p:nvSpPr>
-          <p:cNvPr id="3" name="TextBox 2"/>
-          <p:cNvSpPr txBox="1"/>
-          <p:nvPr/>
-        </p:nvSpPr>
-        <p:spPr>
-          <a:xfrm>
-            <a:off x="5050993" y="2248593"/>
-            <a:ext cx="2346082" cy="646331"/>
-          </a:xfrm>
-          <a:prstGeom prst="rect">
-            <a:avLst/>
-          </a:prstGeom>
-          <a:solidFill>
-            <a:srgbClr val="FFFFFF"/>
-          </a:solidFill>
-        </p:spPr>
-        <p:txBody>
-          <a:bodyPr wrap="square" rtlCol="0">
-            <a:spAutoFit/>
-          </a:bodyPr>
-          <a:lstStyle/>
-          <a:p>
-            <a:r>
-              <a:rPr lang="en-US" sz="1200" b="1" dirty="0" smtClean="0">
-                <a:solidFill>
-                  <a:srgbClr val="818181"/>
-                </a:solidFill>
-              </a:rPr>
-              <a:t>Sarah Sweeney</a:t>
-            </a:r>
-          </a:p>
-          <a:p>
-            <a:r>
-              <a:rPr lang="en-US" sz="1200" b="1" dirty="0" smtClean="0">
-                <a:solidFill>
-                  <a:srgbClr val="818181"/>
-                </a:solidFill>
-              </a:rPr>
-              <a:t>Digital Repository Manager</a:t>
-            </a:r>
-          </a:p>
-          <a:p>
-            <a:r>
-              <a:rPr lang="en-US" sz="1200" b="1" dirty="0" err="1">
-                <a:solidFill>
-                  <a:srgbClr val="818181"/>
-                </a:solidFill>
-              </a:rPr>
-              <a:t>s</a:t>
-            </a:r>
-            <a:r>
-              <a:rPr lang="en-US" sz="1200" b="1" dirty="0" err="1" smtClean="0">
-                <a:solidFill>
-                  <a:srgbClr val="818181"/>
-                </a:solidFill>
-              </a:rPr>
-              <a:t>j.sweeney@neu.edu</a:t>
-            </a:r>
-            <a:endParaRPr lang="en-US" sz="1200" b="1" dirty="0">
-              <a:solidFill>
-                <a:srgbClr val="818181"/>
-              </a:solidFill>
-            </a:endParaRPr>
-          </a:p>
-        </p:txBody>
-      </p:sp>
-    </p:spTree>
-    <p:extLst>
-      <p:ext uri="{BB962C8B-B14F-4D97-AF65-F5344CB8AC3E}">
-        <p14:creationId xmlns:p14="http://schemas.microsoft.com/office/powerpoint/2010/main" val="2625297081"/>
-      </p:ext>
-    </p:extLst>
-  </p:cSld>
-  <p:clrMapOvr>
-    <a:masterClrMapping/>
-  </p:clrMapOvr>
-  <p:timing>
-    <p:tnLst>
-      <p:par>
-        <p:cTn xmlns:p14="http://schemas.microsoft.com/office/powerpoint/2010/main" id="1" dur="indefinite" restart="never" nodeType="tmRoot"/>
-      </p:par>
-    </p:tnLst>
-  </p:timing>
-</p:sld>
-</file>
-
-<file path=ppt/slides/slide3.xml><?xml version="1.0" encoding="utf-8"?>
-<p:sld xmlns:a="http://schemas.openxmlformats.org/drawingml/2006/main" xmlns:r="http://schemas.openxmlformats.org/officeDocument/2006/relationships" xmlns:p="http://schemas.openxmlformats.org/presentationml/2006/main">
-  <p:cSld>
-    <p:spTree>
-      <p:nvGrpSpPr>
-        <p:cNvPr id="1" name=""/>
-        <p:cNvGrpSpPr/>
-        <p:nvPr/>
-      </p:nvGrpSpPr>
-      <p:grpSpPr>
-        <a:xfrm>
-          <a:off x="0" y="0"/>
-          <a:ext cx="0" cy="0"/>
-          <a:chOff x="0" y="0"/>
-          <a:chExt cx="0" cy="0"/>
-        </a:xfrm>
-      </p:grpSpPr>
-      <p:sp>
-        <p:nvSpPr>
-          <p:cNvPr id="14" name="Rectangle 13"/>
-          <p:cNvSpPr/>
-          <p:nvPr/>
-        </p:nvSpPr>
-        <p:spPr>
-          <a:xfrm rot="5400000">
-            <a:off x="1142999" y="-1143000"/>
-            <a:ext cx="6858000" cy="9144000"/>
-          </a:xfrm>
-          <a:prstGeom prst="rect">
-            <a:avLst/>
-          </a:prstGeom>
-          <a:solidFill>
-            <a:srgbClr val="E8EDEE"/>
-          </a:solidFill>
-          <a:ln>
-            <a:noFill/>
-          </a:ln>
-          <a:effectLst/>
-        </p:spPr>
-        <p:style>
-          <a:lnRef idx="1">
-            <a:schemeClr val="accent1"/>
-          </a:lnRef>
-          <a:fillRef idx="3">
-            <a:schemeClr val="accent1"/>
-          </a:fillRef>
-          <a:effectRef idx="2">
-            <a:schemeClr val="accent1"/>
-          </a:effectRef>
-          <a:fontRef idx="minor">
-            <a:schemeClr val="lt1"/>
-          </a:fontRef>
-        </p:style>
-        <p:txBody>
-          <a:bodyPr rtlCol="0" anchor="ctr"/>
-          <a:lstStyle/>
-          <a:p>
-            <a:pPr algn="ctr"/>
-            <a:endParaRPr lang="en-US">
-              <a:latin typeface="Helvetica"/>
-              <a:cs typeface="Helvetica"/>
-            </a:endParaRPr>
-          </a:p>
-        </p:txBody>
-      </p:sp>
-      <p:sp>
-        <p:nvSpPr>
-          <p:cNvPr id="33" name="Rectangle 32"/>
-          <p:cNvSpPr/>
-          <p:nvPr/>
-        </p:nvSpPr>
-        <p:spPr>
-          <a:xfrm>
-            <a:off x="208947" y="142755"/>
-            <a:ext cx="8710934" cy="754053"/>
-          </a:xfrm>
-          <a:prstGeom prst="rect">
-            <a:avLst/>
-          </a:prstGeom>
-          <a:solidFill>
-            <a:schemeClr val="bg1"/>
-          </a:solidFill>
-          <a:ln>
-            <a:noFill/>
-          </a:ln>
-          <a:effectLst/>
-        </p:spPr>
-        <p:style>
-          <a:lnRef idx="1">
-            <a:schemeClr val="accent1"/>
-          </a:lnRef>
-          <a:fillRef idx="3">
-            <a:schemeClr val="accent1"/>
-          </a:fillRef>
-          <a:effectRef idx="2">
-            <a:schemeClr val="accent1"/>
-          </a:effectRef>
-          <a:fontRef idx="minor">
-            <a:schemeClr val="lt1"/>
-          </a:fontRef>
-        </p:style>
-        <p:txBody>
-          <a:bodyPr rtlCol="0" anchor="ctr"/>
-          <a:lstStyle/>
-          <a:p>
-            <a:pPr algn="ctr"/>
-            <a:endParaRPr lang="en-US"/>
-          </a:p>
-        </p:txBody>
-      </p:sp>
-      <p:sp>
-        <p:nvSpPr>
-          <p:cNvPr id="23" name="TextBox 22"/>
-          <p:cNvSpPr txBox="1"/>
-          <p:nvPr/>
-        </p:nvSpPr>
-        <p:spPr>
-          <a:xfrm>
-            <a:off x="208948" y="142755"/>
-            <a:ext cx="8710933" cy="461665"/>
-          </a:xfrm>
-          <a:prstGeom prst="rect">
-            <a:avLst/>
-          </a:prstGeom>
-          <a:solidFill>
-            <a:schemeClr val="bg1"/>
-          </a:solidFill>
-        </p:spPr>
-        <p:txBody>
-          <a:bodyPr wrap="square" rtlCol="0" anchor="ctr">
-            <a:spAutoFit/>
-          </a:bodyPr>
-          <a:lstStyle/>
-          <a:p>
-            <a:r>
-              <a:rPr lang="en-US" sz="2400" dirty="0" smtClean="0">
-                <a:solidFill>
-                  <a:srgbClr val="1C2939"/>
-                </a:solidFill>
-                <a:latin typeface="Helvetica"/>
-                <a:cs typeface="Helvetica"/>
-              </a:rPr>
-              <a:t>Using Communities to Highlight </a:t>
-            </a:r>
-            <a:r>
-              <a:rPr lang="en-US" sz="2400" dirty="0" smtClean="0">
-                <a:solidFill>
-                  <a:srgbClr val="1C2939"/>
-                </a:solidFill>
-                <a:latin typeface="Helvetica"/>
-                <a:cs typeface="Helvetica"/>
-              </a:rPr>
-              <a:t>Scholarly </a:t>
-            </a:r>
-            <a:r>
-              <a:rPr lang="en-US" sz="2400" dirty="0" smtClean="0">
-                <a:solidFill>
-                  <a:srgbClr val="1C2939"/>
-                </a:solidFill>
-                <a:latin typeface="Helvetica"/>
-                <a:cs typeface="Helvetica"/>
-              </a:rPr>
-              <a:t>Content</a:t>
-            </a:r>
-          </a:p>
-        </p:txBody>
-      </p:sp>
-      <p:sp>
-        <p:nvSpPr>
-          <p:cNvPr id="15" name="TextBox 14"/>
-          <p:cNvSpPr txBox="1"/>
-          <p:nvPr/>
-        </p:nvSpPr>
-        <p:spPr>
-          <a:xfrm>
-            <a:off x="208948" y="1130315"/>
-            <a:ext cx="2644588" cy="1117229"/>
-          </a:xfrm>
-          <a:prstGeom prst="rect">
-            <a:avLst/>
-          </a:prstGeom>
-          <a:noFill/>
-          <a:ln w="28575" cmpd="sng">
-            <a:solidFill>
-              <a:schemeClr val="tx1"/>
-            </a:solidFill>
-          </a:ln>
-        </p:spPr>
-        <p:txBody>
-          <a:bodyPr wrap="square" rtlCol="0">
-            <a:spAutoFit/>
-          </a:bodyPr>
-          <a:lstStyle/>
-          <a:p>
-            <a:pPr>
-              <a:lnSpc>
-                <a:spcPct val="90000"/>
-              </a:lnSpc>
-            </a:pPr>
-            <a:r>
-              <a:rPr lang="en-US" sz="1400" b="1" dirty="0" smtClean="0">
-                <a:latin typeface="Helvetica"/>
-                <a:cs typeface="Helvetica"/>
-              </a:rPr>
-              <a:t>Introduction</a:t>
-            </a:r>
-          </a:p>
-          <a:p>
-            <a:pPr>
-              <a:lnSpc>
-                <a:spcPct val="110000"/>
-              </a:lnSpc>
-            </a:pPr>
-            <a:r>
-              <a:rPr lang="en-US" sz="1200" dirty="0" err="1" smtClean="0">
-                <a:latin typeface="Helvetica"/>
-                <a:cs typeface="Helvetica"/>
-              </a:rPr>
-              <a:t>Lorem</a:t>
-            </a:r>
-            <a:r>
-              <a:rPr lang="en-US" sz="1200" dirty="0" smtClean="0">
-                <a:latin typeface="Helvetica"/>
-                <a:cs typeface="Helvetica"/>
-              </a:rPr>
-              <a:t> </a:t>
-            </a:r>
-            <a:r>
-              <a:rPr lang="en-US" sz="1200" dirty="0" err="1">
-                <a:latin typeface="Helvetica"/>
-                <a:cs typeface="Helvetica"/>
-              </a:rPr>
-              <a:t>ipsum</a:t>
-            </a:r>
-            <a:r>
-              <a:rPr lang="en-US" sz="1200" dirty="0">
-                <a:latin typeface="Helvetica"/>
-                <a:cs typeface="Helvetica"/>
-              </a:rPr>
-              <a:t> dolor sit </a:t>
-            </a:r>
-            <a:r>
-              <a:rPr lang="en-US" sz="1200" dirty="0" err="1">
-                <a:latin typeface="Helvetica"/>
-                <a:cs typeface="Helvetica"/>
-              </a:rPr>
-              <a:t>amet</a:t>
-            </a:r>
-            <a:r>
-              <a:rPr lang="en-US" sz="1200" dirty="0">
-                <a:latin typeface="Helvetica"/>
-                <a:cs typeface="Helvetica"/>
-              </a:rPr>
-              <a:t>, </a:t>
-            </a:r>
-            <a:r>
-              <a:rPr lang="en-US" sz="1200" dirty="0" err="1">
-                <a:latin typeface="Helvetica"/>
-                <a:cs typeface="Helvetica"/>
-              </a:rPr>
-              <a:t>consectetur</a:t>
-            </a:r>
-            <a:r>
-              <a:rPr lang="en-US" sz="1200" dirty="0">
-                <a:latin typeface="Helvetica"/>
-                <a:cs typeface="Helvetica"/>
-              </a:rPr>
-              <a:t> </a:t>
-            </a:r>
-            <a:r>
-              <a:rPr lang="en-US" sz="1200" dirty="0" err="1">
-                <a:latin typeface="Helvetica"/>
-                <a:cs typeface="Helvetica"/>
-              </a:rPr>
-              <a:t>adipiscing</a:t>
-            </a:r>
-            <a:r>
-              <a:rPr lang="en-US" sz="1200" dirty="0">
-                <a:latin typeface="Helvetica"/>
-                <a:cs typeface="Helvetica"/>
-              </a:rPr>
-              <a:t> </a:t>
-            </a:r>
-            <a:r>
-              <a:rPr lang="en-US" sz="1200" dirty="0" err="1">
-                <a:latin typeface="Helvetica"/>
-                <a:cs typeface="Helvetica"/>
-              </a:rPr>
-              <a:t>elit</a:t>
-            </a:r>
-            <a:r>
-              <a:rPr lang="en-US" sz="1200" dirty="0">
-                <a:latin typeface="Helvetica"/>
-                <a:cs typeface="Helvetica"/>
-              </a:rPr>
-              <a:t>, </a:t>
-            </a:r>
-            <a:r>
-              <a:rPr lang="en-US" sz="1200" dirty="0" err="1">
-                <a:latin typeface="Helvetica"/>
-                <a:cs typeface="Helvetica"/>
-              </a:rPr>
-              <a:t>sed</a:t>
-            </a:r>
-            <a:r>
-              <a:rPr lang="en-US" sz="1200" dirty="0">
-                <a:latin typeface="Helvetica"/>
-                <a:cs typeface="Helvetica"/>
-              </a:rPr>
-              <a:t> do </a:t>
-            </a:r>
-            <a:r>
-              <a:rPr lang="en-US" sz="1200" dirty="0" err="1">
-                <a:latin typeface="Helvetica"/>
-                <a:cs typeface="Helvetica"/>
-              </a:rPr>
-              <a:t>eiusmod</a:t>
-            </a:r>
-            <a:r>
-              <a:rPr lang="en-US" sz="1200" dirty="0">
-                <a:latin typeface="Helvetica"/>
-                <a:cs typeface="Helvetica"/>
-              </a:rPr>
-              <a:t> </a:t>
-            </a:r>
-            <a:r>
-              <a:rPr lang="en-US" sz="1200" dirty="0" err="1">
-                <a:latin typeface="Helvetica"/>
-                <a:cs typeface="Helvetica"/>
-              </a:rPr>
-              <a:t>tempor</a:t>
-            </a:r>
-            <a:r>
-              <a:rPr lang="en-US" sz="1200" dirty="0">
-                <a:latin typeface="Helvetica"/>
-                <a:cs typeface="Helvetica"/>
-              </a:rPr>
-              <a:t> </a:t>
-            </a:r>
-            <a:r>
-              <a:rPr lang="en-US" sz="1200" dirty="0" err="1">
-                <a:latin typeface="Helvetica"/>
-                <a:cs typeface="Helvetica"/>
-              </a:rPr>
-              <a:t>incididunt</a:t>
-            </a:r>
-            <a:r>
-              <a:rPr lang="en-US" sz="1200" dirty="0">
-                <a:latin typeface="Helvetica"/>
-                <a:cs typeface="Helvetica"/>
-              </a:rPr>
-              <a:t> </a:t>
-            </a:r>
-            <a:r>
-              <a:rPr lang="en-US" sz="1200" dirty="0" err="1">
-                <a:latin typeface="Helvetica"/>
-                <a:cs typeface="Helvetica"/>
-              </a:rPr>
-              <a:t>ut</a:t>
-            </a:r>
-            <a:r>
-              <a:rPr lang="en-US" sz="1200" dirty="0">
-                <a:latin typeface="Helvetica"/>
-                <a:cs typeface="Helvetica"/>
-              </a:rPr>
-              <a:t> </a:t>
-            </a:r>
-            <a:r>
-              <a:rPr lang="en-US" sz="1200" dirty="0" err="1">
-                <a:latin typeface="Helvetica"/>
-                <a:cs typeface="Helvetica"/>
-              </a:rPr>
-              <a:t>labore</a:t>
-            </a:r>
-            <a:r>
-              <a:rPr lang="en-US" sz="1200" dirty="0">
-                <a:latin typeface="Helvetica"/>
-                <a:cs typeface="Helvetica"/>
-              </a:rPr>
-              <a:t> et </a:t>
-            </a:r>
-            <a:r>
-              <a:rPr lang="en-US" sz="1200" dirty="0" err="1">
-                <a:latin typeface="Helvetica"/>
-                <a:cs typeface="Helvetica"/>
-              </a:rPr>
-              <a:t>dolore</a:t>
-            </a:r>
-            <a:r>
-              <a:rPr lang="en-US" sz="1200" dirty="0">
-                <a:latin typeface="Helvetica"/>
-                <a:cs typeface="Helvetica"/>
-              </a:rPr>
-              <a:t> magna </a:t>
-            </a:r>
-            <a:r>
-              <a:rPr lang="en-US" sz="1200" dirty="0" err="1">
-                <a:latin typeface="Helvetica"/>
-                <a:cs typeface="Helvetica"/>
-              </a:rPr>
-              <a:t>aliqua</a:t>
-            </a:r>
-            <a:r>
-              <a:rPr lang="en-US" sz="1200" dirty="0">
-                <a:latin typeface="Helvetica"/>
-                <a:cs typeface="Helvetica"/>
-              </a:rPr>
-              <a:t>. </a:t>
-            </a:r>
-          </a:p>
-        </p:txBody>
-      </p:sp>
-      <p:sp>
-        <p:nvSpPr>
-          <p:cNvPr id="24" name="TextBox 23"/>
-          <p:cNvSpPr txBox="1"/>
-          <p:nvPr/>
-        </p:nvSpPr>
-        <p:spPr>
-          <a:xfrm>
-            <a:off x="3055334" y="1130315"/>
-            <a:ext cx="2913529" cy="2111347"/>
-          </a:xfrm>
-          <a:prstGeom prst="rect">
-            <a:avLst/>
-          </a:prstGeom>
-          <a:noFill/>
-          <a:ln w="28575" cmpd="sng">
-            <a:solidFill>
-              <a:schemeClr val="tx1"/>
-            </a:solidFill>
-          </a:ln>
-        </p:spPr>
-        <p:txBody>
-          <a:bodyPr wrap="square" rtlCol="0">
-            <a:spAutoFit/>
-          </a:bodyPr>
-          <a:lstStyle/>
-          <a:p>
-            <a:pPr>
-              <a:lnSpc>
-                <a:spcPct val="90000"/>
-              </a:lnSpc>
-            </a:pPr>
-            <a:r>
-              <a:rPr lang="en-US" sz="1400" b="1" dirty="0" smtClean="0">
-                <a:latin typeface="Helvetica"/>
-                <a:cs typeface="Helvetica"/>
-              </a:rPr>
-              <a:t>Section Three</a:t>
-            </a:r>
-          </a:p>
-          <a:p>
-            <a:pPr>
-              <a:lnSpc>
-                <a:spcPct val="110000"/>
-              </a:lnSpc>
-            </a:pPr>
-            <a:r>
-              <a:rPr lang="en-US" sz="1200" dirty="0" err="1" smtClean="0">
-                <a:latin typeface="Helvetica"/>
-                <a:cs typeface="Helvetica"/>
-              </a:rPr>
-              <a:t>Lorem</a:t>
-            </a:r>
-            <a:r>
-              <a:rPr lang="en-US" sz="1200" dirty="0" smtClean="0">
-                <a:latin typeface="Helvetica"/>
-                <a:cs typeface="Helvetica"/>
-              </a:rPr>
-              <a:t> </a:t>
-            </a:r>
-            <a:r>
-              <a:rPr lang="en-US" sz="1200" dirty="0" err="1">
-                <a:latin typeface="Helvetica"/>
-                <a:cs typeface="Helvetica"/>
-              </a:rPr>
-              <a:t>ipsum</a:t>
-            </a:r>
-            <a:r>
-              <a:rPr lang="en-US" sz="1200" dirty="0">
-                <a:latin typeface="Helvetica"/>
-                <a:cs typeface="Helvetica"/>
-              </a:rPr>
-              <a:t> dolor sit </a:t>
-            </a:r>
-            <a:r>
-              <a:rPr lang="en-US" sz="1200" dirty="0" err="1">
-                <a:latin typeface="Helvetica"/>
-                <a:cs typeface="Helvetica"/>
-              </a:rPr>
-              <a:t>amet</a:t>
-            </a:r>
-            <a:r>
-              <a:rPr lang="en-US" sz="1200" dirty="0">
-                <a:latin typeface="Helvetica"/>
-                <a:cs typeface="Helvetica"/>
-              </a:rPr>
-              <a:t>, </a:t>
-            </a:r>
-            <a:r>
-              <a:rPr lang="en-US" sz="1200" dirty="0" err="1">
-                <a:latin typeface="Helvetica"/>
-                <a:cs typeface="Helvetica"/>
-              </a:rPr>
-              <a:t>consectetur</a:t>
-            </a:r>
-            <a:r>
-              <a:rPr lang="en-US" sz="1200" dirty="0">
-                <a:latin typeface="Helvetica"/>
-                <a:cs typeface="Helvetica"/>
-              </a:rPr>
-              <a:t> </a:t>
-            </a:r>
-            <a:r>
-              <a:rPr lang="en-US" sz="1200" dirty="0" err="1">
-                <a:latin typeface="Helvetica"/>
-                <a:cs typeface="Helvetica"/>
-              </a:rPr>
-              <a:t>adipiscing</a:t>
-            </a:r>
-            <a:r>
-              <a:rPr lang="en-US" sz="1200" dirty="0">
-                <a:latin typeface="Helvetica"/>
-                <a:cs typeface="Helvetica"/>
-              </a:rPr>
-              <a:t> </a:t>
-            </a:r>
-            <a:r>
-              <a:rPr lang="en-US" sz="1200" dirty="0" err="1">
-                <a:latin typeface="Helvetica"/>
-                <a:cs typeface="Helvetica"/>
-              </a:rPr>
-              <a:t>elit</a:t>
-            </a:r>
-            <a:r>
-              <a:rPr lang="en-US" sz="1200" dirty="0">
-                <a:latin typeface="Helvetica"/>
-                <a:cs typeface="Helvetica"/>
-              </a:rPr>
-              <a:t>, </a:t>
-            </a:r>
-            <a:r>
-              <a:rPr lang="en-US" sz="1200" dirty="0" err="1">
-                <a:latin typeface="Helvetica"/>
-                <a:cs typeface="Helvetica"/>
-              </a:rPr>
-              <a:t>sed</a:t>
-            </a:r>
-            <a:r>
-              <a:rPr lang="en-US" sz="1200" dirty="0">
-                <a:latin typeface="Helvetica"/>
-                <a:cs typeface="Helvetica"/>
-              </a:rPr>
-              <a:t> do </a:t>
-            </a:r>
-            <a:r>
-              <a:rPr lang="en-US" sz="1200" dirty="0" err="1">
-                <a:latin typeface="Helvetica"/>
-                <a:cs typeface="Helvetica"/>
-              </a:rPr>
-              <a:t>eiusmod</a:t>
-            </a:r>
-            <a:r>
-              <a:rPr lang="en-US" sz="1200" dirty="0">
-                <a:latin typeface="Helvetica"/>
-                <a:cs typeface="Helvetica"/>
-              </a:rPr>
-              <a:t> </a:t>
-            </a:r>
-            <a:r>
-              <a:rPr lang="en-US" sz="1200" dirty="0" err="1">
-                <a:latin typeface="Helvetica"/>
-                <a:cs typeface="Helvetica"/>
-              </a:rPr>
-              <a:t>tempor</a:t>
-            </a:r>
-            <a:r>
-              <a:rPr lang="en-US" sz="1200" dirty="0">
-                <a:latin typeface="Helvetica"/>
-                <a:cs typeface="Helvetica"/>
-              </a:rPr>
-              <a:t> </a:t>
-            </a:r>
-            <a:r>
-              <a:rPr lang="en-US" sz="1200" dirty="0" err="1">
-                <a:latin typeface="Helvetica"/>
-                <a:cs typeface="Helvetica"/>
-              </a:rPr>
-              <a:t>incididunt</a:t>
-            </a:r>
-            <a:r>
-              <a:rPr lang="en-US" sz="1200" dirty="0">
-                <a:latin typeface="Helvetica"/>
-                <a:cs typeface="Helvetica"/>
-              </a:rPr>
-              <a:t> </a:t>
-            </a:r>
-            <a:r>
-              <a:rPr lang="en-US" sz="1200" dirty="0" err="1">
-                <a:latin typeface="Helvetica"/>
-                <a:cs typeface="Helvetica"/>
-              </a:rPr>
-              <a:t>ut</a:t>
-            </a:r>
-            <a:r>
-              <a:rPr lang="en-US" sz="1200" dirty="0">
-                <a:latin typeface="Helvetica"/>
-                <a:cs typeface="Helvetica"/>
-              </a:rPr>
-              <a:t> </a:t>
-            </a:r>
-            <a:r>
-              <a:rPr lang="en-US" sz="1200" dirty="0" err="1">
-                <a:latin typeface="Helvetica"/>
-                <a:cs typeface="Helvetica"/>
-              </a:rPr>
-              <a:t>labore</a:t>
-            </a:r>
-            <a:r>
-              <a:rPr lang="en-US" sz="1200" dirty="0">
-                <a:latin typeface="Helvetica"/>
-                <a:cs typeface="Helvetica"/>
-              </a:rPr>
-              <a:t> et </a:t>
-            </a:r>
-            <a:r>
-              <a:rPr lang="en-US" sz="1200" dirty="0" err="1">
-                <a:latin typeface="Helvetica"/>
-                <a:cs typeface="Helvetica"/>
-              </a:rPr>
-              <a:t>dolore</a:t>
-            </a:r>
-            <a:r>
-              <a:rPr lang="en-US" sz="1200" dirty="0">
-                <a:latin typeface="Helvetica"/>
-                <a:cs typeface="Helvetica"/>
-              </a:rPr>
-              <a:t> magna </a:t>
-            </a:r>
-            <a:r>
-              <a:rPr lang="en-US" sz="1200" dirty="0" err="1">
-                <a:latin typeface="Helvetica"/>
-                <a:cs typeface="Helvetica"/>
-              </a:rPr>
-              <a:t>aliqua</a:t>
-            </a:r>
-            <a:r>
-              <a:rPr lang="en-US" sz="1200" dirty="0">
-                <a:latin typeface="Helvetica"/>
-                <a:cs typeface="Helvetica"/>
-              </a:rPr>
-              <a:t>. </a:t>
-            </a:r>
-            <a:r>
-              <a:rPr lang="en-US" sz="1200" dirty="0" err="1">
-                <a:latin typeface="Helvetica"/>
-                <a:cs typeface="Helvetica"/>
-              </a:rPr>
-              <a:t>Ut</a:t>
-            </a:r>
-            <a:r>
-              <a:rPr lang="en-US" sz="1200" dirty="0">
-                <a:latin typeface="Helvetica"/>
-                <a:cs typeface="Helvetica"/>
-              </a:rPr>
-              <a:t> </a:t>
-            </a:r>
-            <a:r>
-              <a:rPr lang="en-US" sz="1200" dirty="0" err="1">
-                <a:latin typeface="Helvetica"/>
-                <a:cs typeface="Helvetica"/>
-              </a:rPr>
-              <a:t>enim</a:t>
-            </a:r>
-            <a:r>
-              <a:rPr lang="en-US" sz="1200" dirty="0">
-                <a:latin typeface="Helvetica"/>
-                <a:cs typeface="Helvetica"/>
-              </a:rPr>
-              <a:t> ad minim </a:t>
-            </a:r>
-            <a:r>
-              <a:rPr lang="en-US" sz="1200" dirty="0" err="1">
-                <a:latin typeface="Helvetica"/>
-                <a:cs typeface="Helvetica"/>
-              </a:rPr>
-              <a:t>veniam</a:t>
-            </a:r>
-            <a:r>
-              <a:rPr lang="en-US" sz="1200" dirty="0">
-                <a:latin typeface="Helvetica"/>
-                <a:cs typeface="Helvetica"/>
-              </a:rPr>
-              <a:t>, </a:t>
-            </a:r>
-            <a:r>
-              <a:rPr lang="en-US" sz="1200" dirty="0" err="1">
-                <a:latin typeface="Helvetica"/>
-                <a:cs typeface="Helvetica"/>
-              </a:rPr>
-              <a:t>quis</a:t>
-            </a:r>
-            <a:r>
-              <a:rPr lang="en-US" sz="1200" dirty="0">
-                <a:latin typeface="Helvetica"/>
-                <a:cs typeface="Helvetica"/>
-              </a:rPr>
-              <a:t> </a:t>
-            </a:r>
-            <a:r>
-              <a:rPr lang="en-US" sz="1200" dirty="0" err="1">
-                <a:latin typeface="Helvetica"/>
-                <a:cs typeface="Helvetica"/>
-              </a:rPr>
-              <a:t>nostrud</a:t>
-            </a:r>
-            <a:r>
-              <a:rPr lang="en-US" sz="1200" dirty="0">
-                <a:latin typeface="Helvetica"/>
-                <a:cs typeface="Helvetica"/>
-              </a:rPr>
-              <a:t> exercitation </a:t>
-            </a:r>
-            <a:r>
-              <a:rPr lang="en-US" sz="1200" dirty="0" err="1">
-                <a:latin typeface="Helvetica"/>
-                <a:cs typeface="Helvetica"/>
-              </a:rPr>
-              <a:t>ullamco</a:t>
-            </a:r>
-            <a:r>
-              <a:rPr lang="en-US" sz="1200" dirty="0">
-                <a:latin typeface="Helvetica"/>
-                <a:cs typeface="Helvetica"/>
-              </a:rPr>
-              <a:t> </a:t>
-            </a:r>
-            <a:r>
-              <a:rPr lang="en-US" sz="1200" dirty="0" err="1">
-                <a:latin typeface="Helvetica"/>
-                <a:cs typeface="Helvetica"/>
-              </a:rPr>
-              <a:t>laboris</a:t>
-            </a:r>
-            <a:r>
-              <a:rPr lang="en-US" sz="1200" dirty="0">
-                <a:latin typeface="Helvetica"/>
-                <a:cs typeface="Helvetica"/>
-              </a:rPr>
-              <a:t> nisi </a:t>
-            </a:r>
-            <a:r>
-              <a:rPr lang="en-US" sz="1200" dirty="0" err="1">
-                <a:latin typeface="Helvetica"/>
-                <a:cs typeface="Helvetica"/>
-              </a:rPr>
-              <a:t>ut</a:t>
-            </a:r>
-            <a:r>
-              <a:rPr lang="en-US" sz="1200" dirty="0">
-                <a:latin typeface="Helvetica"/>
-                <a:cs typeface="Helvetica"/>
-              </a:rPr>
-              <a:t> </a:t>
-            </a:r>
-            <a:r>
-              <a:rPr lang="en-US" sz="1200" dirty="0" err="1">
-                <a:latin typeface="Helvetica"/>
-                <a:cs typeface="Helvetica"/>
-              </a:rPr>
-              <a:t>aliquip</a:t>
-            </a:r>
-            <a:r>
-              <a:rPr lang="en-US" sz="1200" dirty="0">
-                <a:latin typeface="Helvetica"/>
-                <a:cs typeface="Helvetica"/>
-              </a:rPr>
-              <a:t> ex </a:t>
-            </a:r>
-            <a:r>
-              <a:rPr lang="en-US" sz="1200" dirty="0" err="1">
-                <a:latin typeface="Helvetica"/>
-                <a:cs typeface="Helvetica"/>
-              </a:rPr>
-              <a:t>ea</a:t>
-            </a:r>
-            <a:r>
-              <a:rPr lang="en-US" sz="1200" dirty="0">
-                <a:latin typeface="Helvetica"/>
-                <a:cs typeface="Helvetica"/>
-              </a:rPr>
-              <a:t> </a:t>
-            </a:r>
-            <a:r>
-              <a:rPr lang="en-US" sz="1200" dirty="0" err="1">
-                <a:latin typeface="Helvetica"/>
-                <a:cs typeface="Helvetica"/>
-              </a:rPr>
-              <a:t>commodo</a:t>
-            </a:r>
-            <a:r>
-              <a:rPr lang="en-US" sz="1200" dirty="0">
-                <a:latin typeface="Helvetica"/>
-                <a:cs typeface="Helvetica"/>
-              </a:rPr>
-              <a:t> </a:t>
-            </a:r>
-            <a:r>
-              <a:rPr lang="en-US" sz="1200" dirty="0" err="1">
-                <a:latin typeface="Helvetica"/>
-                <a:cs typeface="Helvetica"/>
-              </a:rPr>
-              <a:t>consequat</a:t>
-            </a:r>
-            <a:r>
-              <a:rPr lang="en-US" sz="1200" dirty="0">
-                <a:latin typeface="Helvetica"/>
-                <a:cs typeface="Helvetica"/>
-              </a:rPr>
-              <a:t>. </a:t>
-            </a:r>
-            <a:r>
-              <a:rPr lang="en-US" sz="1200" dirty="0" err="1">
-                <a:latin typeface="Helvetica"/>
-                <a:cs typeface="Helvetica"/>
-              </a:rPr>
-              <a:t>Duis</a:t>
-            </a:r>
-            <a:r>
-              <a:rPr lang="en-US" sz="1200" dirty="0">
-                <a:latin typeface="Helvetica"/>
-                <a:cs typeface="Helvetica"/>
-              </a:rPr>
-              <a:t> </a:t>
-            </a:r>
-            <a:r>
-              <a:rPr lang="en-US" sz="1200" dirty="0" err="1">
-                <a:latin typeface="Helvetica"/>
-                <a:cs typeface="Helvetica"/>
-              </a:rPr>
-              <a:t>aute</a:t>
-            </a:r>
-            <a:r>
-              <a:rPr lang="en-US" sz="1200" dirty="0">
-                <a:latin typeface="Helvetica"/>
-                <a:cs typeface="Helvetica"/>
-              </a:rPr>
-              <a:t> </a:t>
-            </a:r>
-            <a:r>
-              <a:rPr lang="en-US" sz="1200" dirty="0" err="1">
-                <a:latin typeface="Helvetica"/>
-                <a:cs typeface="Helvetica"/>
-              </a:rPr>
-              <a:t>irure</a:t>
-            </a:r>
-            <a:r>
-              <a:rPr lang="en-US" sz="1200" dirty="0">
-                <a:latin typeface="Helvetica"/>
-                <a:cs typeface="Helvetica"/>
-              </a:rPr>
-              <a:t> dolor in </a:t>
-            </a:r>
-            <a:r>
-              <a:rPr lang="en-US" sz="1200" dirty="0" err="1">
-                <a:latin typeface="Helvetica"/>
-                <a:cs typeface="Helvetica"/>
-              </a:rPr>
-              <a:t>reprehenderit</a:t>
-            </a:r>
-            <a:r>
-              <a:rPr lang="en-US" sz="1200" dirty="0">
-                <a:latin typeface="Helvetica"/>
-                <a:cs typeface="Helvetica"/>
-              </a:rPr>
-              <a:t> in </a:t>
-            </a:r>
-            <a:r>
-              <a:rPr lang="en-US" sz="1200" dirty="0" err="1">
-                <a:latin typeface="Helvetica"/>
-                <a:cs typeface="Helvetica"/>
-              </a:rPr>
-              <a:t>voluptate</a:t>
-            </a:r>
-            <a:r>
-              <a:rPr lang="en-US" sz="1200" dirty="0">
-                <a:latin typeface="Helvetica"/>
-                <a:cs typeface="Helvetica"/>
-              </a:rPr>
-              <a:t> </a:t>
-            </a:r>
-            <a:r>
-              <a:rPr lang="en-US" sz="1200" dirty="0" err="1">
-                <a:latin typeface="Helvetica"/>
-                <a:cs typeface="Helvetica"/>
-              </a:rPr>
-              <a:t>velit</a:t>
-            </a:r>
-            <a:r>
-              <a:rPr lang="en-US" sz="1200" dirty="0">
-                <a:latin typeface="Helvetica"/>
-                <a:cs typeface="Helvetica"/>
-              </a:rPr>
-              <a:t> </a:t>
-            </a:r>
-            <a:r>
-              <a:rPr lang="en-US" sz="1200" dirty="0" err="1">
-                <a:latin typeface="Helvetica"/>
-                <a:cs typeface="Helvetica"/>
-              </a:rPr>
-              <a:t>esse</a:t>
-            </a:r>
-            <a:r>
-              <a:rPr lang="en-US" sz="1200" dirty="0">
-                <a:latin typeface="Helvetica"/>
-                <a:cs typeface="Helvetica"/>
-              </a:rPr>
-              <a:t> </a:t>
-            </a:r>
-            <a:r>
-              <a:rPr lang="en-US" sz="1200" dirty="0" err="1">
-                <a:latin typeface="Helvetica"/>
-                <a:cs typeface="Helvetica"/>
-              </a:rPr>
-              <a:t>cillum</a:t>
-            </a:r>
-            <a:r>
-              <a:rPr lang="en-US" sz="1200" dirty="0">
-                <a:latin typeface="Helvetica"/>
-                <a:cs typeface="Helvetica"/>
-              </a:rPr>
-              <a:t> </a:t>
-            </a:r>
-            <a:r>
-              <a:rPr lang="en-US" sz="1200" dirty="0" err="1">
-                <a:latin typeface="Helvetica"/>
-                <a:cs typeface="Helvetica"/>
-              </a:rPr>
-              <a:t>dolore</a:t>
-            </a:r>
-            <a:r>
-              <a:rPr lang="en-US" sz="1200" dirty="0">
-                <a:latin typeface="Helvetica"/>
-                <a:cs typeface="Helvetica"/>
-              </a:rPr>
-              <a:t> </a:t>
-            </a:r>
-            <a:r>
-              <a:rPr lang="en-US" sz="1200" dirty="0" err="1">
-                <a:latin typeface="Helvetica"/>
-                <a:cs typeface="Helvetica"/>
-              </a:rPr>
-              <a:t>eu</a:t>
-            </a:r>
-            <a:r>
-              <a:rPr lang="en-US" sz="1200" dirty="0">
-                <a:latin typeface="Helvetica"/>
-                <a:cs typeface="Helvetica"/>
-              </a:rPr>
-              <a:t> </a:t>
-            </a:r>
-            <a:r>
-              <a:rPr lang="en-US" sz="1200" dirty="0" err="1">
-                <a:latin typeface="Helvetica"/>
-                <a:cs typeface="Helvetica"/>
-              </a:rPr>
-              <a:t>fugiat</a:t>
-            </a:r>
-            <a:r>
-              <a:rPr lang="en-US" sz="1200" dirty="0">
-                <a:latin typeface="Helvetica"/>
-                <a:cs typeface="Helvetica"/>
-              </a:rPr>
-              <a:t> </a:t>
-            </a:r>
-            <a:r>
-              <a:rPr lang="en-US" sz="1200" dirty="0" err="1">
-                <a:latin typeface="Helvetica"/>
-                <a:cs typeface="Helvetica"/>
-              </a:rPr>
-              <a:t>nulla</a:t>
-            </a:r>
-            <a:r>
-              <a:rPr lang="en-US" sz="1200" dirty="0">
-                <a:latin typeface="Helvetica"/>
-                <a:cs typeface="Helvetica"/>
-              </a:rPr>
-              <a:t> </a:t>
-            </a:r>
-            <a:r>
-              <a:rPr lang="en-US" sz="1200" dirty="0" err="1">
-                <a:latin typeface="Helvetica"/>
-                <a:cs typeface="Helvetica"/>
-              </a:rPr>
-              <a:t>pariatur</a:t>
-            </a:r>
-            <a:r>
-              <a:rPr lang="en-US" sz="1200" dirty="0" smtClean="0">
-                <a:latin typeface="Helvetica"/>
-                <a:cs typeface="Helvetica"/>
-              </a:rPr>
-              <a:t>.</a:t>
-            </a:r>
-            <a:endParaRPr lang="en-US" sz="1200" dirty="0">
-              <a:latin typeface="Helvetica"/>
-              <a:cs typeface="Helvetica"/>
-            </a:endParaRPr>
-          </a:p>
-        </p:txBody>
-      </p:sp>
-      <p:sp>
-        <p:nvSpPr>
-          <p:cNvPr id="25" name="TextBox 24"/>
-          <p:cNvSpPr txBox="1"/>
-          <p:nvPr/>
-        </p:nvSpPr>
-        <p:spPr>
-          <a:xfrm>
-            <a:off x="6275292" y="3569985"/>
-            <a:ext cx="2644588" cy="1695849"/>
-          </a:xfrm>
-          <a:prstGeom prst="rect">
-            <a:avLst/>
-          </a:prstGeom>
-          <a:noFill/>
-          <a:ln w="28575" cmpd="sng">
-            <a:solidFill>
-              <a:schemeClr val="tx1"/>
-            </a:solidFill>
-          </a:ln>
-        </p:spPr>
-        <p:txBody>
-          <a:bodyPr wrap="square" rtlCol="0">
-            <a:spAutoFit/>
-          </a:bodyPr>
-          <a:lstStyle/>
-          <a:p>
-            <a:pPr>
-              <a:lnSpc>
-                <a:spcPct val="90000"/>
-              </a:lnSpc>
-            </a:pPr>
-            <a:r>
-              <a:rPr lang="en-US" sz="1200" b="1" dirty="0">
-                <a:latin typeface="Helvetica"/>
-                <a:cs typeface="Helvetica"/>
-              </a:rPr>
-              <a:t>Section </a:t>
-            </a:r>
-            <a:r>
-              <a:rPr lang="en-US" sz="1200" b="1" dirty="0" smtClean="0">
-                <a:latin typeface="Helvetica"/>
-                <a:cs typeface="Helvetica"/>
-              </a:rPr>
-              <a:t>Four</a:t>
-            </a:r>
-            <a:endParaRPr lang="en-US" sz="1200" dirty="0" smtClean="0">
-              <a:latin typeface="Helvetica"/>
-              <a:cs typeface="Helvetica"/>
-            </a:endParaRPr>
-          </a:p>
-          <a:p>
-            <a:pPr>
-              <a:lnSpc>
-                <a:spcPct val="110000"/>
-              </a:lnSpc>
-            </a:pPr>
-            <a:r>
-              <a:rPr lang="en-US" sz="1200" dirty="0" err="1" smtClean="0">
-                <a:latin typeface="Helvetica"/>
-                <a:cs typeface="Helvetica"/>
-              </a:rPr>
-              <a:t>Lorem</a:t>
-            </a:r>
-            <a:r>
-              <a:rPr lang="en-US" sz="1200" dirty="0" smtClean="0">
-                <a:latin typeface="Helvetica"/>
-                <a:cs typeface="Helvetica"/>
-              </a:rPr>
-              <a:t> </a:t>
-            </a:r>
-            <a:r>
-              <a:rPr lang="en-US" sz="1200" dirty="0" err="1">
-                <a:latin typeface="Helvetica"/>
-                <a:cs typeface="Helvetica"/>
-              </a:rPr>
-              <a:t>ipsum</a:t>
-            </a:r>
-            <a:r>
-              <a:rPr lang="en-US" sz="1200" dirty="0">
-                <a:latin typeface="Helvetica"/>
-                <a:cs typeface="Helvetica"/>
-              </a:rPr>
-              <a:t> dolor sit </a:t>
-            </a:r>
-            <a:r>
-              <a:rPr lang="en-US" sz="1200" dirty="0" err="1">
-                <a:latin typeface="Helvetica"/>
-                <a:cs typeface="Helvetica"/>
-              </a:rPr>
-              <a:t>amet</a:t>
-            </a:r>
-            <a:r>
-              <a:rPr lang="en-US" sz="1200" dirty="0">
-                <a:latin typeface="Helvetica"/>
-                <a:cs typeface="Helvetica"/>
-              </a:rPr>
-              <a:t>, </a:t>
-            </a:r>
-            <a:r>
-              <a:rPr lang="en-US" sz="1200" dirty="0" err="1">
-                <a:latin typeface="Helvetica"/>
-                <a:cs typeface="Helvetica"/>
-              </a:rPr>
-              <a:t>consectetur</a:t>
-            </a:r>
-            <a:r>
-              <a:rPr lang="en-US" sz="1200" dirty="0">
-                <a:latin typeface="Helvetica"/>
-                <a:cs typeface="Helvetica"/>
-              </a:rPr>
-              <a:t> </a:t>
-            </a:r>
-            <a:r>
-              <a:rPr lang="en-US" sz="1200" dirty="0" err="1">
-                <a:latin typeface="Helvetica"/>
-                <a:cs typeface="Helvetica"/>
-              </a:rPr>
-              <a:t>adipiscing</a:t>
-            </a:r>
-            <a:r>
-              <a:rPr lang="en-US" sz="1200" dirty="0">
-                <a:latin typeface="Helvetica"/>
-                <a:cs typeface="Helvetica"/>
-              </a:rPr>
-              <a:t> </a:t>
-            </a:r>
-            <a:r>
-              <a:rPr lang="en-US" sz="1200" dirty="0" err="1">
-                <a:latin typeface="Helvetica"/>
-                <a:cs typeface="Helvetica"/>
-              </a:rPr>
-              <a:t>elit</a:t>
-            </a:r>
-            <a:r>
-              <a:rPr lang="en-US" sz="1200" dirty="0">
-                <a:latin typeface="Helvetica"/>
-                <a:cs typeface="Helvetica"/>
-              </a:rPr>
-              <a:t>, </a:t>
-            </a:r>
-            <a:r>
-              <a:rPr lang="en-US" sz="1200" dirty="0" err="1">
-                <a:latin typeface="Helvetica"/>
-                <a:cs typeface="Helvetica"/>
-              </a:rPr>
-              <a:t>sed</a:t>
-            </a:r>
-            <a:r>
-              <a:rPr lang="en-US" sz="1200" dirty="0">
-                <a:latin typeface="Helvetica"/>
-                <a:cs typeface="Helvetica"/>
-              </a:rPr>
-              <a:t> do </a:t>
-            </a:r>
-            <a:r>
-              <a:rPr lang="en-US" sz="1200" dirty="0" err="1">
-                <a:latin typeface="Helvetica"/>
-                <a:cs typeface="Helvetica"/>
-              </a:rPr>
-              <a:t>eiusmod</a:t>
-            </a:r>
-            <a:r>
-              <a:rPr lang="en-US" sz="1200" dirty="0">
-                <a:latin typeface="Helvetica"/>
-                <a:cs typeface="Helvetica"/>
-              </a:rPr>
-              <a:t> </a:t>
-            </a:r>
-            <a:r>
-              <a:rPr lang="en-US" sz="1200" dirty="0" err="1">
-                <a:latin typeface="Helvetica"/>
-                <a:cs typeface="Helvetica"/>
-              </a:rPr>
-              <a:t>tempor</a:t>
-            </a:r>
-            <a:r>
-              <a:rPr lang="en-US" sz="1200" dirty="0">
-                <a:latin typeface="Helvetica"/>
-                <a:cs typeface="Helvetica"/>
-              </a:rPr>
-              <a:t> </a:t>
-            </a:r>
-            <a:r>
-              <a:rPr lang="en-US" sz="1200" dirty="0" err="1">
-                <a:latin typeface="Helvetica"/>
-                <a:cs typeface="Helvetica"/>
-              </a:rPr>
-              <a:t>incididunt</a:t>
-            </a:r>
-            <a:r>
-              <a:rPr lang="en-US" sz="1200" dirty="0">
-                <a:latin typeface="Helvetica"/>
-                <a:cs typeface="Helvetica"/>
-              </a:rPr>
-              <a:t> </a:t>
-            </a:r>
-            <a:r>
-              <a:rPr lang="en-US" sz="1200" dirty="0" err="1">
-                <a:latin typeface="Helvetica"/>
-                <a:cs typeface="Helvetica"/>
-              </a:rPr>
-              <a:t>ut</a:t>
-            </a:r>
-            <a:r>
-              <a:rPr lang="en-US" sz="1200" dirty="0">
-                <a:latin typeface="Helvetica"/>
-                <a:cs typeface="Helvetica"/>
-              </a:rPr>
-              <a:t> </a:t>
-            </a:r>
-            <a:r>
-              <a:rPr lang="en-US" sz="1200" dirty="0" err="1">
-                <a:latin typeface="Helvetica"/>
-                <a:cs typeface="Helvetica"/>
-              </a:rPr>
-              <a:t>labore</a:t>
-            </a:r>
-            <a:r>
-              <a:rPr lang="en-US" sz="1200" dirty="0">
-                <a:latin typeface="Helvetica"/>
-                <a:cs typeface="Helvetica"/>
-              </a:rPr>
-              <a:t> et </a:t>
-            </a:r>
-            <a:r>
-              <a:rPr lang="en-US" sz="1200" dirty="0" err="1">
-                <a:latin typeface="Helvetica"/>
-                <a:cs typeface="Helvetica"/>
-              </a:rPr>
-              <a:t>dolore</a:t>
-            </a:r>
-            <a:r>
-              <a:rPr lang="en-US" sz="1200" dirty="0">
-                <a:latin typeface="Helvetica"/>
-                <a:cs typeface="Helvetica"/>
-              </a:rPr>
-              <a:t> magna </a:t>
-            </a:r>
-            <a:r>
-              <a:rPr lang="en-US" sz="1200" dirty="0" err="1">
-                <a:latin typeface="Helvetica"/>
-                <a:cs typeface="Helvetica"/>
-              </a:rPr>
-              <a:t>aliqua</a:t>
-            </a:r>
-            <a:r>
-              <a:rPr lang="en-US" sz="1200" dirty="0">
-                <a:latin typeface="Helvetica"/>
-                <a:cs typeface="Helvetica"/>
-              </a:rPr>
-              <a:t>. </a:t>
-            </a:r>
-            <a:r>
-              <a:rPr lang="en-US" sz="1200" dirty="0" err="1">
-                <a:latin typeface="Helvetica"/>
-                <a:cs typeface="Helvetica"/>
-              </a:rPr>
-              <a:t>Ut</a:t>
-            </a:r>
-            <a:r>
-              <a:rPr lang="en-US" sz="1200" dirty="0">
-                <a:latin typeface="Helvetica"/>
-                <a:cs typeface="Helvetica"/>
-              </a:rPr>
-              <a:t> </a:t>
-            </a:r>
-            <a:r>
-              <a:rPr lang="en-US" sz="1200" dirty="0" err="1">
-                <a:latin typeface="Helvetica"/>
-                <a:cs typeface="Helvetica"/>
-              </a:rPr>
-              <a:t>enim</a:t>
-            </a:r>
-            <a:r>
-              <a:rPr lang="en-US" sz="1200" dirty="0">
-                <a:latin typeface="Helvetica"/>
-                <a:cs typeface="Helvetica"/>
-              </a:rPr>
-              <a:t> ad minim </a:t>
-            </a:r>
-            <a:r>
-              <a:rPr lang="en-US" sz="1200" dirty="0" err="1">
-                <a:latin typeface="Helvetica"/>
-                <a:cs typeface="Helvetica"/>
-              </a:rPr>
-              <a:t>veniam</a:t>
-            </a:r>
-            <a:r>
-              <a:rPr lang="en-US" sz="1200" dirty="0">
-                <a:latin typeface="Helvetica"/>
-                <a:cs typeface="Helvetica"/>
-              </a:rPr>
-              <a:t>, </a:t>
-            </a:r>
-            <a:r>
-              <a:rPr lang="en-US" sz="1200" dirty="0" err="1">
-                <a:latin typeface="Helvetica"/>
-                <a:cs typeface="Helvetica"/>
-              </a:rPr>
-              <a:t>quis</a:t>
-            </a:r>
-            <a:r>
-              <a:rPr lang="en-US" sz="1200" dirty="0">
-                <a:latin typeface="Helvetica"/>
-                <a:cs typeface="Helvetica"/>
-              </a:rPr>
-              <a:t> </a:t>
-            </a:r>
-            <a:r>
-              <a:rPr lang="en-US" sz="1200" dirty="0" err="1">
-                <a:latin typeface="Helvetica"/>
-                <a:cs typeface="Helvetica"/>
-              </a:rPr>
-              <a:t>nostrud</a:t>
-            </a:r>
-            <a:r>
-              <a:rPr lang="en-US" sz="1200" dirty="0">
-                <a:latin typeface="Helvetica"/>
-                <a:cs typeface="Helvetica"/>
-              </a:rPr>
-              <a:t> exercitation </a:t>
-            </a:r>
-            <a:r>
-              <a:rPr lang="en-US" sz="1200" dirty="0" err="1">
-                <a:latin typeface="Helvetica"/>
-                <a:cs typeface="Helvetica"/>
-              </a:rPr>
-              <a:t>ullamco</a:t>
-            </a:r>
-            <a:r>
-              <a:rPr lang="en-US" sz="1200" dirty="0">
-                <a:latin typeface="Helvetica"/>
-                <a:cs typeface="Helvetica"/>
-              </a:rPr>
-              <a:t> </a:t>
-            </a:r>
-            <a:r>
-              <a:rPr lang="en-US" sz="1200" dirty="0" err="1">
-                <a:latin typeface="Helvetica"/>
-                <a:cs typeface="Helvetica"/>
-              </a:rPr>
-              <a:t>laboris</a:t>
-            </a:r>
-            <a:r>
-              <a:rPr lang="en-US" sz="1200" dirty="0">
-                <a:latin typeface="Helvetica"/>
-                <a:cs typeface="Helvetica"/>
-              </a:rPr>
-              <a:t> nisi </a:t>
-            </a:r>
-            <a:r>
-              <a:rPr lang="en-US" sz="1200" dirty="0" err="1">
-                <a:latin typeface="Helvetica"/>
-                <a:cs typeface="Helvetica"/>
-              </a:rPr>
-              <a:t>ut</a:t>
-            </a:r>
-            <a:r>
-              <a:rPr lang="en-US" sz="1200" dirty="0">
-                <a:latin typeface="Helvetica"/>
-                <a:cs typeface="Helvetica"/>
-              </a:rPr>
-              <a:t> </a:t>
-            </a:r>
-            <a:r>
-              <a:rPr lang="en-US" sz="1200" dirty="0" err="1">
-                <a:latin typeface="Helvetica"/>
-                <a:cs typeface="Helvetica"/>
-              </a:rPr>
-              <a:t>aliquip</a:t>
-            </a:r>
-            <a:r>
-              <a:rPr lang="en-US" sz="1200" dirty="0">
-                <a:latin typeface="Helvetica"/>
-                <a:cs typeface="Helvetica"/>
-              </a:rPr>
-              <a:t> ex </a:t>
-            </a:r>
-            <a:r>
-              <a:rPr lang="en-US" sz="1200" dirty="0" err="1">
-                <a:latin typeface="Helvetica"/>
-                <a:cs typeface="Helvetica"/>
-              </a:rPr>
-              <a:t>ea</a:t>
-            </a:r>
-            <a:r>
-              <a:rPr lang="en-US" sz="1200" dirty="0">
-                <a:latin typeface="Helvetica"/>
-                <a:cs typeface="Helvetica"/>
-              </a:rPr>
-              <a:t> </a:t>
-            </a:r>
-            <a:r>
-              <a:rPr lang="en-US" sz="1200" dirty="0" err="1">
-                <a:latin typeface="Helvetica"/>
-                <a:cs typeface="Helvetica"/>
-              </a:rPr>
-              <a:t>commodo</a:t>
-            </a:r>
-            <a:r>
-              <a:rPr lang="en-US" sz="1200" dirty="0">
-                <a:latin typeface="Helvetica"/>
-                <a:cs typeface="Helvetica"/>
-              </a:rPr>
-              <a:t> </a:t>
-            </a:r>
-            <a:r>
-              <a:rPr lang="en-US" sz="1200" dirty="0" err="1">
-                <a:latin typeface="Helvetica"/>
-                <a:cs typeface="Helvetica"/>
-              </a:rPr>
-              <a:t>consequat</a:t>
-            </a:r>
-            <a:r>
-              <a:rPr lang="en-US" sz="1200" dirty="0" smtClean="0">
-                <a:latin typeface="Helvetica"/>
-                <a:cs typeface="Helvetica"/>
-              </a:rPr>
-              <a:t>.</a:t>
-            </a:r>
-            <a:endParaRPr lang="en-US" sz="1200" dirty="0">
-              <a:latin typeface="Helvetica"/>
-              <a:cs typeface="Helvetica"/>
-            </a:endParaRPr>
-          </a:p>
-        </p:txBody>
-      </p:sp>
-      <p:pic>
-        <p:nvPicPr>
-          <p:cNvPr id="26" name="Picture 25" descr="screencapture-repository-library-northeastern-edu-1430517316805.png"/>
-          <p:cNvPicPr>
-            <a:picLocks noChangeAspect="1"/>
-          </p:cNvPicPr>
-          <p:nvPr/>
-        </p:nvPicPr>
-        <p:blipFill>
-          <a:blip r:embed="rId2">
-            <a:extLst>
-              <a:ext uri="{28A0092B-C50C-407E-A947-70E740481C1C}">
-                <a14:useLocalDpi xmlns:a14="http://schemas.microsoft.com/office/drawing/2010/main" val="0"/>
-              </a:ext>
-            </a:extLst>
-          </a:blip>
-          <a:stretch>
-            <a:fillRect/>
-          </a:stretch>
-        </p:blipFill>
-        <p:spPr>
-          <a:xfrm>
-            <a:off x="6275293" y="1130315"/>
-            <a:ext cx="2644587" cy="1992345"/>
-          </a:xfrm>
-          <a:prstGeom prst="rect">
-            <a:avLst/>
-          </a:prstGeom>
-          <a:ln w="28575" cmpd="sng">
-            <a:solidFill>
-              <a:srgbClr val="000000"/>
-            </a:solidFill>
-          </a:ln>
-        </p:spPr>
-      </p:pic>
-      <p:sp>
-        <p:nvSpPr>
-          <p:cNvPr id="28" name="TextBox 27"/>
-          <p:cNvSpPr txBox="1"/>
-          <p:nvPr/>
-        </p:nvSpPr>
-        <p:spPr>
-          <a:xfrm>
-            <a:off x="208947" y="4890363"/>
-            <a:ext cx="2644588" cy="1705082"/>
-          </a:xfrm>
-          <a:prstGeom prst="rect">
-            <a:avLst/>
-          </a:prstGeom>
-          <a:noFill/>
-          <a:ln w="28575" cmpd="sng">
-            <a:solidFill>
-              <a:schemeClr val="tx1"/>
-            </a:solidFill>
-          </a:ln>
-        </p:spPr>
-        <p:txBody>
-          <a:bodyPr wrap="square" rtlCol="0">
-            <a:spAutoFit/>
-          </a:bodyPr>
-          <a:lstStyle/>
-          <a:p>
-            <a:pPr>
-              <a:lnSpc>
-                <a:spcPct val="90000"/>
-              </a:lnSpc>
-            </a:pPr>
-            <a:r>
-              <a:rPr lang="en-US" sz="1400" b="1" dirty="0" smtClean="0">
-                <a:latin typeface="Helvetica"/>
-                <a:cs typeface="Helvetica"/>
-              </a:rPr>
-              <a:t>Section Two</a:t>
-            </a:r>
-          </a:p>
-          <a:p>
-            <a:pPr>
-              <a:lnSpc>
-                <a:spcPct val="110000"/>
-              </a:lnSpc>
-            </a:pPr>
-            <a:r>
-              <a:rPr lang="en-US" sz="1200" dirty="0" err="1" smtClean="0">
-                <a:latin typeface="Helvetica"/>
-                <a:cs typeface="Helvetica"/>
-              </a:rPr>
-              <a:t>Lorem</a:t>
-            </a:r>
-            <a:r>
-              <a:rPr lang="en-US" sz="1200" dirty="0" smtClean="0">
-                <a:latin typeface="Helvetica"/>
-                <a:cs typeface="Helvetica"/>
-              </a:rPr>
-              <a:t> </a:t>
-            </a:r>
-            <a:r>
-              <a:rPr lang="en-US" sz="1200" dirty="0" err="1">
-                <a:latin typeface="Helvetica"/>
-                <a:cs typeface="Helvetica"/>
-              </a:rPr>
-              <a:t>ipsum</a:t>
-            </a:r>
-            <a:r>
-              <a:rPr lang="en-US" sz="1200" dirty="0">
-                <a:latin typeface="Helvetica"/>
-                <a:cs typeface="Helvetica"/>
-              </a:rPr>
-              <a:t> dolor sit </a:t>
-            </a:r>
-            <a:r>
-              <a:rPr lang="en-US" sz="1200" dirty="0" err="1">
-                <a:latin typeface="Helvetica"/>
-                <a:cs typeface="Helvetica"/>
-              </a:rPr>
-              <a:t>amet</a:t>
-            </a:r>
-            <a:r>
-              <a:rPr lang="en-US" sz="1200" dirty="0">
-                <a:latin typeface="Helvetica"/>
-                <a:cs typeface="Helvetica"/>
-              </a:rPr>
-              <a:t>, </a:t>
-            </a:r>
-            <a:r>
-              <a:rPr lang="en-US" sz="1200" dirty="0" err="1">
-                <a:latin typeface="Helvetica"/>
-                <a:cs typeface="Helvetica"/>
-              </a:rPr>
-              <a:t>consectetur</a:t>
-            </a:r>
-            <a:r>
-              <a:rPr lang="en-US" sz="1200" dirty="0">
-                <a:latin typeface="Helvetica"/>
-                <a:cs typeface="Helvetica"/>
-              </a:rPr>
-              <a:t> </a:t>
-            </a:r>
-            <a:r>
-              <a:rPr lang="en-US" sz="1200" dirty="0" err="1">
-                <a:latin typeface="Helvetica"/>
-                <a:cs typeface="Helvetica"/>
-              </a:rPr>
-              <a:t>adipiscing</a:t>
-            </a:r>
-            <a:r>
-              <a:rPr lang="en-US" sz="1200" dirty="0">
-                <a:latin typeface="Helvetica"/>
-                <a:cs typeface="Helvetica"/>
-              </a:rPr>
-              <a:t> </a:t>
-            </a:r>
-            <a:r>
-              <a:rPr lang="en-US" sz="1200" dirty="0" err="1">
-                <a:latin typeface="Helvetica"/>
-                <a:cs typeface="Helvetica"/>
-              </a:rPr>
-              <a:t>elit</a:t>
-            </a:r>
-            <a:r>
-              <a:rPr lang="en-US" sz="1200" dirty="0">
-                <a:latin typeface="Helvetica"/>
-                <a:cs typeface="Helvetica"/>
-              </a:rPr>
-              <a:t>, </a:t>
-            </a:r>
-            <a:r>
-              <a:rPr lang="en-US" sz="1200" dirty="0" err="1">
-                <a:latin typeface="Helvetica"/>
-                <a:cs typeface="Helvetica"/>
-              </a:rPr>
-              <a:t>sed</a:t>
-            </a:r>
-            <a:r>
-              <a:rPr lang="en-US" sz="1200" dirty="0">
-                <a:latin typeface="Helvetica"/>
-                <a:cs typeface="Helvetica"/>
-              </a:rPr>
-              <a:t> do </a:t>
-            </a:r>
-            <a:r>
-              <a:rPr lang="en-US" sz="1200" dirty="0" err="1">
-                <a:latin typeface="Helvetica"/>
-                <a:cs typeface="Helvetica"/>
-              </a:rPr>
-              <a:t>eiusmod</a:t>
-            </a:r>
-            <a:r>
-              <a:rPr lang="en-US" sz="1200" dirty="0">
-                <a:latin typeface="Helvetica"/>
-                <a:cs typeface="Helvetica"/>
-              </a:rPr>
-              <a:t> </a:t>
-            </a:r>
-            <a:r>
-              <a:rPr lang="en-US" sz="1200" dirty="0" err="1">
-                <a:latin typeface="Helvetica"/>
-                <a:cs typeface="Helvetica"/>
-              </a:rPr>
-              <a:t>tempor</a:t>
-            </a:r>
-            <a:r>
-              <a:rPr lang="en-US" sz="1200" dirty="0">
-                <a:latin typeface="Helvetica"/>
-                <a:cs typeface="Helvetica"/>
-              </a:rPr>
-              <a:t> </a:t>
-            </a:r>
-            <a:r>
-              <a:rPr lang="en-US" sz="1200" dirty="0" err="1">
-                <a:latin typeface="Helvetica"/>
-                <a:cs typeface="Helvetica"/>
-              </a:rPr>
-              <a:t>incididunt</a:t>
-            </a:r>
-            <a:r>
-              <a:rPr lang="en-US" sz="1200" dirty="0">
-                <a:latin typeface="Helvetica"/>
-                <a:cs typeface="Helvetica"/>
-              </a:rPr>
-              <a:t> </a:t>
-            </a:r>
-            <a:r>
-              <a:rPr lang="en-US" sz="1200" dirty="0" err="1">
-                <a:latin typeface="Helvetica"/>
-                <a:cs typeface="Helvetica"/>
-              </a:rPr>
-              <a:t>ut</a:t>
-            </a:r>
-            <a:r>
-              <a:rPr lang="en-US" sz="1200" dirty="0">
-                <a:latin typeface="Helvetica"/>
-                <a:cs typeface="Helvetica"/>
-              </a:rPr>
-              <a:t> </a:t>
-            </a:r>
-            <a:r>
-              <a:rPr lang="en-US" sz="1200" dirty="0" err="1">
-                <a:latin typeface="Helvetica"/>
-                <a:cs typeface="Helvetica"/>
-              </a:rPr>
-              <a:t>labore</a:t>
-            </a:r>
-            <a:r>
-              <a:rPr lang="en-US" sz="1200" dirty="0">
-                <a:latin typeface="Helvetica"/>
-                <a:cs typeface="Helvetica"/>
-              </a:rPr>
-              <a:t> et </a:t>
-            </a:r>
-            <a:r>
-              <a:rPr lang="en-US" sz="1200" dirty="0" err="1">
-                <a:latin typeface="Helvetica"/>
-                <a:cs typeface="Helvetica"/>
-              </a:rPr>
-              <a:t>dolore</a:t>
-            </a:r>
-            <a:r>
-              <a:rPr lang="en-US" sz="1200" dirty="0">
-                <a:latin typeface="Helvetica"/>
-                <a:cs typeface="Helvetica"/>
-              </a:rPr>
-              <a:t> magna </a:t>
-            </a:r>
-            <a:r>
-              <a:rPr lang="en-US" sz="1200" dirty="0" err="1">
-                <a:latin typeface="Helvetica"/>
-                <a:cs typeface="Helvetica"/>
-              </a:rPr>
-              <a:t>aliqua</a:t>
-            </a:r>
-            <a:r>
-              <a:rPr lang="en-US" sz="1200" dirty="0">
-                <a:latin typeface="Helvetica"/>
-                <a:cs typeface="Helvetica"/>
-              </a:rPr>
-              <a:t>. </a:t>
-            </a:r>
-            <a:r>
-              <a:rPr lang="en-US" sz="1200" dirty="0" err="1">
-                <a:latin typeface="Helvetica"/>
-                <a:cs typeface="Helvetica"/>
-              </a:rPr>
-              <a:t>Ut</a:t>
-            </a:r>
-            <a:r>
-              <a:rPr lang="en-US" sz="1200" dirty="0">
-                <a:latin typeface="Helvetica"/>
-                <a:cs typeface="Helvetica"/>
-              </a:rPr>
-              <a:t> </a:t>
-            </a:r>
-            <a:r>
-              <a:rPr lang="en-US" sz="1200" dirty="0" err="1">
-                <a:latin typeface="Helvetica"/>
-                <a:cs typeface="Helvetica"/>
-              </a:rPr>
-              <a:t>enim</a:t>
-            </a:r>
-            <a:r>
-              <a:rPr lang="en-US" sz="1200" dirty="0">
-                <a:latin typeface="Helvetica"/>
-                <a:cs typeface="Helvetica"/>
-              </a:rPr>
-              <a:t> ad minim </a:t>
-            </a:r>
-            <a:r>
-              <a:rPr lang="en-US" sz="1200" dirty="0" err="1">
-                <a:latin typeface="Helvetica"/>
-                <a:cs typeface="Helvetica"/>
-              </a:rPr>
-              <a:t>veniam</a:t>
-            </a:r>
-            <a:r>
-              <a:rPr lang="en-US" sz="1200" dirty="0">
-                <a:latin typeface="Helvetica"/>
-                <a:cs typeface="Helvetica"/>
-              </a:rPr>
-              <a:t>, </a:t>
-            </a:r>
-            <a:r>
-              <a:rPr lang="en-US" sz="1200" dirty="0" err="1">
-                <a:latin typeface="Helvetica"/>
-                <a:cs typeface="Helvetica"/>
-              </a:rPr>
-              <a:t>quis</a:t>
-            </a:r>
-            <a:r>
-              <a:rPr lang="en-US" sz="1200" dirty="0">
-                <a:latin typeface="Helvetica"/>
-                <a:cs typeface="Helvetica"/>
-              </a:rPr>
-              <a:t> </a:t>
-            </a:r>
-            <a:r>
-              <a:rPr lang="en-US" sz="1200" dirty="0" err="1">
-                <a:latin typeface="Helvetica"/>
-                <a:cs typeface="Helvetica"/>
-              </a:rPr>
-              <a:t>nostrud</a:t>
-            </a:r>
-            <a:r>
-              <a:rPr lang="en-US" sz="1200" dirty="0">
-                <a:latin typeface="Helvetica"/>
-                <a:cs typeface="Helvetica"/>
-              </a:rPr>
-              <a:t> exercitation </a:t>
-            </a:r>
-            <a:r>
-              <a:rPr lang="en-US" sz="1200" dirty="0" err="1">
-                <a:latin typeface="Helvetica"/>
-                <a:cs typeface="Helvetica"/>
-              </a:rPr>
-              <a:t>ullamco</a:t>
-            </a:r>
-            <a:r>
-              <a:rPr lang="en-US" sz="1200" dirty="0">
-                <a:latin typeface="Helvetica"/>
-                <a:cs typeface="Helvetica"/>
-              </a:rPr>
-              <a:t> </a:t>
-            </a:r>
-            <a:r>
-              <a:rPr lang="en-US" sz="1200" dirty="0" err="1">
-                <a:latin typeface="Helvetica"/>
-                <a:cs typeface="Helvetica"/>
-              </a:rPr>
-              <a:t>laboris</a:t>
-            </a:r>
-            <a:r>
-              <a:rPr lang="en-US" sz="1200" dirty="0">
-                <a:latin typeface="Helvetica"/>
-                <a:cs typeface="Helvetica"/>
-              </a:rPr>
-              <a:t> nisi </a:t>
-            </a:r>
-            <a:r>
-              <a:rPr lang="en-US" sz="1200" dirty="0" err="1">
-                <a:latin typeface="Helvetica"/>
-                <a:cs typeface="Helvetica"/>
-              </a:rPr>
-              <a:t>ut</a:t>
-            </a:r>
-            <a:r>
-              <a:rPr lang="en-US" sz="1200" dirty="0">
-                <a:latin typeface="Helvetica"/>
-                <a:cs typeface="Helvetica"/>
-              </a:rPr>
-              <a:t> </a:t>
-            </a:r>
-            <a:r>
-              <a:rPr lang="en-US" sz="1200" dirty="0" err="1">
-                <a:latin typeface="Helvetica"/>
-                <a:cs typeface="Helvetica"/>
-              </a:rPr>
-              <a:t>aliquip</a:t>
-            </a:r>
-            <a:r>
-              <a:rPr lang="en-US" sz="1200" dirty="0">
-                <a:latin typeface="Helvetica"/>
-                <a:cs typeface="Helvetica"/>
-              </a:rPr>
-              <a:t> ex </a:t>
-            </a:r>
-            <a:r>
-              <a:rPr lang="en-US" sz="1200" dirty="0" err="1">
-                <a:latin typeface="Helvetica"/>
-                <a:cs typeface="Helvetica"/>
-              </a:rPr>
-              <a:t>ea</a:t>
-            </a:r>
-            <a:r>
-              <a:rPr lang="en-US" sz="1200" dirty="0">
-                <a:latin typeface="Helvetica"/>
-                <a:cs typeface="Helvetica"/>
-              </a:rPr>
-              <a:t> </a:t>
-            </a:r>
-            <a:r>
-              <a:rPr lang="en-US" sz="1200" dirty="0" err="1">
-                <a:latin typeface="Helvetica"/>
-                <a:cs typeface="Helvetica"/>
-              </a:rPr>
-              <a:t>commodo</a:t>
-            </a:r>
-            <a:r>
-              <a:rPr lang="en-US" sz="1200" dirty="0">
-                <a:latin typeface="Helvetica"/>
-                <a:cs typeface="Helvetica"/>
-              </a:rPr>
-              <a:t> </a:t>
-            </a:r>
-            <a:r>
-              <a:rPr lang="en-US" sz="1200" dirty="0" err="1">
-                <a:latin typeface="Helvetica"/>
-                <a:cs typeface="Helvetica"/>
-              </a:rPr>
-              <a:t>consequat</a:t>
-            </a:r>
-            <a:r>
-              <a:rPr lang="en-US" sz="1200" dirty="0">
-                <a:latin typeface="Helvetica"/>
-                <a:cs typeface="Helvetica"/>
-              </a:rPr>
-              <a:t>. </a:t>
-            </a:r>
-            <a:endParaRPr lang="en-US" sz="1200" dirty="0" smtClean="0">
-              <a:latin typeface="Helvetica"/>
-              <a:cs typeface="Helvetica"/>
-            </a:endParaRPr>
-          </a:p>
-        </p:txBody>
-      </p:sp>
-      <p:pic>
-        <p:nvPicPr>
-          <p:cNvPr id="29" name="Picture 28" descr="screencapture-repository-library-northeastern-edu-1430517316805.png"/>
-          <p:cNvPicPr>
-            <a:picLocks noChangeAspect="1"/>
-          </p:cNvPicPr>
-          <p:nvPr/>
-        </p:nvPicPr>
-        <p:blipFill>
-          <a:blip r:embed="rId2">
-            <a:extLst>
-              <a:ext uri="{28A0092B-C50C-407E-A947-70E740481C1C}">
-                <a14:useLocalDpi xmlns:a14="http://schemas.microsoft.com/office/drawing/2010/main" val="0"/>
-              </a:ext>
-            </a:extLst>
-          </a:blip>
-          <a:stretch>
-            <a:fillRect/>
-          </a:stretch>
-        </p:blipFill>
-        <p:spPr>
-          <a:xfrm>
-            <a:off x="208948" y="2667039"/>
-            <a:ext cx="2644587" cy="1992345"/>
-          </a:xfrm>
-          <a:prstGeom prst="rect">
-            <a:avLst/>
-          </a:prstGeom>
-          <a:ln w="28575" cmpd="sng">
-            <a:solidFill>
-              <a:srgbClr val="000000"/>
-            </a:solidFill>
-          </a:ln>
-        </p:spPr>
-      </p:pic>
-      <p:pic>
-        <p:nvPicPr>
-          <p:cNvPr id="30" name="Picture 29" descr="screencapture-repository-library-northeastern-edu-1430517316805.png"/>
-          <p:cNvPicPr>
-            <a:picLocks noChangeAspect="1"/>
-          </p:cNvPicPr>
-          <p:nvPr/>
-        </p:nvPicPr>
-        <p:blipFill>
-          <a:blip r:embed="rId2">
-            <a:extLst>
-              <a:ext uri="{28A0092B-C50C-407E-A947-70E740481C1C}">
-                <a14:useLocalDpi xmlns:a14="http://schemas.microsoft.com/office/drawing/2010/main" val="0"/>
-              </a:ext>
-            </a:extLst>
-          </a:blip>
-          <a:stretch>
-            <a:fillRect/>
-          </a:stretch>
-        </p:blipFill>
-        <p:spPr>
-          <a:xfrm>
-            <a:off x="3055334" y="3561905"/>
-            <a:ext cx="2913529" cy="2194957"/>
-          </a:xfrm>
-          <a:prstGeom prst="rect">
-            <a:avLst/>
-          </a:prstGeom>
-          <a:ln w="28575" cmpd="sng">
-            <a:solidFill>
-              <a:srgbClr val="000000"/>
-            </a:solidFill>
-          </a:ln>
-        </p:spPr>
-      </p:pic>
-      <p:sp>
-        <p:nvSpPr>
-          <p:cNvPr id="31" name="TextBox 30"/>
-          <p:cNvSpPr txBox="1"/>
-          <p:nvPr/>
-        </p:nvSpPr>
-        <p:spPr>
-          <a:xfrm>
-            <a:off x="5968863" y="312032"/>
-            <a:ext cx="2951018" cy="584776"/>
-          </a:xfrm>
-          <a:prstGeom prst="rect">
-            <a:avLst/>
-          </a:prstGeom>
-          <a:noFill/>
-        </p:spPr>
-        <p:txBody>
-          <a:bodyPr wrap="square" rtlCol="0" anchor="ctr">
-            <a:spAutoFit/>
-          </a:bodyPr>
-          <a:lstStyle/>
-          <a:p>
-            <a:pPr algn="r"/>
-            <a:r>
-              <a:rPr lang="en-US" sz="1600" dirty="0" smtClean="0">
-                <a:solidFill>
-                  <a:srgbClr val="1C2939"/>
-                </a:solidFill>
-                <a:latin typeface="Garamond"/>
-                <a:cs typeface="Garamond"/>
-              </a:rPr>
-              <a:t>Sarah Sweeney</a:t>
-            </a:r>
-          </a:p>
-          <a:p>
-            <a:pPr algn="r"/>
-            <a:r>
-              <a:rPr lang="en-US" sz="1600" dirty="0" smtClean="0">
-                <a:solidFill>
-                  <a:srgbClr val="1C2939"/>
-                </a:solidFill>
-                <a:latin typeface="Garamond"/>
-                <a:cs typeface="Garamond"/>
-              </a:rPr>
-              <a:t>Northeastern University Libraries</a:t>
-            </a:r>
-            <a:endParaRPr lang="en-US" sz="1600" dirty="0">
-              <a:solidFill>
-                <a:srgbClr val="1C2939"/>
-              </a:solidFill>
-              <a:latin typeface="Garamond"/>
-              <a:cs typeface="Garamond"/>
-            </a:endParaRPr>
-          </a:p>
-        </p:txBody>
-      </p:sp>
-      <p:pic>
-        <p:nvPicPr>
-          <p:cNvPr id="34" name="Picture 33" descr="2015-05-02_2004.png"/>
-          <p:cNvPicPr>
-            <a:picLocks noChangeAspect="1"/>
-          </p:cNvPicPr>
-          <p:nvPr/>
-        </p:nvPicPr>
-        <p:blipFill>
-          <a:blip r:embed="rId3">
-            <a:extLst>
-              <a:ext uri="{28A0092B-C50C-407E-A947-70E740481C1C}">
-                <a14:useLocalDpi xmlns:a14="http://schemas.microsoft.com/office/drawing/2010/main" val="0"/>
-              </a:ext>
-            </a:extLst>
-          </a:blip>
-          <a:stretch>
-            <a:fillRect/>
-          </a:stretch>
-        </p:blipFill>
-        <p:spPr>
-          <a:xfrm>
-            <a:off x="5050118" y="5957657"/>
-            <a:ext cx="3869763" cy="637787"/>
-          </a:xfrm>
-          <a:prstGeom prst="rect">
-            <a:avLst/>
-          </a:prstGeom>
-        </p:spPr>
-      </p:pic>
-      <p:sp>
-        <p:nvSpPr>
-          <p:cNvPr id="35" name="TextBox 34"/>
-          <p:cNvSpPr txBox="1"/>
-          <p:nvPr/>
-        </p:nvSpPr>
-        <p:spPr>
-          <a:xfrm>
-            <a:off x="5199529" y="6507033"/>
-            <a:ext cx="3829596" cy="307777"/>
-          </a:xfrm>
-          <a:prstGeom prst="rect">
-            <a:avLst/>
-          </a:prstGeom>
-          <a:noFill/>
-        </p:spPr>
-        <p:txBody>
-          <a:bodyPr wrap="square" rtlCol="0">
-            <a:spAutoFit/>
-          </a:bodyPr>
-          <a:lstStyle/>
-          <a:p>
-            <a:pPr algn="ctr"/>
-            <a:r>
-              <a:rPr lang="en-US" sz="1400" dirty="0">
-                <a:solidFill>
-                  <a:schemeClr val="accent1">
-                    <a:lumMod val="75000"/>
-                  </a:schemeClr>
-                </a:solidFill>
-                <a:latin typeface="Calibri (Body)"/>
-                <a:cs typeface="Calibri (Body)"/>
-              </a:rPr>
-              <a:t>https://</a:t>
-            </a:r>
-            <a:r>
-              <a:rPr lang="en-US" sz="1400" dirty="0" err="1" smtClean="0">
-                <a:solidFill>
-                  <a:schemeClr val="accent1">
-                    <a:lumMod val="75000"/>
-                  </a:schemeClr>
-                </a:solidFill>
-                <a:latin typeface="Calibri (Body)"/>
-                <a:cs typeface="Calibri (Body)"/>
-              </a:rPr>
-              <a:t>repository.library.northeastern.edu</a:t>
-            </a:r>
-            <a:endParaRPr lang="en-US" sz="1400" dirty="0">
-              <a:solidFill>
-                <a:schemeClr val="accent1">
-                  <a:lumMod val="75000"/>
-                </a:schemeClr>
-              </a:solidFill>
-              <a:latin typeface="Calibri (Body)"/>
-              <a:cs typeface="Calibri (Body)"/>
-            </a:endParaRPr>
-          </a:p>
-        </p:txBody>
-      </p:sp>
-    </p:spTree>
-    <p:extLst>
-      <p:ext uri="{BB962C8B-B14F-4D97-AF65-F5344CB8AC3E}">
-        <p14:creationId xmlns:p14="http://schemas.microsoft.com/office/powerpoint/2010/main" val="1649770617"/>
-      </p:ext>
-    </p:extLst>
-  </p:cSld>
-  <p:clrMapOvr>
-    <a:masterClrMapping/>
-  </p:clrMapOvr>
+  <mc:AlternateContent xmlns:mc="http://schemas.openxmlformats.org/markup-compatibility/2006">
+    <mc:Choice xmlns:p14="http://schemas.microsoft.com/office/powerpoint/2010/main" Requires="p14">
+      <p:transition spd="slow" p14:dur="2000"/>
+    </mc:Choice>
+    <mc:Fallback>
+      <p:transition xmlns:p14="http://schemas.microsoft.com/office/powerpoint/2010/main" spd="slow"/>
+    </mc:Fallback>
+  </mc:AlternateContent>
   <p:timing>
     <p:tnLst>
       <p:par>
@@ -6790,4 +7100,324 @@
   </a:objectDefaults>
   <a:extraClrSchemeLst/>
 </a:theme>
+</file>
+
+<file path=ppt/theme/theme2.xml><?xml version="1.0" encoding="utf-8"?>
+<a:theme xmlns:a="http://schemas.openxmlformats.org/drawingml/2006/main" name="Office Theme">
+  <a:themeElements>
+    <a:clrScheme name="Office">
+      <a:dk1>
+        <a:sysClr val="windowText" lastClr="000000"/>
+      </a:dk1>
+      <a:lt1>
+        <a:sysClr val="window" lastClr="FFFFFF"/>
+      </a:lt1>
+      <a:dk2>
+        <a:srgbClr val="1F497D"/>
+      </a:dk2>
+      <a:lt2>
+        <a:srgbClr val="EEECE1"/>
+      </a:lt2>
+      <a:accent1>
+        <a:srgbClr val="4F81BD"/>
+      </a:accent1>
+      <a:accent2>
+        <a:srgbClr val="C0504D"/>
+      </a:accent2>
+      <a:accent3>
+        <a:srgbClr val="9BBB59"/>
+      </a:accent3>
+      <a:accent4>
+        <a:srgbClr val="8064A2"/>
+      </a:accent4>
+      <a:accent5>
+        <a:srgbClr val="4BACC6"/>
+      </a:accent5>
+      <a:accent6>
+        <a:srgbClr val="F79646"/>
+      </a:accent6>
+      <a:hlink>
+        <a:srgbClr val="0000FF"/>
+      </a:hlink>
+      <a:folHlink>
+        <a:srgbClr val="800080"/>
+      </a:folHlink>
+    </a:clrScheme>
+    <a:fontScheme name="Office">
+      <a:majorFont>
+        <a:latin typeface="Calibri"/>
+        <a:ea typeface=""/>
+        <a:cs typeface=""/>
+        <a:font script="Jpan" typeface="ＭＳ Ｐゴシック"/>
+        <a:font script="Hang" typeface="맑은 고딕"/>
+        <a:font script="Hans" typeface="宋体"/>
+        <a:font script="Hant" typeface="新細明體"/>
+        <a:font script="Arab" typeface="Times New Roman"/>
+        <a:font script="Hebr" typeface="Times New Roman"/>
+        <a:font script="Thai" typeface="Angsana New"/>
+        <a:font script="Ethi" typeface="Nyala"/>
+        <a:font script="Beng" typeface="Vrinda"/>
+        <a:font script="Gujr" typeface="Shruti"/>
+        <a:font script="Khmr" typeface="MoolBoran"/>
+        <a:font script="Knda" typeface="Tunga"/>
+        <a:font script="Guru" typeface="Raavi"/>
+        <a:font script="Cans" typeface="Euphemia"/>
+        <a:font script="Cher" typeface="Plantagenet Cherokee"/>
+        <a:font script="Yiii" typeface="Microsoft Yi Baiti"/>
+        <a:font script="Tibt" typeface="Microsoft Himalaya"/>
+        <a:font script="Thaa" typeface="MV Boli"/>
+        <a:font script="Deva" typeface="Mangal"/>
+        <a:font script="Telu" typeface="Gautami"/>
+        <a:font script="Taml" typeface="Latha"/>
+        <a:font script="Syrc" typeface="Estrangelo Edessa"/>
+        <a:font script="Orya" typeface="Kalinga"/>
+        <a:font script="Mlym" typeface="Kartika"/>
+        <a:font script="Laoo" typeface="DokChampa"/>
+        <a:font script="Sinh" typeface="Iskoola Pota"/>
+        <a:font script="Mong" typeface="Mongolian Baiti"/>
+        <a:font script="Viet" typeface="Times New Roman"/>
+        <a:font script="Uigh" typeface="Microsoft Uighur"/>
+        <a:font script="Geor" typeface="Sylfaen"/>
+      </a:majorFont>
+      <a:minorFont>
+        <a:latin typeface="Calibri"/>
+        <a:ea typeface=""/>
+        <a:cs typeface=""/>
+        <a:font script="Jpan" typeface="ＭＳ Ｐゴシック"/>
+        <a:font script="Hang" typeface="맑은 고딕"/>
+        <a:font script="Hans" typeface="宋体"/>
+        <a:font script="Hant" typeface="新細明體"/>
+        <a:font script="Arab" typeface="Arial"/>
+        <a:font script="Hebr" typeface="Arial"/>
+        <a:font script="Thai" typeface="Cordia New"/>
+        <a:font script="Ethi" typeface="Nyala"/>
+        <a:font script="Beng" typeface="Vrinda"/>
+        <a:font script="Gujr" typeface="Shruti"/>
+        <a:font script="Khmr" typeface="DaunPenh"/>
+        <a:font script="Knda" typeface="Tunga"/>
+        <a:font script="Guru" typeface="Raavi"/>
+        <a:font script="Cans" typeface="Euphemia"/>
+        <a:font script="Cher" typeface="Plantagenet Cherokee"/>
+        <a:font script="Yiii" typeface="Microsoft Yi Baiti"/>
+        <a:font script="Tibt" typeface="Microsoft Himalaya"/>
+        <a:font script="Thaa" typeface="MV Boli"/>
+        <a:font script="Deva" typeface="Mangal"/>
+        <a:font script="Telu" typeface="Gautami"/>
+        <a:font script="Taml" typeface="Latha"/>
+        <a:font script="Syrc" typeface="Estrangelo Edessa"/>
+        <a:font script="Orya" typeface="Kalinga"/>
+        <a:font script="Mlym" typeface="Kartika"/>
+        <a:font script="Laoo" typeface="DokChampa"/>
+        <a:font script="Sinh" typeface="Iskoola Pota"/>
+        <a:font script="Mong" typeface="Mongolian Baiti"/>
+        <a:font script="Viet" typeface="Arial"/>
+        <a:font script="Uigh" typeface="Microsoft Uighur"/>
+        <a:font script="Geor" typeface="Sylfaen"/>
+      </a:minorFont>
+    </a:fontScheme>
+    <a:fmtScheme name="Office">
+      <a:fillStyleLst>
+        <a:solidFill>
+          <a:schemeClr val="phClr"/>
+        </a:solidFill>
+        <a:gradFill rotWithShape="1">
+          <a:gsLst>
+            <a:gs pos="0">
+              <a:schemeClr val="phClr">
+                <a:tint val="50000"/>
+                <a:satMod val="300000"/>
+              </a:schemeClr>
+            </a:gs>
+            <a:gs pos="35000">
+              <a:schemeClr val="phClr">
+                <a:tint val="37000"/>
+                <a:satMod val="300000"/>
+              </a:schemeClr>
+            </a:gs>
+            <a:gs pos="100000">
+              <a:schemeClr val="phClr">
+                <a:tint val="15000"/>
+                <a:satMod val="350000"/>
+              </a:schemeClr>
+            </a:gs>
+          </a:gsLst>
+          <a:lin ang="16200000" scaled="1"/>
+        </a:gradFill>
+        <a:gradFill rotWithShape="1">
+          <a:gsLst>
+            <a:gs pos="0">
+              <a:schemeClr val="phClr">
+                <a:tint val="100000"/>
+                <a:shade val="100000"/>
+                <a:satMod val="130000"/>
+              </a:schemeClr>
+            </a:gs>
+            <a:gs pos="100000">
+              <a:schemeClr val="phClr">
+                <a:tint val="50000"/>
+                <a:shade val="100000"/>
+                <a:satMod val="350000"/>
+              </a:schemeClr>
+            </a:gs>
+          </a:gsLst>
+          <a:lin ang="16200000" scaled="0"/>
+        </a:gradFill>
+      </a:fillStyleLst>
+      <a:lnStyleLst>
+        <a:ln w="9525" cap="flat" cmpd="sng" algn="ctr">
+          <a:solidFill>
+            <a:schemeClr val="phClr">
+              <a:shade val="95000"/>
+              <a:satMod val="105000"/>
+            </a:schemeClr>
+          </a:solidFill>
+          <a:prstDash val="solid"/>
+        </a:ln>
+        <a:ln w="25400" cap="flat" cmpd="sng" algn="ctr">
+          <a:solidFill>
+            <a:schemeClr val="phClr"/>
+          </a:solidFill>
+          <a:prstDash val="solid"/>
+        </a:ln>
+        <a:ln w="38100" cap="flat" cmpd="sng" algn="ctr">
+          <a:solidFill>
+            <a:schemeClr val="phClr"/>
+          </a:solidFill>
+          <a:prstDash val="solid"/>
+        </a:ln>
+      </a:lnStyleLst>
+      <a:effectStyleLst>
+        <a:effectStyle>
+          <a:effectLst>
+            <a:outerShdw blurRad="40000" dist="20000" dir="5400000" rotWithShape="0">
+              <a:srgbClr val="000000">
+                <a:alpha val="38000"/>
+              </a:srgbClr>
+            </a:outerShdw>
+          </a:effectLst>
+        </a:effectStyle>
+        <a:effectStyle>
+          <a:effectLst>
+            <a:outerShdw blurRad="40000" dist="23000" dir="5400000" rotWithShape="0">
+              <a:srgbClr val="000000">
+                <a:alpha val="35000"/>
+              </a:srgbClr>
+            </a:outerShdw>
+          </a:effectLst>
+        </a:effectStyle>
+        <a:effectStyle>
+          <a:effectLst>
+            <a:outerShdw blurRad="40000" dist="23000" dir="5400000" rotWithShape="0">
+              <a:srgbClr val="000000">
+                <a:alpha val="35000"/>
+              </a:srgbClr>
+            </a:outerShdw>
+          </a:effectLst>
+          <a:scene3d>
+            <a:camera prst="orthographicFront">
+              <a:rot lat="0" lon="0" rev="0"/>
+            </a:camera>
+            <a:lightRig rig="threePt" dir="t">
+              <a:rot lat="0" lon="0" rev="1200000"/>
+            </a:lightRig>
+          </a:scene3d>
+          <a:sp3d>
+            <a:bevelT w="63500" h="25400"/>
+          </a:sp3d>
+        </a:effectStyle>
+      </a:effectStyleLst>
+      <a:bgFillStyleLst>
+        <a:solidFill>
+          <a:schemeClr val="phClr"/>
+        </a:solidFill>
+        <a:gradFill rotWithShape="1">
+          <a:gsLst>
+            <a:gs pos="0">
+              <a:schemeClr val="phClr">
+                <a:tint val="40000"/>
+                <a:satMod val="350000"/>
+              </a:schemeClr>
+            </a:gs>
+            <a:gs pos="40000">
+              <a:schemeClr val="phClr">
+                <a:tint val="45000"/>
+                <a:shade val="99000"/>
+                <a:satMod val="350000"/>
+              </a:schemeClr>
+            </a:gs>
+            <a:gs pos="100000">
+              <a:schemeClr val="phClr">
+                <a:shade val="20000"/>
+                <a:satMod val="255000"/>
+              </a:schemeClr>
+            </a:gs>
+          </a:gsLst>
+          <a:path path="circle">
+            <a:fillToRect l="50000" t="-80000" r="50000" b="180000"/>
+          </a:path>
+        </a:gradFill>
+        <a:gradFill rotWithShape="1">
+          <a:gsLst>
+            <a:gs pos="0">
+              <a:schemeClr val="phClr">
+                <a:tint val="80000"/>
+                <a:satMod val="300000"/>
+              </a:schemeClr>
+            </a:gs>
+            <a:gs pos="100000">
+              <a:schemeClr val="phClr">
+                <a:shade val="30000"/>
+                <a:satMod val="200000"/>
+              </a:schemeClr>
+            </a:gs>
+          </a:gsLst>
+          <a:path path="circle">
+            <a:fillToRect l="50000" t="50000" r="50000" b="50000"/>
+          </a:path>
+        </a:gradFill>
+      </a:bgFillStyleLst>
+    </a:fmtScheme>
+  </a:themeElements>
+  <a:objectDefaults>
+    <a:spDef>
+      <a:spPr/>
+      <a:bodyPr/>
+      <a:lstStyle/>
+      <a:style>
+        <a:lnRef idx="1">
+          <a:schemeClr val="accent1"/>
+        </a:lnRef>
+        <a:fillRef idx="3">
+          <a:schemeClr val="accent1"/>
+        </a:fillRef>
+        <a:effectRef idx="2">
+          <a:schemeClr val="accent1"/>
+        </a:effectRef>
+        <a:fontRef idx="minor">
+          <a:schemeClr val="lt1"/>
+        </a:fontRef>
+      </a:style>
+    </a:spDef>
+    <a:lnDef>
+      <a:spPr/>
+      <a:bodyPr/>
+      <a:lstStyle/>
+      <a:style>
+        <a:lnRef idx="2">
+          <a:schemeClr val="accent1"/>
+        </a:lnRef>
+        <a:fillRef idx="0">
+          <a:schemeClr val="accent1"/>
+        </a:fillRef>
+        <a:effectRef idx="1">
+          <a:schemeClr val="accent1"/>
+        </a:effectRef>
+        <a:fontRef idx="minor">
+          <a:schemeClr val="tx1"/>
+        </a:fontRef>
+      </a:style>
+    </a:lnDef>
+  </a:objectDefaults>
+  <a:extraClrSchemeLst/>
+</a:theme>
 </file>